--- a/122/NEMOPS/IAB NEMOPS - YANG-Push - Agile Incremental Driven Development.pptx
+++ b/122/NEMOPS/IAB NEMOPS - YANG-Push - Agile Incremental Driven Development.pptx
@@ -120,6 +120,232 @@
     </p:ext>
   </p:extLst>
 </p:presentation>
+</file>
+
+<file path=ppt/changesInfos/changesInfo1.xml><?xml version="1.0" encoding="utf-8"?>
+<pc:chgInfo xmlns:a="http://schemas.openxmlformats.org/drawingml/2006/main" xmlns:r="http://schemas.openxmlformats.org/officeDocument/2006/relationships" xmlns:ac="http://schemas.microsoft.com/office/drawing/2013/main/command" xmlns:pc="http://schemas.microsoft.com/office/powerpoint/2013/main/command">
+  <pc:docChgLst>
+    <pc:chgData name="Graf Thomas, INI-NET-VNC-HCS" userId="487bc3e3-9ce7-4cdd-b7b4-8899ea88d289" providerId="ADAL" clId="{43074B02-ABBA-4EEC-B56D-658988DD2B14}"/>
+    <pc:docChg chg="modSld">
+      <pc:chgData name="Graf Thomas, INI-NET-VNC-HCS" userId="487bc3e3-9ce7-4cdd-b7b4-8899ea88d289" providerId="ADAL" clId="{43074B02-ABBA-4EEC-B56D-658988DD2B14}" dt="2024-11-27T05:40:27.527" v="35" actId="207"/>
+      <pc:docMkLst>
+        <pc:docMk/>
+      </pc:docMkLst>
+      <pc:sldChg chg="modSp mod">
+        <pc:chgData name="Graf Thomas, INI-NET-VNC-HCS" userId="487bc3e3-9ce7-4cdd-b7b4-8899ea88d289" providerId="ADAL" clId="{43074B02-ABBA-4EEC-B56D-658988DD2B14}" dt="2024-11-27T05:36:21.327" v="21" actId="20577"/>
+        <pc:sldMkLst>
+          <pc:docMk/>
+          <pc:sldMk cId="1875627337" sldId="2145706277"/>
+        </pc:sldMkLst>
+        <pc:spChg chg="mod">
+          <ac:chgData name="Graf Thomas, INI-NET-VNC-HCS" userId="487bc3e3-9ce7-4cdd-b7b4-8899ea88d289" providerId="ADAL" clId="{43074B02-ABBA-4EEC-B56D-658988DD2B14}" dt="2024-11-27T05:36:21.327" v="21" actId="20577"/>
+          <ac:spMkLst>
+            <pc:docMk/>
+            <pc:sldMk cId="1875627337" sldId="2145706277"/>
+            <ac:spMk id="7" creationId="{28204345-4180-95D2-FA2A-FAA5B1341B84}"/>
+          </ac:spMkLst>
+        </pc:spChg>
+      </pc:sldChg>
+      <pc:sldChg chg="modSp mod">
+        <pc:chgData name="Graf Thomas, INI-NET-VNC-HCS" userId="487bc3e3-9ce7-4cdd-b7b4-8899ea88d289" providerId="ADAL" clId="{43074B02-ABBA-4EEC-B56D-658988DD2B14}" dt="2024-11-27T05:38:40.215" v="31" actId="1076"/>
+        <pc:sldMkLst>
+          <pc:docMk/>
+          <pc:sldMk cId="2764131050" sldId="2145706278"/>
+        </pc:sldMkLst>
+        <pc:spChg chg="mod">
+          <ac:chgData name="Graf Thomas, INI-NET-VNC-HCS" userId="487bc3e3-9ce7-4cdd-b7b4-8899ea88d289" providerId="ADAL" clId="{43074B02-ABBA-4EEC-B56D-658988DD2B14}" dt="2024-11-27T05:37:32.782" v="28" actId="790"/>
+          <ac:spMkLst>
+            <pc:docMk/>
+            <pc:sldMk cId="2764131050" sldId="2145706278"/>
+            <ac:spMk id="6" creationId="{024DC3B6-499C-4E15-9336-2F15A0DFB843}"/>
+          </ac:spMkLst>
+        </pc:spChg>
+        <pc:spChg chg="mod">
+          <ac:chgData name="Graf Thomas, INI-NET-VNC-HCS" userId="487bc3e3-9ce7-4cdd-b7b4-8899ea88d289" providerId="ADAL" clId="{43074B02-ABBA-4EEC-B56D-658988DD2B14}" dt="2024-11-27T05:37:32.782" v="28" actId="790"/>
+          <ac:spMkLst>
+            <pc:docMk/>
+            <pc:sldMk cId="2764131050" sldId="2145706278"/>
+            <ac:spMk id="11" creationId="{B2A37731-AEFD-15D3-A665-8F4E658F53E2}"/>
+          </ac:spMkLst>
+        </pc:spChg>
+        <pc:spChg chg="mod">
+          <ac:chgData name="Graf Thomas, INI-NET-VNC-HCS" userId="487bc3e3-9ce7-4cdd-b7b4-8899ea88d289" providerId="ADAL" clId="{43074B02-ABBA-4EEC-B56D-658988DD2B14}" dt="2024-11-27T05:37:32.782" v="28" actId="790"/>
+          <ac:spMkLst>
+            <pc:docMk/>
+            <pc:sldMk cId="2764131050" sldId="2145706278"/>
+            <ac:spMk id="12" creationId="{B81BDC52-9F54-8464-CFBE-52869B51022D}"/>
+          </ac:spMkLst>
+        </pc:spChg>
+        <pc:spChg chg="mod">
+          <ac:chgData name="Graf Thomas, INI-NET-VNC-HCS" userId="487bc3e3-9ce7-4cdd-b7b4-8899ea88d289" providerId="ADAL" clId="{43074B02-ABBA-4EEC-B56D-658988DD2B14}" dt="2024-11-27T05:37:32.782" v="28" actId="790"/>
+          <ac:spMkLst>
+            <pc:docMk/>
+            <pc:sldMk cId="2764131050" sldId="2145706278"/>
+            <ac:spMk id="17" creationId="{E758DD90-C648-A2CB-CC61-19D59AC79BEF}"/>
+          </ac:spMkLst>
+        </pc:spChg>
+        <pc:spChg chg="mod">
+          <ac:chgData name="Graf Thomas, INI-NET-VNC-HCS" userId="487bc3e3-9ce7-4cdd-b7b4-8899ea88d289" providerId="ADAL" clId="{43074B02-ABBA-4EEC-B56D-658988DD2B14}" dt="2024-11-27T05:37:32.782" v="28" actId="790"/>
+          <ac:spMkLst>
+            <pc:docMk/>
+            <pc:sldMk cId="2764131050" sldId="2145706278"/>
+            <ac:spMk id="18" creationId="{B724AEB6-5BAC-47DA-8B69-2AD187CE7405}"/>
+          </ac:spMkLst>
+        </pc:spChg>
+        <pc:spChg chg="mod">
+          <ac:chgData name="Graf Thomas, INI-NET-VNC-HCS" userId="487bc3e3-9ce7-4cdd-b7b4-8899ea88d289" providerId="ADAL" clId="{43074B02-ABBA-4EEC-B56D-658988DD2B14}" dt="2024-11-27T05:37:32.782" v="28" actId="790"/>
+          <ac:spMkLst>
+            <pc:docMk/>
+            <pc:sldMk cId="2764131050" sldId="2145706278"/>
+            <ac:spMk id="19" creationId="{56D79134-17A9-8BC8-B7D0-97BCFFB9A6B2}"/>
+          </ac:spMkLst>
+        </pc:spChg>
+        <pc:spChg chg="mod">
+          <ac:chgData name="Graf Thomas, INI-NET-VNC-HCS" userId="487bc3e3-9ce7-4cdd-b7b4-8899ea88d289" providerId="ADAL" clId="{43074B02-ABBA-4EEC-B56D-658988DD2B14}" dt="2024-11-27T05:37:32.782" v="28" actId="790"/>
+          <ac:spMkLst>
+            <pc:docMk/>
+            <pc:sldMk cId="2764131050" sldId="2145706278"/>
+            <ac:spMk id="24" creationId="{B4BB3FE3-45A4-FB4D-7261-232D61BD7118}"/>
+          </ac:spMkLst>
+        </pc:spChg>
+        <pc:spChg chg="mod">
+          <ac:chgData name="Graf Thomas, INI-NET-VNC-HCS" userId="487bc3e3-9ce7-4cdd-b7b4-8899ea88d289" providerId="ADAL" clId="{43074B02-ABBA-4EEC-B56D-658988DD2B14}" dt="2024-11-27T05:37:32.782" v="28" actId="790"/>
+          <ac:spMkLst>
+            <pc:docMk/>
+            <pc:sldMk cId="2764131050" sldId="2145706278"/>
+            <ac:spMk id="25" creationId="{1B4551CE-E748-DB88-B412-3D69C73A1AF7}"/>
+          </ac:spMkLst>
+        </pc:spChg>
+        <pc:spChg chg="mod">
+          <ac:chgData name="Graf Thomas, INI-NET-VNC-HCS" userId="487bc3e3-9ce7-4cdd-b7b4-8899ea88d289" providerId="ADAL" clId="{43074B02-ABBA-4EEC-B56D-658988DD2B14}" dt="2024-11-27T05:37:32.782" v="28" actId="790"/>
+          <ac:spMkLst>
+            <pc:docMk/>
+            <pc:sldMk cId="2764131050" sldId="2145706278"/>
+            <ac:spMk id="30" creationId="{8B991C74-AAFD-C1DD-459B-083084BA12D6}"/>
+          </ac:spMkLst>
+        </pc:spChg>
+        <pc:spChg chg="mod">
+          <ac:chgData name="Graf Thomas, INI-NET-VNC-HCS" userId="487bc3e3-9ce7-4cdd-b7b4-8899ea88d289" providerId="ADAL" clId="{43074B02-ABBA-4EEC-B56D-658988DD2B14}" dt="2024-11-27T05:37:32.782" v="28" actId="790"/>
+          <ac:spMkLst>
+            <pc:docMk/>
+            <pc:sldMk cId="2764131050" sldId="2145706278"/>
+            <ac:spMk id="31" creationId="{A80F2D56-09A4-2302-3CBD-EBEA1B3EF180}"/>
+          </ac:spMkLst>
+        </pc:spChg>
+        <pc:spChg chg="mod">
+          <ac:chgData name="Graf Thomas, INI-NET-VNC-HCS" userId="487bc3e3-9ce7-4cdd-b7b4-8899ea88d289" providerId="ADAL" clId="{43074B02-ABBA-4EEC-B56D-658988DD2B14}" dt="2024-11-27T05:37:32.782" v="28" actId="790"/>
+          <ac:spMkLst>
+            <pc:docMk/>
+            <pc:sldMk cId="2764131050" sldId="2145706278"/>
+            <ac:spMk id="36" creationId="{7D27550F-D392-5C9D-6454-65067CA2FC55}"/>
+          </ac:spMkLst>
+        </pc:spChg>
+        <pc:spChg chg="mod">
+          <ac:chgData name="Graf Thomas, INI-NET-VNC-HCS" userId="487bc3e3-9ce7-4cdd-b7b4-8899ea88d289" providerId="ADAL" clId="{43074B02-ABBA-4EEC-B56D-658988DD2B14}" dt="2024-11-27T05:37:32.782" v="28" actId="790"/>
+          <ac:spMkLst>
+            <pc:docMk/>
+            <pc:sldMk cId="2764131050" sldId="2145706278"/>
+            <ac:spMk id="37" creationId="{0BD3578E-9C91-1D0B-2ECF-4ABE58148B6A}"/>
+          </ac:spMkLst>
+        </pc:spChg>
+        <pc:spChg chg="mod">
+          <ac:chgData name="Graf Thomas, INI-NET-VNC-HCS" userId="487bc3e3-9ce7-4cdd-b7b4-8899ea88d289" providerId="ADAL" clId="{43074B02-ABBA-4EEC-B56D-658988DD2B14}" dt="2024-11-27T05:37:32.782" v="28" actId="790"/>
+          <ac:spMkLst>
+            <pc:docMk/>
+            <pc:sldMk cId="2764131050" sldId="2145706278"/>
+            <ac:spMk id="43" creationId="{9982A62D-0E10-2FD3-5ACE-87B7E6992067}"/>
+          </ac:spMkLst>
+        </pc:spChg>
+        <pc:spChg chg="mod">
+          <ac:chgData name="Graf Thomas, INI-NET-VNC-HCS" userId="487bc3e3-9ce7-4cdd-b7b4-8899ea88d289" providerId="ADAL" clId="{43074B02-ABBA-4EEC-B56D-658988DD2B14}" dt="2024-11-27T05:37:32.782" v="28" actId="790"/>
+          <ac:spMkLst>
+            <pc:docMk/>
+            <pc:sldMk cId="2764131050" sldId="2145706278"/>
+            <ac:spMk id="44" creationId="{E4D5B3A8-1F95-93B6-B40F-4E4453028DBF}"/>
+          </ac:spMkLst>
+        </pc:spChg>
+        <pc:spChg chg="mod">
+          <ac:chgData name="Graf Thomas, INI-NET-VNC-HCS" userId="487bc3e3-9ce7-4cdd-b7b4-8899ea88d289" providerId="ADAL" clId="{43074B02-ABBA-4EEC-B56D-658988DD2B14}" dt="2024-11-27T05:37:32.782" v="28" actId="790"/>
+          <ac:spMkLst>
+            <pc:docMk/>
+            <pc:sldMk cId="2764131050" sldId="2145706278"/>
+            <ac:spMk id="61" creationId="{A45CA48C-52BC-6F61-40B7-B80536A0878C}"/>
+          </ac:spMkLst>
+        </pc:spChg>
+        <pc:spChg chg="mod">
+          <ac:chgData name="Graf Thomas, INI-NET-VNC-HCS" userId="487bc3e3-9ce7-4cdd-b7b4-8899ea88d289" providerId="ADAL" clId="{43074B02-ABBA-4EEC-B56D-658988DD2B14}" dt="2024-11-27T05:37:32.782" v="28" actId="790"/>
+          <ac:spMkLst>
+            <pc:docMk/>
+            <pc:sldMk cId="2764131050" sldId="2145706278"/>
+            <ac:spMk id="62" creationId="{9D3C1E24-9BDF-AF99-075F-4F734EBA2636}"/>
+          </ac:spMkLst>
+        </pc:spChg>
+        <pc:cxnChg chg="mod">
+          <ac:chgData name="Graf Thomas, INI-NET-VNC-HCS" userId="487bc3e3-9ce7-4cdd-b7b4-8899ea88d289" providerId="ADAL" clId="{43074B02-ABBA-4EEC-B56D-658988DD2B14}" dt="2024-11-27T05:38:40.215" v="31" actId="1076"/>
+          <ac:cxnSpMkLst>
+            <pc:docMk/>
+            <pc:sldMk cId="2764131050" sldId="2145706278"/>
+            <ac:cxnSpMk id="4" creationId="{2D8F38AE-2D5D-F761-56B3-E72F6B8DFBFB}"/>
+          </ac:cxnSpMkLst>
+        </pc:cxnChg>
+        <pc:cxnChg chg="mod">
+          <ac:chgData name="Graf Thomas, INI-NET-VNC-HCS" userId="487bc3e3-9ce7-4cdd-b7b4-8899ea88d289" providerId="ADAL" clId="{43074B02-ABBA-4EEC-B56D-658988DD2B14}" dt="2024-11-27T05:38:37.263" v="30" actId="1076"/>
+          <ac:cxnSpMkLst>
+            <pc:docMk/>
+            <pc:sldMk cId="2764131050" sldId="2145706278"/>
+            <ac:cxnSpMk id="65" creationId="{AFC53858-1E5E-6FE9-2830-0E378FEAA6B1}"/>
+          </ac:cxnSpMkLst>
+        </pc:cxnChg>
+        <pc:cxnChg chg="mod">
+          <ac:chgData name="Graf Thomas, INI-NET-VNC-HCS" userId="487bc3e3-9ce7-4cdd-b7b4-8899ea88d289" providerId="ADAL" clId="{43074B02-ABBA-4EEC-B56D-658988DD2B14}" dt="2024-11-27T05:38:27.188" v="29" actId="1076"/>
+          <ac:cxnSpMkLst>
+            <pc:docMk/>
+            <pc:sldMk cId="2764131050" sldId="2145706278"/>
+            <ac:cxnSpMk id="66" creationId="{DE08A87A-9C74-E2F3-3559-E49D4439C20B}"/>
+          </ac:cxnSpMkLst>
+        </pc:cxnChg>
+      </pc:sldChg>
+      <pc:sldChg chg="modSp mod">
+        <pc:chgData name="Graf Thomas, INI-NET-VNC-HCS" userId="487bc3e3-9ce7-4cdd-b7b4-8899ea88d289" providerId="ADAL" clId="{43074B02-ABBA-4EEC-B56D-658988DD2B14}" dt="2024-11-27T05:40:27.527" v="35" actId="207"/>
+        <pc:sldMkLst>
+          <pc:docMk/>
+          <pc:sldMk cId="1492607074" sldId="2145706279"/>
+        </pc:sldMkLst>
+        <pc:spChg chg="mod">
+          <ac:chgData name="Graf Thomas, INI-NET-VNC-HCS" userId="487bc3e3-9ce7-4cdd-b7b4-8899ea88d289" providerId="ADAL" clId="{43074B02-ABBA-4EEC-B56D-658988DD2B14}" dt="2024-11-27T05:40:27.527" v="35" actId="207"/>
+          <ac:spMkLst>
+            <pc:docMk/>
+            <pc:sldMk cId="1492607074" sldId="2145706279"/>
+            <ac:spMk id="5" creationId="{0194B37B-813A-99FE-7B78-4D87D8C30D44}"/>
+          </ac:spMkLst>
+        </pc:spChg>
+      </pc:sldChg>
+      <pc:sldChg chg="modSp mod">
+        <pc:chgData name="Graf Thomas, INI-NET-VNC-HCS" userId="487bc3e3-9ce7-4cdd-b7b4-8899ea88d289" providerId="ADAL" clId="{43074B02-ABBA-4EEC-B56D-658988DD2B14}" dt="2024-11-27T05:35:59.935" v="19" actId="20577"/>
+        <pc:sldMkLst>
+          <pc:docMk/>
+          <pc:sldMk cId="1315775908" sldId="2145706280"/>
+        </pc:sldMkLst>
+        <pc:spChg chg="mod">
+          <ac:chgData name="Graf Thomas, INI-NET-VNC-HCS" userId="487bc3e3-9ce7-4cdd-b7b4-8899ea88d289" providerId="ADAL" clId="{43074B02-ABBA-4EEC-B56D-658988DD2B14}" dt="2024-11-27T05:35:30.159" v="0" actId="20577"/>
+          <ac:spMkLst>
+            <pc:docMk/>
+            <pc:sldMk cId="1315775908" sldId="2145706280"/>
+            <ac:spMk id="5" creationId="{0194B37B-813A-99FE-7B78-4D87D8C30D44}"/>
+          </ac:spMkLst>
+        </pc:spChg>
+        <pc:spChg chg="mod">
+          <ac:chgData name="Graf Thomas, INI-NET-VNC-HCS" userId="487bc3e3-9ce7-4cdd-b7b4-8899ea88d289" providerId="ADAL" clId="{43074B02-ABBA-4EEC-B56D-658988DD2B14}" dt="2024-11-27T05:35:59.935" v="19" actId="20577"/>
+          <ac:spMkLst>
+            <pc:docMk/>
+            <pc:sldMk cId="1315775908" sldId="2145706280"/>
+            <ac:spMk id="18" creationId="{B283EDB4-CFDF-D6B9-8AF9-9CFA563360E3}"/>
+          </ac:spMkLst>
+        </pc:spChg>
+      </pc:sldChg>
+    </pc:docChg>
+  </pc:docChgLst>
+</pc:chgInfo>
 </file>
 
 <file path=ppt/notesMasters/notesMaster1.xml><?xml version="1.0" encoding="utf-8"?>
@@ -4395,7 +4621,7 @@
                   <a:srgbClr val="FF0000"/>
                 </a:solidFill>
               </a:rPr>
-              <a:t>Network operators organizing their data in a Data Mesh </a:t>
+              <a:t>Network operators organize their data in a Data Mesh </a:t>
             </a:r>
             <a:r>
               <a:rPr lang="en-US" dirty="0"/>
@@ -4461,7 +4687,19 @@
               <a:rPr lang="en-US" sz="3000" dirty="0">
                 <a:latin typeface="+mj-lt"/>
               </a:rPr>
-              <a:t>Even though YANG is intent to ease the handling of data, </a:t>
+              <a:t>Even though YANG is </a:t>
+            </a:r>
+            <a:r>
+              <a:rPr lang="en-US" sz="3000" dirty="0" err="1">
+                <a:latin typeface="+mj-lt"/>
+              </a:rPr>
+              <a:t>intented</a:t>
+            </a:r>
+            <a:r>
+              <a:rPr lang="en-US" sz="3000" dirty="0">
+                <a:latin typeface="+mj-lt"/>
+              </a:rPr>
+              <a:t> to ease data management, </a:t>
             </a:r>
             <a:r>
               <a:rPr lang="en-US" sz="3000" b="1" dirty="0">
@@ -6980,7 +7218,7 @@
             </a:pPr>
             <a:r>
               <a:rPr lang="en-US" dirty="0"/>
-              <a:t>On-change notification schema different then periodical</a:t>
+              <a:t>On-change notification schema different than periodical</a:t>
             </a:r>
           </a:p>
           <a:p>
@@ -7155,10 +7393,10 @@
           <a:lstStyle/>
           <a:p>
             <a:fld id="{FC4AC485-25DE-431E-B345-9C0A15BB7F8A}" type="slidenum">
-              <a:rPr lang="de-CH" sz="1400" smtClean="0"/>
+              <a:rPr lang="en-US" sz="1400" smtClean="0"/>
               <a:t>6</a:t>
             </a:fld>
-            <a:endParaRPr lang="de-CH" sz="1400" dirty="0"/>
+            <a:endParaRPr lang="en-US" sz="1400" dirty="0"/>
           </a:p>
         </p:txBody>
       </p:sp>
@@ -7261,7 +7499,7 @@
         </p:nvCxnSpPr>
         <p:spPr bwMode="gray">
           <a:xfrm>
-            <a:off x="670060" y="4066688"/>
+            <a:off x="3534558" y="4074560"/>
             <a:ext cx="2130515" cy="0"/>
           </a:xfrm>
           <a:prstGeom prst="line">
@@ -7654,7 +7892,7 @@
             <a:p>
               <a:pPr algn="ctr"/>
               <a:r>
-                <a:rPr lang="en-GB" sz="2400" b="1" dirty="0"/>
+                <a:rPr lang="en-US" sz="2400" b="1" dirty="0"/>
                 <a:t>2002</a:t>
               </a:r>
             </a:p>
@@ -7878,21 +8116,21 @@
             </a:lstStyle>
             <a:p>
               <a:r>
-                <a:rPr lang="en-GB" b="1" dirty="0"/>
+                <a:rPr lang="en-US" b="1" dirty="0"/>
                 <a:t>IAB Workshop</a:t>
               </a:r>
             </a:p>
             <a:p>
               <a:r>
-                <a:rPr lang="en-GB" dirty="0"/>
+                <a:rPr lang="en-US" dirty="0"/>
                 <a:t>Defines operators' requirements in RFC 3535 to lifecycle CLI and SNMP. YANG, Netconf and </a:t>
               </a:r>
               <a:r>
-                <a:rPr lang="en-GB" dirty="0" err="1"/>
+                <a:rPr lang="en-US" dirty="0" err="1"/>
                 <a:t>Restconf</a:t>
               </a:r>
               <a:r>
-                <a:rPr lang="en-GB" dirty="0"/>
+                <a:rPr lang="en-US" dirty="0"/>
                 <a:t> development started.</a:t>
               </a:r>
             </a:p>
@@ -8253,7 +8491,7 @@
             <a:p>
               <a:pPr algn="ctr"/>
               <a:r>
-                <a:rPr lang="en-GB" sz="2400" b="1" dirty="0"/>
+                <a:rPr lang="en-US" sz="2400" b="1" dirty="0"/>
                 <a:t>2017</a:t>
               </a:r>
             </a:p>
@@ -8477,18 +8715,18 @@
             </a:lstStyle>
             <a:p>
               <a:r>
-                <a:rPr lang="en-GB" b="1" dirty="0" err="1"/>
+                <a:rPr lang="en-US" b="1" dirty="0" err="1"/>
                 <a:t>gNMI</a:t>
               </a:r>
-              <a:endParaRPr lang="en-GB" b="1" dirty="0"/>
+              <a:endParaRPr lang="en-US" b="1" dirty="0"/>
             </a:p>
             <a:p>
               <a:r>
-                <a:rPr lang="en-GB" dirty="0" err="1"/>
+                <a:rPr lang="en-US" dirty="0" err="1"/>
                 <a:t>gNMI</a:t>
               </a:r>
               <a:r>
-                <a:rPr lang="en-GB" dirty="0"/>
+                <a:rPr lang="en-US" dirty="0"/>
                 <a:t> was proposed to IETF NETCONF and implementations started at major network vendors.</a:t>
               </a:r>
             </a:p>
@@ -8849,7 +9087,7 @@
             <a:p>
               <a:pPr algn="ctr"/>
               <a:r>
-                <a:rPr lang="en-GB" sz="2400" b="1" dirty="0"/>
+                <a:rPr lang="en-US" sz="2400" b="1" dirty="0"/>
                 <a:t>2022</a:t>
               </a:r>
             </a:p>
@@ -9073,14 +9311,22 @@
             </a:lstStyle>
             <a:p>
               <a:r>
-                <a:rPr lang="en-GB" b="1" dirty="0"/>
+                <a:rPr lang="en-US" b="1" dirty="0"/>
                 <a:t>Data Mesh Integration</a:t>
               </a:r>
             </a:p>
             <a:p>
+              <a:pPr marL="0" marR="0">
+                <a:spcBef>
+                  <a:spcPts val="0"/>
+                </a:spcBef>
+                <a:spcAft>
+                  <a:spcPts val="0"/>
+                </a:spcAft>
+              </a:pPr>
               <a:r>
-                <a:rPr lang="en-GB" dirty="0"/>
-                <a:t>Based hard to manage vendor specific implementations and IETF YANG-Push specifications, message broker integration and automated data processing chain requirements new specifications were proposed.</a:t>
+                <a:rPr lang="en-US" dirty="0"/>
+                <a:t>Vendor-specific implementations and IETF YANG-Push are hard to manage. New requirements emerged for integrating with the message broker and an automated data processing chain. New specifications are proposed to resolve these challenges.</a:t>
               </a:r>
             </a:p>
           </p:txBody>
@@ -9440,7 +9686,7 @@
             <a:p>
               <a:pPr algn="ctr"/>
               <a:r>
-                <a:rPr lang="en-GB" sz="2400" b="1" dirty="0"/>
+                <a:rPr lang="en-US" sz="2400" b="1" dirty="0"/>
                 <a:t>2015</a:t>
               </a:r>
             </a:p>
@@ -9664,13 +9910,13 @@
             </a:lstStyle>
             <a:p>
               <a:r>
-                <a:rPr lang="en-GB" b="1" dirty="0"/>
+                <a:rPr lang="en-US" b="1" dirty="0"/>
                 <a:t>IETF YANG-Push Specification Started</a:t>
               </a:r>
             </a:p>
             <a:p>
               <a:r>
-                <a:rPr lang="en-GB" dirty="0"/>
+                <a:rPr lang="en-US" dirty="0"/>
                 <a:t>Development of RFC 8639 and RFC 8641 started at IETF NETCONF.</a:t>
               </a:r>
             </a:p>
@@ -10031,7 +10277,7 @@
             <a:p>
               <a:pPr algn="ctr"/>
               <a:r>
-                <a:rPr lang="en-GB" sz="2400" b="1" dirty="0"/>
+                <a:rPr lang="en-US" sz="2400" b="1" dirty="0"/>
                 <a:t>2019</a:t>
               </a:r>
             </a:p>
@@ -10255,20 +10501,20 @@
             </a:lstStyle>
             <a:p>
               <a:r>
-                <a:rPr lang="en-GB" b="1" dirty="0"/>
+                <a:rPr lang="en-US" b="1" dirty="0"/>
                 <a:t>IETF YANG-Push </a:t>
               </a:r>
               <a:br>
-                <a:rPr lang="en-GB" b="1" dirty="0"/>
+                <a:rPr lang="en-US" b="1" dirty="0"/>
               </a:br>
               <a:r>
-                <a:rPr lang="en-GB" b="1" dirty="0"/>
+                <a:rPr lang="en-US" b="1" dirty="0"/>
                 <a:t>Specification Finished</a:t>
               </a:r>
             </a:p>
             <a:p>
               <a:r>
-                <a:rPr lang="en-GB" dirty="0"/>
+                <a:rPr lang="en-US" dirty="0"/>
                 <a:t>Development of RFC 8639 and RFC 8641 concluded at IETF NETCONF without any major network vendor implementations.</a:t>
               </a:r>
             </a:p>
@@ -10629,7 +10875,7 @@
             <a:p>
               <a:pPr algn="ctr"/>
               <a:r>
-                <a:rPr lang="en-GB" sz="2400" b="1" dirty="0"/>
+                <a:rPr lang="en-US" sz="2400" b="1" dirty="0"/>
                 <a:t>2024</a:t>
               </a:r>
             </a:p>
@@ -10853,20 +11099,20 @@
             </a:lstStyle>
             <a:p>
               <a:r>
-                <a:rPr lang="en-GB" b="1" dirty="0"/>
+                <a:rPr lang="en-US" b="1" dirty="0"/>
                 <a:t>IETF YANG-Push Major</a:t>
               </a:r>
               <a:br>
-                <a:rPr lang="en-GB" b="1" dirty="0"/>
+                <a:rPr lang="en-US" b="1" dirty="0"/>
               </a:br>
               <a:r>
-                <a:rPr lang="en-GB" b="1" dirty="0"/>
+                <a:rPr lang="en-US" b="1" dirty="0"/>
                 <a:t>Implementations Started</a:t>
               </a:r>
             </a:p>
             <a:p>
               <a:r>
-                <a:rPr lang="en-GB" dirty="0"/>
+                <a:rPr lang="en-US" dirty="0"/>
                 <a:t>Questions arise. Proposing a simplified IETF YANG-Push and an Agile Incremental Driven Development.</a:t>
               </a:r>
             </a:p>
@@ -11227,7 +11473,7 @@
             <a:p>
               <a:pPr algn="ctr"/>
               <a:r>
-                <a:rPr lang="en-GB" sz="2400" b="1" dirty="0"/>
+                <a:rPr lang="en-US" sz="2400" b="1" dirty="0"/>
                 <a:t>2010</a:t>
               </a:r>
             </a:p>
@@ -11451,19 +11697,19 @@
             </a:lstStyle>
             <a:p>
               <a:r>
-                <a:rPr lang="en-GB" b="1" dirty="0"/>
+                <a:rPr lang="en-US" b="1" dirty="0"/>
                 <a:t>YANG 1.0</a:t>
               </a:r>
             </a:p>
             <a:p>
               <a:r>
-                <a:rPr lang="en-GB" dirty="0"/>
+                <a:rPr lang="en-US" dirty="0"/>
                 <a:t>Specified in RFC 6020. 1.1 in RFC 7950.</a:t>
               </a:r>
               <a:br>
-                <a:rPr lang="en-GB" dirty="0"/>
+                <a:rPr lang="en-US" dirty="0"/>
               </a:br>
-              <a:endParaRPr lang="en-GB" dirty="0"/>
+              <a:endParaRPr lang="en-US" dirty="0"/>
             </a:p>
           </p:txBody>
         </p:sp>
@@ -11484,7 +11730,7 @@
         </p:nvCxnSpPr>
         <p:spPr bwMode="gray">
           <a:xfrm>
-            <a:off x="3432180" y="4066688"/>
+            <a:off x="5030742" y="4074560"/>
             <a:ext cx="2130515" cy="0"/>
           </a:xfrm>
           <a:prstGeom prst="line">
@@ -11539,7 +11785,7 @@
         </p:nvCxnSpPr>
         <p:spPr bwMode="gray">
           <a:xfrm>
-            <a:off x="8529460" y="4062568"/>
+            <a:off x="6188267" y="4066688"/>
             <a:ext cx="2130515" cy="0"/>
           </a:xfrm>
           <a:prstGeom prst="line">
@@ -11924,12 +12170,44 @@
               </a:spcAft>
             </a:pPr>
             <a:r>
+              <a:rPr lang="en-US" b="1" dirty="0"/>
+              <a:t>What becomes clear now is that IETF developed YANG-Push not according to the </a:t>
+            </a:r>
+            <a:r>
               <a:rPr lang="en-US" b="1" dirty="0">
                 <a:solidFill>
                   <a:srgbClr val="FF0000"/>
                 </a:solidFill>
               </a:rPr>
-              <a:t>What becomes clear now is that IETF developed YANG-Push not according to the network operator's needs, nor network vendors constraints, nor considered where it should integrate to, and most importantly, it lacks an agile incremental driven development process. </a:t>
+              <a:t>network operator's needs</a:t>
+            </a:r>
+            <a:r>
+              <a:rPr lang="en-US" b="1" dirty="0"/>
+              <a:t>, nor </a:t>
+            </a:r>
+            <a:r>
+              <a:rPr lang="en-US" b="1" dirty="0">
+                <a:solidFill>
+                  <a:srgbClr val="FF0000"/>
+                </a:solidFill>
+              </a:rPr>
+              <a:t>network vendors constraints</a:t>
+            </a:r>
+            <a:r>
+              <a:rPr lang="en-US" b="1" dirty="0"/>
+              <a:t>, nor considered </a:t>
+            </a:r>
+            <a:r>
+              <a:rPr lang="en-US" b="1" dirty="0">
+                <a:solidFill>
+                  <a:srgbClr val="FF0000"/>
+                </a:solidFill>
+              </a:rPr>
+              <a:t>where it should integrate to</a:t>
+            </a:r>
+            <a:r>
+              <a:rPr lang="en-US" b="1" dirty="0"/>
+              <a:t>, and most importantly, it lacks an agile incremental driven development process. </a:t>
             </a:r>
           </a:p>
           <a:p>

--- a/122/NEMOPS/IAB NEMOPS - YANG-Push - Agile Incremental Driven Development.pptx
+++ b/122/NEMOPS/IAB NEMOPS - YANG-Push - Agile Incremental Driven Development.pptx
@@ -5,17 +5,19 @@
     <p:sldMasterId id="2147483648" r:id="rId1"/>
   </p:sldMasterIdLst>
   <p:notesMasterIdLst>
-    <p:notesMasterId r:id="rId10"/>
+    <p:notesMasterId r:id="rId12"/>
   </p:notesMasterIdLst>
   <p:sldIdLst>
-    <p:sldId id="2145706280" r:id="rId2"/>
-    <p:sldId id="26422" r:id="rId3"/>
-    <p:sldId id="2145706236" r:id="rId4"/>
-    <p:sldId id="2145706275" r:id="rId5"/>
-    <p:sldId id="2145706277" r:id="rId6"/>
-    <p:sldId id="2145706278" r:id="rId7"/>
-    <p:sldId id="2145706279" r:id="rId8"/>
-    <p:sldId id="2145706272" r:id="rId9"/>
+    <p:sldId id="1041" r:id="rId2"/>
+    <p:sldId id="2145706280" r:id="rId3"/>
+    <p:sldId id="26422" r:id="rId4"/>
+    <p:sldId id="2145706236" r:id="rId5"/>
+    <p:sldId id="2145706275" r:id="rId6"/>
+    <p:sldId id="2145706277" r:id="rId7"/>
+    <p:sldId id="2145706278" r:id="rId8"/>
+    <p:sldId id="2145706279" r:id="rId9"/>
+    <p:sldId id="2145706281" r:id="rId10"/>
+    <p:sldId id="2145706272" r:id="rId11"/>
   </p:sldIdLst>
   <p:sldSz cx="12192000" cy="6858000"/>
   <p:notesSz cx="6858000" cy="9144000"/>
@@ -122,21 +124,60 @@
 </p:presentation>
 </file>
 
+<file path=ppt/revisionInfo.xml><?xml version="1.0" encoding="utf-8"?>
+<p1510:revInfo xmlns:a="http://schemas.openxmlformats.org/drawingml/2006/main" xmlns:r="http://schemas.openxmlformats.org/officeDocument/2006/relationships" xmlns:p1510="http://schemas.microsoft.com/office/powerpoint/2015/10/main">
+  <p1510:revLst>
+    <p1510:client id="{43074B02-ABBA-4EEC-B56D-658988DD2B14}" v="3" dt="2024-11-29T10:42:32.893"/>
+  </p1510:revLst>
+</p1510:revInfo>
+</file>
+
 <file path=ppt/changesInfos/changesInfo1.xml><?xml version="1.0" encoding="utf-8"?>
 <pc:chgInfo xmlns:a="http://schemas.openxmlformats.org/drawingml/2006/main" xmlns:r="http://schemas.openxmlformats.org/officeDocument/2006/relationships" xmlns:ac="http://schemas.microsoft.com/office/drawing/2013/main/command" xmlns:pc="http://schemas.microsoft.com/office/powerpoint/2013/main/command">
   <pc:docChgLst>
     <pc:chgData name="Graf Thomas, INI-NET-VNC-HCS" userId="487bc3e3-9ce7-4cdd-b7b4-8899ea88d289" providerId="ADAL" clId="{43074B02-ABBA-4EEC-B56D-658988DD2B14}"/>
-    <pc:docChg chg="modSld">
-      <pc:chgData name="Graf Thomas, INI-NET-VNC-HCS" userId="487bc3e3-9ce7-4cdd-b7b4-8899ea88d289" providerId="ADAL" clId="{43074B02-ABBA-4EEC-B56D-658988DD2B14}" dt="2024-11-27T05:40:27.527" v="35" actId="207"/>
+    <pc:docChg chg="undo custSel addSld modSld">
+      <pc:chgData name="Graf Thomas, INI-NET-VNC-HCS" userId="487bc3e3-9ce7-4cdd-b7b4-8899ea88d289" providerId="ADAL" clId="{43074B02-ABBA-4EEC-B56D-658988DD2B14}" dt="2024-11-29T10:51:57.605" v="500" actId="20577"/>
       <pc:docMkLst>
         <pc:docMk/>
       </pc:docMkLst>
+      <pc:sldChg chg="delSp modSp add mod">
+        <pc:chgData name="Graf Thomas, INI-NET-VNC-HCS" userId="487bc3e3-9ce7-4cdd-b7b4-8899ea88d289" providerId="ADAL" clId="{43074B02-ABBA-4EEC-B56D-658988DD2B14}" dt="2024-11-29T10:45:46.366" v="435" actId="207"/>
+        <pc:sldMkLst>
+          <pc:docMk/>
+          <pc:sldMk cId="3578665336" sldId="1041"/>
+        </pc:sldMkLst>
+        <pc:spChg chg="mod">
+          <ac:chgData name="Graf Thomas, INI-NET-VNC-HCS" userId="487bc3e3-9ce7-4cdd-b7b4-8899ea88d289" providerId="ADAL" clId="{43074B02-ABBA-4EEC-B56D-658988DD2B14}" dt="2024-11-29T10:45:46.366" v="435" actId="207"/>
+          <ac:spMkLst>
+            <pc:docMk/>
+            <pc:sldMk cId="3578665336" sldId="1041"/>
+            <ac:spMk id="5" creationId="{C26208B2-0D10-4C23-B2DE-372A62E98644}"/>
+          </ac:spMkLst>
+        </pc:spChg>
+        <pc:spChg chg="del">
+          <ac:chgData name="Graf Thomas, INI-NET-VNC-HCS" userId="487bc3e3-9ce7-4cdd-b7b4-8899ea88d289" providerId="ADAL" clId="{43074B02-ABBA-4EEC-B56D-658988DD2B14}" dt="2024-11-29T10:42:39.372" v="406" actId="478"/>
+          <ac:spMkLst>
+            <pc:docMk/>
+            <pc:sldMk cId="3578665336" sldId="1041"/>
+            <ac:spMk id="6" creationId="{6CAA0765-1318-4A03-8F91-D3ECC43D8FA7}"/>
+          </ac:spMkLst>
+        </pc:spChg>
+      </pc:sldChg>
       <pc:sldChg chg="modSp mod">
-        <pc:chgData name="Graf Thomas, INI-NET-VNC-HCS" userId="487bc3e3-9ce7-4cdd-b7b4-8899ea88d289" providerId="ADAL" clId="{43074B02-ABBA-4EEC-B56D-658988DD2B14}" dt="2024-11-27T05:36:21.327" v="21" actId="20577"/>
+        <pc:chgData name="Graf Thomas, INI-NET-VNC-HCS" userId="487bc3e3-9ce7-4cdd-b7b4-8899ea88d289" providerId="ADAL" clId="{43074B02-ABBA-4EEC-B56D-658988DD2B14}" dt="2024-11-29T10:14:57.779" v="38" actId="207"/>
         <pc:sldMkLst>
           <pc:docMk/>
           <pc:sldMk cId="1875627337" sldId="2145706277"/>
         </pc:sldMkLst>
+        <pc:spChg chg="mod">
+          <ac:chgData name="Graf Thomas, INI-NET-VNC-HCS" userId="487bc3e3-9ce7-4cdd-b7b4-8899ea88d289" providerId="ADAL" clId="{43074B02-ABBA-4EEC-B56D-658988DD2B14}" dt="2024-11-29T10:14:57.779" v="38" actId="207"/>
+          <ac:spMkLst>
+            <pc:docMk/>
+            <pc:sldMk cId="1875627337" sldId="2145706277"/>
+            <ac:spMk id="3" creationId="{6D8BC07C-4C4B-FF48-3006-FA62102047A3}"/>
+          </ac:spMkLst>
+        </pc:spChg>
         <pc:spChg chg="mod">
           <ac:chgData name="Graf Thomas, INI-NET-VNC-HCS" userId="487bc3e3-9ce7-4cdd-b7b4-8899ea88d289" providerId="ADAL" clId="{43074B02-ABBA-4EEC-B56D-658988DD2B14}" dt="2024-11-27T05:36:21.327" v="21" actId="20577"/>
           <ac:spMkLst>
@@ -147,7 +188,7 @@
         </pc:spChg>
       </pc:sldChg>
       <pc:sldChg chg="modSp mod">
-        <pc:chgData name="Graf Thomas, INI-NET-VNC-HCS" userId="487bc3e3-9ce7-4cdd-b7b4-8899ea88d289" providerId="ADAL" clId="{43074B02-ABBA-4EEC-B56D-658988DD2B14}" dt="2024-11-27T05:38:40.215" v="31" actId="1076"/>
+        <pc:chgData name="Graf Thomas, INI-NET-VNC-HCS" userId="487bc3e3-9ce7-4cdd-b7b4-8899ea88d289" providerId="ADAL" clId="{43074B02-ABBA-4EEC-B56D-658988DD2B14}" dt="2024-11-29T10:41:42.038" v="404" actId="1076"/>
         <pc:sldMkLst>
           <pc:docMk/>
           <pc:sldMk cId="2764131050" sldId="2145706278"/>
@@ -169,7 +210,7 @@
           </ac:spMkLst>
         </pc:spChg>
         <pc:spChg chg="mod">
-          <ac:chgData name="Graf Thomas, INI-NET-VNC-HCS" userId="487bc3e3-9ce7-4cdd-b7b4-8899ea88d289" providerId="ADAL" clId="{43074B02-ABBA-4EEC-B56D-658988DD2B14}" dt="2024-11-27T05:37:32.782" v="28" actId="790"/>
+          <ac:chgData name="Graf Thomas, INI-NET-VNC-HCS" userId="487bc3e3-9ce7-4cdd-b7b4-8899ea88d289" providerId="ADAL" clId="{43074B02-ABBA-4EEC-B56D-658988DD2B14}" dt="2024-11-29T10:40:23.190" v="364" actId="255"/>
           <ac:spMkLst>
             <pc:docMk/>
             <pc:sldMk cId="2764131050" sldId="2145706278"/>
@@ -185,7 +226,7 @@
           </ac:spMkLst>
         </pc:spChg>
         <pc:spChg chg="mod">
-          <ac:chgData name="Graf Thomas, INI-NET-VNC-HCS" userId="487bc3e3-9ce7-4cdd-b7b4-8899ea88d289" providerId="ADAL" clId="{43074B02-ABBA-4EEC-B56D-658988DD2B14}" dt="2024-11-27T05:37:32.782" v="28" actId="790"/>
+          <ac:chgData name="Graf Thomas, INI-NET-VNC-HCS" userId="487bc3e3-9ce7-4cdd-b7b4-8899ea88d289" providerId="ADAL" clId="{43074B02-ABBA-4EEC-B56D-658988DD2B14}" dt="2024-11-29T10:40:36.172" v="366" actId="255"/>
           <ac:spMkLst>
             <pc:docMk/>
             <pc:sldMk cId="2764131050" sldId="2145706278"/>
@@ -209,7 +250,7 @@
           </ac:spMkLst>
         </pc:spChg>
         <pc:spChg chg="mod">
-          <ac:chgData name="Graf Thomas, INI-NET-VNC-HCS" userId="487bc3e3-9ce7-4cdd-b7b4-8899ea88d289" providerId="ADAL" clId="{43074B02-ABBA-4EEC-B56D-658988DD2B14}" dt="2024-11-27T05:37:32.782" v="28" actId="790"/>
+          <ac:chgData name="Graf Thomas, INI-NET-VNC-HCS" userId="487bc3e3-9ce7-4cdd-b7b4-8899ea88d289" providerId="ADAL" clId="{43074B02-ABBA-4EEC-B56D-658988DD2B14}" dt="2024-11-29T10:40:41.085" v="367" actId="255"/>
           <ac:spMkLst>
             <pc:docMk/>
             <pc:sldMk cId="2764131050" sldId="2145706278"/>
@@ -225,7 +266,7 @@
           </ac:spMkLst>
         </pc:spChg>
         <pc:spChg chg="mod">
-          <ac:chgData name="Graf Thomas, INI-NET-VNC-HCS" userId="487bc3e3-9ce7-4cdd-b7b4-8899ea88d289" providerId="ADAL" clId="{43074B02-ABBA-4EEC-B56D-658988DD2B14}" dt="2024-11-27T05:37:32.782" v="28" actId="790"/>
+          <ac:chgData name="Graf Thomas, INI-NET-VNC-HCS" userId="487bc3e3-9ce7-4cdd-b7b4-8899ea88d289" providerId="ADAL" clId="{43074B02-ABBA-4EEC-B56D-658988DD2B14}" dt="2024-11-29T10:40:47.632" v="368" actId="255"/>
           <ac:spMkLst>
             <pc:docMk/>
             <pc:sldMk cId="2764131050" sldId="2145706278"/>
@@ -241,7 +282,7 @@
           </ac:spMkLst>
         </pc:spChg>
         <pc:spChg chg="mod">
-          <ac:chgData name="Graf Thomas, INI-NET-VNC-HCS" userId="487bc3e3-9ce7-4cdd-b7b4-8899ea88d289" providerId="ADAL" clId="{43074B02-ABBA-4EEC-B56D-658988DD2B14}" dt="2024-11-27T05:37:32.782" v="28" actId="790"/>
+          <ac:chgData name="Graf Thomas, INI-NET-VNC-HCS" userId="487bc3e3-9ce7-4cdd-b7b4-8899ea88d289" providerId="ADAL" clId="{43074B02-ABBA-4EEC-B56D-658988DD2B14}" dt="2024-11-29T10:40:53.959" v="369" actId="255"/>
           <ac:spMkLst>
             <pc:docMk/>
             <pc:sldMk cId="2764131050" sldId="2145706278"/>
@@ -257,7 +298,7 @@
           </ac:spMkLst>
         </pc:spChg>
         <pc:spChg chg="mod">
-          <ac:chgData name="Graf Thomas, INI-NET-VNC-HCS" userId="487bc3e3-9ce7-4cdd-b7b4-8899ea88d289" providerId="ADAL" clId="{43074B02-ABBA-4EEC-B56D-658988DD2B14}" dt="2024-11-27T05:37:32.782" v="28" actId="790"/>
+          <ac:chgData name="Graf Thomas, INI-NET-VNC-HCS" userId="487bc3e3-9ce7-4cdd-b7b4-8899ea88d289" providerId="ADAL" clId="{43074B02-ABBA-4EEC-B56D-658988DD2B14}" dt="2024-11-29T10:40:58.557" v="370" actId="255"/>
           <ac:spMkLst>
             <pc:docMk/>
             <pc:sldMk cId="2764131050" sldId="2145706278"/>
@@ -273,15 +314,39 @@
           </ac:spMkLst>
         </pc:spChg>
         <pc:spChg chg="mod">
-          <ac:chgData name="Graf Thomas, INI-NET-VNC-HCS" userId="487bc3e3-9ce7-4cdd-b7b4-8899ea88d289" providerId="ADAL" clId="{43074B02-ABBA-4EEC-B56D-658988DD2B14}" dt="2024-11-27T05:37:32.782" v="28" actId="790"/>
+          <ac:chgData name="Graf Thomas, INI-NET-VNC-HCS" userId="487bc3e3-9ce7-4cdd-b7b4-8899ea88d289" providerId="ADAL" clId="{43074B02-ABBA-4EEC-B56D-658988DD2B14}" dt="2024-11-29T10:40:29.655" v="365" actId="255"/>
           <ac:spMkLst>
             <pc:docMk/>
             <pc:sldMk cId="2764131050" sldId="2145706278"/>
             <ac:spMk id="62" creationId="{9D3C1E24-9BDF-AF99-075F-4F734EBA2636}"/>
           </ac:spMkLst>
         </pc:spChg>
+        <pc:grpChg chg="mod">
+          <ac:chgData name="Graf Thomas, INI-NET-VNC-HCS" userId="487bc3e3-9ce7-4cdd-b7b4-8899ea88d289" providerId="ADAL" clId="{43074B02-ABBA-4EEC-B56D-658988DD2B14}" dt="2024-11-29T10:41:16.856" v="388" actId="1038"/>
+          <ac:grpSpMkLst>
+            <pc:docMk/>
+            <pc:sldMk cId="2764131050" sldId="2145706278"/>
+            <ac:grpSpMk id="8" creationId="{0A1791C6-7957-841E-21E6-B4013FF8AB08}"/>
+          </ac:grpSpMkLst>
+        </pc:grpChg>
+        <pc:grpChg chg="mod">
+          <ac:chgData name="Graf Thomas, INI-NET-VNC-HCS" userId="487bc3e3-9ce7-4cdd-b7b4-8899ea88d289" providerId="ADAL" clId="{43074B02-ABBA-4EEC-B56D-658988DD2B14}" dt="2024-11-29T10:41:16.856" v="388" actId="1038"/>
+          <ac:grpSpMkLst>
+            <pc:docMk/>
+            <pc:sldMk cId="2764131050" sldId="2145706278"/>
+            <ac:grpSpMk id="15" creationId="{3871D3D0-1587-CF69-BABE-481B8DE9F670}"/>
+          </ac:grpSpMkLst>
+        </pc:grpChg>
+        <pc:grpChg chg="mod">
+          <ac:chgData name="Graf Thomas, INI-NET-VNC-HCS" userId="487bc3e3-9ce7-4cdd-b7b4-8899ea88d289" providerId="ADAL" clId="{43074B02-ABBA-4EEC-B56D-658988DD2B14}" dt="2024-11-29T10:41:16.856" v="388" actId="1038"/>
+          <ac:grpSpMkLst>
+            <pc:docMk/>
+            <pc:sldMk cId="2764131050" sldId="2145706278"/>
+            <ac:grpSpMk id="59" creationId="{A4F54A95-D7DF-C891-C7FF-8E228A7013F2}"/>
+          </ac:grpSpMkLst>
+        </pc:grpChg>
         <pc:cxnChg chg="mod">
-          <ac:chgData name="Graf Thomas, INI-NET-VNC-HCS" userId="487bc3e3-9ce7-4cdd-b7b4-8899ea88d289" providerId="ADAL" clId="{43074B02-ABBA-4EEC-B56D-658988DD2B14}" dt="2024-11-27T05:38:40.215" v="31" actId="1076"/>
+          <ac:chgData name="Graf Thomas, INI-NET-VNC-HCS" userId="487bc3e3-9ce7-4cdd-b7b4-8899ea88d289" providerId="ADAL" clId="{43074B02-ABBA-4EEC-B56D-658988DD2B14}" dt="2024-11-29T10:41:39.125" v="402" actId="1076"/>
           <ac:cxnSpMkLst>
             <pc:docMk/>
             <pc:sldMk cId="2764131050" sldId="2145706278"/>
@@ -289,7 +354,7 @@
           </ac:cxnSpMkLst>
         </pc:cxnChg>
         <pc:cxnChg chg="mod">
-          <ac:chgData name="Graf Thomas, INI-NET-VNC-HCS" userId="487bc3e3-9ce7-4cdd-b7b4-8899ea88d289" providerId="ADAL" clId="{43074B02-ABBA-4EEC-B56D-658988DD2B14}" dt="2024-11-27T05:38:37.263" v="30" actId="1076"/>
+          <ac:chgData name="Graf Thomas, INI-NET-VNC-HCS" userId="487bc3e3-9ce7-4cdd-b7b4-8899ea88d289" providerId="ADAL" clId="{43074B02-ABBA-4EEC-B56D-658988DD2B14}" dt="2024-11-29T10:41:40.487" v="403" actId="1076"/>
           <ac:cxnSpMkLst>
             <pc:docMk/>
             <pc:sldMk cId="2764131050" sldId="2145706278"/>
@@ -297,7 +362,7 @@
           </ac:cxnSpMkLst>
         </pc:cxnChg>
         <pc:cxnChg chg="mod">
-          <ac:chgData name="Graf Thomas, INI-NET-VNC-HCS" userId="487bc3e3-9ce7-4cdd-b7b4-8899ea88d289" providerId="ADAL" clId="{43074B02-ABBA-4EEC-B56D-658988DD2B14}" dt="2024-11-27T05:38:27.188" v="29" actId="1076"/>
+          <ac:chgData name="Graf Thomas, INI-NET-VNC-HCS" userId="487bc3e3-9ce7-4cdd-b7b4-8899ea88d289" providerId="ADAL" clId="{43074B02-ABBA-4EEC-B56D-658988DD2B14}" dt="2024-11-29T10:41:42.038" v="404" actId="1076"/>
           <ac:cxnSpMkLst>
             <pc:docMk/>
             <pc:sldMk cId="2764131050" sldId="2145706278"/>
@@ -340,6 +405,29 @@
             <pc:docMk/>
             <pc:sldMk cId="1315775908" sldId="2145706280"/>
             <ac:spMk id="18" creationId="{B283EDB4-CFDF-D6B9-8AF9-9CFA563360E3}"/>
+          </ac:spMkLst>
+        </pc:spChg>
+      </pc:sldChg>
+      <pc:sldChg chg="modSp add mod">
+        <pc:chgData name="Graf Thomas, INI-NET-VNC-HCS" userId="487bc3e3-9ce7-4cdd-b7b4-8899ea88d289" providerId="ADAL" clId="{43074B02-ABBA-4EEC-B56D-658988DD2B14}" dt="2024-11-29T10:51:57.605" v="500" actId="20577"/>
+        <pc:sldMkLst>
+          <pc:docMk/>
+          <pc:sldMk cId="904770719" sldId="2145706281"/>
+        </pc:sldMkLst>
+        <pc:spChg chg="mod">
+          <ac:chgData name="Graf Thomas, INI-NET-VNC-HCS" userId="487bc3e3-9ce7-4cdd-b7b4-8899ea88d289" providerId="ADAL" clId="{43074B02-ABBA-4EEC-B56D-658988DD2B14}" dt="2024-11-29T10:51:57.605" v="500" actId="20577"/>
+          <ac:spMkLst>
+            <pc:docMk/>
+            <pc:sldMk cId="904770719" sldId="2145706281"/>
+            <ac:spMk id="5" creationId="{0194B37B-813A-99FE-7B78-4D87D8C30D44}"/>
+          </ac:spMkLst>
+        </pc:spChg>
+        <pc:spChg chg="mod">
+          <ac:chgData name="Graf Thomas, INI-NET-VNC-HCS" userId="487bc3e3-9ce7-4cdd-b7b4-8899ea88d289" providerId="ADAL" clId="{43074B02-ABBA-4EEC-B56D-658988DD2B14}" dt="2024-11-29T10:35:09.050" v="51"/>
+          <ac:spMkLst>
+            <pc:docMk/>
+            <pc:sldMk cId="904770719" sldId="2145706281"/>
+            <ac:spMk id="19" creationId="{56D79134-17A9-8BC8-B7D0-97BCFFB9A6B2}"/>
           </ac:spMkLst>
         </pc:spChg>
       </pc:sldChg>
@@ -430,7 +518,7 @@
           <a:p>
             <a:fld id="{E5E705E9-673F-4AC4-B29E-A7B26F3B8523}" type="datetimeFigureOut">
               <a:rPr lang="de-CH" smtClean="0"/>
-              <a:t>26.11.2024</a:t>
+              <a:t>29.11.2024</a:t>
             </a:fld>
             <a:endParaRPr lang="de-CH"/>
           </a:p>
@@ -763,7 +851,7 @@
           <a:p>
             <a:fld id="{2BBC52A0-2F3F-497F-8536-39D60282E9C2}" type="slidenum">
               <a:rPr lang="de-CH" smtClean="0"/>
-              <a:t>3</a:t>
+              <a:t>4</a:t>
             </a:fld>
             <a:endParaRPr lang="de-CH"/>
           </a:p>
@@ -847,7 +935,7 @@
           <a:p>
             <a:fld id="{2BBC52A0-2F3F-497F-8536-39D60282E9C2}" type="slidenum">
               <a:rPr lang="de-CH" smtClean="0"/>
-              <a:t>8</a:t>
+              <a:t>10</a:t>
             </a:fld>
             <a:endParaRPr lang="de-CH"/>
           </a:p>
@@ -1015,7 +1103,7 @@
           <a:p>
             <a:fld id="{9E9B238C-2335-4007-98C9-471C02CC43B6}" type="datetimeFigureOut">
               <a:rPr lang="de-CH" smtClean="0"/>
-              <a:t>26.11.2024</a:t>
+              <a:t>29.11.2024</a:t>
             </a:fld>
             <a:endParaRPr lang="de-CH"/>
           </a:p>
@@ -1215,7 +1303,7 @@
           <a:p>
             <a:fld id="{9E9B238C-2335-4007-98C9-471C02CC43B6}" type="datetimeFigureOut">
               <a:rPr lang="de-CH" smtClean="0"/>
-              <a:t>26.11.2024</a:t>
+              <a:t>29.11.2024</a:t>
             </a:fld>
             <a:endParaRPr lang="de-CH"/>
           </a:p>
@@ -1425,7 +1513,7 @@
           <a:p>
             <a:fld id="{9E9B238C-2335-4007-98C9-471C02CC43B6}" type="datetimeFigureOut">
               <a:rPr lang="de-CH" smtClean="0"/>
-              <a:t>26.11.2024</a:t>
+              <a:t>29.11.2024</a:t>
             </a:fld>
             <a:endParaRPr lang="de-CH"/>
           </a:p>
@@ -1854,7 +1942,7 @@
           <a:p>
             <a:fld id="{9E9B238C-2335-4007-98C9-471C02CC43B6}" type="datetimeFigureOut">
               <a:rPr lang="de-CH" smtClean="0"/>
-              <a:t>26.11.2024</a:t>
+              <a:t>29.11.2024</a:t>
             </a:fld>
             <a:endParaRPr lang="de-CH"/>
           </a:p>
@@ -2130,7 +2218,7 @@
           <a:p>
             <a:fld id="{9E9B238C-2335-4007-98C9-471C02CC43B6}" type="datetimeFigureOut">
               <a:rPr lang="de-CH" smtClean="0"/>
-              <a:t>26.11.2024</a:t>
+              <a:t>29.11.2024</a:t>
             </a:fld>
             <a:endParaRPr lang="de-CH"/>
           </a:p>
@@ -2398,7 +2486,7 @@
           <a:p>
             <a:fld id="{9E9B238C-2335-4007-98C9-471C02CC43B6}" type="datetimeFigureOut">
               <a:rPr lang="de-CH" smtClean="0"/>
-              <a:t>26.11.2024</a:t>
+              <a:t>29.11.2024</a:t>
             </a:fld>
             <a:endParaRPr lang="de-CH"/>
           </a:p>
@@ -2813,7 +2901,7 @@
           <a:p>
             <a:fld id="{9E9B238C-2335-4007-98C9-471C02CC43B6}" type="datetimeFigureOut">
               <a:rPr lang="de-CH" smtClean="0"/>
-              <a:t>26.11.2024</a:t>
+              <a:t>29.11.2024</a:t>
             </a:fld>
             <a:endParaRPr lang="de-CH"/>
           </a:p>
@@ -2955,7 +3043,7 @@
           <a:p>
             <a:fld id="{9E9B238C-2335-4007-98C9-471C02CC43B6}" type="datetimeFigureOut">
               <a:rPr lang="de-CH" smtClean="0"/>
-              <a:t>26.11.2024</a:t>
+              <a:t>29.11.2024</a:t>
             </a:fld>
             <a:endParaRPr lang="de-CH"/>
           </a:p>
@@ -3068,7 +3156,7 @@
           <a:p>
             <a:fld id="{9E9B238C-2335-4007-98C9-471C02CC43B6}" type="datetimeFigureOut">
               <a:rPr lang="de-CH" smtClean="0"/>
-              <a:t>26.11.2024</a:t>
+              <a:t>29.11.2024</a:t>
             </a:fld>
             <a:endParaRPr lang="de-CH"/>
           </a:p>
@@ -3381,7 +3469,7 @@
           <a:p>
             <a:fld id="{9E9B238C-2335-4007-98C9-471C02CC43B6}" type="datetimeFigureOut">
               <a:rPr lang="de-CH" smtClean="0"/>
-              <a:t>26.11.2024</a:t>
+              <a:t>29.11.2024</a:t>
             </a:fld>
             <a:endParaRPr lang="de-CH"/>
           </a:p>
@@ -3670,7 +3758,7 @@
           <a:p>
             <a:fld id="{9E9B238C-2335-4007-98C9-471C02CC43B6}" type="datetimeFigureOut">
               <a:rPr lang="de-CH" smtClean="0"/>
-              <a:t>26.11.2024</a:t>
+              <a:t>29.11.2024</a:t>
             </a:fld>
             <a:endParaRPr lang="de-CH"/>
           </a:p>
@@ -3913,7 +4001,7 @@
           <a:p>
             <a:fld id="{9E9B238C-2335-4007-98C9-471C02CC43B6}" type="datetimeFigureOut">
               <a:rPr lang="de-CH" smtClean="0"/>
-              <a:t>26.11.2024</a:t>
+              <a:t>29.11.2024</a:t>
             </a:fld>
             <a:endParaRPr lang="de-CH"/>
           </a:p>
@@ -4333,6 +4421,1195 @@
       </p:grpSpPr>
       <p:sp>
         <p:nvSpPr>
+          <p:cNvPr id="5" name="Titel 1">
+            <a:extLst>
+              <a:ext uri="{FF2B5EF4-FFF2-40B4-BE49-F238E27FC236}">
+                <a16:creationId xmlns:a16="http://schemas.microsoft.com/office/drawing/2014/main" id="{C26208B2-0D10-4C23-B2DE-372A62E98644}"/>
+              </a:ext>
+            </a:extLst>
+          </p:cNvPr>
+          <p:cNvSpPr txBox="1">
+            <a:spLocks/>
+          </p:cNvSpPr>
+          <p:nvPr/>
+        </p:nvSpPr>
+        <p:spPr>
+          <a:xfrm>
+            <a:off x="606830" y="1365771"/>
+            <a:ext cx="11395314" cy="4260587"/>
+          </a:xfrm>
+          <a:prstGeom prst="rect">
+            <a:avLst/>
+          </a:prstGeom>
+        </p:spPr>
+        <p:txBody>
+          <a:bodyPr vert="horz" lIns="91440" tIns="45720" rIns="91440" bIns="45720" rtlCol="0" anchor="ctr">
+            <a:normAutofit fontScale="92500" lnSpcReduction="10000"/>
+          </a:bodyPr>
+          <a:lstStyle>
+            <a:lvl1pPr algn="l" defTabSz="914400" rtl="0" eaLnBrk="1" latinLnBrk="0" hangingPunct="1">
+              <a:lnSpc>
+                <a:spcPct val="90000"/>
+              </a:lnSpc>
+              <a:spcBef>
+                <a:spcPct val="0"/>
+              </a:spcBef>
+              <a:buNone/>
+              <a:defRPr sz="4400" kern="1200">
+                <a:solidFill>
+                  <a:schemeClr val="tx1"/>
+                </a:solidFill>
+                <a:latin typeface="+mj-lt"/>
+                <a:ea typeface="+mj-ea"/>
+                <a:cs typeface="+mj-cs"/>
+              </a:defRPr>
+            </a:lvl1pPr>
+          </a:lstStyle>
+          <a:p>
+            <a:r>
+              <a:rPr lang="en-US" sz="3400" b="1" dirty="0"/>
+              <a:t>IAB NEMOPS Position Paper</a:t>
+            </a:r>
+            <a:br>
+              <a:rPr lang="en-US" sz="3400" b="1" dirty="0"/>
+            </a:br>
+            <a:endParaRPr lang="en-US" sz="3400" b="1" dirty="0"/>
+          </a:p>
+          <a:p>
+            <a:r>
+              <a:rPr lang="en-US" sz="3400" b="1" dirty="0">
+                <a:solidFill>
+                  <a:srgbClr val="FF0000"/>
+                </a:solidFill>
+              </a:rPr>
+              <a:t>Agile Incremental Driven Development </a:t>
+            </a:r>
+            <a:r>
+              <a:rPr lang="en-US" sz="3400" b="1" dirty="0"/>
+              <a:t>for Network Management</a:t>
+            </a:r>
+          </a:p>
+          <a:p>
+            <a:endParaRPr lang="en-US" sz="2800" dirty="0"/>
+          </a:p>
+          <a:p>
+            <a:br>
+              <a:rPr lang="en-US" sz="2800" dirty="0"/>
+            </a:br>
+            <a:r>
+              <a:rPr lang="en-US" sz="2800" dirty="0"/>
+              <a:t>Thomas Graf, Swisscom</a:t>
+            </a:r>
+          </a:p>
+          <a:p>
+            <a:r>
+              <a:rPr lang="en-US" sz="2800" dirty="0"/>
+              <a:t>Holger Keller, DT</a:t>
+            </a:r>
+          </a:p>
+          <a:p>
+            <a:r>
+              <a:rPr lang="en-US" sz="2800" dirty="0"/>
+              <a:t>Dan Voyer, Bell Canada</a:t>
+            </a:r>
+          </a:p>
+          <a:p>
+            <a:r>
+              <a:rPr lang="en-US" sz="2800" dirty="0"/>
+              <a:t>Paolo Lucente, NTT</a:t>
+            </a:r>
+          </a:p>
+          <a:p>
+            <a:r>
+              <a:rPr lang="en-US" sz="2800" dirty="0"/>
+              <a:t>Benoit Claise, Huawei</a:t>
+            </a:r>
+          </a:p>
+          <a:p>
+            <a:r>
+              <a:rPr lang="en-US" sz="2800" dirty="0"/>
+              <a:t>Rob Wilton, Cisco</a:t>
+            </a:r>
+          </a:p>
+          <a:p>
+            <a:r>
+              <a:rPr lang="en-US" sz="2800" dirty="0"/>
+              <a:t>Alex Huang-Feng and Pierre Francois, INSA Lyon</a:t>
+            </a:r>
+          </a:p>
+        </p:txBody>
+      </p:sp>
+      <p:sp>
+        <p:nvSpPr>
+          <p:cNvPr id="2" name="Slide Number Placeholder 1">
+            <a:extLst>
+              <a:ext uri="{FF2B5EF4-FFF2-40B4-BE49-F238E27FC236}">
+                <a16:creationId xmlns:a16="http://schemas.microsoft.com/office/drawing/2014/main" id="{AD23057C-339A-4254-8994-8EB77B8B4163}"/>
+              </a:ext>
+            </a:extLst>
+          </p:cNvPr>
+          <p:cNvSpPr>
+            <a:spLocks noGrp="1"/>
+          </p:cNvSpPr>
+          <p:nvPr>
+            <p:ph type="sldNum" sz="quarter" idx="12"/>
+          </p:nvPr>
+        </p:nvSpPr>
+        <p:spPr>
+          <a:xfrm>
+            <a:off x="11587892" y="6361637"/>
+            <a:ext cx="414251" cy="365125"/>
+          </a:xfrm>
+        </p:spPr>
+        <p:txBody>
+          <a:bodyPr/>
+          <a:lstStyle/>
+          <a:p>
+            <a:fld id="{FC4AC485-25DE-431E-B345-9C0A15BB7F8A}" type="slidenum">
+              <a:rPr lang="de-CH" sz="2200" smtClean="0"/>
+              <a:t>1</a:t>
+            </a:fld>
+            <a:endParaRPr lang="de-CH" sz="2200" dirty="0"/>
+          </a:p>
+        </p:txBody>
+      </p:sp>
+    </p:spTree>
+    <p:extLst>
+      <p:ext uri="{BB962C8B-B14F-4D97-AF65-F5344CB8AC3E}">
+        <p14:creationId xmlns:p14="http://schemas.microsoft.com/office/powerpoint/2010/main" val="3578665336"/>
+      </p:ext>
+    </p:extLst>
+  </p:cSld>
+  <p:clrMapOvr>
+    <a:masterClrMapping/>
+  </p:clrMapOvr>
+</p:sld>
+</file>
+
+<file path=ppt/slides/slide10.xml><?xml version="1.0" encoding="utf-8"?>
+<p:sld xmlns:a="http://schemas.openxmlformats.org/drawingml/2006/main" xmlns:r="http://schemas.openxmlformats.org/officeDocument/2006/relationships" xmlns:p="http://schemas.openxmlformats.org/presentationml/2006/main">
+  <p:cSld>
+    <p:spTree>
+      <p:nvGrpSpPr>
+        <p:cNvPr id="1" name=""/>
+        <p:cNvGrpSpPr/>
+        <p:nvPr/>
+      </p:nvGrpSpPr>
+      <p:grpSpPr>
+        <a:xfrm>
+          <a:off x="0" y="0"/>
+          <a:ext cx="0" cy="0"/>
+          <a:chOff x="0" y="0"/>
+          <a:chExt cx="0" cy="0"/>
+        </a:xfrm>
+      </p:grpSpPr>
+      <p:sp>
+        <p:nvSpPr>
+          <p:cNvPr id="2" name="Title 1">
+            <a:extLst>
+              <a:ext uri="{FF2B5EF4-FFF2-40B4-BE49-F238E27FC236}">
+                <a16:creationId xmlns:a16="http://schemas.microsoft.com/office/drawing/2014/main" id="{FF20F271-6F0D-4AC0-BB1D-F5C338165C13}"/>
+              </a:ext>
+            </a:extLst>
+          </p:cNvPr>
+          <p:cNvSpPr>
+            <a:spLocks noGrp="1"/>
+          </p:cNvSpPr>
+          <p:nvPr>
+            <p:ph type="title"/>
+          </p:nvPr>
+        </p:nvSpPr>
+        <p:spPr/>
+        <p:txBody>
+          <a:bodyPr>
+            <a:normAutofit/>
+          </a:bodyPr>
+          <a:lstStyle/>
+          <a:p>
+            <a:r>
+              <a:rPr lang="en-US" sz="2800" b="1" dirty="0"/>
+              <a:t>Addressing YANG Specification and Integration Gaps</a:t>
+            </a:r>
+            <a:br>
+              <a:rPr lang="en-GB" sz="3600" dirty="0"/>
+            </a:br>
+            <a:r>
+              <a:rPr lang="en-US" sz="2700" dirty="0">
+                <a:solidFill>
+                  <a:schemeClr val="bg2">
+                    <a:lumMod val="75000"/>
+                  </a:schemeClr>
+                </a:solidFill>
+              </a:rPr>
+              <a:t>11 documents piling up at NETCONF, NETMOD and NMOP…</a:t>
+            </a:r>
+          </a:p>
+        </p:txBody>
+      </p:sp>
+      <p:sp>
+        <p:nvSpPr>
+          <p:cNvPr id="3" name="Content Placeholder 2">
+            <a:extLst>
+              <a:ext uri="{FF2B5EF4-FFF2-40B4-BE49-F238E27FC236}">
+                <a16:creationId xmlns:a16="http://schemas.microsoft.com/office/drawing/2014/main" id="{29C0DFD4-432D-4B0C-93DF-790441DCF5B9}"/>
+              </a:ext>
+            </a:extLst>
+          </p:cNvPr>
+          <p:cNvSpPr>
+            <a:spLocks noGrp="1"/>
+          </p:cNvSpPr>
+          <p:nvPr>
+            <p:ph idx="1"/>
+          </p:nvPr>
+        </p:nvSpPr>
+        <p:spPr>
+          <a:xfrm>
+            <a:off x="838199" y="1690688"/>
+            <a:ext cx="4732177" cy="4486275"/>
+          </a:xfrm>
+        </p:spPr>
+        <p:txBody>
+          <a:bodyPr>
+            <a:noAutofit/>
+          </a:bodyPr>
+          <a:lstStyle/>
+          <a:p>
+            <a:pPr marL="0" indent="0">
+              <a:buNone/>
+            </a:pPr>
+            <a:r>
+              <a:rPr lang="en-US" sz="1800" b="1" dirty="0"/>
+              <a:t>YANG-Push Transport Gaps:</a:t>
+            </a:r>
+            <a:endParaRPr lang="en-US" sz="1800" dirty="0"/>
+          </a:p>
+          <a:p>
+            <a:pPr>
+              <a:spcBef>
+                <a:spcPts val="300"/>
+              </a:spcBef>
+            </a:pPr>
+            <a:r>
+              <a:rPr lang="en-US" sz="1600" dirty="0"/>
+              <a:t>UDP-based Transport for Configured Subscriptions</a:t>
+            </a:r>
+            <a:br>
+              <a:rPr lang="en-US" sz="1600" dirty="0"/>
+            </a:br>
+            <a:r>
+              <a:rPr lang="en-US" sz="1600" dirty="0">
+                <a:hlinkClick r:id="rId3"/>
+              </a:rPr>
+              <a:t>draft-</a:t>
+            </a:r>
+            <a:r>
+              <a:rPr lang="en-US" sz="1600" dirty="0" err="1">
+                <a:hlinkClick r:id="rId3"/>
+              </a:rPr>
+              <a:t>ietf</a:t>
+            </a:r>
+            <a:r>
+              <a:rPr lang="en-US" sz="1600" dirty="0">
+                <a:hlinkClick r:id="rId3"/>
+              </a:rPr>
+              <a:t>-netconf-</a:t>
+            </a:r>
+            <a:r>
+              <a:rPr lang="en-US" sz="1600" dirty="0" err="1">
+                <a:hlinkClick r:id="rId3"/>
+              </a:rPr>
+              <a:t>udp</a:t>
+            </a:r>
+            <a:r>
+              <a:rPr lang="en-US" sz="1600" dirty="0">
+                <a:hlinkClick r:id="rId3"/>
+              </a:rPr>
+              <a:t>-</a:t>
+            </a:r>
+            <a:r>
+              <a:rPr lang="en-US" sz="1600" dirty="0" err="1">
+                <a:hlinkClick r:id="rId3"/>
+              </a:rPr>
+              <a:t>notif</a:t>
+            </a:r>
+            <a:endParaRPr lang="en-US" sz="1600" dirty="0"/>
+          </a:p>
+          <a:p>
+            <a:pPr>
+              <a:spcBef>
+                <a:spcPts val="300"/>
+              </a:spcBef>
+            </a:pPr>
+            <a:r>
+              <a:rPr lang="en-US" sz="1600" dirty="0"/>
+              <a:t>Subscription to Distributed Notifications</a:t>
+            </a:r>
+            <a:br>
+              <a:rPr lang="en-US" sz="1600" dirty="0"/>
+            </a:br>
+            <a:r>
+              <a:rPr lang="en-US" sz="1600" dirty="0">
+                <a:hlinkClick r:id="rId4"/>
+              </a:rPr>
+              <a:t>draft-</a:t>
+            </a:r>
+            <a:r>
+              <a:rPr lang="en-US" sz="1600" dirty="0" err="1">
+                <a:hlinkClick r:id="rId4"/>
+              </a:rPr>
+              <a:t>ietf</a:t>
+            </a:r>
+            <a:r>
+              <a:rPr lang="en-US" sz="1600" dirty="0">
+                <a:hlinkClick r:id="rId4"/>
+              </a:rPr>
+              <a:t>-netconf-distributed-</a:t>
+            </a:r>
+            <a:r>
+              <a:rPr lang="en-US" sz="1600" dirty="0" err="1">
+                <a:hlinkClick r:id="rId4"/>
+              </a:rPr>
+              <a:t>notif</a:t>
+            </a:r>
+            <a:endParaRPr lang="en-US" sz="1600" b="1" dirty="0"/>
+          </a:p>
+          <a:p>
+            <a:pPr marL="0" indent="0">
+              <a:buNone/>
+            </a:pPr>
+            <a:r>
+              <a:rPr lang="en-US" sz="1800" b="1" dirty="0"/>
+              <a:t>YANG-Push Specifications Gaps:</a:t>
+            </a:r>
+            <a:endParaRPr lang="en-US" sz="1800" dirty="0"/>
+          </a:p>
+          <a:p>
+            <a:pPr>
+              <a:spcBef>
+                <a:spcPts val="300"/>
+              </a:spcBef>
+            </a:pPr>
+            <a:r>
+              <a:rPr lang="en-US" sz="1600" dirty="0"/>
+              <a:t>Extensible YANG model for YANG-Push Notifications</a:t>
+            </a:r>
+            <a:br>
+              <a:rPr lang="en-US" sz="1600" dirty="0"/>
+            </a:br>
+            <a:r>
+              <a:rPr lang="en-US" sz="1600" dirty="0">
+                <a:ea typeface="Times New Roman" panose="02020603050405020304" pitchFamily="18" charset="0"/>
+                <a:hlinkClick r:id="rId5"/>
+              </a:rPr>
+              <a:t>draft-</a:t>
+            </a:r>
+            <a:r>
+              <a:rPr lang="en-US" sz="1600" dirty="0" err="1">
+                <a:ea typeface="Times New Roman" panose="02020603050405020304" pitchFamily="18" charset="0"/>
+                <a:hlinkClick r:id="rId5"/>
+              </a:rPr>
+              <a:t>netana</a:t>
+            </a:r>
+            <a:r>
+              <a:rPr lang="en-US" sz="1600" dirty="0">
+                <a:ea typeface="Times New Roman" panose="02020603050405020304" pitchFamily="18" charset="0"/>
+                <a:hlinkClick r:id="rId5"/>
+              </a:rPr>
+              <a:t>-netconf-</a:t>
+            </a:r>
+            <a:r>
+              <a:rPr lang="en-US" sz="1600" dirty="0" err="1">
+                <a:ea typeface="Times New Roman" panose="02020603050405020304" pitchFamily="18" charset="0"/>
+                <a:hlinkClick r:id="rId5"/>
+              </a:rPr>
+              <a:t>notif</a:t>
+            </a:r>
+            <a:r>
+              <a:rPr lang="en-US" sz="1600" dirty="0">
+                <a:ea typeface="Times New Roman" panose="02020603050405020304" pitchFamily="18" charset="0"/>
+                <a:hlinkClick r:id="rId5"/>
+              </a:rPr>
+              <a:t>-envelope</a:t>
+            </a:r>
+            <a:endParaRPr lang="en-US" sz="1600" dirty="0">
+              <a:ea typeface="Times New Roman" panose="02020603050405020304" pitchFamily="18" charset="0"/>
+            </a:endParaRPr>
+          </a:p>
+          <a:p>
+            <a:pPr>
+              <a:spcBef>
+                <a:spcPts val="300"/>
+              </a:spcBef>
+            </a:pPr>
+            <a:r>
+              <a:rPr lang="en-US" sz="1600" dirty="0">
+                <a:ea typeface="Times New Roman" panose="02020603050405020304" pitchFamily="18" charset="0"/>
+              </a:rPr>
+              <a:t>YANG Notification Transport Capabilities</a:t>
+            </a:r>
+            <a:br>
+              <a:rPr lang="en-US" sz="1600" dirty="0">
+                <a:ea typeface="Times New Roman" panose="02020603050405020304" pitchFamily="18" charset="0"/>
+              </a:rPr>
+            </a:br>
+            <a:r>
+              <a:rPr lang="en-US" sz="1600" dirty="0">
+                <a:ea typeface="Times New Roman" panose="02020603050405020304" pitchFamily="18" charset="0"/>
+                <a:hlinkClick r:id="rId6"/>
+              </a:rPr>
+              <a:t>draft-</a:t>
+            </a:r>
+            <a:r>
+              <a:rPr lang="en-US" sz="1600" dirty="0" err="1">
+                <a:ea typeface="Times New Roman" panose="02020603050405020304" pitchFamily="18" charset="0"/>
+                <a:hlinkClick r:id="rId6"/>
+              </a:rPr>
+              <a:t>netana</a:t>
+            </a:r>
+            <a:r>
+              <a:rPr lang="en-US" sz="1600" dirty="0">
+                <a:ea typeface="Times New Roman" panose="02020603050405020304" pitchFamily="18" charset="0"/>
+                <a:hlinkClick r:id="rId6"/>
+              </a:rPr>
+              <a:t>-netconf-</a:t>
+            </a:r>
+            <a:r>
+              <a:rPr lang="en-US" sz="1600" dirty="0" err="1">
+                <a:ea typeface="Times New Roman" panose="02020603050405020304" pitchFamily="18" charset="0"/>
+                <a:hlinkClick r:id="rId6"/>
+              </a:rPr>
+              <a:t>yp</a:t>
+            </a:r>
+            <a:r>
+              <a:rPr lang="en-US" sz="1600" dirty="0">
+                <a:ea typeface="Times New Roman" panose="02020603050405020304" pitchFamily="18" charset="0"/>
+                <a:hlinkClick r:id="rId6"/>
+              </a:rPr>
+              <a:t>-transport-capabilities</a:t>
+            </a:r>
+            <a:endParaRPr lang="en-US" sz="1600" dirty="0">
+              <a:ea typeface="Times New Roman" panose="02020603050405020304" pitchFamily="18" charset="0"/>
+            </a:endParaRPr>
+          </a:p>
+          <a:p>
+            <a:pPr>
+              <a:spcBef>
+                <a:spcPts val="300"/>
+              </a:spcBef>
+            </a:pPr>
+            <a:r>
+              <a:rPr lang="en-US" sz="1600" dirty="0"/>
+              <a:t>Validating </a:t>
+            </a:r>
+            <a:r>
+              <a:rPr lang="en-US" sz="1600" dirty="0" err="1"/>
+              <a:t>anydata</a:t>
+            </a:r>
+            <a:r>
+              <a:rPr lang="en-US" sz="1600" dirty="0"/>
+              <a:t> in YANG Library context</a:t>
+            </a:r>
+            <a:br>
+              <a:rPr lang="en-US" sz="1600" dirty="0"/>
+            </a:br>
+            <a:r>
+              <a:rPr lang="en-US" sz="1600" dirty="0">
+                <a:hlinkClick r:id="rId7"/>
+              </a:rPr>
+              <a:t>draft-</a:t>
+            </a:r>
+            <a:r>
+              <a:rPr lang="en-US" sz="1600" dirty="0" err="1">
+                <a:hlinkClick r:id="rId7"/>
+              </a:rPr>
+              <a:t>aelhassany</a:t>
+            </a:r>
+            <a:r>
+              <a:rPr lang="en-US" sz="1600" dirty="0">
+                <a:hlinkClick r:id="rId7"/>
+              </a:rPr>
+              <a:t>-</a:t>
+            </a:r>
+            <a:r>
+              <a:rPr lang="en-US" sz="1600" dirty="0" err="1">
+                <a:hlinkClick r:id="rId7"/>
+              </a:rPr>
+              <a:t>anydata</a:t>
+            </a:r>
+            <a:r>
+              <a:rPr lang="en-US" sz="1600" dirty="0">
+                <a:hlinkClick r:id="rId7"/>
+              </a:rPr>
+              <a:t>-validation</a:t>
+            </a:r>
+            <a:endParaRPr lang="en-US" sz="1600" b="1" dirty="0">
+              <a:solidFill>
+                <a:srgbClr val="FF0000"/>
+              </a:solidFill>
+            </a:endParaRPr>
+          </a:p>
+        </p:txBody>
+      </p:sp>
+      <p:sp>
+        <p:nvSpPr>
+          <p:cNvPr id="6" name="Slide Number Placeholder 1">
+            <a:extLst>
+              <a:ext uri="{FF2B5EF4-FFF2-40B4-BE49-F238E27FC236}">
+                <a16:creationId xmlns:a16="http://schemas.microsoft.com/office/drawing/2014/main" id="{3D5EE238-429C-4784-8E42-1813EF45704D}"/>
+              </a:ext>
+            </a:extLst>
+          </p:cNvPr>
+          <p:cNvSpPr>
+            <a:spLocks noGrp="1"/>
+          </p:cNvSpPr>
+          <p:nvPr>
+            <p:ph type="sldNum" sz="quarter" idx="12"/>
+          </p:nvPr>
+        </p:nvSpPr>
+        <p:spPr>
+          <a:xfrm>
+            <a:off x="11587892" y="6361637"/>
+            <a:ext cx="414251" cy="365125"/>
+          </a:xfrm>
+        </p:spPr>
+        <p:txBody>
+          <a:bodyPr/>
+          <a:lstStyle/>
+          <a:p>
+            <a:fld id="{FC4AC485-25DE-431E-B345-9C0A15BB7F8A}" type="slidenum">
+              <a:rPr lang="de-CH" sz="1400" smtClean="0"/>
+              <a:t>10</a:t>
+            </a:fld>
+            <a:endParaRPr lang="de-CH" sz="1400" dirty="0"/>
+          </a:p>
+        </p:txBody>
+      </p:sp>
+      <p:sp>
+        <p:nvSpPr>
+          <p:cNvPr id="4" name="Content Placeholder 2">
+            <a:extLst>
+              <a:ext uri="{FF2B5EF4-FFF2-40B4-BE49-F238E27FC236}">
+                <a16:creationId xmlns:a16="http://schemas.microsoft.com/office/drawing/2014/main" id="{847B953C-E781-5A94-33AD-E38789C4C7F0}"/>
+              </a:ext>
+            </a:extLst>
+          </p:cNvPr>
+          <p:cNvSpPr txBox="1">
+            <a:spLocks/>
+          </p:cNvSpPr>
+          <p:nvPr/>
+        </p:nvSpPr>
+        <p:spPr>
+          <a:xfrm>
+            <a:off x="5946711" y="1690688"/>
+            <a:ext cx="6245289" cy="3366504"/>
+          </a:xfrm>
+          <a:prstGeom prst="rect">
+            <a:avLst/>
+          </a:prstGeom>
+        </p:spPr>
+        <p:txBody>
+          <a:bodyPr vert="horz" lIns="91440" tIns="45720" rIns="91440" bIns="45720" rtlCol="0">
+            <a:noAutofit/>
+          </a:bodyPr>
+          <a:lstStyle>
+            <a:lvl1pPr marL="228600" indent="-228600" algn="l" defTabSz="914400" rtl="0" eaLnBrk="1" latinLnBrk="0" hangingPunct="1">
+              <a:lnSpc>
+                <a:spcPct val="90000"/>
+              </a:lnSpc>
+              <a:spcBef>
+                <a:spcPts val="1000"/>
+              </a:spcBef>
+              <a:buFont typeface="Arial" panose="020B0604020202020204" pitchFamily="34" charset="0"/>
+              <a:buChar char="•"/>
+              <a:defRPr sz="2800" kern="1200">
+                <a:solidFill>
+                  <a:schemeClr val="tx1"/>
+                </a:solidFill>
+                <a:latin typeface="+mn-lt"/>
+                <a:ea typeface="+mn-ea"/>
+                <a:cs typeface="+mn-cs"/>
+              </a:defRPr>
+            </a:lvl1pPr>
+            <a:lvl2pPr marL="685800" indent="-228600" algn="l" defTabSz="914400" rtl="0" eaLnBrk="1" latinLnBrk="0" hangingPunct="1">
+              <a:lnSpc>
+                <a:spcPct val="90000"/>
+              </a:lnSpc>
+              <a:spcBef>
+                <a:spcPts val="500"/>
+              </a:spcBef>
+              <a:buFont typeface="Arial" panose="020B0604020202020204" pitchFamily="34" charset="0"/>
+              <a:buChar char="•"/>
+              <a:defRPr sz="2400" kern="1200">
+                <a:solidFill>
+                  <a:schemeClr val="tx1"/>
+                </a:solidFill>
+                <a:latin typeface="+mn-lt"/>
+                <a:ea typeface="+mn-ea"/>
+                <a:cs typeface="+mn-cs"/>
+              </a:defRPr>
+            </a:lvl2pPr>
+            <a:lvl3pPr marL="1143000" indent="-228600" algn="l" defTabSz="914400" rtl="0" eaLnBrk="1" latinLnBrk="0" hangingPunct="1">
+              <a:lnSpc>
+                <a:spcPct val="90000"/>
+              </a:lnSpc>
+              <a:spcBef>
+                <a:spcPts val="500"/>
+              </a:spcBef>
+              <a:buFont typeface="Arial" panose="020B0604020202020204" pitchFamily="34" charset="0"/>
+              <a:buChar char="•"/>
+              <a:defRPr sz="2000" kern="1200">
+                <a:solidFill>
+                  <a:schemeClr val="tx1"/>
+                </a:solidFill>
+                <a:latin typeface="+mn-lt"/>
+                <a:ea typeface="+mn-ea"/>
+                <a:cs typeface="+mn-cs"/>
+              </a:defRPr>
+            </a:lvl3pPr>
+            <a:lvl4pPr marL="1600200" indent="-228600" algn="l" defTabSz="914400" rtl="0" eaLnBrk="1" latinLnBrk="0" hangingPunct="1">
+              <a:lnSpc>
+                <a:spcPct val="90000"/>
+              </a:lnSpc>
+              <a:spcBef>
+                <a:spcPts val="500"/>
+              </a:spcBef>
+              <a:buFont typeface="Arial" panose="020B0604020202020204" pitchFamily="34" charset="0"/>
+              <a:buChar char="•"/>
+              <a:defRPr sz="1800" kern="1200">
+                <a:solidFill>
+                  <a:schemeClr val="tx1"/>
+                </a:solidFill>
+                <a:latin typeface="+mn-lt"/>
+                <a:ea typeface="+mn-ea"/>
+                <a:cs typeface="+mn-cs"/>
+              </a:defRPr>
+            </a:lvl4pPr>
+            <a:lvl5pPr marL="2057400" indent="-228600" algn="l" defTabSz="914400" rtl="0" eaLnBrk="1" latinLnBrk="0" hangingPunct="1">
+              <a:lnSpc>
+                <a:spcPct val="90000"/>
+              </a:lnSpc>
+              <a:spcBef>
+                <a:spcPts val="500"/>
+              </a:spcBef>
+              <a:buFont typeface="Arial" panose="020B0604020202020204" pitchFamily="34" charset="0"/>
+              <a:buChar char="•"/>
+              <a:defRPr sz="1800" kern="1200">
+                <a:solidFill>
+                  <a:schemeClr val="tx1"/>
+                </a:solidFill>
+                <a:latin typeface="+mn-lt"/>
+                <a:ea typeface="+mn-ea"/>
+                <a:cs typeface="+mn-cs"/>
+              </a:defRPr>
+            </a:lvl5pPr>
+            <a:lvl6pPr marL="2514600" indent="-228600" algn="l" defTabSz="914400" rtl="0" eaLnBrk="1" latinLnBrk="0" hangingPunct="1">
+              <a:lnSpc>
+                <a:spcPct val="90000"/>
+              </a:lnSpc>
+              <a:spcBef>
+                <a:spcPts val="500"/>
+              </a:spcBef>
+              <a:buFont typeface="Arial" panose="020B0604020202020204" pitchFamily="34" charset="0"/>
+              <a:buChar char="•"/>
+              <a:defRPr sz="1800" kern="1200">
+                <a:solidFill>
+                  <a:schemeClr val="tx1"/>
+                </a:solidFill>
+                <a:latin typeface="+mn-lt"/>
+                <a:ea typeface="+mn-ea"/>
+                <a:cs typeface="+mn-cs"/>
+              </a:defRPr>
+            </a:lvl6pPr>
+            <a:lvl7pPr marL="2971800" indent="-228600" algn="l" defTabSz="914400" rtl="0" eaLnBrk="1" latinLnBrk="0" hangingPunct="1">
+              <a:lnSpc>
+                <a:spcPct val="90000"/>
+              </a:lnSpc>
+              <a:spcBef>
+                <a:spcPts val="500"/>
+              </a:spcBef>
+              <a:buFont typeface="Arial" panose="020B0604020202020204" pitchFamily="34" charset="0"/>
+              <a:buChar char="•"/>
+              <a:defRPr sz="1800" kern="1200">
+                <a:solidFill>
+                  <a:schemeClr val="tx1"/>
+                </a:solidFill>
+                <a:latin typeface="+mn-lt"/>
+                <a:ea typeface="+mn-ea"/>
+                <a:cs typeface="+mn-cs"/>
+              </a:defRPr>
+            </a:lvl7pPr>
+            <a:lvl8pPr marL="3429000" indent="-228600" algn="l" defTabSz="914400" rtl="0" eaLnBrk="1" latinLnBrk="0" hangingPunct="1">
+              <a:lnSpc>
+                <a:spcPct val="90000"/>
+              </a:lnSpc>
+              <a:spcBef>
+                <a:spcPts val="500"/>
+              </a:spcBef>
+              <a:buFont typeface="Arial" panose="020B0604020202020204" pitchFamily="34" charset="0"/>
+              <a:buChar char="•"/>
+              <a:defRPr sz="1800" kern="1200">
+                <a:solidFill>
+                  <a:schemeClr val="tx1"/>
+                </a:solidFill>
+                <a:latin typeface="+mn-lt"/>
+                <a:ea typeface="+mn-ea"/>
+                <a:cs typeface="+mn-cs"/>
+              </a:defRPr>
+            </a:lvl8pPr>
+            <a:lvl9pPr marL="3886200" indent="-228600" algn="l" defTabSz="914400" rtl="0" eaLnBrk="1" latinLnBrk="0" hangingPunct="1">
+              <a:lnSpc>
+                <a:spcPct val="90000"/>
+              </a:lnSpc>
+              <a:spcBef>
+                <a:spcPts val="500"/>
+              </a:spcBef>
+              <a:buFont typeface="Arial" panose="020B0604020202020204" pitchFamily="34" charset="0"/>
+              <a:buChar char="•"/>
+              <a:defRPr sz="1800" kern="1200">
+                <a:solidFill>
+                  <a:schemeClr val="tx1"/>
+                </a:solidFill>
+                <a:latin typeface="+mn-lt"/>
+                <a:ea typeface="+mn-ea"/>
+                <a:cs typeface="+mn-cs"/>
+              </a:defRPr>
+            </a:lvl9pPr>
+          </a:lstStyle>
+          <a:p>
+            <a:pPr marL="0" indent="0">
+              <a:spcBef>
+                <a:spcPts val="1200"/>
+              </a:spcBef>
+              <a:buFont typeface="Arial" panose="020B0604020202020204" pitchFamily="34" charset="0"/>
+              <a:buNone/>
+            </a:pPr>
+            <a:r>
+              <a:rPr lang="en-US" sz="1800" b="1" dirty="0"/>
+              <a:t>YANG-Push Integration Gaps and Arch:</a:t>
+            </a:r>
+          </a:p>
+          <a:p>
+            <a:pPr>
+              <a:spcBef>
+                <a:spcPts val="300"/>
+              </a:spcBef>
+            </a:pPr>
+            <a:r>
+              <a:rPr lang="en-US" sz="1600" dirty="0"/>
+              <a:t>Support of Network Observation Timestamping in YANG Notifications</a:t>
+            </a:r>
+            <a:br>
+              <a:rPr lang="en-US" sz="1600" dirty="0"/>
+            </a:br>
+            <a:r>
+              <a:rPr lang="en-US" sz="1600" dirty="0">
+                <a:hlinkClick r:id="rId8"/>
+              </a:rPr>
+              <a:t>draft-</a:t>
+            </a:r>
+            <a:r>
+              <a:rPr lang="en-US" sz="1600" dirty="0" err="1">
+                <a:hlinkClick r:id="rId8"/>
+              </a:rPr>
+              <a:t>tgraf</a:t>
+            </a:r>
+            <a:r>
+              <a:rPr lang="en-US" sz="1600" dirty="0">
+                <a:hlinkClick r:id="rId8"/>
+              </a:rPr>
+              <a:t>-netconf-yang-push-observation-time</a:t>
+            </a:r>
+            <a:endParaRPr lang="en-US" sz="1600" dirty="0"/>
+          </a:p>
+          <a:p>
+            <a:pPr>
+              <a:spcBef>
+                <a:spcPts val="300"/>
+              </a:spcBef>
+            </a:pPr>
+            <a:r>
+              <a:rPr lang="en-US" sz="1600" dirty="0"/>
+              <a:t>Support of Versioning in YANG Notifications Subscription</a:t>
+            </a:r>
+            <a:br>
+              <a:rPr lang="en-US" sz="1600" dirty="0"/>
+            </a:br>
+            <a:r>
+              <a:rPr lang="en-US" sz="1600" dirty="0">
+                <a:hlinkClick r:id="rId9"/>
+              </a:rPr>
+              <a:t>draft-</a:t>
+            </a:r>
+            <a:r>
+              <a:rPr lang="en-US" sz="1600" dirty="0" err="1">
+                <a:hlinkClick r:id="rId9"/>
+              </a:rPr>
+              <a:t>ietf</a:t>
+            </a:r>
+            <a:r>
+              <a:rPr lang="en-US" sz="1600" dirty="0">
+                <a:hlinkClick r:id="rId9"/>
+              </a:rPr>
+              <a:t>-netconf-yang-notifications-versioning</a:t>
+            </a:r>
+            <a:endParaRPr lang="en-US" sz="1600" dirty="0"/>
+          </a:p>
+          <a:p>
+            <a:pPr>
+              <a:spcBef>
+                <a:spcPts val="300"/>
+              </a:spcBef>
+            </a:pPr>
+            <a:r>
+              <a:rPr lang="en-US" sz="1600" dirty="0"/>
+              <a:t>Augmented-by Addition into the IETF-YANG-Library</a:t>
+            </a:r>
+            <a:br>
+              <a:rPr lang="en-US" sz="1600" dirty="0"/>
+            </a:br>
+            <a:r>
+              <a:rPr lang="en-US" sz="1600" dirty="0">
+                <a:hlinkClick r:id="rId10"/>
+              </a:rPr>
+              <a:t>draft-</a:t>
+            </a:r>
+            <a:r>
+              <a:rPr lang="en-US" sz="1600" dirty="0" err="1">
+                <a:hlinkClick r:id="rId10"/>
+              </a:rPr>
+              <a:t>ietf</a:t>
+            </a:r>
+            <a:r>
+              <a:rPr lang="en-US" sz="1600" dirty="0">
+                <a:hlinkClick r:id="rId10"/>
+              </a:rPr>
+              <a:t>-netconf-yang-library-augmentation</a:t>
+            </a:r>
+            <a:endParaRPr lang="en-US" sz="1600" dirty="0"/>
+          </a:p>
+          <a:p>
+            <a:pPr marL="0" indent="0">
+              <a:spcBef>
+                <a:spcPts val="1200"/>
+              </a:spcBef>
+              <a:buFont typeface="Arial" panose="020B0604020202020204" pitchFamily="34" charset="0"/>
+              <a:buNone/>
+            </a:pPr>
+            <a:r>
+              <a:rPr lang="en-US" sz="1800" b="1" dirty="0"/>
+              <a:t>YANG-Push Simplification:</a:t>
+            </a:r>
+          </a:p>
+          <a:p>
+            <a:pPr>
+              <a:spcBef>
+                <a:spcPts val="300"/>
+              </a:spcBef>
+            </a:pPr>
+            <a:r>
+              <a:rPr lang="en-US" sz="1600" dirty="0"/>
+              <a:t>YANG-Push Operational Data Observability Enhancements</a:t>
+            </a:r>
+            <a:br>
+              <a:rPr lang="en-US" sz="1600" dirty="0"/>
+            </a:br>
+            <a:r>
+              <a:rPr lang="en-US" sz="1600" dirty="0">
+                <a:hlinkClick r:id="rId11"/>
+              </a:rPr>
+              <a:t>draft-</a:t>
+            </a:r>
+            <a:r>
+              <a:rPr lang="en-US" sz="1600" dirty="0" err="1">
+                <a:hlinkClick r:id="rId11"/>
+              </a:rPr>
+              <a:t>wilton</a:t>
+            </a:r>
+            <a:r>
+              <a:rPr lang="en-US" sz="1600" dirty="0">
+                <a:hlinkClick r:id="rId11"/>
+              </a:rPr>
+              <a:t>-netconf-</a:t>
+            </a:r>
+            <a:r>
+              <a:rPr lang="en-US" sz="1600" dirty="0" err="1">
+                <a:hlinkClick r:id="rId11"/>
+              </a:rPr>
+              <a:t>yp</a:t>
+            </a:r>
+            <a:r>
+              <a:rPr lang="en-US" sz="1600" dirty="0">
+                <a:hlinkClick r:id="rId11"/>
+              </a:rPr>
+              <a:t>-observability</a:t>
+            </a:r>
+            <a:endParaRPr lang="en-US" sz="1600" dirty="0"/>
+          </a:p>
+          <a:p>
+            <a:pPr marL="0" indent="0">
+              <a:spcBef>
+                <a:spcPts val="1200"/>
+              </a:spcBef>
+              <a:buNone/>
+            </a:pPr>
+            <a:r>
+              <a:rPr lang="en-US" sz="1800" b="1" dirty="0"/>
+              <a:t>YANG-Push Message Broker:</a:t>
+            </a:r>
+          </a:p>
+          <a:p>
+            <a:pPr>
+              <a:spcBef>
+                <a:spcPts val="300"/>
+              </a:spcBef>
+            </a:pPr>
+            <a:r>
+              <a:rPr lang="en-US" sz="1600" dirty="0"/>
+              <a:t>An Architecture for YANG-Push to Message Broker Integration</a:t>
+            </a:r>
+            <a:br>
+              <a:rPr lang="en-US" sz="1600" dirty="0"/>
+            </a:br>
+            <a:r>
+              <a:rPr lang="en-US" sz="1600" dirty="0">
+                <a:hlinkClick r:id="rId12"/>
+              </a:rPr>
+              <a:t>draft-</a:t>
+            </a:r>
+            <a:r>
+              <a:rPr lang="en-US" sz="1600" dirty="0" err="1">
+                <a:hlinkClick r:id="rId12"/>
+              </a:rPr>
+              <a:t>netana</a:t>
+            </a:r>
+            <a:r>
+              <a:rPr lang="en-US" sz="1600" dirty="0">
+                <a:hlinkClick r:id="rId12"/>
+              </a:rPr>
+              <a:t>-</a:t>
+            </a:r>
+            <a:r>
+              <a:rPr lang="en-US" sz="1600" dirty="0" err="1">
+                <a:hlinkClick r:id="rId12"/>
+              </a:rPr>
+              <a:t>nmop</a:t>
+            </a:r>
+            <a:r>
+              <a:rPr lang="en-US" sz="1600" dirty="0">
+                <a:hlinkClick r:id="rId12"/>
+              </a:rPr>
+              <a:t>-yang-message-broker-integration</a:t>
+            </a:r>
+            <a:endParaRPr lang="en-US" sz="1600" dirty="0"/>
+          </a:p>
+        </p:txBody>
+      </p:sp>
+      <p:pic>
+        <p:nvPicPr>
+          <p:cNvPr id="7" name="Picture 6">
+            <a:extLst>
+              <a:ext uri="{FF2B5EF4-FFF2-40B4-BE49-F238E27FC236}">
+                <a16:creationId xmlns:a16="http://schemas.microsoft.com/office/drawing/2014/main" id="{0A11DEF8-69C9-1E60-4EF8-A3E0E2EEFE5E}"/>
+              </a:ext>
+            </a:extLst>
+          </p:cNvPr>
+          <p:cNvPicPr>
+            <a:picLocks noChangeAspect="1"/>
+          </p:cNvPicPr>
+          <p:nvPr/>
+        </p:nvPicPr>
+        <p:blipFill>
+          <a:blip r:embed="rId13"/>
+          <a:stretch>
+            <a:fillRect/>
+          </a:stretch>
+        </p:blipFill>
+        <p:spPr>
+          <a:xfrm>
+            <a:off x="838198" y="5277116"/>
+            <a:ext cx="6103778" cy="1449646"/>
+          </a:xfrm>
+          <a:prstGeom prst="rect">
+            <a:avLst/>
+          </a:prstGeom>
+        </p:spPr>
+      </p:pic>
+      <p:sp>
+        <p:nvSpPr>
+          <p:cNvPr id="9" name="TextBox 8">
+            <a:extLst>
+              <a:ext uri="{FF2B5EF4-FFF2-40B4-BE49-F238E27FC236}">
+                <a16:creationId xmlns:a16="http://schemas.microsoft.com/office/drawing/2014/main" id="{76DFCB4A-5A26-3D89-003B-C1376E910ECB}"/>
+              </a:ext>
+            </a:extLst>
+          </p:cNvPr>
+          <p:cNvSpPr txBox="1"/>
+          <p:nvPr/>
+        </p:nvSpPr>
+        <p:spPr>
+          <a:xfrm>
+            <a:off x="1751823" y="4982646"/>
+            <a:ext cx="674137" cy="369332"/>
+          </a:xfrm>
+          <a:prstGeom prst="rect">
+            <a:avLst/>
+          </a:prstGeom>
+          <a:noFill/>
+        </p:spPr>
+        <p:txBody>
+          <a:bodyPr wrap="square">
+            <a:spAutoFit/>
+          </a:bodyPr>
+          <a:lstStyle/>
+          <a:p>
+            <a:r>
+              <a:rPr lang="en-US" sz="1800" b="1" dirty="0"/>
+              <a:t>2025</a:t>
+            </a:r>
+            <a:endParaRPr lang="de-CH" dirty="0"/>
+          </a:p>
+        </p:txBody>
+      </p:sp>
+      <p:sp>
+        <p:nvSpPr>
+          <p:cNvPr id="10" name="TextBox 9">
+            <a:extLst>
+              <a:ext uri="{FF2B5EF4-FFF2-40B4-BE49-F238E27FC236}">
+                <a16:creationId xmlns:a16="http://schemas.microsoft.com/office/drawing/2014/main" id="{AE56A713-7107-EBE1-2757-84C6A1F346F1}"/>
+              </a:ext>
+            </a:extLst>
+          </p:cNvPr>
+          <p:cNvSpPr txBox="1"/>
+          <p:nvPr/>
+        </p:nvSpPr>
+        <p:spPr>
+          <a:xfrm>
+            <a:off x="2746700" y="4982488"/>
+            <a:ext cx="674137" cy="369332"/>
+          </a:xfrm>
+          <a:prstGeom prst="rect">
+            <a:avLst/>
+          </a:prstGeom>
+          <a:noFill/>
+        </p:spPr>
+        <p:txBody>
+          <a:bodyPr wrap="square">
+            <a:spAutoFit/>
+          </a:bodyPr>
+          <a:lstStyle/>
+          <a:p>
+            <a:r>
+              <a:rPr lang="en-US" sz="1800" b="1" dirty="0"/>
+              <a:t>2026</a:t>
+            </a:r>
+            <a:endParaRPr lang="de-CH" dirty="0"/>
+          </a:p>
+        </p:txBody>
+      </p:sp>
+      <p:sp>
+        <p:nvSpPr>
+          <p:cNvPr id="11" name="TextBox 10">
+            <a:extLst>
+              <a:ext uri="{FF2B5EF4-FFF2-40B4-BE49-F238E27FC236}">
+                <a16:creationId xmlns:a16="http://schemas.microsoft.com/office/drawing/2014/main" id="{97CADFF5-A2FD-EA83-3DC3-27D9F2FE3688}"/>
+              </a:ext>
+            </a:extLst>
+          </p:cNvPr>
+          <p:cNvSpPr txBox="1"/>
+          <p:nvPr/>
+        </p:nvSpPr>
+        <p:spPr>
+          <a:xfrm>
+            <a:off x="4074780" y="4982488"/>
+            <a:ext cx="674137" cy="369332"/>
+          </a:xfrm>
+          <a:prstGeom prst="rect">
+            <a:avLst/>
+          </a:prstGeom>
+          <a:noFill/>
+        </p:spPr>
+        <p:txBody>
+          <a:bodyPr wrap="square">
+            <a:spAutoFit/>
+          </a:bodyPr>
+          <a:lstStyle/>
+          <a:p>
+            <a:r>
+              <a:rPr lang="en-US" sz="1800" b="1" dirty="0"/>
+              <a:t>2027</a:t>
+            </a:r>
+            <a:endParaRPr lang="de-CH" dirty="0"/>
+          </a:p>
+        </p:txBody>
+      </p:sp>
+      <p:sp>
+        <p:nvSpPr>
+          <p:cNvPr id="12" name="TextBox 11">
+            <a:extLst>
+              <a:ext uri="{FF2B5EF4-FFF2-40B4-BE49-F238E27FC236}">
+                <a16:creationId xmlns:a16="http://schemas.microsoft.com/office/drawing/2014/main" id="{80E2C7F2-70F7-2366-8405-DD8B496C3EF7}"/>
+              </a:ext>
+            </a:extLst>
+          </p:cNvPr>
+          <p:cNvSpPr txBox="1"/>
+          <p:nvPr/>
+        </p:nvSpPr>
+        <p:spPr>
+          <a:xfrm>
+            <a:off x="5468151" y="4983827"/>
+            <a:ext cx="674137" cy="369332"/>
+          </a:xfrm>
+          <a:prstGeom prst="rect">
+            <a:avLst/>
+          </a:prstGeom>
+          <a:noFill/>
+        </p:spPr>
+        <p:txBody>
+          <a:bodyPr wrap="square">
+            <a:spAutoFit/>
+          </a:bodyPr>
+          <a:lstStyle/>
+          <a:p>
+            <a:r>
+              <a:rPr lang="en-US" sz="1800" b="1" dirty="0"/>
+              <a:t>2028</a:t>
+            </a:r>
+            <a:endParaRPr lang="de-CH" dirty="0"/>
+          </a:p>
+        </p:txBody>
+      </p:sp>
+    </p:spTree>
+    <p:extLst>
+      <p:ext uri="{BB962C8B-B14F-4D97-AF65-F5344CB8AC3E}">
+        <p14:creationId xmlns:p14="http://schemas.microsoft.com/office/powerpoint/2010/main" val="3325836654"/>
+      </p:ext>
+    </p:extLst>
+  </p:cSld>
+  <p:clrMapOvr>
+    <a:masterClrMapping/>
+  </p:clrMapOvr>
+</p:sld>
+</file>
+
+<file path=ppt/slides/slide2.xml><?xml version="1.0" encoding="utf-8"?>
+<p:sld xmlns:a="http://schemas.openxmlformats.org/drawingml/2006/main" xmlns:r="http://schemas.openxmlformats.org/officeDocument/2006/relationships" xmlns:p="http://schemas.openxmlformats.org/presentationml/2006/main">
+  <p:cSld>
+    <p:spTree>
+      <p:nvGrpSpPr>
+        <p:cNvPr id="1" name=""/>
+        <p:cNvGrpSpPr/>
+        <p:nvPr/>
+      </p:nvGrpSpPr>
+      <p:grpSpPr>
+        <a:xfrm>
+          <a:off x="0" y="0"/>
+          <a:ext cx="0" cy="0"/>
+          <a:chOff x="0" y="0"/>
+          <a:chExt cx="0" cy="0"/>
+        </a:xfrm>
+      </p:grpSpPr>
+      <p:sp>
+        <p:nvSpPr>
           <p:cNvPr id="6" name="Slide Number Placeholder 1">
             <a:extLst>
               <a:ext uri="{FF2B5EF4-FFF2-40B4-BE49-F238E27FC236}">
@@ -4359,7 +5636,7 @@
           <a:p>
             <a:fld id="{FC4AC485-25DE-431E-B345-9C0A15BB7F8A}" type="slidenum">
               <a:rPr lang="de-CH" sz="1400" smtClean="0"/>
-              <a:t>1</a:t>
+              <a:t>2</a:t>
             </a:fld>
             <a:endParaRPr lang="de-CH" sz="1400" dirty="0"/>
           </a:p>
@@ -4796,7 +6073,7 @@
 </p:sld>
 </file>
 
-<file path=ppt/slides/slide2.xml><?xml version="1.0" encoding="utf-8"?>
+<file path=ppt/slides/slide3.xml><?xml version="1.0" encoding="utf-8"?>
 <p:sld xmlns:a="http://schemas.openxmlformats.org/drawingml/2006/main" xmlns:r="http://schemas.openxmlformats.org/officeDocument/2006/relationships" xmlns:p="http://schemas.openxmlformats.org/presentationml/2006/main">
   <p:cSld>
     <p:spTree>
@@ -5096,7 +6373,7 @@
           <a:p>
             <a:fld id="{FC4AC485-25DE-431E-B345-9C0A15BB7F8A}" type="slidenum">
               <a:rPr lang="de-CH" sz="1400" smtClean="0"/>
-              <a:t>2</a:t>
+              <a:t>3</a:t>
             </a:fld>
             <a:endParaRPr lang="de-CH" sz="1400" dirty="0"/>
           </a:p>
@@ -5115,7 +6392,7 @@
 </p:sld>
 </file>
 
-<file path=ppt/slides/slide3.xml><?xml version="1.0" encoding="utf-8"?>
+<file path=ppt/slides/slide4.xml><?xml version="1.0" encoding="utf-8"?>
 <p:sld xmlns:a="http://schemas.openxmlformats.org/drawingml/2006/main" xmlns:r="http://schemas.openxmlformats.org/officeDocument/2006/relationships" xmlns:p="http://schemas.openxmlformats.org/presentationml/2006/main">
   <p:cSld>
     <p:spTree>
@@ -5160,7 +6437,7 @@
           <a:p>
             <a:fld id="{FC4AC485-25DE-431E-B345-9C0A15BB7F8A}" type="slidenum">
               <a:rPr lang="de-CH" sz="1400" smtClean="0"/>
-              <a:t>3</a:t>
+              <a:t>4</a:t>
             </a:fld>
             <a:endParaRPr lang="de-CH" sz="1400" dirty="0"/>
           </a:p>
@@ -6139,7 +7416,7 @@
 </p:sld>
 </file>
 
-<file path=ppt/slides/slide4.xml><?xml version="1.0" encoding="utf-8"?>
+<file path=ppt/slides/slide5.xml><?xml version="1.0" encoding="utf-8"?>
 <p:sld xmlns:a="http://schemas.openxmlformats.org/drawingml/2006/main" xmlns:r="http://schemas.openxmlformats.org/officeDocument/2006/relationships" xmlns:p="http://schemas.openxmlformats.org/presentationml/2006/main">
   <p:cSld>
     <p:spTree>
@@ -6184,7 +7461,7 @@
           <a:p>
             <a:fld id="{FC4AC485-25DE-431E-B345-9C0A15BB7F8A}" type="slidenum">
               <a:rPr lang="de-CH" sz="1400" smtClean="0"/>
-              <a:t>4</a:t>
+              <a:t>5</a:t>
             </a:fld>
             <a:endParaRPr lang="de-CH" sz="1400" dirty="0"/>
           </a:p>
@@ -6724,7 +8001,7 @@
 </p:sld>
 </file>
 
-<file path=ppt/slides/slide5.xml><?xml version="1.0" encoding="utf-8"?>
+<file path=ppt/slides/slide6.xml><?xml version="1.0" encoding="utf-8"?>
 <p:sld xmlns:a="http://schemas.openxmlformats.org/drawingml/2006/main" xmlns:r="http://schemas.openxmlformats.org/officeDocument/2006/relationships" xmlns:p="http://schemas.openxmlformats.org/presentationml/2006/main">
   <p:cSld>
     <p:spTree>
@@ -6769,7 +8046,7 @@
           <a:p>
             <a:fld id="{FC4AC485-25DE-431E-B345-9C0A15BB7F8A}" type="slidenum">
               <a:rPr lang="de-CH" sz="1400" smtClean="0"/>
-              <a:t>5</a:t>
+              <a:t>6</a:t>
             </a:fld>
             <a:endParaRPr lang="de-CH" sz="1400" dirty="0"/>
           </a:p>
@@ -7178,8 +8455,16 @@
               <a:buChar char="•"/>
             </a:pPr>
             <a:r>
-              <a:rPr lang="en-US" dirty="0"/>
-              <a:t>Agile incremental driven development. Deployment guide describing implementers and operators what is/should be supported at which MVP stage. </a:t>
+              <a:rPr lang="en-US" b="1" dirty="0">
+                <a:solidFill>
+                  <a:srgbClr val="FF0000"/>
+                </a:solidFill>
+              </a:rPr>
+              <a:t>Agile incremental driven development. </a:t>
+            </a:r>
+            <a:r>
+              <a:rPr lang="en-US" b="1" dirty="0"/>
+              <a:t>Deployment guide describing implementers and operators what is/should be supported at which MVP stage. </a:t>
             </a:r>
           </a:p>
         </p:txBody>
@@ -7349,7 +8634,7 @@
 </p:sld>
 </file>
 
-<file path=ppt/slides/slide6.xml><?xml version="1.0" encoding="utf-8"?>
+<file path=ppt/slides/slide7.xml><?xml version="1.0" encoding="utf-8"?>
 <p:sld xmlns:a="http://schemas.openxmlformats.org/drawingml/2006/main" xmlns:r="http://schemas.openxmlformats.org/officeDocument/2006/relationships" xmlns:p="http://schemas.openxmlformats.org/presentationml/2006/main">
   <p:cSld>
     <p:spTree>
@@ -7394,7 +8679,7 @@
           <a:p>
             <a:fld id="{FC4AC485-25DE-431E-B345-9C0A15BB7F8A}" type="slidenum">
               <a:rPr lang="en-US" sz="1400" smtClean="0"/>
-              <a:t>6</a:t>
+              <a:t>7</a:t>
             </a:fld>
             <a:endParaRPr lang="en-US" sz="1400" dirty="0"/>
           </a:p>
@@ -7499,7 +8784,7 @@
         </p:nvCxnSpPr>
         <p:spPr bwMode="gray">
           <a:xfrm>
-            <a:off x="3534558" y="4074560"/>
+            <a:off x="3457387" y="4066688"/>
             <a:ext cx="2130515" cy="0"/>
           </a:xfrm>
           <a:prstGeom prst="line">
@@ -7552,7 +8837,7 @@
         </p:nvGrpSpPr>
         <p:grpSpPr bwMode="black">
           <a:xfrm>
-            <a:off x="268350" y="1690688"/>
+            <a:off x="576263" y="1690688"/>
             <a:ext cx="2736000" cy="2232000"/>
             <a:chOff x="1632000" y="1341000"/>
             <a:chExt cx="2232000" cy="2232000"/>
@@ -8122,15 +9407,15 @@
             </a:p>
             <a:p>
               <a:r>
-                <a:rPr lang="en-US" dirty="0"/>
+                <a:rPr lang="en-US" sz="1400" dirty="0"/>
                 <a:t>Defines operators' requirements in RFC 3535 to lifecycle CLI and SNMP. YANG, Netconf and </a:t>
               </a:r>
               <a:r>
-                <a:rPr lang="en-US" dirty="0" err="1"/>
+                <a:rPr lang="en-US" sz="1400" dirty="0" err="1"/>
                 <a:t>Restconf</a:t>
               </a:r>
               <a:r>
-                <a:rPr lang="en-US" dirty="0"/>
+                <a:rPr lang="en-US" sz="1400" dirty="0"/>
                 <a:t> development started.</a:t>
               </a:r>
             </a:p>
@@ -8151,7 +9436,7 @@
         </p:nvGrpSpPr>
         <p:grpSpPr bwMode="black">
           <a:xfrm>
-            <a:off x="4693298" y="1690688"/>
+            <a:off x="5001211" y="1690688"/>
             <a:ext cx="2251579" cy="2232000"/>
             <a:chOff x="1632000" y="1341000"/>
             <a:chExt cx="2232000" cy="2232000"/>
@@ -8722,11 +10007,11 @@
             </a:p>
             <a:p>
               <a:r>
-                <a:rPr lang="en-US" dirty="0" err="1"/>
+                <a:rPr lang="en-US" sz="1400" dirty="0" err="1"/>
                 <a:t>gNMI</a:t>
               </a:r>
               <a:r>
-                <a:rPr lang="en-US" dirty="0"/>
+                <a:rPr lang="en-US" sz="1400" dirty="0"/>
                 <a:t> was proposed to IETF NETCONF and implementations started at major network vendors.</a:t>
               </a:r>
             </a:p>
@@ -9325,7 +10610,7 @@
                 </a:spcAft>
               </a:pPr>
               <a:r>
-                <a:rPr lang="en-US" dirty="0"/>
+                <a:rPr lang="en-US" sz="1400" dirty="0"/>
                 <a:t>Vendor-specific implementations and IETF YANG-Push are hard to manage. New requirements emerged for integrating with the message broker and an automated data processing chain. New specifications are proposed to resolve these challenges.</a:t>
               </a:r>
             </a:p>
@@ -9916,7 +11201,7 @@
             </a:p>
             <a:p>
               <a:r>
-                <a:rPr lang="en-US" dirty="0"/>
+                <a:rPr lang="en-US" sz="1400" dirty="0"/>
                 <a:t>Development of RFC 8639 and RFC 8641 started at IETF NETCONF.</a:t>
               </a:r>
             </a:p>
@@ -10514,7 +11799,7 @@
             </a:p>
             <a:p>
               <a:r>
-                <a:rPr lang="en-US" dirty="0"/>
+                <a:rPr lang="en-US" sz="1400" dirty="0"/>
                 <a:t>Development of RFC 8639 and RFC 8641 concluded at IETF NETCONF without any major network vendor implementations.</a:t>
               </a:r>
             </a:p>
@@ -11112,7 +12397,7 @@
             </a:p>
             <a:p>
               <a:r>
-                <a:rPr lang="en-US" dirty="0"/>
+                <a:rPr lang="en-US" sz="1400" dirty="0"/>
                 <a:t>Questions arise. Proposing a simplified IETF YANG-Push and an Agile Incremental Driven Development.</a:t>
               </a:r>
             </a:p>
@@ -11133,7 +12418,7 @@
         </p:nvGrpSpPr>
         <p:grpSpPr bwMode="black">
           <a:xfrm>
-            <a:off x="3098944" y="1690687"/>
+            <a:off x="3406857" y="1690687"/>
             <a:ext cx="1273596" cy="2232000"/>
             <a:chOff x="1632000" y="1341000"/>
             <a:chExt cx="2232000" cy="2232000"/>
@@ -11703,13 +12988,13 @@
             </a:p>
             <a:p>
               <a:r>
-                <a:rPr lang="en-US" dirty="0"/>
+                <a:rPr lang="en-US" sz="1400" dirty="0"/>
                 <a:t>Specified in RFC 6020. 1.1 in RFC 7950.</a:t>
               </a:r>
               <a:br>
-                <a:rPr lang="en-US" dirty="0"/>
+                <a:rPr lang="en-US" sz="1400" dirty="0"/>
               </a:br>
-              <a:endParaRPr lang="en-US" dirty="0"/>
+              <a:endParaRPr lang="en-US" sz="1400" dirty="0"/>
             </a:p>
           </p:txBody>
         </p:sp>
@@ -11730,7 +13015,7 @@
         </p:nvCxnSpPr>
         <p:spPr bwMode="gray">
           <a:xfrm>
-            <a:off x="5030742" y="4074560"/>
+            <a:off x="5061899" y="4046568"/>
             <a:ext cx="2130515" cy="0"/>
           </a:xfrm>
           <a:prstGeom prst="line">
@@ -11785,7 +13070,7 @@
         </p:nvCxnSpPr>
         <p:spPr bwMode="gray">
           <a:xfrm>
-            <a:off x="6188267" y="4066688"/>
+            <a:off x="6406786" y="4066688"/>
             <a:ext cx="2130515" cy="0"/>
           </a:xfrm>
           <a:prstGeom prst="line">
@@ -11837,7 +13122,7 @@
 </p:sld>
 </file>
 
-<file path=ppt/slides/slide7.xml><?xml version="1.0" encoding="utf-8"?>
+<file path=ppt/slides/slide8.xml><?xml version="1.0" encoding="utf-8"?>
 <p:sld xmlns:a="http://schemas.openxmlformats.org/drawingml/2006/main" xmlns:r="http://schemas.openxmlformats.org/officeDocument/2006/relationships" xmlns:p="http://schemas.openxmlformats.org/presentationml/2006/main">
   <p:cSld>
     <p:spTree>
@@ -11882,7 +13167,7 @@
           <a:p>
             <a:fld id="{FC4AC485-25DE-431E-B345-9C0A15BB7F8A}" type="slidenum">
               <a:rPr lang="de-CH" sz="1400" smtClean="0"/>
-              <a:t>7</a:t>
+              <a:t>8</a:t>
             </a:fld>
             <a:endParaRPr lang="de-CH" sz="1400" dirty="0"/>
           </a:p>
@@ -12304,7 +13589,7 @@
 </p:sld>
 </file>
 
-<file path=ppt/slides/slide8.xml><?xml version="1.0" encoding="utf-8"?>
+<file path=ppt/slides/slide9.xml><?xml version="1.0" encoding="utf-8"?>
 <p:sld xmlns:a="http://schemas.openxmlformats.org/drawingml/2006/main" xmlns:r="http://schemas.openxmlformats.org/officeDocument/2006/relationships" xmlns:p="http://schemas.openxmlformats.org/presentationml/2006/main">
   <p:cSld>
     <p:spTree>
@@ -12323,357 +13608,10 @@
       </p:grpSpPr>
       <p:sp>
         <p:nvSpPr>
-          <p:cNvPr id="2" name="Title 1">
-            <a:extLst>
-              <a:ext uri="{FF2B5EF4-FFF2-40B4-BE49-F238E27FC236}">
-                <a16:creationId xmlns:a16="http://schemas.microsoft.com/office/drawing/2014/main" id="{FF20F271-6F0D-4AC0-BB1D-F5C338165C13}"/>
-              </a:ext>
-            </a:extLst>
-          </p:cNvPr>
-          <p:cNvSpPr>
-            <a:spLocks noGrp="1"/>
-          </p:cNvSpPr>
-          <p:nvPr>
-            <p:ph type="title"/>
-          </p:nvPr>
-        </p:nvSpPr>
-        <p:spPr/>
-        <p:txBody>
-          <a:bodyPr>
-            <a:normAutofit/>
-          </a:bodyPr>
-          <a:lstStyle/>
-          <a:p>
-            <a:r>
-              <a:rPr lang="en-US" sz="2800" b="1" dirty="0"/>
-              <a:t>Addressing YANG Specification and Integration Gaps</a:t>
-            </a:r>
-            <a:br>
-              <a:rPr lang="en-GB" sz="3600" dirty="0"/>
-            </a:br>
-            <a:r>
-              <a:rPr lang="en-US" sz="2700" dirty="0">
-                <a:solidFill>
-                  <a:schemeClr val="bg2">
-                    <a:lumMod val="75000"/>
-                  </a:schemeClr>
-                </a:solidFill>
-              </a:rPr>
-              <a:t>11 documents piling up at NETCONF, NETMOD and NMOP…</a:t>
-            </a:r>
-          </a:p>
-        </p:txBody>
-      </p:sp>
-      <p:sp>
-        <p:nvSpPr>
-          <p:cNvPr id="3" name="Content Placeholder 2">
-            <a:extLst>
-              <a:ext uri="{FF2B5EF4-FFF2-40B4-BE49-F238E27FC236}">
-                <a16:creationId xmlns:a16="http://schemas.microsoft.com/office/drawing/2014/main" id="{29C0DFD4-432D-4B0C-93DF-790441DCF5B9}"/>
-              </a:ext>
-            </a:extLst>
-          </p:cNvPr>
-          <p:cNvSpPr>
-            <a:spLocks noGrp="1"/>
-          </p:cNvSpPr>
-          <p:nvPr>
-            <p:ph idx="1"/>
-          </p:nvPr>
-        </p:nvSpPr>
-        <p:spPr>
-          <a:xfrm>
-            <a:off x="838199" y="1690688"/>
-            <a:ext cx="4732177" cy="4486275"/>
-          </a:xfrm>
-        </p:spPr>
-        <p:txBody>
-          <a:bodyPr>
-            <a:noAutofit/>
-          </a:bodyPr>
-          <a:lstStyle/>
-          <a:p>
-            <a:pPr marL="0" indent="0">
-              <a:buNone/>
-            </a:pPr>
-            <a:r>
-              <a:rPr lang="en-US" sz="1800" b="1" dirty="0"/>
-              <a:t>YANG-Push Transport Gaps:</a:t>
-            </a:r>
-            <a:endParaRPr lang="en-US" sz="1800" dirty="0"/>
-          </a:p>
-          <a:p>
-            <a:pPr>
-              <a:spcBef>
-                <a:spcPts val="300"/>
-              </a:spcBef>
-            </a:pPr>
-            <a:r>
-              <a:rPr lang="en-US" sz="1600" dirty="0"/>
-              <a:t>UDP-based Transport for Configured Subscriptions</a:t>
-            </a:r>
-            <a:br>
-              <a:rPr lang="en-US" sz="1600" dirty="0"/>
-            </a:br>
-            <a:r>
-              <a:rPr lang="en-US" sz="1600" dirty="0">
-                <a:hlinkClick r:id="rId3"/>
-              </a:rPr>
-              <a:t>draft-</a:t>
-            </a:r>
-            <a:r>
-              <a:rPr lang="en-US" sz="1600" dirty="0" err="1">
-                <a:hlinkClick r:id="rId3"/>
-              </a:rPr>
-              <a:t>ietf</a:t>
-            </a:r>
-            <a:r>
-              <a:rPr lang="en-US" sz="1600" dirty="0">
-                <a:hlinkClick r:id="rId3"/>
-              </a:rPr>
-              <a:t>-netconf-</a:t>
-            </a:r>
-            <a:r>
-              <a:rPr lang="en-US" sz="1600" dirty="0" err="1">
-                <a:hlinkClick r:id="rId3"/>
-              </a:rPr>
-              <a:t>udp</a:t>
-            </a:r>
-            <a:r>
-              <a:rPr lang="en-US" sz="1600" dirty="0">
-                <a:hlinkClick r:id="rId3"/>
-              </a:rPr>
-              <a:t>-</a:t>
-            </a:r>
-            <a:r>
-              <a:rPr lang="en-US" sz="1600" dirty="0" err="1">
-                <a:hlinkClick r:id="rId3"/>
-              </a:rPr>
-              <a:t>notif</a:t>
-            </a:r>
-            <a:endParaRPr lang="en-US" sz="1600" dirty="0"/>
-          </a:p>
-          <a:p>
-            <a:pPr>
-              <a:spcBef>
-                <a:spcPts val="300"/>
-              </a:spcBef>
-            </a:pPr>
-            <a:r>
-              <a:rPr lang="en-US" sz="1600" dirty="0"/>
-              <a:t>Subscription to Distributed Notifications</a:t>
-            </a:r>
-            <a:br>
-              <a:rPr lang="en-US" sz="1600" dirty="0"/>
-            </a:br>
-            <a:r>
-              <a:rPr lang="en-US" sz="1600" dirty="0">
-                <a:hlinkClick r:id="rId4"/>
-              </a:rPr>
-              <a:t>draft-</a:t>
-            </a:r>
-            <a:r>
-              <a:rPr lang="en-US" sz="1600" dirty="0" err="1">
-                <a:hlinkClick r:id="rId4"/>
-              </a:rPr>
-              <a:t>ietf</a:t>
-            </a:r>
-            <a:r>
-              <a:rPr lang="en-US" sz="1600" dirty="0">
-                <a:hlinkClick r:id="rId4"/>
-              </a:rPr>
-              <a:t>-netconf-distributed-</a:t>
-            </a:r>
-            <a:r>
-              <a:rPr lang="en-US" sz="1600" dirty="0" err="1">
-                <a:hlinkClick r:id="rId4"/>
-              </a:rPr>
-              <a:t>notif</a:t>
-            </a:r>
-            <a:endParaRPr lang="en-US" sz="1600" b="1" dirty="0"/>
-          </a:p>
-          <a:p>
-            <a:pPr marL="0" indent="0">
-              <a:buNone/>
-            </a:pPr>
-            <a:r>
-              <a:rPr lang="en-US" sz="1800" b="1" dirty="0"/>
-              <a:t>YANG-Push Specifications Gaps:</a:t>
-            </a:r>
-            <a:endParaRPr lang="en-US" sz="1800" dirty="0"/>
-          </a:p>
-          <a:p>
-            <a:pPr>
-              <a:spcBef>
-                <a:spcPts val="300"/>
-              </a:spcBef>
-            </a:pPr>
-            <a:r>
-              <a:rPr lang="en-US" sz="1600" dirty="0"/>
-              <a:t>Extensible YANG model for YANG-Push Notifications</a:t>
-            </a:r>
-            <a:br>
-              <a:rPr lang="en-US" sz="1600" dirty="0"/>
-            </a:br>
-            <a:r>
-              <a:rPr lang="en-US" sz="1600" dirty="0">
-                <a:ea typeface="Times New Roman" panose="02020603050405020304" pitchFamily="18" charset="0"/>
-                <a:hlinkClick r:id="rId5"/>
-              </a:rPr>
-              <a:t>draft-</a:t>
-            </a:r>
-            <a:r>
-              <a:rPr lang="en-US" sz="1600" dirty="0" err="1">
-                <a:ea typeface="Times New Roman" panose="02020603050405020304" pitchFamily="18" charset="0"/>
-                <a:hlinkClick r:id="rId5"/>
-              </a:rPr>
-              <a:t>netana</a:t>
-            </a:r>
-            <a:r>
-              <a:rPr lang="en-US" sz="1600" dirty="0">
-                <a:ea typeface="Times New Roman" panose="02020603050405020304" pitchFamily="18" charset="0"/>
-                <a:hlinkClick r:id="rId5"/>
-              </a:rPr>
-              <a:t>-netconf-</a:t>
-            </a:r>
-            <a:r>
-              <a:rPr lang="en-US" sz="1600" dirty="0" err="1">
-                <a:ea typeface="Times New Roman" panose="02020603050405020304" pitchFamily="18" charset="0"/>
-                <a:hlinkClick r:id="rId5"/>
-              </a:rPr>
-              <a:t>notif</a:t>
-            </a:r>
-            <a:r>
-              <a:rPr lang="en-US" sz="1600" dirty="0">
-                <a:ea typeface="Times New Roman" panose="02020603050405020304" pitchFamily="18" charset="0"/>
-                <a:hlinkClick r:id="rId5"/>
-              </a:rPr>
-              <a:t>-envelope</a:t>
-            </a:r>
-            <a:endParaRPr lang="en-US" sz="1600" dirty="0">
-              <a:ea typeface="Times New Roman" panose="02020603050405020304" pitchFamily="18" charset="0"/>
-            </a:endParaRPr>
-          </a:p>
-          <a:p>
-            <a:pPr>
-              <a:spcBef>
-                <a:spcPts val="300"/>
-              </a:spcBef>
-            </a:pPr>
-            <a:r>
-              <a:rPr lang="en-US" sz="1600" dirty="0">
-                <a:ea typeface="Times New Roman" panose="02020603050405020304" pitchFamily="18" charset="0"/>
-              </a:rPr>
-              <a:t>YANG Notification Transport Capabilities</a:t>
-            </a:r>
-            <a:br>
-              <a:rPr lang="en-US" sz="1600" dirty="0">
-                <a:ea typeface="Times New Roman" panose="02020603050405020304" pitchFamily="18" charset="0"/>
-              </a:rPr>
-            </a:br>
-            <a:r>
-              <a:rPr lang="en-US" sz="1600" dirty="0">
-                <a:ea typeface="Times New Roman" panose="02020603050405020304" pitchFamily="18" charset="0"/>
-                <a:hlinkClick r:id="rId6"/>
-              </a:rPr>
-              <a:t>draft-</a:t>
-            </a:r>
-            <a:r>
-              <a:rPr lang="en-US" sz="1600" dirty="0" err="1">
-                <a:ea typeface="Times New Roman" panose="02020603050405020304" pitchFamily="18" charset="0"/>
-                <a:hlinkClick r:id="rId6"/>
-              </a:rPr>
-              <a:t>netana</a:t>
-            </a:r>
-            <a:r>
-              <a:rPr lang="en-US" sz="1600" dirty="0">
-                <a:ea typeface="Times New Roman" panose="02020603050405020304" pitchFamily="18" charset="0"/>
-                <a:hlinkClick r:id="rId6"/>
-              </a:rPr>
-              <a:t>-netconf-</a:t>
-            </a:r>
-            <a:r>
-              <a:rPr lang="en-US" sz="1600" dirty="0" err="1">
-                <a:ea typeface="Times New Roman" panose="02020603050405020304" pitchFamily="18" charset="0"/>
-                <a:hlinkClick r:id="rId6"/>
-              </a:rPr>
-              <a:t>yp</a:t>
-            </a:r>
-            <a:r>
-              <a:rPr lang="en-US" sz="1600" dirty="0">
-                <a:ea typeface="Times New Roman" panose="02020603050405020304" pitchFamily="18" charset="0"/>
-                <a:hlinkClick r:id="rId6"/>
-              </a:rPr>
-              <a:t>-transport-capabilities</a:t>
-            </a:r>
-            <a:endParaRPr lang="en-US" sz="1600" dirty="0">
-              <a:ea typeface="Times New Roman" panose="02020603050405020304" pitchFamily="18" charset="0"/>
-            </a:endParaRPr>
-          </a:p>
-          <a:p>
-            <a:pPr>
-              <a:spcBef>
-                <a:spcPts val="300"/>
-              </a:spcBef>
-            </a:pPr>
-            <a:r>
-              <a:rPr lang="en-US" sz="1600" dirty="0"/>
-              <a:t>Validating </a:t>
-            </a:r>
-            <a:r>
-              <a:rPr lang="en-US" sz="1600" dirty="0" err="1"/>
-              <a:t>anydata</a:t>
-            </a:r>
-            <a:r>
-              <a:rPr lang="en-US" sz="1600" dirty="0"/>
-              <a:t> in YANG Library context</a:t>
-            </a:r>
-            <a:br>
-              <a:rPr lang="en-US" sz="1600" dirty="0"/>
-            </a:br>
-            <a:r>
-              <a:rPr lang="en-US" sz="1600" dirty="0">
-                <a:hlinkClick r:id="rId7"/>
-              </a:rPr>
-              <a:t>draft-</a:t>
-            </a:r>
-            <a:r>
-              <a:rPr lang="en-US" sz="1600" dirty="0" err="1">
-                <a:hlinkClick r:id="rId7"/>
-              </a:rPr>
-              <a:t>aelhassany</a:t>
-            </a:r>
-            <a:r>
-              <a:rPr lang="en-US" sz="1600" dirty="0">
-                <a:hlinkClick r:id="rId7"/>
-              </a:rPr>
-              <a:t>-</a:t>
-            </a:r>
-            <a:r>
-              <a:rPr lang="en-US" sz="1600" dirty="0" err="1">
-                <a:hlinkClick r:id="rId7"/>
-              </a:rPr>
-              <a:t>anydata</a:t>
-            </a:r>
-            <a:r>
-              <a:rPr lang="en-US" sz="1600" dirty="0">
-                <a:hlinkClick r:id="rId7"/>
-              </a:rPr>
-              <a:t>-validation</a:t>
-            </a:r>
-            <a:endParaRPr lang="en-US" sz="1600" b="1" dirty="0">
-              <a:solidFill>
-                <a:srgbClr val="FF0000"/>
-              </a:solidFill>
-            </a:endParaRPr>
-          </a:p>
-        </p:txBody>
-      </p:sp>
-      <p:sp>
-        <p:nvSpPr>
           <p:cNvPr id="6" name="Slide Number Placeholder 1">
             <a:extLst>
               <a:ext uri="{FF2B5EF4-FFF2-40B4-BE49-F238E27FC236}">
-                <a16:creationId xmlns:a16="http://schemas.microsoft.com/office/drawing/2014/main" id="{3D5EE238-429C-4784-8E42-1813EF45704D}"/>
+                <a16:creationId xmlns:a16="http://schemas.microsoft.com/office/drawing/2014/main" id="{024DC3B6-499C-4E15-9336-2F15A0DFB843}"/>
               </a:ext>
             </a:extLst>
           </p:cNvPr>
@@ -12696,7 +13634,7 @@
           <a:p>
             <a:fld id="{FC4AC485-25DE-431E-B345-9C0A15BB7F8A}" type="slidenum">
               <a:rPr lang="de-CH" sz="1400" smtClean="0"/>
-              <a:t>8</a:t>
+              <a:t>9</a:t>
             </a:fld>
             <a:endParaRPr lang="de-CH" sz="1400" dirty="0"/>
           </a:p>
@@ -12704,10 +13642,10 @@
       </p:sp>
       <p:sp>
         <p:nvSpPr>
-          <p:cNvPr id="4" name="Content Placeholder 2">
+          <p:cNvPr id="5" name="Inhaltsplatzhalter 2">
             <a:extLst>
               <a:ext uri="{FF2B5EF4-FFF2-40B4-BE49-F238E27FC236}">
-                <a16:creationId xmlns:a16="http://schemas.microsoft.com/office/drawing/2014/main" id="{847B953C-E781-5A94-33AD-E38789C4C7F0}"/>
+                <a16:creationId xmlns:a16="http://schemas.microsoft.com/office/drawing/2014/main" id="{0194B37B-813A-99FE-7B78-4D87D8C30D44}"/>
               </a:ext>
             </a:extLst>
           </p:cNvPr>
@@ -12716,30 +13654,31 @@
           </p:cNvSpPr>
           <p:nvPr/>
         </p:nvSpPr>
-        <p:spPr>
+        <p:spPr bwMode="black">
           <a:xfrm>
-            <a:off x="5946711" y="1690688"/>
-            <a:ext cx="6245289" cy="3366504"/>
+            <a:off x="961053" y="1884784"/>
+            <a:ext cx="10626840" cy="1866122"/>
           </a:xfrm>
           <a:prstGeom prst="rect">
             <a:avLst/>
           </a:prstGeom>
         </p:spPr>
         <p:txBody>
-          <a:bodyPr vert="horz" lIns="91440" tIns="45720" rIns="91440" bIns="45720" rtlCol="0">
-            <a:noAutofit/>
-          </a:bodyPr>
+          <a:bodyPr wrap="square" lIns="0" tIns="0" rIns="0" bIns="0"/>
           <a:lstStyle>
-            <a:lvl1pPr marL="228600" indent="-228600" algn="l" defTabSz="914400" rtl="0" eaLnBrk="1" latinLnBrk="0" hangingPunct="1">
+            <a:lvl1pPr marL="0" indent="0" algn="l" defTabSz="914400" rtl="0" eaLnBrk="1" latinLnBrk="0" hangingPunct="1">
               <a:lnSpc>
-                <a:spcPct val="90000"/>
+                <a:spcPct val="110000"/>
               </a:lnSpc>
               <a:spcBef>
-                <a:spcPts val="1000"/>
+                <a:spcPts val="600"/>
               </a:spcBef>
+              <a:spcAft>
+                <a:spcPts val="600"/>
+              </a:spcAft>
               <a:buFont typeface="Arial" panose="020B0604020202020204" pitchFamily="34" charset="0"/>
-              <a:buChar char="•"/>
-              <a:defRPr sz="2800" kern="1200">
+              <a:buNone/>
+              <a:defRPr sz="2000" b="0" kern="1200">
                 <a:solidFill>
                   <a:schemeClr val="tx1"/>
                 </a:solidFill>
@@ -12748,31 +13687,16 @@
                 <a:cs typeface="+mn-cs"/>
               </a:defRPr>
             </a:lvl1pPr>
-            <a:lvl2pPr marL="685800" indent="-228600" algn="l" defTabSz="914400" rtl="0" eaLnBrk="1" latinLnBrk="0" hangingPunct="1">
+            <a:lvl2pPr marL="216000" indent="-216000" algn="l" defTabSz="914400" rtl="0" eaLnBrk="1" latinLnBrk="0" hangingPunct="1">
               <a:lnSpc>
-                <a:spcPct val="90000"/>
+                <a:spcPct val="110000"/>
               </a:lnSpc>
               <a:spcBef>
-                <a:spcPts val="500"/>
+                <a:spcPts val="200"/>
               </a:spcBef>
-              <a:buFont typeface="Arial" panose="020B0604020202020204" pitchFamily="34" charset="0"/>
-              <a:buChar char="•"/>
-              <a:defRPr sz="2400" kern="1200">
-                <a:solidFill>
-                  <a:schemeClr val="tx1"/>
-                </a:solidFill>
-                <a:latin typeface="+mn-lt"/>
-                <a:ea typeface="+mn-ea"/>
-                <a:cs typeface="+mn-cs"/>
-              </a:defRPr>
-            </a:lvl2pPr>
-            <a:lvl3pPr marL="1143000" indent="-228600" algn="l" defTabSz="914400" rtl="0" eaLnBrk="1" latinLnBrk="0" hangingPunct="1">
-              <a:lnSpc>
-                <a:spcPct val="90000"/>
-              </a:lnSpc>
-              <a:spcBef>
-                <a:spcPts val="500"/>
-              </a:spcBef>
+              <a:spcAft>
+                <a:spcPts val="200"/>
+              </a:spcAft>
               <a:buFont typeface="Arial" panose="020B0604020202020204" pitchFamily="34" charset="0"/>
               <a:buChar char="•"/>
               <a:defRPr sz="2000" kern="1200">
@@ -12783,17 +13707,41 @@
                 <a:ea typeface="+mn-ea"/>
                 <a:cs typeface="+mn-cs"/>
               </a:defRPr>
-            </a:lvl3pPr>
-            <a:lvl4pPr marL="1600200" indent="-228600" algn="l" defTabSz="914400" rtl="0" eaLnBrk="1" latinLnBrk="0" hangingPunct="1">
+            </a:lvl2pPr>
+            <a:lvl3pPr marL="504000" indent="-288000" algn="l" defTabSz="914400" rtl="0" eaLnBrk="1" latinLnBrk="0" hangingPunct="1">
               <a:lnSpc>
-                <a:spcPct val="90000"/>
+                <a:spcPct val="110000"/>
               </a:lnSpc>
               <a:spcBef>
-                <a:spcPts val="500"/>
+                <a:spcPts val="200"/>
               </a:spcBef>
-              <a:buFont typeface="Arial" panose="020B0604020202020204" pitchFamily="34" charset="0"/>
-              <a:buChar char="•"/>
-              <a:defRPr sz="1800" kern="1200">
+              <a:spcAft>
+                <a:spcPts val="200"/>
+              </a:spcAft>
+              <a:buFont typeface="TheSans Swisscom Light" panose="020B0300040303060204" pitchFamily="34" charset="0"/>
+              <a:buChar char="−"/>
+              <a:defRPr sz="2000" kern="1200">
+                <a:solidFill>
+                  <a:schemeClr val="tx1"/>
+                </a:solidFill>
+                <a:latin typeface="+mn-lt"/>
+                <a:ea typeface="+mn-ea"/>
+                <a:cs typeface="+mn-cs"/>
+              </a:defRPr>
+            </a:lvl3pPr>
+            <a:lvl4pPr marL="792000" indent="-288000" algn="l" defTabSz="914400" rtl="0" eaLnBrk="1" latinLnBrk="0" hangingPunct="1">
+              <a:lnSpc>
+                <a:spcPct val="110000"/>
+              </a:lnSpc>
+              <a:spcBef>
+                <a:spcPts val="200"/>
+              </a:spcBef>
+              <a:spcAft>
+                <a:spcPts val="200"/>
+              </a:spcAft>
+              <a:buFont typeface="TheSans Swisscom Light" panose="020B0300040303060204" pitchFamily="34" charset="0"/>
+              <a:buChar char="−"/>
+              <a:defRPr sz="2000" kern="1200">
                 <a:solidFill>
                   <a:schemeClr val="tx1"/>
                 </a:solidFill>
@@ -12802,16 +13750,19 @@
                 <a:cs typeface="+mn-cs"/>
               </a:defRPr>
             </a:lvl4pPr>
-            <a:lvl5pPr marL="2057400" indent="-228600" algn="l" defTabSz="914400" rtl="0" eaLnBrk="1" latinLnBrk="0" hangingPunct="1">
+            <a:lvl5pPr marL="792000" indent="-288000" algn="l" defTabSz="914400" rtl="0" eaLnBrk="1" latinLnBrk="0" hangingPunct="1">
               <a:lnSpc>
-                <a:spcPct val="90000"/>
+                <a:spcPct val="110000"/>
               </a:lnSpc>
               <a:spcBef>
-                <a:spcPts val="500"/>
+                <a:spcPts val="200"/>
               </a:spcBef>
-              <a:buFont typeface="Arial" panose="020B0604020202020204" pitchFamily="34" charset="0"/>
-              <a:buChar char="•"/>
-              <a:defRPr sz="1800" kern="1200">
+              <a:spcAft>
+                <a:spcPts val="200"/>
+              </a:spcAft>
+              <a:buFont typeface="TheSans Swisscom Light" panose="020B0300040303060204" pitchFamily="34" charset="0"/>
+              <a:buChar char="−"/>
+              <a:defRPr sz="2000" kern="1200">
                 <a:solidFill>
                   <a:schemeClr val="tx1"/>
                 </a:solidFill>
@@ -12820,16 +13771,19 @@
                 <a:cs typeface="+mn-cs"/>
               </a:defRPr>
             </a:lvl5pPr>
-            <a:lvl6pPr marL="2514600" indent="-228600" algn="l" defTabSz="914400" rtl="0" eaLnBrk="1" latinLnBrk="0" hangingPunct="1">
+            <a:lvl6pPr marL="792000" indent="-288000" algn="l" defTabSz="914400" rtl="0" eaLnBrk="1" latinLnBrk="0" hangingPunct="1">
               <a:lnSpc>
-                <a:spcPct val="90000"/>
+                <a:spcPct val="110000"/>
               </a:lnSpc>
               <a:spcBef>
-                <a:spcPts val="500"/>
+                <a:spcPts val="200"/>
               </a:spcBef>
-              <a:buFont typeface="Arial" panose="020B0604020202020204" pitchFamily="34" charset="0"/>
-              <a:buChar char="•"/>
-              <a:defRPr sz="1800" kern="1200">
+              <a:spcAft>
+                <a:spcPts val="200"/>
+              </a:spcAft>
+              <a:buFont typeface="TheSans Swisscom Light" panose="020B0300040303060204" pitchFamily="34" charset="0"/>
+              <a:buChar char="−"/>
+              <a:defRPr sz="2000" kern="1200">
                 <a:solidFill>
                   <a:schemeClr val="tx1"/>
                 </a:solidFill>
@@ -12838,16 +13792,19 @@
                 <a:cs typeface="+mn-cs"/>
               </a:defRPr>
             </a:lvl6pPr>
-            <a:lvl7pPr marL="2971800" indent="-228600" algn="l" defTabSz="914400" rtl="0" eaLnBrk="1" latinLnBrk="0" hangingPunct="1">
+            <a:lvl7pPr marL="792000" indent="-288000" algn="l" defTabSz="914400" rtl="0" eaLnBrk="1" latinLnBrk="0" hangingPunct="1">
               <a:lnSpc>
-                <a:spcPct val="90000"/>
+                <a:spcPct val="110000"/>
               </a:lnSpc>
               <a:spcBef>
-                <a:spcPts val="500"/>
+                <a:spcPts val="200"/>
               </a:spcBef>
-              <a:buFont typeface="Arial" panose="020B0604020202020204" pitchFamily="34" charset="0"/>
-              <a:buChar char="•"/>
-              <a:defRPr sz="1800" kern="1200">
+              <a:spcAft>
+                <a:spcPts val="200"/>
+              </a:spcAft>
+              <a:buFont typeface="TheSans Swisscom Light" panose="020B0300040303060204" pitchFamily="34" charset="0"/>
+              <a:buChar char="−"/>
+              <a:defRPr sz="2000" kern="1200">
                 <a:solidFill>
                   <a:schemeClr val="tx1"/>
                 </a:solidFill>
@@ -12856,16 +13813,19 @@
                 <a:cs typeface="+mn-cs"/>
               </a:defRPr>
             </a:lvl7pPr>
-            <a:lvl8pPr marL="3429000" indent="-228600" algn="l" defTabSz="914400" rtl="0" eaLnBrk="1" latinLnBrk="0" hangingPunct="1">
+            <a:lvl8pPr marL="792000" indent="-288000" algn="l" defTabSz="914400" rtl="0" eaLnBrk="1" latinLnBrk="0" hangingPunct="1">
               <a:lnSpc>
-                <a:spcPct val="90000"/>
+                <a:spcPct val="110000"/>
               </a:lnSpc>
               <a:spcBef>
-                <a:spcPts val="500"/>
+                <a:spcPts val="200"/>
               </a:spcBef>
-              <a:buFont typeface="Arial" panose="020B0604020202020204" pitchFamily="34" charset="0"/>
-              <a:buChar char="•"/>
-              <a:defRPr sz="1800" kern="1200">
+              <a:spcAft>
+                <a:spcPts val="200"/>
+              </a:spcAft>
+              <a:buFont typeface="TheSans Swisscom Light" panose="020B0300040303060204" pitchFamily="34" charset="0"/>
+              <a:buChar char="−"/>
+              <a:defRPr sz="2000" kern="1200">
                 <a:solidFill>
                   <a:schemeClr val="tx1"/>
                 </a:solidFill>
@@ -12874,16 +13834,19 @@
                 <a:cs typeface="+mn-cs"/>
               </a:defRPr>
             </a:lvl8pPr>
-            <a:lvl9pPr marL="3886200" indent="-228600" algn="l" defTabSz="914400" rtl="0" eaLnBrk="1" latinLnBrk="0" hangingPunct="1">
+            <a:lvl9pPr marL="792000" indent="-288000" algn="l" defTabSz="914400" rtl="0" eaLnBrk="1" latinLnBrk="0" hangingPunct="1">
               <a:lnSpc>
-                <a:spcPct val="90000"/>
+                <a:spcPct val="110000"/>
               </a:lnSpc>
               <a:spcBef>
-                <a:spcPts val="500"/>
+                <a:spcPts val="200"/>
               </a:spcBef>
-              <a:buFont typeface="Arial" panose="020B0604020202020204" pitchFamily="34" charset="0"/>
-              <a:buChar char="•"/>
-              <a:defRPr sz="1800" kern="1200">
+              <a:spcAft>
+                <a:spcPts val="200"/>
+              </a:spcAft>
+              <a:buFont typeface="TheSans Swisscom Light" panose="020B0300040303060204" pitchFamily="34" charset="0"/>
+              <a:buChar char="−"/>
+              <a:defRPr sz="2000" kern="1200">
                 <a:solidFill>
                   <a:schemeClr val="tx1"/>
                 </a:solidFill>
@@ -12894,295 +13857,224 @@
             </a:lvl9pPr>
           </a:lstStyle>
           <a:p>
-            <a:pPr marL="0" indent="0">
+            <a:pPr marL="342900" marR="0" lvl="0" indent="-342900">
+              <a:lnSpc>
+                <a:spcPct val="107000"/>
+              </a:lnSpc>
               <a:spcBef>
-                <a:spcPts val="1200"/>
+                <a:spcPts val="0"/>
               </a:spcBef>
-              <a:buFont typeface="Arial" panose="020B0604020202020204" pitchFamily="34" charset="0"/>
-              <a:buNone/>
+              <a:spcAft>
+                <a:spcPts val="0"/>
+              </a:spcAft>
+              <a:buFont typeface="Wingdings" panose="05000000000000000000" pitchFamily="2" charset="2"/>
+              <a:buChar char="Ø"/>
             </a:pPr>
             <a:r>
-              <a:rPr lang="en-US" sz="1800" b="1" dirty="0"/>
-              <a:t>YANG-Push Integration Gaps and Arch:</a:t>
-            </a:r>
-          </a:p>
-          <a:p>
-            <a:pPr>
+              <a:rPr lang="en-US" dirty="0">
+                <a:solidFill>
+                  <a:srgbClr val="FF0000"/>
+                </a:solidFill>
+              </a:rPr>
+              <a:t>User first. No requirements without use cases.</a:t>
+            </a:r>
+            <a:endParaRPr lang="de-CH" dirty="0">
+              <a:solidFill>
+                <a:srgbClr val="FF0000"/>
+              </a:solidFill>
+            </a:endParaRPr>
+          </a:p>
+          <a:p>
+            <a:pPr marL="342900" marR="0" lvl="0" indent="-342900">
+              <a:lnSpc>
+                <a:spcPct val="107000"/>
+              </a:lnSpc>
               <a:spcBef>
-                <a:spcPts val="300"/>
+                <a:spcPts val="0"/>
               </a:spcBef>
+              <a:spcAft>
+                <a:spcPts val="0"/>
+              </a:spcAft>
+              <a:buFont typeface="Wingdings" panose="05000000000000000000" pitchFamily="2" charset="2"/>
+              <a:buChar char="Ø"/>
             </a:pPr>
             <a:r>
-              <a:rPr lang="en-US" sz="1600" dirty="0"/>
-              <a:t>Support of Network Observation Timestamping in YANG Notifications</a:t>
-            </a:r>
-            <a:br>
-              <a:rPr lang="en-US" sz="1600" dirty="0"/>
-            </a:br>
-            <a:r>
-              <a:rPr lang="en-US" sz="1600" dirty="0">
-                <a:hlinkClick r:id="rId8"/>
+              <a:rPr lang="en-US" dirty="0"/>
+              <a:t>Be dependable and predictable. Deliver </a:t>
+            </a:r>
+            <a:r>
+              <a:rPr lang="en-US" dirty="0">
+                <a:solidFill>
+                  <a:srgbClr val="FF0000"/>
+                </a:solidFill>
               </a:rPr>
-              <a:t>draft-</a:t>
-            </a:r>
-            <a:r>
-              <a:rPr lang="en-US" sz="1600" dirty="0" err="1">
-                <a:hlinkClick r:id="rId8"/>
+              <a:t>scoped items in time </a:t>
+            </a:r>
+            <a:r>
+              <a:rPr lang="en-US" dirty="0"/>
+              <a:t>with </a:t>
+            </a:r>
+            <a:r>
+              <a:rPr lang="en-US" dirty="0">
+                <a:solidFill>
+                  <a:srgbClr val="FF0000"/>
+                </a:solidFill>
               </a:rPr>
-              <a:t>tgraf</a:t>
-            </a:r>
-            <a:r>
-              <a:rPr lang="en-US" sz="1600" dirty="0">
-                <a:hlinkClick r:id="rId8"/>
+              <a:t>proven implementations.</a:t>
+            </a:r>
+            <a:endParaRPr lang="de-CH" dirty="0">
+              <a:solidFill>
+                <a:srgbClr val="FF0000"/>
+              </a:solidFill>
+            </a:endParaRPr>
+          </a:p>
+          <a:p>
+            <a:pPr marL="342900" marR="0" lvl="0" indent="-342900">
+              <a:lnSpc>
+                <a:spcPct val="107000"/>
+              </a:lnSpc>
+              <a:spcBef>
+                <a:spcPts val="0"/>
+              </a:spcBef>
+              <a:spcAft>
+                <a:spcPts val="0"/>
+              </a:spcAft>
+              <a:buFont typeface="Wingdings" panose="05000000000000000000" pitchFamily="2" charset="2"/>
+              <a:buChar char="Ø"/>
+            </a:pPr>
+            <a:r>
+              <a:rPr lang="en-US" dirty="0">
+                <a:solidFill>
+                  <a:srgbClr val="FF0000"/>
+                </a:solidFill>
               </a:rPr>
-              <a:t>-netconf-yang-push-observation-time</a:t>
-            </a:r>
-            <a:endParaRPr lang="en-US" sz="1600" dirty="0"/>
-          </a:p>
-          <a:p>
-            <a:pPr>
+              <a:t>Assess outcome </a:t>
+            </a:r>
+            <a:r>
+              <a:rPr lang="en-US" dirty="0"/>
+              <a:t>of minimal viable product (MVP) development </a:t>
+            </a:r>
+            <a:r>
+              <a:rPr lang="en-US" dirty="0">
+                <a:solidFill>
+                  <a:srgbClr val="FF0000"/>
+                </a:solidFill>
+              </a:rPr>
+              <a:t>before moving to the next</a:t>
+            </a:r>
+            <a:r>
+              <a:rPr lang="en-US" dirty="0"/>
+              <a:t>.</a:t>
+            </a:r>
+            <a:endParaRPr lang="de-CH" dirty="0"/>
+          </a:p>
+          <a:p>
+            <a:pPr marL="342900" marR="0" lvl="0" indent="-342900">
+              <a:lnSpc>
+                <a:spcPct val="107000"/>
+              </a:lnSpc>
               <a:spcBef>
-                <a:spcPts val="300"/>
+                <a:spcPts val="0"/>
               </a:spcBef>
+              <a:spcAft>
+                <a:spcPts val="800"/>
+              </a:spcAft>
+              <a:buFont typeface="Wingdings" panose="05000000000000000000" pitchFamily="2" charset="2"/>
+              <a:buChar char="Ø"/>
             </a:pPr>
             <a:r>
-              <a:rPr lang="en-US" sz="1600" dirty="0"/>
-              <a:t>Support of Versioning in YANG Notifications Subscription</a:t>
-            </a:r>
-            <a:br>
-              <a:rPr lang="en-US" sz="1600" dirty="0"/>
-            </a:br>
-            <a:r>
-              <a:rPr lang="en-US" sz="1600" dirty="0">
-                <a:hlinkClick r:id="rId9"/>
+              <a:rPr lang="en-US" dirty="0"/>
+              <a:t>In 12 months, from one MVP to another. End of 2025, IETF YANG-Push MVP 1 is in production. End of 2026 MVP 2. End of 2027 MVP 3.  The goal here is to </a:t>
+            </a:r>
+            <a:r>
+              <a:rPr lang="en-US" dirty="0">
+                <a:solidFill>
+                  <a:srgbClr val="FF0000"/>
+                </a:solidFill>
               </a:rPr>
-              <a:t>draft-</a:t>
-            </a:r>
-            <a:r>
-              <a:rPr lang="en-US" sz="1600" dirty="0" err="1">
-                <a:hlinkClick r:id="rId9"/>
-              </a:rPr>
-              <a:t>ietf</a:t>
-            </a:r>
-            <a:r>
-              <a:rPr lang="en-US" sz="1600" dirty="0">
-                <a:hlinkClick r:id="rId9"/>
-              </a:rPr>
-              <a:t>-netconf-yang-notifications-versioning</a:t>
-            </a:r>
-            <a:endParaRPr lang="en-US" sz="1600" dirty="0"/>
-          </a:p>
-          <a:p>
-            <a:pPr>
+              <a:t>strike the right balance between stability of IETF specifications and solutions</a:t>
+            </a:r>
+            <a:r>
+              <a:rPr lang="en-US" dirty="0"/>
+              <a:t>, and the very agile, move fast and break things solutions popular in other development spheres.</a:t>
+            </a:r>
+          </a:p>
+          <a:p>
+            <a:pPr marR="0" lvl="0">
+              <a:lnSpc>
+                <a:spcPct val="107000"/>
+              </a:lnSpc>
               <a:spcBef>
-                <a:spcPts val="300"/>
+                <a:spcPts val="1800"/>
               </a:spcBef>
+              <a:spcAft>
+                <a:spcPts val="800"/>
+              </a:spcAft>
             </a:pPr>
             <a:r>
-              <a:rPr lang="en-US" sz="1600" dirty="0"/>
-              <a:t>Augmented-by Addition into the IETF-YANG-Library</a:t>
-            </a:r>
-            <a:br>
-              <a:rPr lang="en-US" sz="1600" dirty="0"/>
-            </a:br>
-            <a:r>
-              <a:rPr lang="en-US" sz="1600" dirty="0">
-                <a:hlinkClick r:id="rId10"/>
-              </a:rPr>
-              <a:t>draft-</a:t>
-            </a:r>
-            <a:r>
-              <a:rPr lang="en-US" sz="1600" dirty="0" err="1">
-                <a:hlinkClick r:id="rId10"/>
-              </a:rPr>
-              <a:t>ietf</a:t>
-            </a:r>
-            <a:r>
-              <a:rPr lang="en-US" sz="1600" dirty="0">
-                <a:hlinkClick r:id="rId10"/>
-              </a:rPr>
-              <a:t>-netconf-yang-library-augmentation</a:t>
-            </a:r>
-            <a:endParaRPr lang="en-US" sz="1600" dirty="0"/>
-          </a:p>
-          <a:p>
-            <a:pPr marL="0" indent="0">
+              <a:rPr lang="en-US" dirty="0"/>
+              <a:t>The listed requirements reflects what has been reflected in </a:t>
+            </a:r>
+            <a:r>
+              <a:rPr lang="en-US" b="1" dirty="0"/>
+              <a:t>NEW-OPS-REQ-ITER</a:t>
+            </a:r>
+            <a:r>
+              <a:rPr lang="en-US" dirty="0"/>
+              <a:t> and </a:t>
+            </a:r>
+            <a:r>
+              <a:rPr lang="en-US" b="1" dirty="0"/>
+              <a:t>NEW-OPS-REQ-GUIDE-AND-PROFILE</a:t>
+            </a:r>
+            <a:r>
+              <a:rPr lang="en-US" dirty="0"/>
+              <a:t>.</a:t>
+            </a:r>
+          </a:p>
+          <a:p>
+            <a:pPr marR="0" lvl="0">
+              <a:lnSpc>
+                <a:spcPct val="107000"/>
+              </a:lnSpc>
               <a:spcBef>
-                <a:spcPts val="1200"/>
+                <a:spcPts val="0"/>
               </a:spcBef>
-              <a:buFont typeface="Arial" panose="020B0604020202020204" pitchFamily="34" charset="0"/>
-              <a:buNone/>
+              <a:spcAft>
+                <a:spcPts val="800"/>
+              </a:spcAft>
             </a:pPr>
             <a:r>
-              <a:rPr lang="en-US" sz="1800" b="1" dirty="0"/>
-              <a:t>YANG-Push Simplification:</a:t>
-            </a:r>
-          </a:p>
-          <a:p>
-            <a:pPr>
-              <a:spcBef>
-                <a:spcPts val="300"/>
-              </a:spcBef>
-            </a:pPr>
-            <a:r>
-              <a:rPr lang="en-US" sz="1600" dirty="0"/>
-              <a:t>YANG-Push Operational Data Observability Enhancements</a:t>
-            </a:r>
-            <a:br>
-              <a:rPr lang="en-US" sz="1600" dirty="0"/>
-            </a:br>
-            <a:r>
-              <a:rPr lang="en-US" sz="1600" dirty="0">
-                <a:hlinkClick r:id="rId11"/>
-              </a:rPr>
-              <a:t>draft-</a:t>
-            </a:r>
-            <a:r>
-              <a:rPr lang="en-US" sz="1600" dirty="0" err="1">
-                <a:hlinkClick r:id="rId11"/>
-              </a:rPr>
-              <a:t>wilton</a:t>
-            </a:r>
-            <a:r>
-              <a:rPr lang="en-US" sz="1600" dirty="0">
-                <a:hlinkClick r:id="rId11"/>
-              </a:rPr>
-              <a:t>-netconf-</a:t>
-            </a:r>
-            <a:r>
-              <a:rPr lang="en-US" sz="1600" dirty="0" err="1">
-                <a:hlinkClick r:id="rId11"/>
-              </a:rPr>
-              <a:t>yp</a:t>
-            </a:r>
-            <a:r>
-              <a:rPr lang="en-US" sz="1600" dirty="0">
-                <a:hlinkClick r:id="rId11"/>
-              </a:rPr>
-              <a:t>-observability</a:t>
-            </a:r>
-            <a:endParaRPr lang="en-US" sz="1600" dirty="0"/>
-          </a:p>
-          <a:p>
-            <a:pPr marL="0" indent="0">
-              <a:spcBef>
-                <a:spcPts val="1200"/>
-              </a:spcBef>
-              <a:buNone/>
-            </a:pPr>
-            <a:r>
-              <a:rPr lang="en-US" sz="1800" b="1" dirty="0"/>
-              <a:t>YANG-Push Message Broker:</a:t>
-            </a:r>
-          </a:p>
-          <a:p>
-            <a:pPr>
-              <a:spcBef>
-                <a:spcPts val="300"/>
-              </a:spcBef>
-            </a:pPr>
-            <a:r>
-              <a:rPr lang="en-US" sz="1600" dirty="0"/>
-              <a:t>An Architecture for YANG-Push to Message Broker Integration</a:t>
-            </a:r>
-            <a:br>
-              <a:rPr lang="en-US" sz="1600" dirty="0"/>
-            </a:br>
-            <a:r>
-              <a:rPr lang="en-US" sz="1600" dirty="0">
-                <a:hlinkClick r:id="rId12"/>
-              </a:rPr>
-              <a:t>draft-</a:t>
-            </a:r>
-            <a:r>
-              <a:rPr lang="en-US" sz="1600" dirty="0" err="1">
-                <a:hlinkClick r:id="rId12"/>
-              </a:rPr>
-              <a:t>netana</a:t>
-            </a:r>
-            <a:r>
-              <a:rPr lang="en-US" sz="1600" dirty="0">
-                <a:hlinkClick r:id="rId12"/>
-              </a:rPr>
-              <a:t>-</a:t>
-            </a:r>
-            <a:r>
-              <a:rPr lang="en-US" sz="1600" dirty="0" err="1">
-                <a:hlinkClick r:id="rId12"/>
-              </a:rPr>
-              <a:t>nmop</a:t>
-            </a:r>
-            <a:r>
-              <a:rPr lang="en-US" sz="1600" dirty="0">
-                <a:hlinkClick r:id="rId12"/>
-              </a:rPr>
-              <a:t>-yang-message-broker-integration</a:t>
-            </a:r>
-            <a:endParaRPr lang="en-US" sz="1600" dirty="0"/>
-          </a:p>
-        </p:txBody>
-      </p:sp>
-      <p:pic>
-        <p:nvPicPr>
-          <p:cNvPr id="7" name="Picture 6">
-            <a:extLst>
-              <a:ext uri="{FF2B5EF4-FFF2-40B4-BE49-F238E27FC236}">
-                <a16:creationId xmlns:a16="http://schemas.microsoft.com/office/drawing/2014/main" id="{0A11DEF8-69C9-1E60-4EF8-A3E0E2EEFE5E}"/>
-              </a:ext>
-            </a:extLst>
-          </p:cNvPr>
-          <p:cNvPicPr>
-            <a:picLocks noChangeAspect="1"/>
-          </p:cNvPicPr>
-          <p:nvPr/>
-        </p:nvPicPr>
-        <p:blipFill>
-          <a:blip r:embed="rId13"/>
-          <a:stretch>
-            <a:fillRect/>
-          </a:stretch>
-        </p:blipFill>
-        <p:spPr>
-          <a:xfrm>
-            <a:off x="838198" y="5277116"/>
-            <a:ext cx="6103778" cy="1449646"/>
-          </a:xfrm>
-          <a:prstGeom prst="rect">
-            <a:avLst/>
-          </a:prstGeom>
-        </p:spPr>
-      </p:pic>
-      <p:sp>
-        <p:nvSpPr>
-          <p:cNvPr id="9" name="TextBox 8">
-            <a:extLst>
-              <a:ext uri="{FF2B5EF4-FFF2-40B4-BE49-F238E27FC236}">
-                <a16:creationId xmlns:a16="http://schemas.microsoft.com/office/drawing/2014/main" id="{76DFCB4A-5A26-3D89-003B-C1376E910ECB}"/>
-              </a:ext>
-            </a:extLst>
-          </p:cNvPr>
-          <p:cNvSpPr txBox="1"/>
-          <p:nvPr/>
-        </p:nvSpPr>
-        <p:spPr>
-          <a:xfrm>
-            <a:off x="1751823" y="4982646"/>
-            <a:ext cx="674137" cy="369332"/>
-          </a:xfrm>
-          <a:prstGeom prst="rect">
-            <a:avLst/>
-          </a:prstGeom>
-          <a:noFill/>
-        </p:spPr>
-        <p:txBody>
-          <a:bodyPr wrap="square">
-            <a:spAutoFit/>
-          </a:bodyPr>
-          <a:lstStyle/>
-          <a:p>
-            <a:r>
-              <a:rPr lang="en-US" sz="1800" b="1" dirty="0"/>
-              <a:t>2025</a:t>
+              <a:rPr lang="en-US" dirty="0"/>
+              <a:t>The assessment described in slide 4-6 has been reflected in </a:t>
+            </a:r>
+            <a:r>
+              <a:rPr lang="en-US" b="1" dirty="0"/>
+              <a:t>NEW-OPS-REQ-REASSESS</a:t>
+            </a:r>
+            <a:r>
+              <a:rPr lang="en-US" dirty="0"/>
+              <a:t> and </a:t>
+            </a:r>
+            <a:r>
+              <a:rPr lang="en-US" b="1" dirty="0"/>
+              <a:t>NEW-OPS-REQ-INTEGRATION</a:t>
+            </a:r>
+            <a:r>
+              <a:rPr lang="en-US" dirty="0"/>
+              <a:t> has already performed </a:t>
+            </a:r>
+            <a:r>
+              <a:rPr lang="en-US"/>
+              <a:t>for IETF YANG-Push</a:t>
+            </a:r>
+            <a:r>
+              <a:rPr lang="en-US" dirty="0"/>
+              <a:t>, regrettable not at the beginning of the development, specification </a:t>
+            </a:r>
+            <a:r>
+              <a:rPr lang="en-US"/>
+              <a:t>process in 2015.</a:t>
             </a:r>
             <a:endParaRPr lang="de-CH" dirty="0"/>
           </a:p>
@@ -13190,116 +14082,56 @@
       </p:sp>
       <p:sp>
         <p:nvSpPr>
-          <p:cNvPr id="10" name="TextBox 9">
+          <p:cNvPr id="19" name="Title 1">
             <a:extLst>
               <a:ext uri="{FF2B5EF4-FFF2-40B4-BE49-F238E27FC236}">
-                <a16:creationId xmlns:a16="http://schemas.microsoft.com/office/drawing/2014/main" id="{AE56A713-7107-EBE1-2757-84C6A1F346F1}"/>
+                <a16:creationId xmlns:a16="http://schemas.microsoft.com/office/drawing/2014/main" id="{56D79134-17A9-8BC8-B7D0-97BCFFB9A6B2}"/>
               </a:ext>
             </a:extLst>
           </p:cNvPr>
-          <p:cNvSpPr txBox="1"/>
-          <p:nvPr/>
+          <p:cNvSpPr>
+            <a:spLocks noGrp="1"/>
+          </p:cNvSpPr>
+          <p:nvPr>
+            <p:ph type="title"/>
+          </p:nvPr>
         </p:nvSpPr>
         <p:spPr>
           <a:xfrm>
-            <a:off x="2746700" y="4982488"/>
-            <a:ext cx="674137" cy="369332"/>
+            <a:off x="838200" y="365125"/>
+            <a:ext cx="10879318" cy="1325563"/>
           </a:xfrm>
-          <a:prstGeom prst="rect">
-            <a:avLst/>
-          </a:prstGeom>
-          <a:noFill/>
         </p:spPr>
         <p:txBody>
-          <a:bodyPr wrap="square">
-            <a:spAutoFit/>
+          <a:bodyPr>
+            <a:normAutofit/>
           </a:bodyPr>
           <a:lstStyle/>
           <a:p>
             <a:r>
-              <a:rPr lang="en-US" sz="1800" b="1" dirty="0"/>
-              <a:t>2026</a:t>
-            </a:r>
-            <a:endParaRPr lang="de-CH" dirty="0"/>
-          </a:p>
-        </p:txBody>
-      </p:sp>
-      <p:sp>
-        <p:nvSpPr>
-          <p:cNvPr id="11" name="TextBox 10">
-            <a:extLst>
-              <a:ext uri="{FF2B5EF4-FFF2-40B4-BE49-F238E27FC236}">
-                <a16:creationId xmlns:a16="http://schemas.microsoft.com/office/drawing/2014/main" id="{97CADFF5-A2FD-EA83-3DC3-27D9F2FE3688}"/>
-              </a:ext>
-            </a:extLst>
-          </p:cNvPr>
-          <p:cNvSpPr txBox="1"/>
-          <p:nvPr/>
-        </p:nvSpPr>
-        <p:spPr>
-          <a:xfrm>
-            <a:off x="4074780" y="4982488"/>
-            <a:ext cx="674137" cy="369332"/>
-          </a:xfrm>
-          <a:prstGeom prst="rect">
-            <a:avLst/>
-          </a:prstGeom>
-          <a:noFill/>
-        </p:spPr>
-        <p:txBody>
-          <a:bodyPr wrap="square">
-            <a:spAutoFit/>
-          </a:bodyPr>
-          <a:lstStyle/>
-          <a:p>
-            <a:r>
-              <a:rPr lang="en-US" sz="1800" b="1" dirty="0"/>
-              <a:t>2027</a:t>
-            </a:r>
-            <a:endParaRPr lang="de-CH" dirty="0"/>
-          </a:p>
-        </p:txBody>
-      </p:sp>
-      <p:sp>
-        <p:nvSpPr>
-          <p:cNvPr id="12" name="TextBox 11">
-            <a:extLst>
-              <a:ext uri="{FF2B5EF4-FFF2-40B4-BE49-F238E27FC236}">
-                <a16:creationId xmlns:a16="http://schemas.microsoft.com/office/drawing/2014/main" id="{80E2C7F2-70F7-2366-8405-DD8B496C3EF7}"/>
-              </a:ext>
-            </a:extLst>
-          </p:cNvPr>
-          <p:cNvSpPr txBox="1"/>
-          <p:nvPr/>
-        </p:nvSpPr>
-        <p:spPr>
-          <a:xfrm>
-            <a:off x="5468151" y="4983827"/>
-            <a:ext cx="674137" cy="369332"/>
-          </a:xfrm>
-          <a:prstGeom prst="rect">
-            <a:avLst/>
-          </a:prstGeom>
-          <a:noFill/>
-        </p:spPr>
-        <p:txBody>
-          <a:bodyPr wrap="square">
-            <a:spAutoFit/>
-          </a:bodyPr>
-          <a:lstStyle/>
-          <a:p>
-            <a:r>
-              <a:rPr lang="en-US" sz="1800" b="1" dirty="0"/>
-              <a:t>2028</a:t>
-            </a:r>
-            <a:endParaRPr lang="de-CH" dirty="0"/>
+              <a:rPr lang="en-GB" sz="2800" b="1" dirty="0"/>
+              <a:t>Agile Incremental Driven Development</a:t>
+            </a:r>
+            <a:br>
+              <a:rPr lang="en-US" sz="3600" dirty="0"/>
+            </a:br>
+            <a:r>
+              <a:rPr lang="en-US" sz="2700" dirty="0">
+                <a:solidFill>
+                  <a:schemeClr val="bg2">
+                    <a:lumMod val="75000"/>
+                  </a:schemeClr>
+                </a:solidFill>
+              </a:rPr>
+              <a:t>IETF requirements</a:t>
+            </a:r>
           </a:p>
         </p:txBody>
       </p:sp>
     </p:spTree>
     <p:extLst>
       <p:ext uri="{BB962C8B-B14F-4D97-AF65-F5344CB8AC3E}">
-        <p14:creationId xmlns:p14="http://schemas.microsoft.com/office/powerpoint/2010/main" val="3325836654"/>
+        <p14:creationId xmlns:p14="http://schemas.microsoft.com/office/powerpoint/2010/main" val="904770719"/>
       </p:ext>
     </p:extLst>
   </p:cSld>

--- a/122/NEMOPS/IAB NEMOPS - YANG-Push - Agile Incremental Driven Development.pptx
+++ b/122/NEMOPS/IAB NEMOPS - YANG-Push - Agile Incremental Driven Development.pptx
@@ -5,19 +5,20 @@
     <p:sldMasterId id="2147483648" r:id="rId1"/>
   </p:sldMasterIdLst>
   <p:notesMasterIdLst>
-    <p:notesMasterId r:id="rId12"/>
+    <p:notesMasterId r:id="rId13"/>
   </p:notesMasterIdLst>
   <p:sldIdLst>
     <p:sldId id="1041" r:id="rId2"/>
-    <p:sldId id="2145706280" r:id="rId3"/>
-    <p:sldId id="26422" r:id="rId4"/>
-    <p:sldId id="2145706236" r:id="rId5"/>
-    <p:sldId id="2145706275" r:id="rId6"/>
-    <p:sldId id="2145706277" r:id="rId7"/>
-    <p:sldId id="2145706278" r:id="rId8"/>
+    <p:sldId id="2145706278" r:id="rId3"/>
+    <p:sldId id="2145706280" r:id="rId4"/>
+    <p:sldId id="26422" r:id="rId5"/>
+    <p:sldId id="2145706236" r:id="rId6"/>
+    <p:sldId id="2145706275" r:id="rId7"/>
+    <p:sldId id="2145706277" r:id="rId8"/>
     <p:sldId id="2145706279" r:id="rId9"/>
     <p:sldId id="2145706281" r:id="rId10"/>
     <p:sldId id="2145706272" r:id="rId11"/>
+    <p:sldId id="2145706282" r:id="rId12"/>
   </p:sldIdLst>
   <p:sldSz cx="12192000" cy="6858000"/>
   <p:notesSz cx="6858000" cy="9144000"/>
@@ -136,8 +137,8 @@
 <pc:chgInfo xmlns:a="http://schemas.openxmlformats.org/drawingml/2006/main" xmlns:r="http://schemas.openxmlformats.org/officeDocument/2006/relationships" xmlns:ac="http://schemas.microsoft.com/office/drawing/2013/main/command" xmlns:pc="http://schemas.microsoft.com/office/powerpoint/2013/main/command">
   <pc:docChgLst>
     <pc:chgData name="Graf Thomas, INI-NET-VNC-HCS" userId="487bc3e3-9ce7-4cdd-b7b4-8899ea88d289" providerId="ADAL" clId="{43074B02-ABBA-4EEC-B56D-658988DD2B14}"/>
-    <pc:docChg chg="undo custSel addSld modSld">
-      <pc:chgData name="Graf Thomas, INI-NET-VNC-HCS" userId="487bc3e3-9ce7-4cdd-b7b4-8899ea88d289" providerId="ADAL" clId="{43074B02-ABBA-4EEC-B56D-658988DD2B14}" dt="2024-11-29T10:51:57.605" v="500" actId="20577"/>
+    <pc:docChg chg="undo custSel addSld modSld sldOrd">
+      <pc:chgData name="Graf Thomas, INI-NET-VNC-HCS" userId="487bc3e3-9ce7-4cdd-b7b4-8899ea88d289" providerId="ADAL" clId="{43074B02-ABBA-4EEC-B56D-658988DD2B14}" dt="2024-12-01T08:04:48.688" v="1243" actId="207"/>
       <pc:docMkLst>
         <pc:docMk/>
       </pc:docMkLst>
@@ -164,6 +165,35 @@
           </ac:spMkLst>
         </pc:spChg>
       </pc:sldChg>
+      <pc:sldChg chg="ord">
+        <pc:chgData name="Graf Thomas, INI-NET-VNC-HCS" userId="487bc3e3-9ce7-4cdd-b7b4-8899ea88d289" providerId="ADAL" clId="{43074B02-ABBA-4EEC-B56D-658988DD2B14}" dt="2024-12-01T07:45:24.522" v="1064" actId="20578"/>
+        <pc:sldMkLst>
+          <pc:docMk/>
+          <pc:sldMk cId="1088069469" sldId="26422"/>
+        </pc:sldMkLst>
+      </pc:sldChg>
+      <pc:sldChg chg="modSp mod">
+        <pc:chgData name="Graf Thomas, INI-NET-VNC-HCS" userId="487bc3e3-9ce7-4cdd-b7b4-8899ea88d289" providerId="ADAL" clId="{43074B02-ABBA-4EEC-B56D-658988DD2B14}" dt="2024-12-01T07:54:26.654" v="1138" actId="20577"/>
+        <pc:sldMkLst>
+          <pc:docMk/>
+          <pc:sldMk cId="3864283889" sldId="2145706236"/>
+        </pc:sldMkLst>
+        <pc:spChg chg="mod">
+          <ac:chgData name="Graf Thomas, INI-NET-VNC-HCS" userId="487bc3e3-9ce7-4cdd-b7b4-8899ea88d289" providerId="ADAL" clId="{43074B02-ABBA-4EEC-B56D-658988DD2B14}" dt="2024-12-01T07:54:26.654" v="1138" actId="20577"/>
+          <ac:spMkLst>
+            <pc:docMk/>
+            <pc:sldMk cId="3864283889" sldId="2145706236"/>
+            <ac:spMk id="5" creationId="{0194B37B-813A-99FE-7B78-4D87D8C30D44}"/>
+          </ac:spMkLst>
+        </pc:spChg>
+      </pc:sldChg>
+      <pc:sldChg chg="ord">
+        <pc:chgData name="Graf Thomas, INI-NET-VNC-HCS" userId="487bc3e3-9ce7-4cdd-b7b4-8899ea88d289" providerId="ADAL" clId="{43074B02-ABBA-4EEC-B56D-658988DD2B14}" dt="2024-11-29T16:32:08.174" v="768"/>
+        <pc:sldMkLst>
+          <pc:docMk/>
+          <pc:sldMk cId="3325836654" sldId="2145706272"/>
+        </pc:sldMkLst>
+      </pc:sldChg>
       <pc:sldChg chg="modSp mod">
         <pc:chgData name="Graf Thomas, INI-NET-VNC-HCS" userId="487bc3e3-9ce7-4cdd-b7b4-8899ea88d289" providerId="ADAL" clId="{43074B02-ABBA-4EEC-B56D-658988DD2B14}" dt="2024-11-29T10:14:57.779" v="38" actId="207"/>
         <pc:sldMkLst>
@@ -187,12 +217,20 @@
           </ac:spMkLst>
         </pc:spChg>
       </pc:sldChg>
-      <pc:sldChg chg="modSp mod">
-        <pc:chgData name="Graf Thomas, INI-NET-VNC-HCS" userId="487bc3e3-9ce7-4cdd-b7b4-8899ea88d289" providerId="ADAL" clId="{43074B02-ABBA-4EEC-B56D-658988DD2B14}" dt="2024-11-29T10:41:42.038" v="404" actId="1076"/>
+      <pc:sldChg chg="addSp modSp mod ord">
+        <pc:chgData name="Graf Thomas, INI-NET-VNC-HCS" userId="487bc3e3-9ce7-4cdd-b7b4-8899ea88d289" providerId="ADAL" clId="{43074B02-ABBA-4EEC-B56D-658988DD2B14}" dt="2024-12-01T08:04:48.688" v="1243" actId="207"/>
         <pc:sldMkLst>
           <pc:docMk/>
           <pc:sldMk cId="2764131050" sldId="2145706278"/>
         </pc:sldMkLst>
+        <pc:spChg chg="add mod">
+          <ac:chgData name="Graf Thomas, INI-NET-VNC-HCS" userId="487bc3e3-9ce7-4cdd-b7b4-8899ea88d289" providerId="ADAL" clId="{43074B02-ABBA-4EEC-B56D-658988DD2B14}" dt="2024-12-01T08:04:48.688" v="1243" actId="207"/>
+          <ac:spMkLst>
+            <pc:docMk/>
+            <pc:sldMk cId="2764131050" sldId="2145706278"/>
+            <ac:spMk id="3" creationId="{8E40D10A-D742-715C-213F-05E30B0AA6FE}"/>
+          </ac:spMkLst>
+        </pc:spChg>
         <pc:spChg chg="mod">
           <ac:chgData name="Graf Thomas, INI-NET-VNC-HCS" userId="487bc3e3-9ce7-4cdd-b7b4-8899ea88d289" providerId="ADAL" clId="{43074B02-ABBA-4EEC-B56D-658988DD2B14}" dt="2024-11-27T05:37:32.782" v="28" actId="790"/>
           <ac:spMkLst>
@@ -409,13 +447,13 @@
         </pc:spChg>
       </pc:sldChg>
       <pc:sldChg chg="modSp add mod">
-        <pc:chgData name="Graf Thomas, INI-NET-VNC-HCS" userId="487bc3e3-9ce7-4cdd-b7b4-8899ea88d289" providerId="ADAL" clId="{43074B02-ABBA-4EEC-B56D-658988DD2B14}" dt="2024-11-29T10:51:57.605" v="500" actId="20577"/>
+        <pc:chgData name="Graf Thomas, INI-NET-VNC-HCS" userId="487bc3e3-9ce7-4cdd-b7b4-8899ea88d289" providerId="ADAL" clId="{43074B02-ABBA-4EEC-B56D-658988DD2B14}" dt="2024-12-01T07:53:40.409" v="1099" actId="20577"/>
         <pc:sldMkLst>
           <pc:docMk/>
           <pc:sldMk cId="904770719" sldId="2145706281"/>
         </pc:sldMkLst>
         <pc:spChg chg="mod">
-          <ac:chgData name="Graf Thomas, INI-NET-VNC-HCS" userId="487bc3e3-9ce7-4cdd-b7b4-8899ea88d289" providerId="ADAL" clId="{43074B02-ABBA-4EEC-B56D-658988DD2B14}" dt="2024-11-29T10:51:57.605" v="500" actId="20577"/>
+          <ac:chgData name="Graf Thomas, INI-NET-VNC-HCS" userId="487bc3e3-9ce7-4cdd-b7b4-8899ea88d289" providerId="ADAL" clId="{43074B02-ABBA-4EEC-B56D-658988DD2B14}" dt="2024-12-01T07:53:40.409" v="1099" actId="20577"/>
           <ac:spMkLst>
             <pc:docMk/>
             <pc:sldMk cId="904770719" sldId="2145706281"/>
@@ -427,6 +465,37 @@
           <ac:spMkLst>
             <pc:docMk/>
             <pc:sldMk cId="904770719" sldId="2145706281"/>
+            <ac:spMk id="19" creationId="{56D79134-17A9-8BC8-B7D0-97BCFFB9A6B2}"/>
+          </ac:spMkLst>
+        </pc:spChg>
+      </pc:sldChg>
+      <pc:sldChg chg="modSp add mod ord">
+        <pc:chgData name="Graf Thomas, INI-NET-VNC-HCS" userId="487bc3e3-9ce7-4cdd-b7b4-8899ea88d289" providerId="ADAL" clId="{43074B02-ABBA-4EEC-B56D-658988DD2B14}" dt="2024-12-01T07:58:31.236" v="1229" actId="1076"/>
+        <pc:sldMkLst>
+          <pc:docMk/>
+          <pc:sldMk cId="3327455940" sldId="2145706282"/>
+        </pc:sldMkLst>
+        <pc:spChg chg="mod">
+          <ac:chgData name="Graf Thomas, INI-NET-VNC-HCS" userId="487bc3e3-9ce7-4cdd-b7b4-8899ea88d289" providerId="ADAL" clId="{43074B02-ABBA-4EEC-B56D-658988DD2B14}" dt="2024-11-29T16:11:11.933" v="746"/>
+          <ac:spMkLst>
+            <pc:docMk/>
+            <pc:sldMk cId="3327455940" sldId="2145706282"/>
+            <ac:spMk id="5" creationId="{0194B37B-813A-99FE-7B78-4D87D8C30D44}"/>
+          </ac:spMkLst>
+        </pc:spChg>
+        <pc:spChg chg="mod">
+          <ac:chgData name="Graf Thomas, INI-NET-VNC-HCS" userId="487bc3e3-9ce7-4cdd-b7b4-8899ea88d289" providerId="ADAL" clId="{43074B02-ABBA-4EEC-B56D-658988DD2B14}" dt="2024-12-01T07:58:31.236" v="1229" actId="1076"/>
+          <ac:spMkLst>
+            <pc:docMk/>
+            <pc:sldMk cId="3327455940" sldId="2145706282"/>
+            <ac:spMk id="18" creationId="{B283EDB4-CFDF-D6B9-8AF9-9CFA563360E3}"/>
+          </ac:spMkLst>
+        </pc:spChg>
+        <pc:spChg chg="mod">
+          <ac:chgData name="Graf Thomas, INI-NET-VNC-HCS" userId="487bc3e3-9ce7-4cdd-b7b4-8899ea88d289" providerId="ADAL" clId="{43074B02-ABBA-4EEC-B56D-658988DD2B14}" dt="2024-12-01T07:22:16.361" v="874" actId="20577"/>
+          <ac:spMkLst>
+            <pc:docMk/>
+            <pc:sldMk cId="3327455940" sldId="2145706282"/>
             <ac:spMk id="19" creationId="{56D79134-17A9-8BC8-B7D0-97BCFFB9A6B2}"/>
           </ac:spMkLst>
         </pc:spChg>
@@ -851,7 +920,7 @@
           <a:p>
             <a:fld id="{2BBC52A0-2F3F-497F-8536-39D60282E9C2}" type="slidenum">
               <a:rPr lang="de-CH" smtClean="0"/>
-              <a:t>4</a:t>
+              <a:t>5</a:t>
             </a:fld>
             <a:endParaRPr lang="de-CH"/>
           </a:p>
@@ -5591,6 +5660,485 @@
 </p:sld>
 </file>
 
+<file path=ppt/slides/slide11.xml><?xml version="1.0" encoding="utf-8"?>
+<p:sld xmlns:a="http://schemas.openxmlformats.org/drawingml/2006/main" xmlns:r="http://schemas.openxmlformats.org/officeDocument/2006/relationships" xmlns:p="http://schemas.openxmlformats.org/presentationml/2006/main">
+  <p:cSld>
+    <p:spTree>
+      <p:nvGrpSpPr>
+        <p:cNvPr id="1" name=""/>
+        <p:cNvGrpSpPr/>
+        <p:nvPr/>
+      </p:nvGrpSpPr>
+      <p:grpSpPr>
+        <a:xfrm>
+          <a:off x="0" y="0"/>
+          <a:ext cx="0" cy="0"/>
+          <a:chOff x="0" y="0"/>
+          <a:chExt cx="0" cy="0"/>
+        </a:xfrm>
+      </p:grpSpPr>
+      <p:sp>
+        <p:nvSpPr>
+          <p:cNvPr id="6" name="Slide Number Placeholder 1">
+            <a:extLst>
+              <a:ext uri="{FF2B5EF4-FFF2-40B4-BE49-F238E27FC236}">
+                <a16:creationId xmlns:a16="http://schemas.microsoft.com/office/drawing/2014/main" id="{024DC3B6-499C-4E15-9336-2F15A0DFB843}"/>
+              </a:ext>
+            </a:extLst>
+          </p:cNvPr>
+          <p:cNvSpPr>
+            <a:spLocks noGrp="1"/>
+          </p:cNvSpPr>
+          <p:nvPr>
+            <p:ph type="sldNum" sz="quarter" idx="12"/>
+          </p:nvPr>
+        </p:nvSpPr>
+        <p:spPr>
+          <a:xfrm>
+            <a:off x="11587892" y="6361637"/>
+            <a:ext cx="414251" cy="365125"/>
+          </a:xfrm>
+        </p:spPr>
+        <p:txBody>
+          <a:bodyPr/>
+          <a:lstStyle/>
+          <a:p>
+            <a:fld id="{FC4AC485-25DE-431E-B345-9C0A15BB7F8A}" type="slidenum">
+              <a:rPr lang="de-CH" sz="1400" smtClean="0"/>
+              <a:t>11</a:t>
+            </a:fld>
+            <a:endParaRPr lang="de-CH" sz="1400" dirty="0"/>
+          </a:p>
+        </p:txBody>
+      </p:sp>
+      <p:sp>
+        <p:nvSpPr>
+          <p:cNvPr id="5" name="Inhaltsplatzhalter 2">
+            <a:extLst>
+              <a:ext uri="{FF2B5EF4-FFF2-40B4-BE49-F238E27FC236}">
+                <a16:creationId xmlns:a16="http://schemas.microsoft.com/office/drawing/2014/main" id="{0194B37B-813A-99FE-7B78-4D87D8C30D44}"/>
+              </a:ext>
+            </a:extLst>
+          </p:cNvPr>
+          <p:cNvSpPr txBox="1">
+            <a:spLocks/>
+          </p:cNvSpPr>
+          <p:nvPr/>
+        </p:nvSpPr>
+        <p:spPr bwMode="black">
+          <a:xfrm>
+            <a:off x="961533" y="2011679"/>
+            <a:ext cx="6363093" cy="4171630"/>
+          </a:xfrm>
+          <a:prstGeom prst="rect">
+            <a:avLst/>
+          </a:prstGeom>
+        </p:spPr>
+        <p:txBody>
+          <a:bodyPr wrap="square" lIns="0" tIns="0" rIns="0" bIns="0"/>
+          <a:lstStyle>
+            <a:lvl1pPr marL="0" indent="0" algn="l" defTabSz="914400" rtl="0" eaLnBrk="1" latinLnBrk="0" hangingPunct="1">
+              <a:lnSpc>
+                <a:spcPct val="110000"/>
+              </a:lnSpc>
+              <a:spcBef>
+                <a:spcPts val="600"/>
+              </a:spcBef>
+              <a:spcAft>
+                <a:spcPts val="600"/>
+              </a:spcAft>
+              <a:buFont typeface="Arial" panose="020B0604020202020204" pitchFamily="34" charset="0"/>
+              <a:buNone/>
+              <a:defRPr sz="2000" b="0" kern="1200">
+                <a:solidFill>
+                  <a:schemeClr val="tx1"/>
+                </a:solidFill>
+                <a:latin typeface="+mn-lt"/>
+                <a:ea typeface="+mn-ea"/>
+                <a:cs typeface="+mn-cs"/>
+              </a:defRPr>
+            </a:lvl1pPr>
+            <a:lvl2pPr marL="216000" indent="-216000" algn="l" defTabSz="914400" rtl="0" eaLnBrk="1" latinLnBrk="0" hangingPunct="1">
+              <a:lnSpc>
+                <a:spcPct val="110000"/>
+              </a:lnSpc>
+              <a:spcBef>
+                <a:spcPts val="200"/>
+              </a:spcBef>
+              <a:spcAft>
+                <a:spcPts val="200"/>
+              </a:spcAft>
+              <a:buFont typeface="Arial" panose="020B0604020202020204" pitchFamily="34" charset="0"/>
+              <a:buChar char="•"/>
+              <a:defRPr sz="2000" kern="1200">
+                <a:solidFill>
+                  <a:schemeClr val="tx1"/>
+                </a:solidFill>
+                <a:latin typeface="+mn-lt"/>
+                <a:ea typeface="+mn-ea"/>
+                <a:cs typeface="+mn-cs"/>
+              </a:defRPr>
+            </a:lvl2pPr>
+            <a:lvl3pPr marL="504000" indent="-288000" algn="l" defTabSz="914400" rtl="0" eaLnBrk="1" latinLnBrk="0" hangingPunct="1">
+              <a:lnSpc>
+                <a:spcPct val="110000"/>
+              </a:lnSpc>
+              <a:spcBef>
+                <a:spcPts val="200"/>
+              </a:spcBef>
+              <a:spcAft>
+                <a:spcPts val="200"/>
+              </a:spcAft>
+              <a:buFont typeface="TheSans Swisscom Light" panose="020B0300040303060204" pitchFamily="34" charset="0"/>
+              <a:buChar char="−"/>
+              <a:defRPr sz="2000" kern="1200">
+                <a:solidFill>
+                  <a:schemeClr val="tx1"/>
+                </a:solidFill>
+                <a:latin typeface="+mn-lt"/>
+                <a:ea typeface="+mn-ea"/>
+                <a:cs typeface="+mn-cs"/>
+              </a:defRPr>
+            </a:lvl3pPr>
+            <a:lvl4pPr marL="792000" indent="-288000" algn="l" defTabSz="914400" rtl="0" eaLnBrk="1" latinLnBrk="0" hangingPunct="1">
+              <a:lnSpc>
+                <a:spcPct val="110000"/>
+              </a:lnSpc>
+              <a:spcBef>
+                <a:spcPts val="200"/>
+              </a:spcBef>
+              <a:spcAft>
+                <a:spcPts val="200"/>
+              </a:spcAft>
+              <a:buFont typeface="TheSans Swisscom Light" panose="020B0300040303060204" pitchFamily="34" charset="0"/>
+              <a:buChar char="−"/>
+              <a:defRPr sz="2000" kern="1200">
+                <a:solidFill>
+                  <a:schemeClr val="tx1"/>
+                </a:solidFill>
+                <a:latin typeface="+mn-lt"/>
+                <a:ea typeface="+mn-ea"/>
+                <a:cs typeface="+mn-cs"/>
+              </a:defRPr>
+            </a:lvl4pPr>
+            <a:lvl5pPr marL="792000" indent="-288000" algn="l" defTabSz="914400" rtl="0" eaLnBrk="1" latinLnBrk="0" hangingPunct="1">
+              <a:lnSpc>
+                <a:spcPct val="110000"/>
+              </a:lnSpc>
+              <a:spcBef>
+                <a:spcPts val="200"/>
+              </a:spcBef>
+              <a:spcAft>
+                <a:spcPts val="200"/>
+              </a:spcAft>
+              <a:buFont typeface="TheSans Swisscom Light" panose="020B0300040303060204" pitchFamily="34" charset="0"/>
+              <a:buChar char="−"/>
+              <a:defRPr sz="2000" kern="1200">
+                <a:solidFill>
+                  <a:schemeClr val="tx1"/>
+                </a:solidFill>
+                <a:latin typeface="+mn-lt"/>
+                <a:ea typeface="+mn-ea"/>
+                <a:cs typeface="+mn-cs"/>
+              </a:defRPr>
+            </a:lvl5pPr>
+            <a:lvl6pPr marL="792000" indent="-288000" algn="l" defTabSz="914400" rtl="0" eaLnBrk="1" latinLnBrk="0" hangingPunct="1">
+              <a:lnSpc>
+                <a:spcPct val="110000"/>
+              </a:lnSpc>
+              <a:spcBef>
+                <a:spcPts val="200"/>
+              </a:spcBef>
+              <a:spcAft>
+                <a:spcPts val="200"/>
+              </a:spcAft>
+              <a:buFont typeface="TheSans Swisscom Light" panose="020B0300040303060204" pitchFamily="34" charset="0"/>
+              <a:buChar char="−"/>
+              <a:defRPr sz="2000" kern="1200">
+                <a:solidFill>
+                  <a:schemeClr val="tx1"/>
+                </a:solidFill>
+                <a:latin typeface="+mn-lt"/>
+                <a:ea typeface="+mn-ea"/>
+                <a:cs typeface="+mn-cs"/>
+              </a:defRPr>
+            </a:lvl6pPr>
+            <a:lvl7pPr marL="792000" indent="-288000" algn="l" defTabSz="914400" rtl="0" eaLnBrk="1" latinLnBrk="0" hangingPunct="1">
+              <a:lnSpc>
+                <a:spcPct val="110000"/>
+              </a:lnSpc>
+              <a:spcBef>
+                <a:spcPts val="200"/>
+              </a:spcBef>
+              <a:spcAft>
+                <a:spcPts val="200"/>
+              </a:spcAft>
+              <a:buFont typeface="TheSans Swisscom Light" panose="020B0300040303060204" pitchFamily="34" charset="0"/>
+              <a:buChar char="−"/>
+              <a:defRPr sz="2000" kern="1200">
+                <a:solidFill>
+                  <a:schemeClr val="tx1"/>
+                </a:solidFill>
+                <a:latin typeface="+mn-lt"/>
+                <a:ea typeface="+mn-ea"/>
+                <a:cs typeface="+mn-cs"/>
+              </a:defRPr>
+            </a:lvl7pPr>
+            <a:lvl8pPr marL="792000" indent="-288000" algn="l" defTabSz="914400" rtl="0" eaLnBrk="1" latinLnBrk="0" hangingPunct="1">
+              <a:lnSpc>
+                <a:spcPct val="110000"/>
+              </a:lnSpc>
+              <a:spcBef>
+                <a:spcPts val="200"/>
+              </a:spcBef>
+              <a:spcAft>
+                <a:spcPts val="200"/>
+              </a:spcAft>
+              <a:buFont typeface="TheSans Swisscom Light" panose="020B0300040303060204" pitchFamily="34" charset="0"/>
+              <a:buChar char="−"/>
+              <a:defRPr sz="2000" kern="1200">
+                <a:solidFill>
+                  <a:schemeClr val="tx1"/>
+                </a:solidFill>
+                <a:latin typeface="+mn-lt"/>
+                <a:ea typeface="+mn-ea"/>
+                <a:cs typeface="+mn-cs"/>
+              </a:defRPr>
+            </a:lvl8pPr>
+            <a:lvl9pPr marL="792000" indent="-288000" algn="l" defTabSz="914400" rtl="0" eaLnBrk="1" latinLnBrk="0" hangingPunct="1">
+              <a:lnSpc>
+                <a:spcPct val="110000"/>
+              </a:lnSpc>
+              <a:spcBef>
+                <a:spcPts val="200"/>
+              </a:spcBef>
+              <a:spcAft>
+                <a:spcPts val="200"/>
+              </a:spcAft>
+              <a:buFont typeface="TheSans Swisscom Light" panose="020B0300040303060204" pitchFamily="34" charset="0"/>
+              <a:buChar char="−"/>
+              <a:defRPr sz="2000" kern="1200">
+                <a:solidFill>
+                  <a:schemeClr val="tx1"/>
+                </a:solidFill>
+                <a:latin typeface="+mn-lt"/>
+                <a:ea typeface="+mn-ea"/>
+                <a:cs typeface="+mn-cs"/>
+              </a:defRPr>
+            </a:lvl9pPr>
+          </a:lstStyle>
+          <a:p>
+            <a:r>
+              <a:rPr lang="en-US" sz="2000" dirty="0"/>
+              <a:t>Thomas Graf, Swisscom</a:t>
+            </a:r>
+          </a:p>
+          <a:p>
+            <a:r>
+              <a:rPr lang="en-US" sz="2000" dirty="0"/>
+              <a:t>Holger Keller, DT</a:t>
+            </a:r>
+          </a:p>
+          <a:p>
+            <a:r>
+              <a:rPr lang="en-US" sz="2000" dirty="0"/>
+              <a:t>Dan Voyer, Bell Canada</a:t>
+            </a:r>
+          </a:p>
+          <a:p>
+            <a:r>
+              <a:rPr lang="en-US" sz="2000" dirty="0"/>
+              <a:t>Paolo Lucente, NTT</a:t>
+            </a:r>
+          </a:p>
+          <a:p>
+            <a:r>
+              <a:rPr lang="en-US" sz="2000" dirty="0"/>
+              <a:t>Benoit Claise, Huawei</a:t>
+            </a:r>
+          </a:p>
+          <a:p>
+            <a:r>
+              <a:rPr lang="en-US" sz="2000" dirty="0"/>
+              <a:t>Rob Wilton, Cisco</a:t>
+            </a:r>
+          </a:p>
+          <a:p>
+            <a:r>
+              <a:rPr lang="en-US" sz="2000" dirty="0"/>
+              <a:t>Alex Huang-Feng and Pierre Francois, INSA Lyon</a:t>
+            </a:r>
+          </a:p>
+        </p:txBody>
+      </p:sp>
+      <p:sp>
+        <p:nvSpPr>
+          <p:cNvPr id="18" name="TextBox 17">
+            <a:extLst>
+              <a:ext uri="{FF2B5EF4-FFF2-40B4-BE49-F238E27FC236}">
+                <a16:creationId xmlns:a16="http://schemas.microsoft.com/office/drawing/2014/main" id="{B283EDB4-CFDF-D6B9-8AF9-9CFA563360E3}"/>
+              </a:ext>
+            </a:extLst>
+          </p:cNvPr>
+          <p:cNvSpPr txBox="1"/>
+          <p:nvPr/>
+        </p:nvSpPr>
+        <p:spPr>
+          <a:xfrm>
+            <a:off x="6606071" y="1922198"/>
+            <a:ext cx="4747729" cy="3323987"/>
+          </a:xfrm>
+          <a:prstGeom prst="rect">
+            <a:avLst/>
+          </a:prstGeom>
+          <a:noFill/>
+        </p:spPr>
+        <p:txBody>
+          <a:bodyPr wrap="square">
+            <a:spAutoFit/>
+          </a:bodyPr>
+          <a:lstStyle/>
+          <a:p>
+            <a:pPr algn="ctr"/>
+            <a:r>
+              <a:rPr lang="en-US" sz="3000" b="1" dirty="0">
+                <a:latin typeface="+mj-lt"/>
+              </a:rPr>
+              <a:t>«We are </a:t>
+            </a:r>
+            <a:r>
+              <a:rPr lang="en-US" sz="3000" b="1" dirty="0">
+                <a:solidFill>
+                  <a:srgbClr val="FF0000"/>
+                </a:solidFill>
+                <a:latin typeface="+mj-lt"/>
+              </a:rPr>
+              <a:t>concerned</a:t>
+            </a:r>
+            <a:r>
+              <a:rPr lang="en-US" sz="3000" b="1" dirty="0">
+                <a:latin typeface="+mj-lt"/>
+              </a:rPr>
+              <a:t> that 2017 is </a:t>
+            </a:r>
+            <a:r>
+              <a:rPr lang="en-US" sz="3000" b="1" dirty="0">
+                <a:solidFill>
+                  <a:srgbClr val="FF0000"/>
+                </a:solidFill>
+                <a:latin typeface="+mj-lt"/>
+              </a:rPr>
+              <a:t>happening in 2025 again</a:t>
+            </a:r>
+            <a:r>
+              <a:rPr lang="en-US" sz="3000" b="1" dirty="0">
+                <a:latin typeface="+mj-lt"/>
+              </a:rPr>
+              <a:t>. YANG notification being specified and implemented </a:t>
+            </a:r>
+            <a:r>
+              <a:rPr lang="en-US" sz="3000" b="1" dirty="0">
+                <a:solidFill>
+                  <a:srgbClr val="FF0000"/>
+                </a:solidFill>
+                <a:latin typeface="+mj-lt"/>
+              </a:rPr>
+              <a:t>outside of the IETF </a:t>
+            </a:r>
+            <a:r>
+              <a:rPr lang="en-US" sz="3000" b="1" dirty="0">
+                <a:latin typeface="+mj-lt"/>
+              </a:rPr>
+              <a:t>because the process is to slow. </a:t>
+            </a:r>
+            <a:r>
+              <a:rPr lang="en-US" sz="3000" b="1" dirty="0">
+                <a:solidFill>
+                  <a:srgbClr val="92D050"/>
+                </a:solidFill>
+                <a:latin typeface="+mj-lt"/>
+              </a:rPr>
+              <a:t>We are here to change that</a:t>
+            </a:r>
+            <a:r>
+              <a:rPr lang="en-US" sz="3000" b="1" dirty="0">
+                <a:latin typeface="+mj-lt"/>
+              </a:rPr>
+              <a:t>. </a:t>
+            </a:r>
+            <a:r>
+              <a:rPr lang="de-CH" sz="3000" b="1" dirty="0">
+                <a:latin typeface="+mj-lt"/>
+              </a:rPr>
+              <a:t>»</a:t>
+            </a:r>
+            <a:endParaRPr lang="en-US" sz="3000" b="1" dirty="0">
+              <a:latin typeface="+mj-lt"/>
+            </a:endParaRPr>
+          </a:p>
+        </p:txBody>
+      </p:sp>
+      <p:sp>
+        <p:nvSpPr>
+          <p:cNvPr id="19" name="Title 1">
+            <a:extLst>
+              <a:ext uri="{FF2B5EF4-FFF2-40B4-BE49-F238E27FC236}">
+                <a16:creationId xmlns:a16="http://schemas.microsoft.com/office/drawing/2014/main" id="{56D79134-17A9-8BC8-B7D0-97BCFFB9A6B2}"/>
+              </a:ext>
+            </a:extLst>
+          </p:cNvPr>
+          <p:cNvSpPr>
+            <a:spLocks noGrp="1"/>
+          </p:cNvSpPr>
+          <p:nvPr>
+            <p:ph type="title"/>
+          </p:nvPr>
+        </p:nvSpPr>
+        <p:spPr>
+          <a:xfrm>
+            <a:off x="838200" y="365125"/>
+            <a:ext cx="10515600" cy="1325563"/>
+          </a:xfrm>
+        </p:spPr>
+        <p:txBody>
+          <a:bodyPr>
+            <a:normAutofit/>
+          </a:bodyPr>
+          <a:lstStyle/>
+          <a:p>
+            <a:r>
+              <a:rPr lang="en-GB" sz="2800" b="1" dirty="0"/>
+              <a:t>Agile Incremental Driven Development</a:t>
+            </a:r>
+            <a:br>
+              <a:rPr lang="en-US" sz="3600" dirty="0"/>
+            </a:br>
+            <a:r>
+              <a:rPr lang="en-US" sz="2700" dirty="0">
+                <a:solidFill>
+                  <a:schemeClr val="bg2">
+                    <a:lumMod val="75000"/>
+                  </a:schemeClr>
+                </a:solidFill>
+              </a:rPr>
+              <a:t>IETF YANG-Push can't wait</a:t>
+            </a:r>
+          </a:p>
+        </p:txBody>
+      </p:sp>
+    </p:spTree>
+    <p:extLst>
+      <p:ext uri="{BB962C8B-B14F-4D97-AF65-F5344CB8AC3E}">
+        <p14:creationId xmlns:p14="http://schemas.microsoft.com/office/powerpoint/2010/main" val="3327455940"/>
+      </p:ext>
+    </p:extLst>
+  </p:cSld>
+  <p:clrMapOvr>
+    <a:masterClrMapping/>
+  </p:clrMapOvr>
+</p:sld>
+</file>
+
 <file path=ppt/slides/slide2.xml><?xml version="1.0" encoding="utf-8"?>
 <p:sld xmlns:a="http://schemas.openxmlformats.org/drawingml/2006/main" xmlns:r="http://schemas.openxmlformats.org/officeDocument/2006/relationships" xmlns:p="http://schemas.openxmlformats.org/presentationml/2006/main">
   <p:cSld>
@@ -5635,3051 +6183,8 @@
           <a:lstStyle/>
           <a:p>
             <a:fld id="{FC4AC485-25DE-431E-B345-9C0A15BB7F8A}" type="slidenum">
-              <a:rPr lang="de-CH" sz="1400" smtClean="0"/>
+              <a:rPr lang="en-US" sz="1400" smtClean="0"/>
               <a:t>2</a:t>
-            </a:fld>
-            <a:endParaRPr lang="de-CH" sz="1400" dirty="0"/>
-          </a:p>
-        </p:txBody>
-      </p:sp>
-      <p:sp>
-        <p:nvSpPr>
-          <p:cNvPr id="5" name="Inhaltsplatzhalter 2">
-            <a:extLst>
-              <a:ext uri="{FF2B5EF4-FFF2-40B4-BE49-F238E27FC236}">
-                <a16:creationId xmlns:a16="http://schemas.microsoft.com/office/drawing/2014/main" id="{0194B37B-813A-99FE-7B78-4D87D8C30D44}"/>
-              </a:ext>
-            </a:extLst>
-          </p:cNvPr>
-          <p:cNvSpPr txBox="1">
-            <a:spLocks/>
-          </p:cNvSpPr>
-          <p:nvPr/>
-        </p:nvSpPr>
-        <p:spPr bwMode="black">
-          <a:xfrm>
-            <a:off x="961533" y="2011679"/>
-            <a:ext cx="6363093" cy="4171630"/>
-          </a:xfrm>
-          <a:prstGeom prst="rect">
-            <a:avLst/>
-          </a:prstGeom>
-        </p:spPr>
-        <p:txBody>
-          <a:bodyPr wrap="square" lIns="0" tIns="0" rIns="0" bIns="0"/>
-          <a:lstStyle>
-            <a:lvl1pPr marL="0" indent="0" algn="l" defTabSz="914400" rtl="0" eaLnBrk="1" latinLnBrk="0" hangingPunct="1">
-              <a:lnSpc>
-                <a:spcPct val="110000"/>
-              </a:lnSpc>
-              <a:spcBef>
-                <a:spcPts val="600"/>
-              </a:spcBef>
-              <a:spcAft>
-                <a:spcPts val="600"/>
-              </a:spcAft>
-              <a:buFont typeface="Arial" panose="020B0604020202020204" pitchFamily="34" charset="0"/>
-              <a:buNone/>
-              <a:defRPr sz="2000" b="0" kern="1200">
-                <a:solidFill>
-                  <a:schemeClr val="tx1"/>
-                </a:solidFill>
-                <a:latin typeface="+mn-lt"/>
-                <a:ea typeface="+mn-ea"/>
-                <a:cs typeface="+mn-cs"/>
-              </a:defRPr>
-            </a:lvl1pPr>
-            <a:lvl2pPr marL="216000" indent="-216000" algn="l" defTabSz="914400" rtl="0" eaLnBrk="1" latinLnBrk="0" hangingPunct="1">
-              <a:lnSpc>
-                <a:spcPct val="110000"/>
-              </a:lnSpc>
-              <a:spcBef>
-                <a:spcPts val="200"/>
-              </a:spcBef>
-              <a:spcAft>
-                <a:spcPts val="200"/>
-              </a:spcAft>
-              <a:buFont typeface="Arial" panose="020B0604020202020204" pitchFamily="34" charset="0"/>
-              <a:buChar char="•"/>
-              <a:defRPr sz="2000" kern="1200">
-                <a:solidFill>
-                  <a:schemeClr val="tx1"/>
-                </a:solidFill>
-                <a:latin typeface="+mn-lt"/>
-                <a:ea typeface="+mn-ea"/>
-                <a:cs typeface="+mn-cs"/>
-              </a:defRPr>
-            </a:lvl2pPr>
-            <a:lvl3pPr marL="504000" indent="-288000" algn="l" defTabSz="914400" rtl="0" eaLnBrk="1" latinLnBrk="0" hangingPunct="1">
-              <a:lnSpc>
-                <a:spcPct val="110000"/>
-              </a:lnSpc>
-              <a:spcBef>
-                <a:spcPts val="200"/>
-              </a:spcBef>
-              <a:spcAft>
-                <a:spcPts val="200"/>
-              </a:spcAft>
-              <a:buFont typeface="TheSans Swisscom Light" panose="020B0300040303060204" pitchFamily="34" charset="0"/>
-              <a:buChar char="−"/>
-              <a:defRPr sz="2000" kern="1200">
-                <a:solidFill>
-                  <a:schemeClr val="tx1"/>
-                </a:solidFill>
-                <a:latin typeface="+mn-lt"/>
-                <a:ea typeface="+mn-ea"/>
-                <a:cs typeface="+mn-cs"/>
-              </a:defRPr>
-            </a:lvl3pPr>
-            <a:lvl4pPr marL="792000" indent="-288000" algn="l" defTabSz="914400" rtl="0" eaLnBrk="1" latinLnBrk="0" hangingPunct="1">
-              <a:lnSpc>
-                <a:spcPct val="110000"/>
-              </a:lnSpc>
-              <a:spcBef>
-                <a:spcPts val="200"/>
-              </a:spcBef>
-              <a:spcAft>
-                <a:spcPts val="200"/>
-              </a:spcAft>
-              <a:buFont typeface="TheSans Swisscom Light" panose="020B0300040303060204" pitchFamily="34" charset="0"/>
-              <a:buChar char="−"/>
-              <a:defRPr sz="2000" kern="1200">
-                <a:solidFill>
-                  <a:schemeClr val="tx1"/>
-                </a:solidFill>
-                <a:latin typeface="+mn-lt"/>
-                <a:ea typeface="+mn-ea"/>
-                <a:cs typeface="+mn-cs"/>
-              </a:defRPr>
-            </a:lvl4pPr>
-            <a:lvl5pPr marL="792000" indent="-288000" algn="l" defTabSz="914400" rtl="0" eaLnBrk="1" latinLnBrk="0" hangingPunct="1">
-              <a:lnSpc>
-                <a:spcPct val="110000"/>
-              </a:lnSpc>
-              <a:spcBef>
-                <a:spcPts val="200"/>
-              </a:spcBef>
-              <a:spcAft>
-                <a:spcPts val="200"/>
-              </a:spcAft>
-              <a:buFont typeface="TheSans Swisscom Light" panose="020B0300040303060204" pitchFamily="34" charset="0"/>
-              <a:buChar char="−"/>
-              <a:defRPr sz="2000" kern="1200">
-                <a:solidFill>
-                  <a:schemeClr val="tx1"/>
-                </a:solidFill>
-                <a:latin typeface="+mn-lt"/>
-                <a:ea typeface="+mn-ea"/>
-                <a:cs typeface="+mn-cs"/>
-              </a:defRPr>
-            </a:lvl5pPr>
-            <a:lvl6pPr marL="792000" indent="-288000" algn="l" defTabSz="914400" rtl="0" eaLnBrk="1" latinLnBrk="0" hangingPunct="1">
-              <a:lnSpc>
-                <a:spcPct val="110000"/>
-              </a:lnSpc>
-              <a:spcBef>
-                <a:spcPts val="200"/>
-              </a:spcBef>
-              <a:spcAft>
-                <a:spcPts val="200"/>
-              </a:spcAft>
-              <a:buFont typeface="TheSans Swisscom Light" panose="020B0300040303060204" pitchFamily="34" charset="0"/>
-              <a:buChar char="−"/>
-              <a:defRPr sz="2000" kern="1200">
-                <a:solidFill>
-                  <a:schemeClr val="tx1"/>
-                </a:solidFill>
-                <a:latin typeface="+mn-lt"/>
-                <a:ea typeface="+mn-ea"/>
-                <a:cs typeface="+mn-cs"/>
-              </a:defRPr>
-            </a:lvl6pPr>
-            <a:lvl7pPr marL="792000" indent="-288000" algn="l" defTabSz="914400" rtl="0" eaLnBrk="1" latinLnBrk="0" hangingPunct="1">
-              <a:lnSpc>
-                <a:spcPct val="110000"/>
-              </a:lnSpc>
-              <a:spcBef>
-                <a:spcPts val="200"/>
-              </a:spcBef>
-              <a:spcAft>
-                <a:spcPts val="200"/>
-              </a:spcAft>
-              <a:buFont typeface="TheSans Swisscom Light" panose="020B0300040303060204" pitchFamily="34" charset="0"/>
-              <a:buChar char="−"/>
-              <a:defRPr sz="2000" kern="1200">
-                <a:solidFill>
-                  <a:schemeClr val="tx1"/>
-                </a:solidFill>
-                <a:latin typeface="+mn-lt"/>
-                <a:ea typeface="+mn-ea"/>
-                <a:cs typeface="+mn-cs"/>
-              </a:defRPr>
-            </a:lvl7pPr>
-            <a:lvl8pPr marL="792000" indent="-288000" algn="l" defTabSz="914400" rtl="0" eaLnBrk="1" latinLnBrk="0" hangingPunct="1">
-              <a:lnSpc>
-                <a:spcPct val="110000"/>
-              </a:lnSpc>
-              <a:spcBef>
-                <a:spcPts val="200"/>
-              </a:spcBef>
-              <a:spcAft>
-                <a:spcPts val="200"/>
-              </a:spcAft>
-              <a:buFont typeface="TheSans Swisscom Light" panose="020B0300040303060204" pitchFamily="34" charset="0"/>
-              <a:buChar char="−"/>
-              <a:defRPr sz="2000" kern="1200">
-                <a:solidFill>
-                  <a:schemeClr val="tx1"/>
-                </a:solidFill>
-                <a:latin typeface="+mn-lt"/>
-                <a:ea typeface="+mn-ea"/>
-                <a:cs typeface="+mn-cs"/>
-              </a:defRPr>
-            </a:lvl8pPr>
-            <a:lvl9pPr marL="792000" indent="-288000" algn="l" defTabSz="914400" rtl="0" eaLnBrk="1" latinLnBrk="0" hangingPunct="1">
-              <a:lnSpc>
-                <a:spcPct val="110000"/>
-              </a:lnSpc>
-              <a:spcBef>
-                <a:spcPts val="200"/>
-              </a:spcBef>
-              <a:spcAft>
-                <a:spcPts val="200"/>
-              </a:spcAft>
-              <a:buFont typeface="TheSans Swisscom Light" panose="020B0300040303060204" pitchFamily="34" charset="0"/>
-              <a:buChar char="−"/>
-              <a:defRPr sz="2000" kern="1200">
-                <a:solidFill>
-                  <a:schemeClr val="tx1"/>
-                </a:solidFill>
-                <a:latin typeface="+mn-lt"/>
-                <a:ea typeface="+mn-ea"/>
-                <a:cs typeface="+mn-cs"/>
-              </a:defRPr>
-            </a:lvl9pPr>
-          </a:lstStyle>
-          <a:p>
-            <a:r>
-              <a:rPr lang="en-US" dirty="0"/>
-              <a:t>Nowadays network operators are using </a:t>
-            </a:r>
-            <a:r>
-              <a:rPr lang="en-US" b="1" dirty="0">
-                <a:solidFill>
-                  <a:srgbClr val="FF0000"/>
-                </a:solidFill>
-              </a:rPr>
-              <a:t>machine and human readable YANG </a:t>
-            </a:r>
-            <a:r>
-              <a:rPr lang="en-US" dirty="0">
-                <a:solidFill>
-                  <a:srgbClr val="FF0000"/>
-                </a:solidFill>
-                <a:hlinkClick r:id="rId2"/>
-              </a:rPr>
-              <a:t>RFC 7950</a:t>
-            </a:r>
-            <a:r>
-              <a:rPr lang="en-US" dirty="0">
-                <a:hlinkClick r:id="rId2"/>
-              </a:rPr>
-              <a:t> </a:t>
-            </a:r>
-            <a:r>
-              <a:rPr lang="en-US" dirty="0"/>
-              <a:t>to model their configurations and obtain YANG modelled data from their networks. </a:t>
-            </a:r>
-          </a:p>
-          <a:p>
-            <a:r>
-              <a:rPr lang="en-US" b="1" dirty="0">
-                <a:solidFill>
-                  <a:srgbClr val="FF0000"/>
-                </a:solidFill>
-              </a:rPr>
-              <a:t>Network operators organize their data in a Data Mesh </a:t>
-            </a:r>
-            <a:r>
-              <a:rPr lang="en-US" dirty="0"/>
-              <a:t>where a message broker such as Apache Kafka facilitates the exchange of messages among data processing components. </a:t>
-            </a:r>
-          </a:p>
-          <a:p>
-            <a:r>
-              <a:rPr lang="en-US" dirty="0"/>
-              <a:t>Today, subscribing to a YANG datastore, publishing a YANG modeled notifications message from the network and viewing the data in a time series database, </a:t>
-            </a:r>
-            <a:r>
-              <a:rPr lang="en-US" b="1" dirty="0">
-                <a:solidFill>
-                  <a:srgbClr val="FF0000"/>
-                </a:solidFill>
-              </a:rPr>
-              <a:t>manual labor is needed to perform data transformation </a:t>
-            </a:r>
-            <a:r>
-              <a:rPr lang="en-US" dirty="0"/>
-              <a:t>to make a message broker and its data processing components with YANG notifications interoperable.</a:t>
-            </a:r>
-          </a:p>
-        </p:txBody>
-      </p:sp>
-      <p:sp>
-        <p:nvSpPr>
-          <p:cNvPr id="18" name="TextBox 17">
-            <a:extLst>
-              <a:ext uri="{FF2B5EF4-FFF2-40B4-BE49-F238E27FC236}">
-                <a16:creationId xmlns:a16="http://schemas.microsoft.com/office/drawing/2014/main" id="{B283EDB4-CFDF-D6B9-8AF9-9CFA563360E3}"/>
-              </a:ext>
-            </a:extLst>
-          </p:cNvPr>
-          <p:cNvSpPr txBox="1"/>
-          <p:nvPr/>
-        </p:nvSpPr>
-        <p:spPr>
-          <a:xfrm>
-            <a:off x="7588576" y="2365150"/>
-            <a:ext cx="3999316" cy="2862322"/>
-          </a:xfrm>
-          <a:prstGeom prst="rect">
-            <a:avLst/>
-          </a:prstGeom>
-          <a:noFill/>
-        </p:spPr>
-        <p:txBody>
-          <a:bodyPr wrap="square">
-            <a:spAutoFit/>
-          </a:bodyPr>
-          <a:lstStyle/>
-          <a:p>
-            <a:pPr algn="ctr"/>
-            <a:r>
-              <a:rPr lang="en-US" sz="3000" b="1" dirty="0">
-                <a:latin typeface="+mj-lt"/>
-              </a:rPr>
-              <a:t>« </a:t>
-            </a:r>
-            <a:r>
-              <a:rPr lang="en-US" sz="3000" dirty="0">
-                <a:latin typeface="+mj-lt"/>
-              </a:rPr>
-              <a:t>Even though YANG is </a:t>
-            </a:r>
-            <a:r>
-              <a:rPr lang="en-US" sz="3000" dirty="0" err="1">
-                <a:latin typeface="+mj-lt"/>
-              </a:rPr>
-              <a:t>intented</a:t>
-            </a:r>
-            <a:r>
-              <a:rPr lang="en-US" sz="3000" dirty="0">
-                <a:latin typeface="+mj-lt"/>
-              </a:rPr>
-              <a:t> to ease data management, </a:t>
-            </a:r>
-            <a:r>
-              <a:rPr lang="en-US" sz="3000" b="1" dirty="0">
-                <a:solidFill>
-                  <a:srgbClr val="FF0000"/>
-                </a:solidFill>
-                <a:latin typeface="+mj-lt"/>
-              </a:rPr>
-              <a:t>this promise has not yet been fulfilled </a:t>
-            </a:r>
-            <a:r>
-              <a:rPr lang="en-US" sz="3000" dirty="0">
-                <a:latin typeface="+mj-lt"/>
-              </a:rPr>
-              <a:t>for Network Telemetry </a:t>
-            </a:r>
-            <a:r>
-              <a:rPr lang="en-US" sz="3000" dirty="0">
-                <a:latin typeface="+mj-lt"/>
-                <a:hlinkClick r:id="rId3"/>
-              </a:rPr>
-              <a:t>RFC 9232 </a:t>
-            </a:r>
-            <a:r>
-              <a:rPr lang="de-CH" sz="3000" b="1" dirty="0">
-                <a:latin typeface="+mj-lt"/>
-              </a:rPr>
-              <a:t>»</a:t>
-            </a:r>
-            <a:endParaRPr lang="en-US" sz="3000" b="1" dirty="0">
-              <a:latin typeface="+mj-lt"/>
-            </a:endParaRPr>
-          </a:p>
-        </p:txBody>
-      </p:sp>
-      <p:sp>
-        <p:nvSpPr>
-          <p:cNvPr id="19" name="Title 1">
-            <a:extLst>
-              <a:ext uri="{FF2B5EF4-FFF2-40B4-BE49-F238E27FC236}">
-                <a16:creationId xmlns:a16="http://schemas.microsoft.com/office/drawing/2014/main" id="{56D79134-17A9-8BC8-B7D0-97BCFFB9A6B2}"/>
-              </a:ext>
-            </a:extLst>
-          </p:cNvPr>
-          <p:cNvSpPr>
-            <a:spLocks noGrp="1"/>
-          </p:cNvSpPr>
-          <p:nvPr>
-            <p:ph type="title"/>
-          </p:nvPr>
-        </p:nvSpPr>
-        <p:spPr>
-          <a:xfrm>
-            <a:off x="838200" y="365125"/>
-            <a:ext cx="10515600" cy="1325563"/>
-          </a:xfrm>
-        </p:spPr>
-        <p:txBody>
-          <a:bodyPr>
-            <a:normAutofit/>
-          </a:bodyPr>
-          <a:lstStyle/>
-          <a:p>
-            <a:r>
-              <a:rPr lang="en-US" sz="2800" b="1" dirty="0"/>
-              <a:t>Handling Operational YANG Modelled Data</a:t>
-            </a:r>
-            <a:br>
-              <a:rPr lang="en-US" sz="3600" dirty="0"/>
-            </a:br>
-            <a:r>
-              <a:rPr lang="en-US" sz="2700" dirty="0">
-                <a:solidFill>
-                  <a:schemeClr val="bg2">
-                    <a:lumMod val="75000"/>
-                  </a:schemeClr>
-                </a:solidFill>
-              </a:rPr>
-              <a:t>State of the Union</a:t>
-            </a:r>
-          </a:p>
-        </p:txBody>
-      </p:sp>
-    </p:spTree>
-    <p:extLst>
-      <p:ext uri="{BB962C8B-B14F-4D97-AF65-F5344CB8AC3E}">
-        <p14:creationId xmlns:p14="http://schemas.microsoft.com/office/powerpoint/2010/main" val="1315775908"/>
-      </p:ext>
-    </p:extLst>
-  </p:cSld>
-  <p:clrMapOvr>
-    <a:masterClrMapping/>
-  </p:clrMapOvr>
-</p:sld>
-</file>
-
-<file path=ppt/slides/slide3.xml><?xml version="1.0" encoding="utf-8"?>
-<p:sld xmlns:a="http://schemas.openxmlformats.org/drawingml/2006/main" xmlns:r="http://schemas.openxmlformats.org/officeDocument/2006/relationships" xmlns:p="http://schemas.openxmlformats.org/presentationml/2006/main">
-  <p:cSld>
-    <p:spTree>
-      <p:nvGrpSpPr>
-        <p:cNvPr id="1" name=""/>
-        <p:cNvGrpSpPr/>
-        <p:nvPr/>
-      </p:nvGrpSpPr>
-      <p:grpSpPr>
-        <a:xfrm>
-          <a:off x="0" y="0"/>
-          <a:ext cx="0" cy="0"/>
-          <a:chOff x="0" y="0"/>
-          <a:chExt cx="0" cy="0"/>
-        </a:xfrm>
-      </p:grpSpPr>
-      <p:sp>
-        <p:nvSpPr>
-          <p:cNvPr id="2" name="Title 1">
-            <a:extLst>
-              <a:ext uri="{FF2B5EF4-FFF2-40B4-BE49-F238E27FC236}">
-                <a16:creationId xmlns:a16="http://schemas.microsoft.com/office/drawing/2014/main" id="{FF20F271-6F0D-4AC0-BB1D-F5C338165C13}"/>
-              </a:ext>
-            </a:extLst>
-          </p:cNvPr>
-          <p:cNvSpPr>
-            <a:spLocks noGrp="1"/>
-          </p:cNvSpPr>
-          <p:nvPr>
-            <p:ph type="title"/>
-          </p:nvPr>
-        </p:nvSpPr>
-        <p:spPr/>
-        <p:txBody>
-          <a:bodyPr>
-            <a:normAutofit/>
-          </a:bodyPr>
-          <a:lstStyle/>
-          <a:p>
-            <a:r>
-              <a:rPr lang="en-US" sz="2800" b="1" dirty="0"/>
-              <a:t>From YANG-Push to Network Analytics</a:t>
-            </a:r>
-            <a:br>
-              <a:rPr lang="en-GB" sz="3600" dirty="0"/>
-            </a:br>
-            <a:r>
-              <a:rPr lang="en-US" sz="2700" dirty="0">
-                <a:solidFill>
-                  <a:schemeClr val="bg2">
-                    <a:lumMod val="75000"/>
-                  </a:schemeClr>
-                </a:solidFill>
-              </a:rPr>
-              <a:t>Aiming for an automated data processing pipeline</a:t>
-            </a:r>
-          </a:p>
-        </p:txBody>
-      </p:sp>
-      <p:sp>
-        <p:nvSpPr>
-          <p:cNvPr id="3" name="Content Placeholder 2">
-            <a:extLst>
-              <a:ext uri="{FF2B5EF4-FFF2-40B4-BE49-F238E27FC236}">
-                <a16:creationId xmlns:a16="http://schemas.microsoft.com/office/drawing/2014/main" id="{29C0DFD4-432D-4B0C-93DF-790441DCF5B9}"/>
-              </a:ext>
-            </a:extLst>
-          </p:cNvPr>
-          <p:cNvSpPr>
-            <a:spLocks noGrp="1"/>
-          </p:cNvSpPr>
-          <p:nvPr>
-            <p:ph idx="1"/>
-          </p:nvPr>
-        </p:nvSpPr>
-        <p:spPr>
-          <a:xfrm>
-            <a:off x="838199" y="1884420"/>
-            <a:ext cx="8239299" cy="4292543"/>
-          </a:xfrm>
-        </p:spPr>
-        <p:txBody>
-          <a:bodyPr>
-            <a:noAutofit/>
-          </a:bodyPr>
-          <a:lstStyle/>
-          <a:p>
-            <a:r>
-              <a:rPr lang="en-US" sz="2000" b="1" dirty="0"/>
-              <a:t>A network operator aims for:</a:t>
-            </a:r>
-            <a:endParaRPr lang="en-US" sz="2000" dirty="0"/>
-          </a:p>
-          <a:p>
-            <a:pPr lvl="1"/>
-            <a:r>
-              <a:rPr lang="en-US" sz="2000" dirty="0"/>
-              <a:t>An </a:t>
-            </a:r>
-            <a:r>
-              <a:rPr lang="en-US" sz="2000" b="1" dirty="0">
-                <a:solidFill>
-                  <a:srgbClr val="FF0000"/>
-                </a:solidFill>
-              </a:rPr>
-              <a:t>automated data processing pipeline </a:t>
-            </a:r>
-            <a:r>
-              <a:rPr lang="en-US" sz="2000" dirty="0"/>
-              <a:t>which starts with YANG-Push, consolidates at Data Mesh and ends at Network Analytics.</a:t>
-            </a:r>
-          </a:p>
-          <a:p>
-            <a:pPr lvl="1"/>
-            <a:r>
-              <a:rPr lang="en-US" sz="2000" dirty="0"/>
-              <a:t>Operational metrics where </a:t>
-            </a:r>
-            <a:r>
-              <a:rPr lang="en-US" sz="2000" b="1" dirty="0">
-                <a:solidFill>
-                  <a:srgbClr val="FF0000"/>
-                </a:solidFill>
-              </a:rPr>
-              <a:t>IETF defines the semantics. </a:t>
-            </a:r>
-          </a:p>
-          <a:p>
-            <a:pPr lvl="1"/>
-            <a:r>
-              <a:rPr lang="en-US" sz="2000" dirty="0"/>
-              <a:t>Analytical metrics where </a:t>
-            </a:r>
-            <a:r>
-              <a:rPr lang="en-US" sz="2000" b="1" dirty="0">
-                <a:solidFill>
-                  <a:srgbClr val="FF0000"/>
-                </a:solidFill>
-              </a:rPr>
-              <a:t>network operators gain actionable insights.</a:t>
-            </a:r>
-            <a:br>
-              <a:rPr lang="en-US" sz="2000" b="1" dirty="0">
-                <a:solidFill>
-                  <a:srgbClr val="FF0000"/>
-                </a:solidFill>
-              </a:rPr>
-            </a:br>
-            <a:endParaRPr lang="en-US" sz="2000" b="1" dirty="0">
-              <a:solidFill>
-                <a:srgbClr val="FF0000"/>
-              </a:solidFill>
-            </a:endParaRPr>
-          </a:p>
-          <a:p>
-            <a:r>
-              <a:rPr lang="en-US" sz="2000" b="1" dirty="0"/>
-              <a:t>We achieve this by integrating YANG-Push into Data Mesh to:</a:t>
-            </a:r>
-          </a:p>
-          <a:p>
-            <a:pPr lvl="1"/>
-            <a:r>
-              <a:rPr lang="en-US" sz="2000" dirty="0"/>
-              <a:t>Produce metrics from networks </a:t>
-            </a:r>
-            <a:r>
-              <a:rPr lang="en-US" sz="2000" b="1" dirty="0">
-                <a:solidFill>
-                  <a:srgbClr val="FF0000"/>
-                </a:solidFill>
-              </a:rPr>
-              <a:t>with timestamps when network events were observed.</a:t>
-            </a:r>
-          </a:p>
-          <a:p>
-            <a:pPr lvl="1"/>
-            <a:r>
-              <a:rPr lang="en-US" sz="2000" dirty="0"/>
-              <a:t>Hostname, publisher ID and sequence numbers help us to understand </a:t>
-            </a:r>
-            <a:r>
-              <a:rPr lang="en-US" sz="2000" b="1" dirty="0">
-                <a:solidFill>
-                  <a:srgbClr val="FF0000"/>
-                </a:solidFill>
-              </a:rPr>
-              <a:t>from where metrics were exported and measure its delay and loss.</a:t>
-            </a:r>
-          </a:p>
-          <a:p>
-            <a:pPr lvl="1"/>
-            <a:r>
-              <a:rPr lang="en-US" sz="2000" dirty="0"/>
-              <a:t>Forward </a:t>
-            </a:r>
-            <a:r>
-              <a:rPr lang="en-US" sz="2000" b="1" dirty="0">
-                <a:solidFill>
-                  <a:srgbClr val="FF0000"/>
-                </a:solidFill>
-              </a:rPr>
-              <a:t>metrics unchanged </a:t>
-            </a:r>
-            <a:r>
-              <a:rPr lang="en-US" sz="2000" dirty="0"/>
-              <a:t>from networks</a:t>
-            </a:r>
-          </a:p>
-          <a:p>
-            <a:pPr lvl="1"/>
-            <a:r>
-              <a:rPr lang="en-US" sz="2000" b="1" dirty="0">
-                <a:solidFill>
-                  <a:srgbClr val="FF0000"/>
-                </a:solidFill>
-              </a:rPr>
-              <a:t>Learn semantics </a:t>
-            </a:r>
-            <a:r>
-              <a:rPr lang="en-US" sz="2000" dirty="0"/>
-              <a:t>from networks and validate messages.</a:t>
-            </a:r>
-          </a:p>
-          <a:p>
-            <a:pPr lvl="1"/>
-            <a:r>
-              <a:rPr lang="en-US" sz="2000" b="1" dirty="0">
-                <a:solidFill>
-                  <a:srgbClr val="FF0000"/>
-                </a:solidFill>
-              </a:rPr>
-              <a:t>Control semantic </a:t>
-            </a:r>
-            <a:r>
-              <a:rPr lang="en-US" sz="2000" dirty="0"/>
-              <a:t>changes end to end.</a:t>
-            </a:r>
-          </a:p>
-        </p:txBody>
-      </p:sp>
-      <p:pic>
-        <p:nvPicPr>
-          <p:cNvPr id="10" name="Picture 9">
-            <a:extLst>
-              <a:ext uri="{FF2B5EF4-FFF2-40B4-BE49-F238E27FC236}">
-                <a16:creationId xmlns:a16="http://schemas.microsoft.com/office/drawing/2014/main" id="{94188F19-E5F7-4133-8F81-1D619D6CCEBF}"/>
-              </a:ext>
-            </a:extLst>
-          </p:cNvPr>
-          <p:cNvPicPr>
-            <a:picLocks noChangeAspect="1"/>
-          </p:cNvPicPr>
-          <p:nvPr/>
-        </p:nvPicPr>
-        <p:blipFill>
-          <a:blip r:embed="rId2"/>
-          <a:stretch>
-            <a:fillRect/>
-          </a:stretch>
-        </p:blipFill>
-        <p:spPr>
-          <a:xfrm>
-            <a:off x="9322538" y="1027906"/>
-            <a:ext cx="2679605" cy="4851729"/>
-          </a:xfrm>
-          <a:prstGeom prst="rect">
-            <a:avLst/>
-          </a:prstGeom>
-        </p:spPr>
-      </p:pic>
-      <p:sp>
-        <p:nvSpPr>
-          <p:cNvPr id="6" name="Slide Number Placeholder 1">
-            <a:extLst>
-              <a:ext uri="{FF2B5EF4-FFF2-40B4-BE49-F238E27FC236}">
-                <a16:creationId xmlns:a16="http://schemas.microsoft.com/office/drawing/2014/main" id="{3D5EE238-429C-4784-8E42-1813EF45704D}"/>
-              </a:ext>
-            </a:extLst>
-          </p:cNvPr>
-          <p:cNvSpPr>
-            <a:spLocks noGrp="1"/>
-          </p:cNvSpPr>
-          <p:nvPr>
-            <p:ph type="sldNum" sz="quarter" idx="12"/>
-          </p:nvPr>
-        </p:nvSpPr>
-        <p:spPr>
-          <a:xfrm>
-            <a:off x="11587892" y="6361637"/>
-            <a:ext cx="414251" cy="365125"/>
-          </a:xfrm>
-        </p:spPr>
-        <p:txBody>
-          <a:bodyPr/>
-          <a:lstStyle/>
-          <a:p>
-            <a:fld id="{FC4AC485-25DE-431E-B345-9C0A15BB7F8A}" type="slidenum">
-              <a:rPr lang="de-CH" sz="1400" smtClean="0"/>
-              <a:t>3</a:t>
-            </a:fld>
-            <a:endParaRPr lang="de-CH" sz="1400" dirty="0"/>
-          </a:p>
-        </p:txBody>
-      </p:sp>
-    </p:spTree>
-    <p:extLst>
-      <p:ext uri="{BB962C8B-B14F-4D97-AF65-F5344CB8AC3E}">
-        <p14:creationId xmlns:p14="http://schemas.microsoft.com/office/powerpoint/2010/main" val="1088069469"/>
-      </p:ext>
-    </p:extLst>
-  </p:cSld>
-  <p:clrMapOvr>
-    <a:masterClrMapping/>
-  </p:clrMapOvr>
-</p:sld>
-</file>
-
-<file path=ppt/slides/slide4.xml><?xml version="1.0" encoding="utf-8"?>
-<p:sld xmlns:a="http://schemas.openxmlformats.org/drawingml/2006/main" xmlns:r="http://schemas.openxmlformats.org/officeDocument/2006/relationships" xmlns:p="http://schemas.openxmlformats.org/presentationml/2006/main">
-  <p:cSld>
-    <p:spTree>
-      <p:nvGrpSpPr>
-        <p:cNvPr id="1" name=""/>
-        <p:cNvGrpSpPr/>
-        <p:nvPr/>
-      </p:nvGrpSpPr>
-      <p:grpSpPr>
-        <a:xfrm>
-          <a:off x="0" y="0"/>
-          <a:ext cx="0" cy="0"/>
-          <a:chOff x="0" y="0"/>
-          <a:chExt cx="0" cy="0"/>
-        </a:xfrm>
-      </p:grpSpPr>
-      <p:sp>
-        <p:nvSpPr>
-          <p:cNvPr id="6" name="Slide Number Placeholder 1">
-            <a:extLst>
-              <a:ext uri="{FF2B5EF4-FFF2-40B4-BE49-F238E27FC236}">
-                <a16:creationId xmlns:a16="http://schemas.microsoft.com/office/drawing/2014/main" id="{024DC3B6-499C-4E15-9336-2F15A0DFB843}"/>
-              </a:ext>
-            </a:extLst>
-          </p:cNvPr>
-          <p:cNvSpPr>
-            <a:spLocks noGrp="1"/>
-          </p:cNvSpPr>
-          <p:nvPr>
-            <p:ph type="sldNum" sz="quarter" idx="12"/>
-          </p:nvPr>
-        </p:nvSpPr>
-        <p:spPr>
-          <a:xfrm>
-            <a:off x="11587892" y="6361637"/>
-            <a:ext cx="414251" cy="365125"/>
-          </a:xfrm>
-        </p:spPr>
-        <p:txBody>
-          <a:bodyPr/>
-          <a:lstStyle/>
-          <a:p>
-            <a:fld id="{FC4AC485-25DE-431E-B345-9C0A15BB7F8A}" type="slidenum">
-              <a:rPr lang="de-CH" sz="1400" smtClean="0"/>
-              <a:t>4</a:t>
-            </a:fld>
-            <a:endParaRPr lang="de-CH" sz="1400" dirty="0"/>
-          </a:p>
-        </p:txBody>
-      </p:sp>
-      <p:sp>
-        <p:nvSpPr>
-          <p:cNvPr id="5" name="Inhaltsplatzhalter 2">
-            <a:extLst>
-              <a:ext uri="{FF2B5EF4-FFF2-40B4-BE49-F238E27FC236}">
-                <a16:creationId xmlns:a16="http://schemas.microsoft.com/office/drawing/2014/main" id="{0194B37B-813A-99FE-7B78-4D87D8C30D44}"/>
-              </a:ext>
-            </a:extLst>
-          </p:cNvPr>
-          <p:cNvSpPr txBox="1">
-            <a:spLocks/>
-          </p:cNvSpPr>
-          <p:nvPr/>
-        </p:nvSpPr>
-        <p:spPr bwMode="black">
-          <a:xfrm>
-            <a:off x="961053" y="1690687"/>
-            <a:ext cx="10626840" cy="2060219"/>
-          </a:xfrm>
-          <a:prstGeom prst="rect">
-            <a:avLst/>
-          </a:prstGeom>
-        </p:spPr>
-        <p:txBody>
-          <a:bodyPr wrap="square" lIns="0" tIns="0" rIns="0" bIns="0"/>
-          <a:lstStyle>
-            <a:lvl1pPr marL="0" indent="0" algn="l" defTabSz="914400" rtl="0" eaLnBrk="1" latinLnBrk="0" hangingPunct="1">
-              <a:lnSpc>
-                <a:spcPct val="110000"/>
-              </a:lnSpc>
-              <a:spcBef>
-                <a:spcPts val="600"/>
-              </a:spcBef>
-              <a:spcAft>
-                <a:spcPts val="600"/>
-              </a:spcAft>
-              <a:buFont typeface="Arial" panose="020B0604020202020204" pitchFamily="34" charset="0"/>
-              <a:buNone/>
-              <a:defRPr sz="2000" b="0" kern="1200">
-                <a:solidFill>
-                  <a:schemeClr val="tx1"/>
-                </a:solidFill>
-                <a:latin typeface="+mn-lt"/>
-                <a:ea typeface="+mn-ea"/>
-                <a:cs typeface="+mn-cs"/>
-              </a:defRPr>
-            </a:lvl1pPr>
-            <a:lvl2pPr marL="216000" indent="-216000" algn="l" defTabSz="914400" rtl="0" eaLnBrk="1" latinLnBrk="0" hangingPunct="1">
-              <a:lnSpc>
-                <a:spcPct val="110000"/>
-              </a:lnSpc>
-              <a:spcBef>
-                <a:spcPts val="200"/>
-              </a:spcBef>
-              <a:spcAft>
-                <a:spcPts val="200"/>
-              </a:spcAft>
-              <a:buFont typeface="Arial" panose="020B0604020202020204" pitchFamily="34" charset="0"/>
-              <a:buChar char="•"/>
-              <a:defRPr sz="2000" kern="1200">
-                <a:solidFill>
-                  <a:schemeClr val="tx1"/>
-                </a:solidFill>
-                <a:latin typeface="+mn-lt"/>
-                <a:ea typeface="+mn-ea"/>
-                <a:cs typeface="+mn-cs"/>
-              </a:defRPr>
-            </a:lvl2pPr>
-            <a:lvl3pPr marL="504000" indent="-288000" algn="l" defTabSz="914400" rtl="0" eaLnBrk="1" latinLnBrk="0" hangingPunct="1">
-              <a:lnSpc>
-                <a:spcPct val="110000"/>
-              </a:lnSpc>
-              <a:spcBef>
-                <a:spcPts val="200"/>
-              </a:spcBef>
-              <a:spcAft>
-                <a:spcPts val="200"/>
-              </a:spcAft>
-              <a:buFont typeface="TheSans Swisscom Light" panose="020B0300040303060204" pitchFamily="34" charset="0"/>
-              <a:buChar char="−"/>
-              <a:defRPr sz="2000" kern="1200">
-                <a:solidFill>
-                  <a:schemeClr val="tx1"/>
-                </a:solidFill>
-                <a:latin typeface="+mn-lt"/>
-                <a:ea typeface="+mn-ea"/>
-                <a:cs typeface="+mn-cs"/>
-              </a:defRPr>
-            </a:lvl3pPr>
-            <a:lvl4pPr marL="792000" indent="-288000" algn="l" defTabSz="914400" rtl="0" eaLnBrk="1" latinLnBrk="0" hangingPunct="1">
-              <a:lnSpc>
-                <a:spcPct val="110000"/>
-              </a:lnSpc>
-              <a:spcBef>
-                <a:spcPts val="200"/>
-              </a:spcBef>
-              <a:spcAft>
-                <a:spcPts val="200"/>
-              </a:spcAft>
-              <a:buFont typeface="TheSans Swisscom Light" panose="020B0300040303060204" pitchFamily="34" charset="0"/>
-              <a:buChar char="−"/>
-              <a:defRPr sz="2000" kern="1200">
-                <a:solidFill>
-                  <a:schemeClr val="tx1"/>
-                </a:solidFill>
-                <a:latin typeface="+mn-lt"/>
-                <a:ea typeface="+mn-ea"/>
-                <a:cs typeface="+mn-cs"/>
-              </a:defRPr>
-            </a:lvl4pPr>
-            <a:lvl5pPr marL="792000" indent="-288000" algn="l" defTabSz="914400" rtl="0" eaLnBrk="1" latinLnBrk="0" hangingPunct="1">
-              <a:lnSpc>
-                <a:spcPct val="110000"/>
-              </a:lnSpc>
-              <a:spcBef>
-                <a:spcPts val="200"/>
-              </a:spcBef>
-              <a:spcAft>
-                <a:spcPts val="200"/>
-              </a:spcAft>
-              <a:buFont typeface="TheSans Swisscom Light" panose="020B0300040303060204" pitchFamily="34" charset="0"/>
-              <a:buChar char="−"/>
-              <a:defRPr sz="2000" kern="1200">
-                <a:solidFill>
-                  <a:schemeClr val="tx1"/>
-                </a:solidFill>
-                <a:latin typeface="+mn-lt"/>
-                <a:ea typeface="+mn-ea"/>
-                <a:cs typeface="+mn-cs"/>
-              </a:defRPr>
-            </a:lvl5pPr>
-            <a:lvl6pPr marL="792000" indent="-288000" algn="l" defTabSz="914400" rtl="0" eaLnBrk="1" latinLnBrk="0" hangingPunct="1">
-              <a:lnSpc>
-                <a:spcPct val="110000"/>
-              </a:lnSpc>
-              <a:spcBef>
-                <a:spcPts val="200"/>
-              </a:spcBef>
-              <a:spcAft>
-                <a:spcPts val="200"/>
-              </a:spcAft>
-              <a:buFont typeface="TheSans Swisscom Light" panose="020B0300040303060204" pitchFamily="34" charset="0"/>
-              <a:buChar char="−"/>
-              <a:defRPr sz="2000" kern="1200">
-                <a:solidFill>
-                  <a:schemeClr val="tx1"/>
-                </a:solidFill>
-                <a:latin typeface="+mn-lt"/>
-                <a:ea typeface="+mn-ea"/>
-                <a:cs typeface="+mn-cs"/>
-              </a:defRPr>
-            </a:lvl6pPr>
-            <a:lvl7pPr marL="792000" indent="-288000" algn="l" defTabSz="914400" rtl="0" eaLnBrk="1" latinLnBrk="0" hangingPunct="1">
-              <a:lnSpc>
-                <a:spcPct val="110000"/>
-              </a:lnSpc>
-              <a:spcBef>
-                <a:spcPts val="200"/>
-              </a:spcBef>
-              <a:spcAft>
-                <a:spcPts val="200"/>
-              </a:spcAft>
-              <a:buFont typeface="TheSans Swisscom Light" panose="020B0300040303060204" pitchFamily="34" charset="0"/>
-              <a:buChar char="−"/>
-              <a:defRPr sz="2000" kern="1200">
-                <a:solidFill>
-                  <a:schemeClr val="tx1"/>
-                </a:solidFill>
-                <a:latin typeface="+mn-lt"/>
-                <a:ea typeface="+mn-ea"/>
-                <a:cs typeface="+mn-cs"/>
-              </a:defRPr>
-            </a:lvl7pPr>
-            <a:lvl8pPr marL="792000" indent="-288000" algn="l" defTabSz="914400" rtl="0" eaLnBrk="1" latinLnBrk="0" hangingPunct="1">
-              <a:lnSpc>
-                <a:spcPct val="110000"/>
-              </a:lnSpc>
-              <a:spcBef>
-                <a:spcPts val="200"/>
-              </a:spcBef>
-              <a:spcAft>
-                <a:spcPts val="200"/>
-              </a:spcAft>
-              <a:buFont typeface="TheSans Swisscom Light" panose="020B0300040303060204" pitchFamily="34" charset="0"/>
-              <a:buChar char="−"/>
-              <a:defRPr sz="2000" kern="1200">
-                <a:solidFill>
-                  <a:schemeClr val="tx1"/>
-                </a:solidFill>
-                <a:latin typeface="+mn-lt"/>
-                <a:ea typeface="+mn-ea"/>
-                <a:cs typeface="+mn-cs"/>
-              </a:defRPr>
-            </a:lvl8pPr>
-            <a:lvl9pPr marL="792000" indent="-288000" algn="l" defTabSz="914400" rtl="0" eaLnBrk="1" latinLnBrk="0" hangingPunct="1">
-              <a:lnSpc>
-                <a:spcPct val="110000"/>
-              </a:lnSpc>
-              <a:spcBef>
-                <a:spcPts val="200"/>
-              </a:spcBef>
-              <a:spcAft>
-                <a:spcPts val="200"/>
-              </a:spcAft>
-              <a:buFont typeface="TheSans Swisscom Light" panose="020B0300040303060204" pitchFamily="34" charset="0"/>
-              <a:buChar char="−"/>
-              <a:defRPr sz="2000" kern="1200">
-                <a:solidFill>
-                  <a:schemeClr val="tx1"/>
-                </a:solidFill>
-                <a:latin typeface="+mn-lt"/>
-                <a:ea typeface="+mn-ea"/>
-                <a:cs typeface="+mn-cs"/>
-              </a:defRPr>
-            </a:lvl9pPr>
-          </a:lstStyle>
-          <a:p>
-            <a:pPr>
-              <a:spcBef>
-                <a:spcPts val="300"/>
-              </a:spcBef>
-              <a:spcAft>
-                <a:spcPts val="300"/>
-              </a:spcAft>
-            </a:pPr>
-            <a:r>
-              <a:rPr lang="en-US" sz="1700" dirty="0"/>
-              <a:t>Starting at IETF 115, In context of a seamless Data Mesh message broker integration described in </a:t>
-            </a:r>
-            <a:r>
-              <a:rPr lang="en-US" sz="1700" dirty="0">
-                <a:hlinkClick r:id="rId3"/>
-              </a:rPr>
-              <a:t>draft-</a:t>
-            </a:r>
-            <a:r>
-              <a:rPr lang="en-US" sz="1700" dirty="0" err="1">
-                <a:hlinkClick r:id="rId3"/>
-              </a:rPr>
-              <a:t>ietf</a:t>
-            </a:r>
-            <a:r>
-              <a:rPr lang="en-US" sz="1700" dirty="0">
-                <a:hlinkClick r:id="rId3"/>
-              </a:rPr>
-              <a:t>-</a:t>
-            </a:r>
-            <a:r>
-              <a:rPr lang="en-US" sz="1700" dirty="0" err="1">
-                <a:hlinkClick r:id="rId3"/>
-              </a:rPr>
-              <a:t>nmop</a:t>
-            </a:r>
-            <a:r>
-              <a:rPr lang="en-US" sz="1700" dirty="0">
-                <a:hlinkClick r:id="rId3"/>
-              </a:rPr>
-              <a:t>-yang-message-broker-integration</a:t>
-            </a:r>
-            <a:r>
-              <a:rPr lang="en-US" sz="1700" dirty="0"/>
-              <a:t>, </a:t>
-            </a:r>
-            <a:r>
-              <a:rPr lang="en-US" sz="1700" b="1" dirty="0"/>
-              <a:t>a group of network operators, network vendors and academia have been reviewing currently deployed non-standard YANG notification implementations</a:t>
-            </a:r>
-            <a:r>
-              <a:rPr lang="en-US" sz="1700" dirty="0"/>
-              <a:t> of major vendors and compared to IETF YANG-Push defined in </a:t>
-            </a:r>
-            <a:r>
-              <a:rPr lang="en-US" sz="1700" dirty="0">
-                <a:hlinkClick r:id="rId4"/>
-              </a:rPr>
-              <a:t>RFC 8639 </a:t>
-            </a:r>
-            <a:r>
-              <a:rPr lang="en-US" sz="1700" dirty="0"/>
-              <a:t>and </a:t>
-            </a:r>
-            <a:r>
-              <a:rPr lang="en-US" sz="1700" dirty="0">
-                <a:hlinkClick r:id="rId5"/>
-              </a:rPr>
-              <a:t>RFC 8641</a:t>
-            </a:r>
-            <a:r>
-              <a:rPr lang="en-US" sz="1700" dirty="0"/>
-              <a:t>.</a:t>
-            </a:r>
-          </a:p>
-          <a:p>
-            <a:pPr>
-              <a:spcBef>
-                <a:spcPts val="300"/>
-              </a:spcBef>
-              <a:spcAft>
-                <a:spcPts val="300"/>
-              </a:spcAft>
-            </a:pPr>
-            <a:r>
-              <a:rPr lang="en-US" sz="1700" dirty="0"/>
-              <a:t>Out of this comparison and the requirements for seamless Data Mesh message broker integration, </a:t>
-            </a:r>
-            <a:r>
-              <a:rPr lang="en-US" sz="1700" b="1" dirty="0"/>
-              <a:t>several notification, subscription and capability discovery enhancements have been proposed </a:t>
-            </a:r>
-            <a:r>
-              <a:rPr lang="en-US" sz="1700" dirty="0"/>
-              <a:t>and discussed at IETF NETCONF and NMOP working groups.</a:t>
-            </a:r>
-          </a:p>
-        </p:txBody>
-      </p:sp>
-      <p:sp>
-        <p:nvSpPr>
-          <p:cNvPr id="19" name="Title 1">
-            <a:extLst>
-              <a:ext uri="{FF2B5EF4-FFF2-40B4-BE49-F238E27FC236}">
-                <a16:creationId xmlns:a16="http://schemas.microsoft.com/office/drawing/2014/main" id="{56D79134-17A9-8BC8-B7D0-97BCFFB9A6B2}"/>
-              </a:ext>
-            </a:extLst>
-          </p:cNvPr>
-          <p:cNvSpPr>
-            <a:spLocks noGrp="1"/>
-          </p:cNvSpPr>
-          <p:nvPr>
-            <p:ph type="title"/>
-          </p:nvPr>
-        </p:nvSpPr>
-        <p:spPr>
-          <a:xfrm>
-            <a:off x="838200" y="365125"/>
-            <a:ext cx="10515600" cy="1325563"/>
-          </a:xfrm>
-        </p:spPr>
-        <p:txBody>
-          <a:bodyPr>
-            <a:normAutofit/>
-          </a:bodyPr>
-          <a:lstStyle/>
-          <a:p>
-            <a:r>
-              <a:rPr lang="en-US" sz="2800" b="1" dirty="0"/>
-              <a:t>IETF YANG-Push Implementations and Next Steps</a:t>
-            </a:r>
-            <a:br>
-              <a:rPr lang="en-US" sz="3600" dirty="0"/>
-            </a:br>
-            <a:r>
-              <a:rPr lang="en-US" sz="2700" dirty="0">
-                <a:solidFill>
-                  <a:schemeClr val="bg2">
-                    <a:lumMod val="75000"/>
-                  </a:schemeClr>
-                </a:solidFill>
-              </a:rPr>
-              <a:t>Where it started…</a:t>
-            </a:r>
-          </a:p>
-        </p:txBody>
-      </p:sp>
-      <p:sp>
-        <p:nvSpPr>
-          <p:cNvPr id="8" name="Inhaltsplatzhalter 2">
-            <a:extLst>
-              <a:ext uri="{FF2B5EF4-FFF2-40B4-BE49-F238E27FC236}">
-                <a16:creationId xmlns:a16="http://schemas.microsoft.com/office/drawing/2014/main" id="{CC8B7992-B703-6B18-5276-47DB7789BA6A}"/>
-              </a:ext>
-            </a:extLst>
-          </p:cNvPr>
-          <p:cNvSpPr txBox="1">
-            <a:spLocks/>
-          </p:cNvSpPr>
-          <p:nvPr/>
-        </p:nvSpPr>
-        <p:spPr bwMode="black">
-          <a:xfrm>
-            <a:off x="961052" y="3835765"/>
-            <a:ext cx="4411047" cy="2361657"/>
-          </a:xfrm>
-          <a:prstGeom prst="rect">
-            <a:avLst/>
-          </a:prstGeom>
-        </p:spPr>
-        <p:txBody>
-          <a:bodyPr wrap="square" lIns="0" tIns="0" rIns="0" bIns="0"/>
-          <a:lstStyle>
-            <a:lvl1pPr marL="0" indent="0" algn="l" defTabSz="914400" rtl="0" eaLnBrk="1" latinLnBrk="0" hangingPunct="1">
-              <a:lnSpc>
-                <a:spcPct val="110000"/>
-              </a:lnSpc>
-              <a:spcBef>
-                <a:spcPts val="600"/>
-              </a:spcBef>
-              <a:spcAft>
-                <a:spcPts val="600"/>
-              </a:spcAft>
-              <a:buFont typeface="Arial" panose="020B0604020202020204" pitchFamily="34" charset="0"/>
-              <a:buNone/>
-              <a:defRPr sz="2000" b="0" kern="1200">
-                <a:solidFill>
-                  <a:schemeClr val="tx1"/>
-                </a:solidFill>
-                <a:latin typeface="+mn-lt"/>
-                <a:ea typeface="+mn-ea"/>
-                <a:cs typeface="+mn-cs"/>
-              </a:defRPr>
-            </a:lvl1pPr>
-            <a:lvl2pPr marL="216000" indent="-216000" algn="l" defTabSz="914400" rtl="0" eaLnBrk="1" latinLnBrk="0" hangingPunct="1">
-              <a:lnSpc>
-                <a:spcPct val="110000"/>
-              </a:lnSpc>
-              <a:spcBef>
-                <a:spcPts val="200"/>
-              </a:spcBef>
-              <a:spcAft>
-                <a:spcPts val="200"/>
-              </a:spcAft>
-              <a:buFont typeface="Arial" panose="020B0604020202020204" pitchFamily="34" charset="0"/>
-              <a:buChar char="•"/>
-              <a:defRPr sz="2000" kern="1200">
-                <a:solidFill>
-                  <a:schemeClr val="tx1"/>
-                </a:solidFill>
-                <a:latin typeface="+mn-lt"/>
-                <a:ea typeface="+mn-ea"/>
-                <a:cs typeface="+mn-cs"/>
-              </a:defRPr>
-            </a:lvl2pPr>
-            <a:lvl3pPr marL="504000" indent="-288000" algn="l" defTabSz="914400" rtl="0" eaLnBrk="1" latinLnBrk="0" hangingPunct="1">
-              <a:lnSpc>
-                <a:spcPct val="110000"/>
-              </a:lnSpc>
-              <a:spcBef>
-                <a:spcPts val="200"/>
-              </a:spcBef>
-              <a:spcAft>
-                <a:spcPts val="200"/>
-              </a:spcAft>
-              <a:buFont typeface="TheSans Swisscom Light" panose="020B0300040303060204" pitchFamily="34" charset="0"/>
-              <a:buChar char="−"/>
-              <a:defRPr sz="2000" kern="1200">
-                <a:solidFill>
-                  <a:schemeClr val="tx1"/>
-                </a:solidFill>
-                <a:latin typeface="+mn-lt"/>
-                <a:ea typeface="+mn-ea"/>
-                <a:cs typeface="+mn-cs"/>
-              </a:defRPr>
-            </a:lvl3pPr>
-            <a:lvl4pPr marL="792000" indent="-288000" algn="l" defTabSz="914400" rtl="0" eaLnBrk="1" latinLnBrk="0" hangingPunct="1">
-              <a:lnSpc>
-                <a:spcPct val="110000"/>
-              </a:lnSpc>
-              <a:spcBef>
-                <a:spcPts val="200"/>
-              </a:spcBef>
-              <a:spcAft>
-                <a:spcPts val="200"/>
-              </a:spcAft>
-              <a:buFont typeface="TheSans Swisscom Light" panose="020B0300040303060204" pitchFamily="34" charset="0"/>
-              <a:buChar char="−"/>
-              <a:defRPr sz="2000" kern="1200">
-                <a:solidFill>
-                  <a:schemeClr val="tx1"/>
-                </a:solidFill>
-                <a:latin typeface="+mn-lt"/>
-                <a:ea typeface="+mn-ea"/>
-                <a:cs typeface="+mn-cs"/>
-              </a:defRPr>
-            </a:lvl4pPr>
-            <a:lvl5pPr marL="792000" indent="-288000" algn="l" defTabSz="914400" rtl="0" eaLnBrk="1" latinLnBrk="0" hangingPunct="1">
-              <a:lnSpc>
-                <a:spcPct val="110000"/>
-              </a:lnSpc>
-              <a:spcBef>
-                <a:spcPts val="200"/>
-              </a:spcBef>
-              <a:spcAft>
-                <a:spcPts val="200"/>
-              </a:spcAft>
-              <a:buFont typeface="TheSans Swisscom Light" panose="020B0300040303060204" pitchFamily="34" charset="0"/>
-              <a:buChar char="−"/>
-              <a:defRPr sz="2000" kern="1200">
-                <a:solidFill>
-                  <a:schemeClr val="tx1"/>
-                </a:solidFill>
-                <a:latin typeface="+mn-lt"/>
-                <a:ea typeface="+mn-ea"/>
-                <a:cs typeface="+mn-cs"/>
-              </a:defRPr>
-            </a:lvl5pPr>
-            <a:lvl6pPr marL="792000" indent="-288000" algn="l" defTabSz="914400" rtl="0" eaLnBrk="1" latinLnBrk="0" hangingPunct="1">
-              <a:lnSpc>
-                <a:spcPct val="110000"/>
-              </a:lnSpc>
-              <a:spcBef>
-                <a:spcPts val="200"/>
-              </a:spcBef>
-              <a:spcAft>
-                <a:spcPts val="200"/>
-              </a:spcAft>
-              <a:buFont typeface="TheSans Swisscom Light" panose="020B0300040303060204" pitchFamily="34" charset="0"/>
-              <a:buChar char="−"/>
-              <a:defRPr sz="2000" kern="1200">
-                <a:solidFill>
-                  <a:schemeClr val="tx1"/>
-                </a:solidFill>
-                <a:latin typeface="+mn-lt"/>
-                <a:ea typeface="+mn-ea"/>
-                <a:cs typeface="+mn-cs"/>
-              </a:defRPr>
-            </a:lvl6pPr>
-            <a:lvl7pPr marL="792000" indent="-288000" algn="l" defTabSz="914400" rtl="0" eaLnBrk="1" latinLnBrk="0" hangingPunct="1">
-              <a:lnSpc>
-                <a:spcPct val="110000"/>
-              </a:lnSpc>
-              <a:spcBef>
-                <a:spcPts val="200"/>
-              </a:spcBef>
-              <a:spcAft>
-                <a:spcPts val="200"/>
-              </a:spcAft>
-              <a:buFont typeface="TheSans Swisscom Light" panose="020B0300040303060204" pitchFamily="34" charset="0"/>
-              <a:buChar char="−"/>
-              <a:defRPr sz="2000" kern="1200">
-                <a:solidFill>
-                  <a:schemeClr val="tx1"/>
-                </a:solidFill>
-                <a:latin typeface="+mn-lt"/>
-                <a:ea typeface="+mn-ea"/>
-                <a:cs typeface="+mn-cs"/>
-              </a:defRPr>
-            </a:lvl7pPr>
-            <a:lvl8pPr marL="792000" indent="-288000" algn="l" defTabSz="914400" rtl="0" eaLnBrk="1" latinLnBrk="0" hangingPunct="1">
-              <a:lnSpc>
-                <a:spcPct val="110000"/>
-              </a:lnSpc>
-              <a:spcBef>
-                <a:spcPts val="200"/>
-              </a:spcBef>
-              <a:spcAft>
-                <a:spcPts val="200"/>
-              </a:spcAft>
-              <a:buFont typeface="TheSans Swisscom Light" panose="020B0300040303060204" pitchFamily="34" charset="0"/>
-              <a:buChar char="−"/>
-              <a:defRPr sz="2000" kern="1200">
-                <a:solidFill>
-                  <a:schemeClr val="tx1"/>
-                </a:solidFill>
-                <a:latin typeface="+mn-lt"/>
-                <a:ea typeface="+mn-ea"/>
-                <a:cs typeface="+mn-cs"/>
-              </a:defRPr>
-            </a:lvl8pPr>
-            <a:lvl9pPr marL="792000" indent="-288000" algn="l" defTabSz="914400" rtl="0" eaLnBrk="1" latinLnBrk="0" hangingPunct="1">
-              <a:lnSpc>
-                <a:spcPct val="110000"/>
-              </a:lnSpc>
-              <a:spcBef>
-                <a:spcPts val="200"/>
-              </a:spcBef>
-              <a:spcAft>
-                <a:spcPts val="200"/>
-              </a:spcAft>
-              <a:buFont typeface="TheSans Swisscom Light" panose="020B0300040303060204" pitchFamily="34" charset="0"/>
-              <a:buChar char="−"/>
-              <a:defRPr sz="2000" kern="1200">
-                <a:solidFill>
-                  <a:schemeClr val="tx1"/>
-                </a:solidFill>
-                <a:latin typeface="+mn-lt"/>
-                <a:ea typeface="+mn-ea"/>
-                <a:cs typeface="+mn-cs"/>
-              </a:defRPr>
-            </a:lvl9pPr>
-          </a:lstStyle>
-          <a:p>
-            <a:pPr>
-              <a:lnSpc>
-                <a:spcPct val="110000"/>
-              </a:lnSpc>
-              <a:spcBef>
-                <a:spcPts val="300"/>
-              </a:spcBef>
-              <a:spcAft>
-                <a:spcPts val="300"/>
-              </a:spcAft>
-            </a:pPr>
-            <a:r>
-              <a:rPr lang="en-US" sz="1700" b="1" dirty="0"/>
-              <a:t>Development on first major vendor implementations started at IETF 118. </a:t>
-            </a:r>
-            <a:r>
-              <a:rPr lang="en-US" sz="1700" dirty="0"/>
-              <a:t>Throughout IETF 119 and 120, vendor implementation and network operator testing scope and </a:t>
-            </a:r>
-            <a:r>
-              <a:rPr lang="en-US" sz="1700" b="1" dirty="0"/>
-              <a:t>interest from other vendors and operators steadily grew. </a:t>
-            </a:r>
-            <a:r>
-              <a:rPr lang="en-US" sz="1700" dirty="0"/>
-              <a:t>In this process questions on various feature specifications were brought forward. To channelize these discussions, 4 workshops have been organized throughout the last 3 months. </a:t>
-            </a:r>
-          </a:p>
-        </p:txBody>
-      </p:sp>
-      <p:sp>
-        <p:nvSpPr>
-          <p:cNvPr id="9" name="Inhaltsplatzhalter 2">
-            <a:extLst>
-              <a:ext uri="{FF2B5EF4-FFF2-40B4-BE49-F238E27FC236}">
-                <a16:creationId xmlns:a16="http://schemas.microsoft.com/office/drawing/2014/main" id="{F0ACCDF9-F95F-FD7B-E8A5-4EEA1DF6F380}"/>
-              </a:ext>
-            </a:extLst>
-          </p:cNvPr>
-          <p:cNvSpPr txBox="1">
-            <a:spLocks/>
-          </p:cNvSpPr>
-          <p:nvPr/>
-        </p:nvSpPr>
-        <p:spPr bwMode="black">
-          <a:xfrm>
-            <a:off x="5494952" y="3673840"/>
-            <a:ext cx="6092940" cy="2361657"/>
-          </a:xfrm>
-          <a:prstGeom prst="rect">
-            <a:avLst/>
-          </a:prstGeom>
-        </p:spPr>
-        <p:txBody>
-          <a:bodyPr wrap="square" lIns="0" tIns="0" rIns="0" bIns="0"/>
-          <a:lstStyle>
-            <a:lvl1pPr marL="0" indent="0" algn="l" defTabSz="914400" rtl="0" eaLnBrk="1" latinLnBrk="0" hangingPunct="1">
-              <a:lnSpc>
-                <a:spcPct val="110000"/>
-              </a:lnSpc>
-              <a:spcBef>
-                <a:spcPts val="600"/>
-              </a:spcBef>
-              <a:spcAft>
-                <a:spcPts val="600"/>
-              </a:spcAft>
-              <a:buFont typeface="Arial" panose="020B0604020202020204" pitchFamily="34" charset="0"/>
-              <a:buNone/>
-              <a:defRPr sz="2000" b="0" kern="1200">
-                <a:solidFill>
-                  <a:schemeClr val="tx1"/>
-                </a:solidFill>
-                <a:latin typeface="+mn-lt"/>
-                <a:ea typeface="+mn-ea"/>
-                <a:cs typeface="+mn-cs"/>
-              </a:defRPr>
-            </a:lvl1pPr>
-            <a:lvl2pPr marL="216000" indent="-216000" algn="l" defTabSz="914400" rtl="0" eaLnBrk="1" latinLnBrk="0" hangingPunct="1">
-              <a:lnSpc>
-                <a:spcPct val="110000"/>
-              </a:lnSpc>
-              <a:spcBef>
-                <a:spcPts val="200"/>
-              </a:spcBef>
-              <a:spcAft>
-                <a:spcPts val="200"/>
-              </a:spcAft>
-              <a:buFont typeface="Arial" panose="020B0604020202020204" pitchFamily="34" charset="0"/>
-              <a:buChar char="•"/>
-              <a:defRPr sz="2000" kern="1200">
-                <a:solidFill>
-                  <a:schemeClr val="tx1"/>
-                </a:solidFill>
-                <a:latin typeface="+mn-lt"/>
-                <a:ea typeface="+mn-ea"/>
-                <a:cs typeface="+mn-cs"/>
-              </a:defRPr>
-            </a:lvl2pPr>
-            <a:lvl3pPr marL="504000" indent="-288000" algn="l" defTabSz="914400" rtl="0" eaLnBrk="1" latinLnBrk="0" hangingPunct="1">
-              <a:lnSpc>
-                <a:spcPct val="110000"/>
-              </a:lnSpc>
-              <a:spcBef>
-                <a:spcPts val="200"/>
-              </a:spcBef>
-              <a:spcAft>
-                <a:spcPts val="200"/>
-              </a:spcAft>
-              <a:buFont typeface="TheSans Swisscom Light" panose="020B0300040303060204" pitchFamily="34" charset="0"/>
-              <a:buChar char="−"/>
-              <a:defRPr sz="2000" kern="1200">
-                <a:solidFill>
-                  <a:schemeClr val="tx1"/>
-                </a:solidFill>
-                <a:latin typeface="+mn-lt"/>
-                <a:ea typeface="+mn-ea"/>
-                <a:cs typeface="+mn-cs"/>
-              </a:defRPr>
-            </a:lvl3pPr>
-            <a:lvl4pPr marL="792000" indent="-288000" algn="l" defTabSz="914400" rtl="0" eaLnBrk="1" latinLnBrk="0" hangingPunct="1">
-              <a:lnSpc>
-                <a:spcPct val="110000"/>
-              </a:lnSpc>
-              <a:spcBef>
-                <a:spcPts val="200"/>
-              </a:spcBef>
-              <a:spcAft>
-                <a:spcPts val="200"/>
-              </a:spcAft>
-              <a:buFont typeface="TheSans Swisscom Light" panose="020B0300040303060204" pitchFamily="34" charset="0"/>
-              <a:buChar char="−"/>
-              <a:defRPr sz="2000" kern="1200">
-                <a:solidFill>
-                  <a:schemeClr val="tx1"/>
-                </a:solidFill>
-                <a:latin typeface="+mn-lt"/>
-                <a:ea typeface="+mn-ea"/>
-                <a:cs typeface="+mn-cs"/>
-              </a:defRPr>
-            </a:lvl4pPr>
-            <a:lvl5pPr marL="792000" indent="-288000" algn="l" defTabSz="914400" rtl="0" eaLnBrk="1" latinLnBrk="0" hangingPunct="1">
-              <a:lnSpc>
-                <a:spcPct val="110000"/>
-              </a:lnSpc>
-              <a:spcBef>
-                <a:spcPts val="200"/>
-              </a:spcBef>
-              <a:spcAft>
-                <a:spcPts val="200"/>
-              </a:spcAft>
-              <a:buFont typeface="TheSans Swisscom Light" panose="020B0300040303060204" pitchFamily="34" charset="0"/>
-              <a:buChar char="−"/>
-              <a:defRPr sz="2000" kern="1200">
-                <a:solidFill>
-                  <a:schemeClr val="tx1"/>
-                </a:solidFill>
-                <a:latin typeface="+mn-lt"/>
-                <a:ea typeface="+mn-ea"/>
-                <a:cs typeface="+mn-cs"/>
-              </a:defRPr>
-            </a:lvl5pPr>
-            <a:lvl6pPr marL="792000" indent="-288000" algn="l" defTabSz="914400" rtl="0" eaLnBrk="1" latinLnBrk="0" hangingPunct="1">
-              <a:lnSpc>
-                <a:spcPct val="110000"/>
-              </a:lnSpc>
-              <a:spcBef>
-                <a:spcPts val="200"/>
-              </a:spcBef>
-              <a:spcAft>
-                <a:spcPts val="200"/>
-              </a:spcAft>
-              <a:buFont typeface="TheSans Swisscom Light" panose="020B0300040303060204" pitchFamily="34" charset="0"/>
-              <a:buChar char="−"/>
-              <a:defRPr sz="2000" kern="1200">
-                <a:solidFill>
-                  <a:schemeClr val="tx1"/>
-                </a:solidFill>
-                <a:latin typeface="+mn-lt"/>
-                <a:ea typeface="+mn-ea"/>
-                <a:cs typeface="+mn-cs"/>
-              </a:defRPr>
-            </a:lvl6pPr>
-            <a:lvl7pPr marL="792000" indent="-288000" algn="l" defTabSz="914400" rtl="0" eaLnBrk="1" latinLnBrk="0" hangingPunct="1">
-              <a:lnSpc>
-                <a:spcPct val="110000"/>
-              </a:lnSpc>
-              <a:spcBef>
-                <a:spcPts val="200"/>
-              </a:spcBef>
-              <a:spcAft>
-                <a:spcPts val="200"/>
-              </a:spcAft>
-              <a:buFont typeface="TheSans Swisscom Light" panose="020B0300040303060204" pitchFamily="34" charset="0"/>
-              <a:buChar char="−"/>
-              <a:defRPr sz="2000" kern="1200">
-                <a:solidFill>
-                  <a:schemeClr val="tx1"/>
-                </a:solidFill>
-                <a:latin typeface="+mn-lt"/>
-                <a:ea typeface="+mn-ea"/>
-                <a:cs typeface="+mn-cs"/>
-              </a:defRPr>
-            </a:lvl7pPr>
-            <a:lvl8pPr marL="792000" indent="-288000" algn="l" defTabSz="914400" rtl="0" eaLnBrk="1" latinLnBrk="0" hangingPunct="1">
-              <a:lnSpc>
-                <a:spcPct val="110000"/>
-              </a:lnSpc>
-              <a:spcBef>
-                <a:spcPts val="200"/>
-              </a:spcBef>
-              <a:spcAft>
-                <a:spcPts val="200"/>
-              </a:spcAft>
-              <a:buFont typeface="TheSans Swisscom Light" panose="020B0300040303060204" pitchFamily="34" charset="0"/>
-              <a:buChar char="−"/>
-              <a:defRPr sz="2000" kern="1200">
-                <a:solidFill>
-                  <a:schemeClr val="tx1"/>
-                </a:solidFill>
-                <a:latin typeface="+mn-lt"/>
-                <a:ea typeface="+mn-ea"/>
-                <a:cs typeface="+mn-cs"/>
-              </a:defRPr>
-            </a:lvl8pPr>
-            <a:lvl9pPr marL="792000" indent="-288000" algn="l" defTabSz="914400" rtl="0" eaLnBrk="1" latinLnBrk="0" hangingPunct="1">
-              <a:lnSpc>
-                <a:spcPct val="110000"/>
-              </a:lnSpc>
-              <a:spcBef>
-                <a:spcPts val="200"/>
-              </a:spcBef>
-              <a:spcAft>
-                <a:spcPts val="200"/>
-              </a:spcAft>
-              <a:buFont typeface="TheSans Swisscom Light" panose="020B0300040303060204" pitchFamily="34" charset="0"/>
-              <a:buChar char="−"/>
-              <a:defRPr sz="2000" kern="1200">
-                <a:solidFill>
-                  <a:schemeClr val="tx1"/>
-                </a:solidFill>
-                <a:latin typeface="+mn-lt"/>
-                <a:ea typeface="+mn-ea"/>
-                <a:cs typeface="+mn-cs"/>
-              </a:defRPr>
-            </a:lvl9pPr>
-          </a:lstStyle>
-          <a:p>
-            <a:pPr>
-              <a:spcBef>
-                <a:spcPts val="0"/>
-              </a:spcBef>
-            </a:pPr>
-            <a:r>
-              <a:rPr lang="en-US" sz="1700" b="1" dirty="0"/>
-              <a:t>In the workshops we clarified:</a:t>
-            </a:r>
-          </a:p>
-          <a:p>
-            <a:pPr marL="342900" indent="-342900">
-              <a:spcBef>
-                <a:spcPts val="0"/>
-              </a:spcBef>
-              <a:spcAft>
-                <a:spcPts val="0"/>
-              </a:spcAft>
-              <a:buFont typeface="Arial" panose="020B0604020202020204" pitchFamily="34" charset="0"/>
-              <a:buChar char="•"/>
-            </a:pPr>
-            <a:r>
-              <a:rPr lang="en-US" sz="1600" dirty="0"/>
-              <a:t>What do you like about IETF YANG-Push?</a:t>
-            </a:r>
-          </a:p>
-          <a:p>
-            <a:pPr marL="342900" indent="-342900">
-              <a:spcBef>
-                <a:spcPts val="0"/>
-              </a:spcBef>
-              <a:spcAft>
-                <a:spcPts val="0"/>
-              </a:spcAft>
-              <a:buFont typeface="Arial" panose="020B0604020202020204" pitchFamily="34" charset="0"/>
-              <a:buChar char="•"/>
-            </a:pPr>
-            <a:r>
-              <a:rPr lang="en-US" sz="1600" dirty="0"/>
-              <a:t>What in IETF YANG-Push could have been defined differently and why?</a:t>
-            </a:r>
-          </a:p>
-          <a:p>
-            <a:pPr marL="342900" indent="-342900">
-              <a:spcBef>
-                <a:spcPts val="0"/>
-              </a:spcBef>
-              <a:spcAft>
-                <a:spcPts val="0"/>
-              </a:spcAft>
-              <a:buFont typeface="Arial" panose="020B0604020202020204" pitchFamily="34" charset="0"/>
-              <a:buChar char="•"/>
-            </a:pPr>
-            <a:r>
-              <a:rPr lang="en-US" sz="1600" dirty="0"/>
-              <a:t>What prevents IETF YANG-Push for being integrated/used efficiently?</a:t>
-            </a:r>
-          </a:p>
-          <a:p>
-            <a:pPr marL="342900" indent="-342900">
-              <a:spcBef>
-                <a:spcPts val="0"/>
-              </a:spcBef>
-              <a:spcAft>
-                <a:spcPts val="0"/>
-              </a:spcAft>
-              <a:buFont typeface="Arial" panose="020B0604020202020204" pitchFamily="34" charset="0"/>
-              <a:buChar char="•"/>
-            </a:pPr>
-            <a:r>
-              <a:rPr lang="en-US" sz="1600" dirty="0"/>
-              <a:t>What in IETF YANG-Push is missing and for which purpose?</a:t>
-            </a:r>
-          </a:p>
-          <a:p>
-            <a:pPr marL="342900" indent="-342900">
-              <a:spcBef>
-                <a:spcPts val="0"/>
-              </a:spcBef>
-              <a:spcAft>
-                <a:spcPts val="0"/>
-              </a:spcAft>
-              <a:buFont typeface="Arial" panose="020B0604020202020204" pitchFamily="34" charset="0"/>
-              <a:buChar char="•"/>
-            </a:pPr>
-            <a:r>
-              <a:rPr lang="en-US" sz="1600" dirty="0"/>
-              <a:t>What </a:t>
-            </a:r>
-            <a:r>
-              <a:rPr lang="en-US" sz="1600" dirty="0" err="1"/>
-              <a:t>xpaths</a:t>
-            </a:r>
-            <a:r>
-              <a:rPr lang="en-US" sz="1600" dirty="0"/>
-              <a:t> do you subscribe to for which Network Analytics use case?</a:t>
-            </a:r>
-          </a:p>
-          <a:p>
-            <a:pPr marL="342900" indent="-342900">
-              <a:spcBef>
-                <a:spcPts val="0"/>
-              </a:spcBef>
-              <a:spcAft>
-                <a:spcPts val="0"/>
-              </a:spcAft>
-              <a:buFont typeface="Arial" panose="020B0604020202020204" pitchFamily="34" charset="0"/>
-              <a:buChar char="•"/>
-            </a:pPr>
-            <a:r>
-              <a:rPr lang="en-US" sz="1600" dirty="0"/>
-              <a:t>Which features should be available in which MVP release?</a:t>
-            </a:r>
-          </a:p>
-          <a:p>
-            <a:pPr marL="342900" indent="-342900">
-              <a:spcBef>
-                <a:spcPts val="0"/>
-              </a:spcBef>
-              <a:spcAft>
-                <a:spcPts val="0"/>
-              </a:spcAft>
-              <a:buFont typeface="Arial" panose="020B0604020202020204" pitchFamily="34" charset="0"/>
-              <a:buChar char="•"/>
-            </a:pPr>
-            <a:r>
-              <a:rPr lang="en-US" sz="1600" dirty="0"/>
-              <a:t>How to make IETF YANG-Push available to a wider audience?</a:t>
-            </a:r>
-          </a:p>
-        </p:txBody>
-      </p:sp>
-    </p:spTree>
-    <p:extLst>
-      <p:ext uri="{BB962C8B-B14F-4D97-AF65-F5344CB8AC3E}">
-        <p14:creationId xmlns:p14="http://schemas.microsoft.com/office/powerpoint/2010/main" val="3864283889"/>
-      </p:ext>
-    </p:extLst>
-  </p:cSld>
-  <p:clrMapOvr>
-    <a:masterClrMapping/>
-  </p:clrMapOvr>
-</p:sld>
-</file>
-
-<file path=ppt/slides/slide5.xml><?xml version="1.0" encoding="utf-8"?>
-<p:sld xmlns:a="http://schemas.openxmlformats.org/drawingml/2006/main" xmlns:r="http://schemas.openxmlformats.org/officeDocument/2006/relationships" xmlns:p="http://schemas.openxmlformats.org/presentationml/2006/main">
-  <p:cSld>
-    <p:spTree>
-      <p:nvGrpSpPr>
-        <p:cNvPr id="1" name=""/>
-        <p:cNvGrpSpPr/>
-        <p:nvPr/>
-      </p:nvGrpSpPr>
-      <p:grpSpPr>
-        <a:xfrm>
-          <a:off x="0" y="0"/>
-          <a:ext cx="0" cy="0"/>
-          <a:chOff x="0" y="0"/>
-          <a:chExt cx="0" cy="0"/>
-        </a:xfrm>
-      </p:grpSpPr>
-      <p:sp>
-        <p:nvSpPr>
-          <p:cNvPr id="6" name="Slide Number Placeholder 1">
-            <a:extLst>
-              <a:ext uri="{FF2B5EF4-FFF2-40B4-BE49-F238E27FC236}">
-                <a16:creationId xmlns:a16="http://schemas.microsoft.com/office/drawing/2014/main" id="{024DC3B6-499C-4E15-9336-2F15A0DFB843}"/>
-              </a:ext>
-            </a:extLst>
-          </p:cNvPr>
-          <p:cNvSpPr>
-            <a:spLocks noGrp="1"/>
-          </p:cNvSpPr>
-          <p:nvPr>
-            <p:ph type="sldNum" sz="quarter" idx="12"/>
-          </p:nvPr>
-        </p:nvSpPr>
-        <p:spPr>
-          <a:xfrm>
-            <a:off x="11587892" y="6361637"/>
-            <a:ext cx="414251" cy="365125"/>
-          </a:xfrm>
-        </p:spPr>
-        <p:txBody>
-          <a:bodyPr/>
-          <a:lstStyle/>
-          <a:p>
-            <a:fld id="{FC4AC485-25DE-431E-B345-9C0A15BB7F8A}" type="slidenum">
-              <a:rPr lang="de-CH" sz="1400" smtClean="0"/>
-              <a:t>5</a:t>
-            </a:fld>
-            <a:endParaRPr lang="de-CH" sz="1400" dirty="0"/>
-          </a:p>
-        </p:txBody>
-      </p:sp>
-      <p:sp>
-        <p:nvSpPr>
-          <p:cNvPr id="5" name="Inhaltsplatzhalter 2">
-            <a:extLst>
-              <a:ext uri="{FF2B5EF4-FFF2-40B4-BE49-F238E27FC236}">
-                <a16:creationId xmlns:a16="http://schemas.microsoft.com/office/drawing/2014/main" id="{0194B37B-813A-99FE-7B78-4D87D8C30D44}"/>
-              </a:ext>
-            </a:extLst>
-          </p:cNvPr>
-          <p:cNvSpPr txBox="1">
-            <a:spLocks/>
-          </p:cNvSpPr>
-          <p:nvPr/>
-        </p:nvSpPr>
-        <p:spPr bwMode="black">
-          <a:xfrm>
-            <a:off x="961534" y="1763486"/>
-            <a:ext cx="5887136" cy="2537925"/>
-          </a:xfrm>
-          <a:prstGeom prst="rect">
-            <a:avLst/>
-          </a:prstGeom>
-        </p:spPr>
-        <p:txBody>
-          <a:bodyPr wrap="square" lIns="0" tIns="0" rIns="0" bIns="0"/>
-          <a:lstStyle>
-            <a:lvl1pPr marL="0" indent="0" algn="l" defTabSz="914400" rtl="0" eaLnBrk="1" latinLnBrk="0" hangingPunct="1">
-              <a:lnSpc>
-                <a:spcPct val="110000"/>
-              </a:lnSpc>
-              <a:spcBef>
-                <a:spcPts val="600"/>
-              </a:spcBef>
-              <a:spcAft>
-                <a:spcPts val="600"/>
-              </a:spcAft>
-              <a:buFont typeface="Arial" panose="020B0604020202020204" pitchFamily="34" charset="0"/>
-              <a:buNone/>
-              <a:defRPr sz="2000" b="0" kern="1200">
-                <a:solidFill>
-                  <a:schemeClr val="tx1"/>
-                </a:solidFill>
-                <a:latin typeface="+mn-lt"/>
-                <a:ea typeface="+mn-ea"/>
-                <a:cs typeface="+mn-cs"/>
-              </a:defRPr>
-            </a:lvl1pPr>
-            <a:lvl2pPr marL="216000" indent="-216000" algn="l" defTabSz="914400" rtl="0" eaLnBrk="1" latinLnBrk="0" hangingPunct="1">
-              <a:lnSpc>
-                <a:spcPct val="110000"/>
-              </a:lnSpc>
-              <a:spcBef>
-                <a:spcPts val="200"/>
-              </a:spcBef>
-              <a:spcAft>
-                <a:spcPts val="200"/>
-              </a:spcAft>
-              <a:buFont typeface="Arial" panose="020B0604020202020204" pitchFamily="34" charset="0"/>
-              <a:buChar char="•"/>
-              <a:defRPr sz="2000" kern="1200">
-                <a:solidFill>
-                  <a:schemeClr val="tx1"/>
-                </a:solidFill>
-                <a:latin typeface="+mn-lt"/>
-                <a:ea typeface="+mn-ea"/>
-                <a:cs typeface="+mn-cs"/>
-              </a:defRPr>
-            </a:lvl2pPr>
-            <a:lvl3pPr marL="504000" indent="-288000" algn="l" defTabSz="914400" rtl="0" eaLnBrk="1" latinLnBrk="0" hangingPunct="1">
-              <a:lnSpc>
-                <a:spcPct val="110000"/>
-              </a:lnSpc>
-              <a:spcBef>
-                <a:spcPts val="200"/>
-              </a:spcBef>
-              <a:spcAft>
-                <a:spcPts val="200"/>
-              </a:spcAft>
-              <a:buFont typeface="TheSans Swisscom Light" panose="020B0300040303060204" pitchFamily="34" charset="0"/>
-              <a:buChar char="−"/>
-              <a:defRPr sz="2000" kern="1200">
-                <a:solidFill>
-                  <a:schemeClr val="tx1"/>
-                </a:solidFill>
-                <a:latin typeface="+mn-lt"/>
-                <a:ea typeface="+mn-ea"/>
-                <a:cs typeface="+mn-cs"/>
-              </a:defRPr>
-            </a:lvl3pPr>
-            <a:lvl4pPr marL="792000" indent="-288000" algn="l" defTabSz="914400" rtl="0" eaLnBrk="1" latinLnBrk="0" hangingPunct="1">
-              <a:lnSpc>
-                <a:spcPct val="110000"/>
-              </a:lnSpc>
-              <a:spcBef>
-                <a:spcPts val="200"/>
-              </a:spcBef>
-              <a:spcAft>
-                <a:spcPts val="200"/>
-              </a:spcAft>
-              <a:buFont typeface="TheSans Swisscom Light" panose="020B0300040303060204" pitchFamily="34" charset="0"/>
-              <a:buChar char="−"/>
-              <a:defRPr sz="2000" kern="1200">
-                <a:solidFill>
-                  <a:schemeClr val="tx1"/>
-                </a:solidFill>
-                <a:latin typeface="+mn-lt"/>
-                <a:ea typeface="+mn-ea"/>
-                <a:cs typeface="+mn-cs"/>
-              </a:defRPr>
-            </a:lvl4pPr>
-            <a:lvl5pPr marL="792000" indent="-288000" algn="l" defTabSz="914400" rtl="0" eaLnBrk="1" latinLnBrk="0" hangingPunct="1">
-              <a:lnSpc>
-                <a:spcPct val="110000"/>
-              </a:lnSpc>
-              <a:spcBef>
-                <a:spcPts val="200"/>
-              </a:spcBef>
-              <a:spcAft>
-                <a:spcPts val="200"/>
-              </a:spcAft>
-              <a:buFont typeface="TheSans Swisscom Light" panose="020B0300040303060204" pitchFamily="34" charset="0"/>
-              <a:buChar char="−"/>
-              <a:defRPr sz="2000" kern="1200">
-                <a:solidFill>
-                  <a:schemeClr val="tx1"/>
-                </a:solidFill>
-                <a:latin typeface="+mn-lt"/>
-                <a:ea typeface="+mn-ea"/>
-                <a:cs typeface="+mn-cs"/>
-              </a:defRPr>
-            </a:lvl5pPr>
-            <a:lvl6pPr marL="792000" indent="-288000" algn="l" defTabSz="914400" rtl="0" eaLnBrk="1" latinLnBrk="0" hangingPunct="1">
-              <a:lnSpc>
-                <a:spcPct val="110000"/>
-              </a:lnSpc>
-              <a:spcBef>
-                <a:spcPts val="200"/>
-              </a:spcBef>
-              <a:spcAft>
-                <a:spcPts val="200"/>
-              </a:spcAft>
-              <a:buFont typeface="TheSans Swisscom Light" panose="020B0300040303060204" pitchFamily="34" charset="0"/>
-              <a:buChar char="−"/>
-              <a:defRPr sz="2000" kern="1200">
-                <a:solidFill>
-                  <a:schemeClr val="tx1"/>
-                </a:solidFill>
-                <a:latin typeface="+mn-lt"/>
-                <a:ea typeface="+mn-ea"/>
-                <a:cs typeface="+mn-cs"/>
-              </a:defRPr>
-            </a:lvl6pPr>
-            <a:lvl7pPr marL="792000" indent="-288000" algn="l" defTabSz="914400" rtl="0" eaLnBrk="1" latinLnBrk="0" hangingPunct="1">
-              <a:lnSpc>
-                <a:spcPct val="110000"/>
-              </a:lnSpc>
-              <a:spcBef>
-                <a:spcPts val="200"/>
-              </a:spcBef>
-              <a:spcAft>
-                <a:spcPts val="200"/>
-              </a:spcAft>
-              <a:buFont typeface="TheSans Swisscom Light" panose="020B0300040303060204" pitchFamily="34" charset="0"/>
-              <a:buChar char="−"/>
-              <a:defRPr sz="2000" kern="1200">
-                <a:solidFill>
-                  <a:schemeClr val="tx1"/>
-                </a:solidFill>
-                <a:latin typeface="+mn-lt"/>
-                <a:ea typeface="+mn-ea"/>
-                <a:cs typeface="+mn-cs"/>
-              </a:defRPr>
-            </a:lvl7pPr>
-            <a:lvl8pPr marL="792000" indent="-288000" algn="l" defTabSz="914400" rtl="0" eaLnBrk="1" latinLnBrk="0" hangingPunct="1">
-              <a:lnSpc>
-                <a:spcPct val="110000"/>
-              </a:lnSpc>
-              <a:spcBef>
-                <a:spcPts val="200"/>
-              </a:spcBef>
-              <a:spcAft>
-                <a:spcPts val="200"/>
-              </a:spcAft>
-              <a:buFont typeface="TheSans Swisscom Light" panose="020B0300040303060204" pitchFamily="34" charset="0"/>
-              <a:buChar char="−"/>
-              <a:defRPr sz="2000" kern="1200">
-                <a:solidFill>
-                  <a:schemeClr val="tx1"/>
-                </a:solidFill>
-                <a:latin typeface="+mn-lt"/>
-                <a:ea typeface="+mn-ea"/>
-                <a:cs typeface="+mn-cs"/>
-              </a:defRPr>
-            </a:lvl8pPr>
-            <a:lvl9pPr marL="792000" indent="-288000" algn="l" defTabSz="914400" rtl="0" eaLnBrk="1" latinLnBrk="0" hangingPunct="1">
-              <a:lnSpc>
-                <a:spcPct val="110000"/>
-              </a:lnSpc>
-              <a:spcBef>
-                <a:spcPts val="200"/>
-              </a:spcBef>
-              <a:spcAft>
-                <a:spcPts val="200"/>
-              </a:spcAft>
-              <a:buFont typeface="TheSans Swisscom Light" panose="020B0300040303060204" pitchFamily="34" charset="0"/>
-              <a:buChar char="−"/>
-              <a:defRPr sz="2000" kern="1200">
-                <a:solidFill>
-                  <a:schemeClr val="tx1"/>
-                </a:solidFill>
-                <a:latin typeface="+mn-lt"/>
-                <a:ea typeface="+mn-ea"/>
-                <a:cs typeface="+mn-cs"/>
-              </a:defRPr>
-            </a:lvl9pPr>
-          </a:lstStyle>
-          <a:p>
-            <a:r>
-              <a:rPr lang="en-US" dirty="0"/>
-              <a:t>The group consisting of: </a:t>
-            </a:r>
-            <a:r>
-              <a:rPr lang="en-US" b="1" dirty="0"/>
-              <a:t>34 colleagues </a:t>
-            </a:r>
-            <a:r>
-              <a:rPr lang="en-US" dirty="0"/>
-              <a:t>from Bell Canada, Deutsche Telekom, NTT International, Swisscom, Huawei, Cisco, 6Wind, </a:t>
-            </a:r>
-            <a:r>
-              <a:rPr lang="en-US" dirty="0" err="1"/>
-              <a:t>Ciena</a:t>
-            </a:r>
-            <a:r>
-              <a:rPr lang="en-US" dirty="0"/>
-              <a:t> </a:t>
-            </a:r>
-            <a:r>
-              <a:rPr lang="en-US" dirty="0" err="1"/>
-              <a:t>Blueplanet</a:t>
-            </a:r>
-            <a:r>
-              <a:rPr lang="en-US" dirty="0"/>
-              <a:t>, Juniper, Nokia, and INSA Lyon.</a:t>
-            </a:r>
-          </a:p>
-          <a:p>
-            <a:r>
-              <a:rPr lang="en-US" dirty="0"/>
-              <a:t>The group decided to make the outcome of these workshops </a:t>
-            </a:r>
-            <a:r>
-              <a:rPr lang="en-US" b="1" dirty="0"/>
-              <a:t>available to the IETF community at NMOP and NEMOPS and continue there these discussions.</a:t>
-            </a:r>
-          </a:p>
-        </p:txBody>
-      </p:sp>
-      <p:sp>
-        <p:nvSpPr>
-          <p:cNvPr id="19" name="Title 1">
-            <a:extLst>
-              <a:ext uri="{FF2B5EF4-FFF2-40B4-BE49-F238E27FC236}">
-                <a16:creationId xmlns:a16="http://schemas.microsoft.com/office/drawing/2014/main" id="{56D79134-17A9-8BC8-B7D0-97BCFFB9A6B2}"/>
-              </a:ext>
-            </a:extLst>
-          </p:cNvPr>
-          <p:cNvSpPr>
-            <a:spLocks noGrp="1"/>
-          </p:cNvSpPr>
-          <p:nvPr>
-            <p:ph type="title"/>
-          </p:nvPr>
-        </p:nvSpPr>
-        <p:spPr>
-          <a:xfrm>
-            <a:off x="838200" y="365125"/>
-            <a:ext cx="10515600" cy="1325563"/>
-          </a:xfrm>
-        </p:spPr>
-        <p:txBody>
-          <a:bodyPr>
-            <a:normAutofit/>
-          </a:bodyPr>
-          <a:lstStyle/>
-          <a:p>
-            <a:r>
-              <a:rPr lang="en-US" sz="2800" b="1" dirty="0"/>
-              <a:t>IETF YANG-Push Implementations and Next Steps</a:t>
-            </a:r>
-            <a:br>
-              <a:rPr lang="en-US" sz="3600" dirty="0"/>
-            </a:br>
-            <a:r>
-              <a:rPr lang="en-US" sz="2700" dirty="0">
-                <a:solidFill>
-                  <a:schemeClr val="bg2">
-                    <a:lumMod val="75000"/>
-                  </a:schemeClr>
-                </a:solidFill>
-              </a:rPr>
-              <a:t>Who we are and what we like…</a:t>
-            </a:r>
-          </a:p>
-        </p:txBody>
-      </p:sp>
-      <p:sp>
-        <p:nvSpPr>
-          <p:cNvPr id="3" name="TextBox 2">
-            <a:extLst>
-              <a:ext uri="{FF2B5EF4-FFF2-40B4-BE49-F238E27FC236}">
-                <a16:creationId xmlns:a16="http://schemas.microsoft.com/office/drawing/2014/main" id="{11030B07-3F01-6016-F841-23039D654E77}"/>
-              </a:ext>
-            </a:extLst>
-          </p:cNvPr>
-          <p:cNvSpPr txBox="1"/>
-          <p:nvPr/>
-        </p:nvSpPr>
-        <p:spPr>
-          <a:xfrm>
-            <a:off x="961533" y="4678081"/>
-            <a:ext cx="4263610" cy="1631216"/>
-          </a:xfrm>
-          <a:prstGeom prst="rect">
-            <a:avLst/>
-          </a:prstGeom>
-          <a:noFill/>
-        </p:spPr>
-        <p:txBody>
-          <a:bodyPr wrap="square">
-            <a:spAutoFit/>
-          </a:bodyPr>
-          <a:lstStyle/>
-          <a:p>
-            <a:pPr>
-              <a:spcAft>
-                <a:spcPts val="1200"/>
-              </a:spcAft>
-            </a:pPr>
-            <a:r>
-              <a:rPr lang="en-US" b="1" dirty="0"/>
-              <a:t>What do you like about IETF YANG-Push?</a:t>
-            </a:r>
-          </a:p>
-          <a:p>
-            <a:pPr marL="342900" indent="-342900">
-              <a:spcBef>
-                <a:spcPts val="0"/>
-              </a:spcBef>
-              <a:spcAft>
-                <a:spcPts val="0"/>
-              </a:spcAft>
-              <a:buFont typeface="Arial" panose="020B0604020202020204" pitchFamily="34" charset="0"/>
-              <a:buChar char="•"/>
-            </a:pPr>
-            <a:r>
-              <a:rPr lang="en-US" sz="1800" dirty="0"/>
-              <a:t>Interoperable</a:t>
-            </a:r>
-          </a:p>
-          <a:p>
-            <a:pPr marL="342900" indent="-342900">
-              <a:spcBef>
-                <a:spcPts val="0"/>
-              </a:spcBef>
-              <a:spcAft>
-                <a:spcPts val="0"/>
-              </a:spcAft>
-              <a:buFont typeface="Arial" panose="020B0604020202020204" pitchFamily="34" charset="0"/>
-              <a:buChar char="•"/>
-            </a:pPr>
-            <a:r>
-              <a:rPr lang="en-US" sz="1800" dirty="0"/>
-              <a:t>Unified with Netconf and </a:t>
-            </a:r>
-            <a:r>
-              <a:rPr lang="en-US" sz="1800" dirty="0" err="1"/>
-              <a:t>Restconf</a:t>
-            </a:r>
-            <a:endParaRPr lang="en-US" sz="1800" dirty="0"/>
-          </a:p>
-          <a:p>
-            <a:pPr marL="342900" indent="-342900">
-              <a:spcBef>
-                <a:spcPts val="0"/>
-              </a:spcBef>
-              <a:spcAft>
-                <a:spcPts val="0"/>
-              </a:spcAft>
-              <a:buFont typeface="Arial" panose="020B0604020202020204" pitchFamily="34" charset="0"/>
-              <a:buChar char="•"/>
-            </a:pPr>
-            <a:r>
-              <a:rPr lang="en-US" sz="1800" dirty="0"/>
-              <a:t>Transport independent</a:t>
-            </a:r>
-          </a:p>
-          <a:p>
-            <a:pPr marL="342900" indent="-342900">
-              <a:spcBef>
-                <a:spcPts val="0"/>
-              </a:spcBef>
-              <a:spcAft>
-                <a:spcPts val="0"/>
-              </a:spcAft>
-              <a:buFont typeface="Arial" panose="020B0604020202020204" pitchFamily="34" charset="0"/>
-              <a:buChar char="•"/>
-            </a:pPr>
-            <a:r>
-              <a:rPr lang="en-US" sz="1800" dirty="0"/>
-              <a:t>Push based</a:t>
-            </a:r>
-          </a:p>
-        </p:txBody>
-      </p:sp>
-      <p:sp>
-        <p:nvSpPr>
-          <p:cNvPr id="7" name="TextBox 6">
-            <a:extLst>
-              <a:ext uri="{FF2B5EF4-FFF2-40B4-BE49-F238E27FC236}">
-                <a16:creationId xmlns:a16="http://schemas.microsoft.com/office/drawing/2014/main" id="{EF0A252B-DE40-6447-986A-A5F33DE9D8A1}"/>
-              </a:ext>
-            </a:extLst>
-          </p:cNvPr>
-          <p:cNvSpPr txBox="1"/>
-          <p:nvPr/>
-        </p:nvSpPr>
-        <p:spPr>
-          <a:xfrm>
-            <a:off x="5850294" y="4678081"/>
-            <a:ext cx="4655975" cy="1631216"/>
-          </a:xfrm>
-          <a:prstGeom prst="rect">
-            <a:avLst/>
-          </a:prstGeom>
-          <a:noFill/>
-        </p:spPr>
-        <p:txBody>
-          <a:bodyPr wrap="square">
-            <a:spAutoFit/>
-          </a:bodyPr>
-          <a:lstStyle/>
-          <a:p>
-            <a:pPr>
-              <a:spcAft>
-                <a:spcPts val="1200"/>
-              </a:spcAft>
-            </a:pPr>
-            <a:r>
-              <a:rPr lang="en-US" b="1" dirty="0"/>
-              <a:t>What will you never implement nor use in IETF YANG-Push?</a:t>
-            </a:r>
-          </a:p>
-          <a:p>
-            <a:pPr marL="285750" indent="-285750">
-              <a:buFont typeface="Arial" panose="020B0604020202020204" pitchFamily="34" charset="0"/>
-              <a:buChar char="•"/>
-            </a:pPr>
-            <a:r>
-              <a:rPr lang="en-US" dirty="0"/>
-              <a:t>Replay</a:t>
-            </a:r>
-          </a:p>
-          <a:p>
-            <a:pPr marL="285750" indent="-285750">
-              <a:buFont typeface="Arial" panose="020B0604020202020204" pitchFamily="34" charset="0"/>
-              <a:buChar char="•"/>
-            </a:pPr>
-            <a:r>
-              <a:rPr lang="en-US" dirty="0"/>
-              <a:t>Message Bundling</a:t>
-            </a:r>
-          </a:p>
-          <a:p>
-            <a:pPr marL="285750" indent="-285750">
-              <a:buFont typeface="Arial" panose="020B0604020202020204" pitchFamily="34" charset="0"/>
-              <a:buChar char="•"/>
-            </a:pPr>
-            <a:r>
-              <a:rPr lang="en-US" dirty="0"/>
-              <a:t>Dampening</a:t>
-            </a:r>
-          </a:p>
-        </p:txBody>
-      </p:sp>
-      <p:pic>
-        <p:nvPicPr>
-          <p:cNvPr id="9" name="Picture 8" descr="A group of people standing in a room&#10;&#10;Description automatically generated">
-            <a:extLst>
-              <a:ext uri="{FF2B5EF4-FFF2-40B4-BE49-F238E27FC236}">
-                <a16:creationId xmlns:a16="http://schemas.microsoft.com/office/drawing/2014/main" id="{327BBAD6-D229-CA5A-1BD5-1F9BFCFC4935}"/>
-              </a:ext>
-            </a:extLst>
-          </p:cNvPr>
-          <p:cNvPicPr>
-            <a:picLocks noChangeAspect="1"/>
-          </p:cNvPicPr>
-          <p:nvPr/>
-        </p:nvPicPr>
-        <p:blipFill>
-          <a:blip r:embed="rId2">
-            <a:extLst>
-              <a:ext uri="{28A0092B-C50C-407E-A947-70E740481C1C}">
-                <a14:useLocalDpi xmlns:a14="http://schemas.microsoft.com/office/drawing/2010/main" val="0"/>
-              </a:ext>
-            </a:extLst>
-          </a:blip>
-          <a:stretch>
-            <a:fillRect/>
-          </a:stretch>
-        </p:blipFill>
-        <p:spPr>
-          <a:xfrm>
-            <a:off x="7265781" y="1638660"/>
-            <a:ext cx="3801448" cy="2851086"/>
-          </a:xfrm>
-          <a:prstGeom prst="rect">
-            <a:avLst/>
-          </a:prstGeom>
-        </p:spPr>
-      </p:pic>
-    </p:spTree>
-    <p:extLst>
-      <p:ext uri="{BB962C8B-B14F-4D97-AF65-F5344CB8AC3E}">
-        <p14:creationId xmlns:p14="http://schemas.microsoft.com/office/powerpoint/2010/main" val="3524404663"/>
-      </p:ext>
-    </p:extLst>
-  </p:cSld>
-  <p:clrMapOvr>
-    <a:masterClrMapping/>
-  </p:clrMapOvr>
-</p:sld>
-</file>
-
-<file path=ppt/slides/slide6.xml><?xml version="1.0" encoding="utf-8"?>
-<p:sld xmlns:a="http://schemas.openxmlformats.org/drawingml/2006/main" xmlns:r="http://schemas.openxmlformats.org/officeDocument/2006/relationships" xmlns:p="http://schemas.openxmlformats.org/presentationml/2006/main">
-  <p:cSld>
-    <p:spTree>
-      <p:nvGrpSpPr>
-        <p:cNvPr id="1" name=""/>
-        <p:cNvGrpSpPr/>
-        <p:nvPr/>
-      </p:nvGrpSpPr>
-      <p:grpSpPr>
-        <a:xfrm>
-          <a:off x="0" y="0"/>
-          <a:ext cx="0" cy="0"/>
-          <a:chOff x="0" y="0"/>
-          <a:chExt cx="0" cy="0"/>
-        </a:xfrm>
-      </p:grpSpPr>
-      <p:sp>
-        <p:nvSpPr>
-          <p:cNvPr id="6" name="Slide Number Placeholder 1">
-            <a:extLst>
-              <a:ext uri="{FF2B5EF4-FFF2-40B4-BE49-F238E27FC236}">
-                <a16:creationId xmlns:a16="http://schemas.microsoft.com/office/drawing/2014/main" id="{024DC3B6-499C-4E15-9336-2F15A0DFB843}"/>
-              </a:ext>
-            </a:extLst>
-          </p:cNvPr>
-          <p:cNvSpPr>
-            <a:spLocks noGrp="1"/>
-          </p:cNvSpPr>
-          <p:nvPr>
-            <p:ph type="sldNum" sz="quarter" idx="12"/>
-          </p:nvPr>
-        </p:nvSpPr>
-        <p:spPr>
-          <a:xfrm>
-            <a:off x="11587892" y="6361637"/>
-            <a:ext cx="414251" cy="365125"/>
-          </a:xfrm>
-        </p:spPr>
-        <p:txBody>
-          <a:bodyPr/>
-          <a:lstStyle/>
-          <a:p>
-            <a:fld id="{FC4AC485-25DE-431E-B345-9C0A15BB7F8A}" type="slidenum">
-              <a:rPr lang="de-CH" sz="1400" smtClean="0"/>
-              <a:t>6</a:t>
-            </a:fld>
-            <a:endParaRPr lang="de-CH" sz="1400" dirty="0"/>
-          </a:p>
-        </p:txBody>
-      </p:sp>
-      <p:sp>
-        <p:nvSpPr>
-          <p:cNvPr id="5" name="Inhaltsplatzhalter 2">
-            <a:extLst>
-              <a:ext uri="{FF2B5EF4-FFF2-40B4-BE49-F238E27FC236}">
-                <a16:creationId xmlns:a16="http://schemas.microsoft.com/office/drawing/2014/main" id="{0194B37B-813A-99FE-7B78-4D87D8C30D44}"/>
-              </a:ext>
-            </a:extLst>
-          </p:cNvPr>
-          <p:cNvSpPr txBox="1">
-            <a:spLocks/>
-          </p:cNvSpPr>
-          <p:nvPr/>
-        </p:nvSpPr>
-        <p:spPr bwMode="black">
-          <a:xfrm>
-            <a:off x="945742" y="1550736"/>
-            <a:ext cx="10300516" cy="1123407"/>
-          </a:xfrm>
-          <a:prstGeom prst="rect">
-            <a:avLst/>
-          </a:prstGeom>
-        </p:spPr>
-        <p:txBody>
-          <a:bodyPr wrap="square" lIns="0" tIns="0" rIns="0" bIns="0"/>
-          <a:lstStyle>
-            <a:lvl1pPr marL="0" indent="0" algn="l" defTabSz="914400" rtl="0" eaLnBrk="1" latinLnBrk="0" hangingPunct="1">
-              <a:lnSpc>
-                <a:spcPct val="110000"/>
-              </a:lnSpc>
-              <a:spcBef>
-                <a:spcPts val="600"/>
-              </a:spcBef>
-              <a:spcAft>
-                <a:spcPts val="600"/>
-              </a:spcAft>
-              <a:buFont typeface="Arial" panose="020B0604020202020204" pitchFamily="34" charset="0"/>
-              <a:buNone/>
-              <a:defRPr sz="2000" b="0" kern="1200">
-                <a:solidFill>
-                  <a:schemeClr val="tx1"/>
-                </a:solidFill>
-                <a:latin typeface="+mn-lt"/>
-                <a:ea typeface="+mn-ea"/>
-                <a:cs typeface="+mn-cs"/>
-              </a:defRPr>
-            </a:lvl1pPr>
-            <a:lvl2pPr marL="216000" indent="-216000" algn="l" defTabSz="914400" rtl="0" eaLnBrk="1" latinLnBrk="0" hangingPunct="1">
-              <a:lnSpc>
-                <a:spcPct val="110000"/>
-              </a:lnSpc>
-              <a:spcBef>
-                <a:spcPts val="200"/>
-              </a:spcBef>
-              <a:spcAft>
-                <a:spcPts val="200"/>
-              </a:spcAft>
-              <a:buFont typeface="Arial" panose="020B0604020202020204" pitchFamily="34" charset="0"/>
-              <a:buChar char="•"/>
-              <a:defRPr sz="2000" kern="1200">
-                <a:solidFill>
-                  <a:schemeClr val="tx1"/>
-                </a:solidFill>
-                <a:latin typeface="+mn-lt"/>
-                <a:ea typeface="+mn-ea"/>
-                <a:cs typeface="+mn-cs"/>
-              </a:defRPr>
-            </a:lvl2pPr>
-            <a:lvl3pPr marL="504000" indent="-288000" algn="l" defTabSz="914400" rtl="0" eaLnBrk="1" latinLnBrk="0" hangingPunct="1">
-              <a:lnSpc>
-                <a:spcPct val="110000"/>
-              </a:lnSpc>
-              <a:spcBef>
-                <a:spcPts val="200"/>
-              </a:spcBef>
-              <a:spcAft>
-                <a:spcPts val="200"/>
-              </a:spcAft>
-              <a:buFont typeface="TheSans Swisscom Light" panose="020B0300040303060204" pitchFamily="34" charset="0"/>
-              <a:buChar char="−"/>
-              <a:defRPr sz="2000" kern="1200">
-                <a:solidFill>
-                  <a:schemeClr val="tx1"/>
-                </a:solidFill>
-                <a:latin typeface="+mn-lt"/>
-                <a:ea typeface="+mn-ea"/>
-                <a:cs typeface="+mn-cs"/>
-              </a:defRPr>
-            </a:lvl3pPr>
-            <a:lvl4pPr marL="792000" indent="-288000" algn="l" defTabSz="914400" rtl="0" eaLnBrk="1" latinLnBrk="0" hangingPunct="1">
-              <a:lnSpc>
-                <a:spcPct val="110000"/>
-              </a:lnSpc>
-              <a:spcBef>
-                <a:spcPts val="200"/>
-              </a:spcBef>
-              <a:spcAft>
-                <a:spcPts val="200"/>
-              </a:spcAft>
-              <a:buFont typeface="TheSans Swisscom Light" panose="020B0300040303060204" pitchFamily="34" charset="0"/>
-              <a:buChar char="−"/>
-              <a:defRPr sz="2000" kern="1200">
-                <a:solidFill>
-                  <a:schemeClr val="tx1"/>
-                </a:solidFill>
-                <a:latin typeface="+mn-lt"/>
-                <a:ea typeface="+mn-ea"/>
-                <a:cs typeface="+mn-cs"/>
-              </a:defRPr>
-            </a:lvl4pPr>
-            <a:lvl5pPr marL="792000" indent="-288000" algn="l" defTabSz="914400" rtl="0" eaLnBrk="1" latinLnBrk="0" hangingPunct="1">
-              <a:lnSpc>
-                <a:spcPct val="110000"/>
-              </a:lnSpc>
-              <a:spcBef>
-                <a:spcPts val="200"/>
-              </a:spcBef>
-              <a:spcAft>
-                <a:spcPts val="200"/>
-              </a:spcAft>
-              <a:buFont typeface="TheSans Swisscom Light" panose="020B0300040303060204" pitchFamily="34" charset="0"/>
-              <a:buChar char="−"/>
-              <a:defRPr sz="2000" kern="1200">
-                <a:solidFill>
-                  <a:schemeClr val="tx1"/>
-                </a:solidFill>
-                <a:latin typeface="+mn-lt"/>
-                <a:ea typeface="+mn-ea"/>
-                <a:cs typeface="+mn-cs"/>
-              </a:defRPr>
-            </a:lvl5pPr>
-            <a:lvl6pPr marL="792000" indent="-288000" algn="l" defTabSz="914400" rtl="0" eaLnBrk="1" latinLnBrk="0" hangingPunct="1">
-              <a:lnSpc>
-                <a:spcPct val="110000"/>
-              </a:lnSpc>
-              <a:spcBef>
-                <a:spcPts val="200"/>
-              </a:spcBef>
-              <a:spcAft>
-                <a:spcPts val="200"/>
-              </a:spcAft>
-              <a:buFont typeface="TheSans Swisscom Light" panose="020B0300040303060204" pitchFamily="34" charset="0"/>
-              <a:buChar char="−"/>
-              <a:defRPr sz="2000" kern="1200">
-                <a:solidFill>
-                  <a:schemeClr val="tx1"/>
-                </a:solidFill>
-                <a:latin typeface="+mn-lt"/>
-                <a:ea typeface="+mn-ea"/>
-                <a:cs typeface="+mn-cs"/>
-              </a:defRPr>
-            </a:lvl6pPr>
-            <a:lvl7pPr marL="792000" indent="-288000" algn="l" defTabSz="914400" rtl="0" eaLnBrk="1" latinLnBrk="0" hangingPunct="1">
-              <a:lnSpc>
-                <a:spcPct val="110000"/>
-              </a:lnSpc>
-              <a:spcBef>
-                <a:spcPts val="200"/>
-              </a:spcBef>
-              <a:spcAft>
-                <a:spcPts val="200"/>
-              </a:spcAft>
-              <a:buFont typeface="TheSans Swisscom Light" panose="020B0300040303060204" pitchFamily="34" charset="0"/>
-              <a:buChar char="−"/>
-              <a:defRPr sz="2000" kern="1200">
-                <a:solidFill>
-                  <a:schemeClr val="tx1"/>
-                </a:solidFill>
-                <a:latin typeface="+mn-lt"/>
-                <a:ea typeface="+mn-ea"/>
-                <a:cs typeface="+mn-cs"/>
-              </a:defRPr>
-            </a:lvl7pPr>
-            <a:lvl8pPr marL="792000" indent="-288000" algn="l" defTabSz="914400" rtl="0" eaLnBrk="1" latinLnBrk="0" hangingPunct="1">
-              <a:lnSpc>
-                <a:spcPct val="110000"/>
-              </a:lnSpc>
-              <a:spcBef>
-                <a:spcPts val="200"/>
-              </a:spcBef>
-              <a:spcAft>
-                <a:spcPts val="200"/>
-              </a:spcAft>
-              <a:buFont typeface="TheSans Swisscom Light" panose="020B0300040303060204" pitchFamily="34" charset="0"/>
-              <a:buChar char="−"/>
-              <a:defRPr sz="2000" kern="1200">
-                <a:solidFill>
-                  <a:schemeClr val="tx1"/>
-                </a:solidFill>
-                <a:latin typeface="+mn-lt"/>
-                <a:ea typeface="+mn-ea"/>
-                <a:cs typeface="+mn-cs"/>
-              </a:defRPr>
-            </a:lvl8pPr>
-            <a:lvl9pPr marL="792000" indent="-288000" algn="l" defTabSz="914400" rtl="0" eaLnBrk="1" latinLnBrk="0" hangingPunct="1">
-              <a:lnSpc>
-                <a:spcPct val="110000"/>
-              </a:lnSpc>
-              <a:spcBef>
-                <a:spcPts val="200"/>
-              </a:spcBef>
-              <a:spcAft>
-                <a:spcPts val="200"/>
-              </a:spcAft>
-              <a:buFont typeface="TheSans Swisscom Light" panose="020B0300040303060204" pitchFamily="34" charset="0"/>
-              <a:buChar char="−"/>
-              <a:defRPr sz="2000" kern="1200">
-                <a:solidFill>
-                  <a:schemeClr val="tx1"/>
-                </a:solidFill>
-                <a:latin typeface="+mn-lt"/>
-                <a:ea typeface="+mn-ea"/>
-                <a:cs typeface="+mn-cs"/>
-              </a:defRPr>
-            </a:lvl9pPr>
-          </a:lstStyle>
-          <a:p>
-            <a:pPr>
-              <a:spcBef>
-                <a:spcPts val="0"/>
-              </a:spcBef>
-              <a:spcAft>
-                <a:spcPts val="0"/>
-              </a:spcAft>
-            </a:pPr>
-            <a:r>
-              <a:rPr lang="en-US" b="1" dirty="0"/>
-              <a:t>What in IETF YANG-Push could have been defined differently and why?</a:t>
-            </a:r>
-          </a:p>
-          <a:p>
-            <a:pPr>
-              <a:spcBef>
-                <a:spcPts val="0"/>
-              </a:spcBef>
-              <a:spcAft>
-                <a:spcPts val="0"/>
-              </a:spcAft>
-            </a:pPr>
-            <a:r>
-              <a:rPr lang="en-US" b="1" dirty="0"/>
-              <a:t>What prevents IETF YANG-Push for being integrated/used efficiently?</a:t>
-            </a:r>
-          </a:p>
-          <a:p>
-            <a:pPr>
-              <a:spcBef>
-                <a:spcPts val="0"/>
-              </a:spcBef>
-              <a:spcAft>
-                <a:spcPts val="0"/>
-              </a:spcAft>
-            </a:pPr>
-            <a:r>
-              <a:rPr lang="en-US" b="1" dirty="0"/>
-              <a:t>What in IETF YANG-Push is missing and for which purpose?</a:t>
-            </a:r>
-          </a:p>
-        </p:txBody>
-      </p:sp>
-      <p:sp>
-        <p:nvSpPr>
-          <p:cNvPr id="19" name="Title 1">
-            <a:extLst>
-              <a:ext uri="{FF2B5EF4-FFF2-40B4-BE49-F238E27FC236}">
-                <a16:creationId xmlns:a16="http://schemas.microsoft.com/office/drawing/2014/main" id="{56D79134-17A9-8BC8-B7D0-97BCFFB9A6B2}"/>
-              </a:ext>
-            </a:extLst>
-          </p:cNvPr>
-          <p:cNvSpPr>
-            <a:spLocks noGrp="1"/>
-          </p:cNvSpPr>
-          <p:nvPr>
-            <p:ph type="title"/>
-          </p:nvPr>
-        </p:nvSpPr>
-        <p:spPr>
-          <a:xfrm>
-            <a:off x="838200" y="365125"/>
-            <a:ext cx="10515600" cy="1325563"/>
-          </a:xfrm>
-        </p:spPr>
-        <p:txBody>
-          <a:bodyPr>
-            <a:normAutofit/>
-          </a:bodyPr>
-          <a:lstStyle/>
-          <a:p>
-            <a:r>
-              <a:rPr lang="en-US" sz="2800" b="1" dirty="0"/>
-              <a:t>IETF YANG-Push Implementations and Next Steps</a:t>
-            </a:r>
-            <a:br>
-              <a:rPr lang="en-US" sz="3600" dirty="0"/>
-            </a:br>
-            <a:r>
-              <a:rPr lang="en-US" sz="2700" dirty="0">
-                <a:solidFill>
-                  <a:schemeClr val="bg2">
-                    <a:lumMod val="75000"/>
-                  </a:schemeClr>
-                </a:solidFill>
-              </a:rPr>
-              <a:t>Challenges and how to solve…</a:t>
-            </a:r>
-          </a:p>
-        </p:txBody>
-      </p:sp>
-      <p:sp>
-        <p:nvSpPr>
-          <p:cNvPr id="3" name="TextBox 2">
-            <a:extLst>
-              <a:ext uri="{FF2B5EF4-FFF2-40B4-BE49-F238E27FC236}">
-                <a16:creationId xmlns:a16="http://schemas.microsoft.com/office/drawing/2014/main" id="{6D8BC07C-4C4B-FF48-3006-FA62102047A3}"/>
-              </a:ext>
-            </a:extLst>
-          </p:cNvPr>
-          <p:cNvSpPr txBox="1"/>
-          <p:nvPr/>
-        </p:nvSpPr>
-        <p:spPr>
-          <a:xfrm>
-            <a:off x="5904589" y="2894960"/>
-            <a:ext cx="6097554" cy="3531736"/>
-          </a:xfrm>
-          <a:prstGeom prst="rect">
-            <a:avLst/>
-          </a:prstGeom>
-          <a:noFill/>
-        </p:spPr>
-        <p:txBody>
-          <a:bodyPr wrap="square">
-            <a:spAutoFit/>
-          </a:bodyPr>
-          <a:lstStyle/>
-          <a:p>
-            <a:pPr marL="285750" indent="-285750">
-              <a:spcBef>
-                <a:spcPts val="300"/>
-              </a:spcBef>
-              <a:spcAft>
-                <a:spcPts val="0"/>
-              </a:spcAft>
-              <a:buFont typeface="Arial" panose="020B0604020202020204" pitchFamily="34" charset="0"/>
-              <a:buChar char="•"/>
-            </a:pPr>
-            <a:r>
-              <a:rPr lang="en-US" dirty="0"/>
-              <a:t>Extensible YANG-Push header combing notification and subscription.  Separation of header and subscribed content is needed to allow partial parsing of message in binary encoding for data processing chain.</a:t>
-            </a:r>
-          </a:p>
-          <a:p>
-            <a:pPr marL="285750" indent="-285750">
-              <a:spcBef>
-                <a:spcPts val="300"/>
-              </a:spcBef>
-              <a:spcAft>
-                <a:spcPts val="0"/>
-              </a:spcAft>
-              <a:buFont typeface="Arial" panose="020B0604020202020204" pitchFamily="34" charset="0"/>
-              <a:buChar char="•"/>
-            </a:pPr>
-            <a:r>
-              <a:rPr lang="en-US" dirty="0"/>
-              <a:t>On-change and periodical notification schema should have identical schema and contain the entire schema tree below subscription and represent current state.</a:t>
-            </a:r>
-          </a:p>
-          <a:p>
-            <a:pPr marL="285750" indent="-285750">
-              <a:spcBef>
-                <a:spcPts val="300"/>
-              </a:spcBef>
-              <a:spcAft>
-                <a:spcPts val="0"/>
-              </a:spcAft>
-              <a:buFont typeface="Arial" panose="020B0604020202020204" pitchFamily="34" charset="0"/>
-              <a:buChar char="•"/>
-            </a:pPr>
-            <a:r>
-              <a:rPr lang="en-US" dirty="0"/>
-              <a:t>Common alignment on what should be supported in </a:t>
-            </a:r>
-            <a:r>
-              <a:rPr lang="en-US" dirty="0" err="1"/>
-              <a:t>xpath</a:t>
-            </a:r>
-            <a:r>
-              <a:rPr lang="en-US" dirty="0"/>
-              <a:t> and what not.</a:t>
-            </a:r>
-          </a:p>
-          <a:p>
-            <a:pPr marL="285750" indent="-285750">
-              <a:spcBef>
-                <a:spcPts val="300"/>
-              </a:spcBef>
-              <a:spcAft>
-                <a:spcPts val="0"/>
-              </a:spcAft>
-              <a:buFont typeface="Arial" panose="020B0604020202020204" pitchFamily="34" charset="0"/>
-              <a:buChar char="•"/>
-            </a:pPr>
-            <a:r>
-              <a:rPr lang="en-US" b="1" dirty="0">
-                <a:solidFill>
-                  <a:srgbClr val="FF0000"/>
-                </a:solidFill>
-              </a:rPr>
-              <a:t>Agile incremental driven development. </a:t>
-            </a:r>
-            <a:r>
-              <a:rPr lang="en-US" b="1" dirty="0"/>
-              <a:t>Deployment guide describing implementers and operators what is/should be supported at which MVP stage. </a:t>
-            </a:r>
-          </a:p>
-        </p:txBody>
-      </p:sp>
-      <p:sp>
-        <p:nvSpPr>
-          <p:cNvPr id="7" name="TextBox 6">
-            <a:extLst>
-              <a:ext uri="{FF2B5EF4-FFF2-40B4-BE49-F238E27FC236}">
-                <a16:creationId xmlns:a16="http://schemas.microsoft.com/office/drawing/2014/main" id="{28204345-4180-95D2-FA2A-FAA5B1341B84}"/>
-              </a:ext>
-            </a:extLst>
-          </p:cNvPr>
-          <p:cNvSpPr txBox="1"/>
-          <p:nvPr/>
-        </p:nvSpPr>
-        <p:spPr>
-          <a:xfrm>
-            <a:off x="929951" y="2894960"/>
-            <a:ext cx="4052596" cy="3416320"/>
-          </a:xfrm>
-          <a:prstGeom prst="rect">
-            <a:avLst/>
-          </a:prstGeom>
-          <a:noFill/>
-        </p:spPr>
-        <p:txBody>
-          <a:bodyPr wrap="square">
-            <a:spAutoFit/>
-          </a:bodyPr>
-          <a:lstStyle/>
-          <a:p>
-            <a:pPr marL="285750" indent="-285750">
-              <a:buFont typeface="Arial" panose="020B0604020202020204" pitchFamily="34" charset="0"/>
-              <a:buChar char="•"/>
-            </a:pPr>
-            <a:r>
-              <a:rPr lang="en-US" dirty="0"/>
-              <a:t>On-change notification schema different than periodical</a:t>
-            </a:r>
-          </a:p>
-          <a:p>
-            <a:pPr marL="285750" indent="-285750">
-              <a:buFont typeface="Arial" panose="020B0604020202020204" pitchFamily="34" charset="0"/>
-              <a:buChar char="•"/>
-            </a:pPr>
-            <a:r>
-              <a:rPr lang="en-US" dirty="0"/>
-              <a:t>Patch-id in On-Change complex to implement. </a:t>
-            </a:r>
-          </a:p>
-          <a:p>
-            <a:pPr marL="285750" indent="-285750">
-              <a:buFont typeface="Arial" panose="020B0604020202020204" pitchFamily="34" charset="0"/>
-              <a:buChar char="•"/>
-            </a:pPr>
-            <a:r>
-              <a:rPr lang="en-US" dirty="0"/>
-              <a:t>Reduce YANG complexity (example: augmentations, deviations, </a:t>
-            </a:r>
-            <a:r>
-              <a:rPr lang="en-US" dirty="0" err="1"/>
-              <a:t>xpath</a:t>
-            </a:r>
-            <a:r>
-              <a:rPr lang="en-US" dirty="0"/>
-              <a:t>, lists)</a:t>
-            </a:r>
-          </a:p>
-          <a:p>
-            <a:pPr marL="285750" indent="-285750">
-              <a:buFont typeface="Arial" panose="020B0604020202020204" pitchFamily="34" charset="0"/>
-              <a:buChar char="•"/>
-            </a:pPr>
-            <a:r>
-              <a:rPr lang="en-US" dirty="0"/>
-              <a:t>Each subscribed </a:t>
-            </a:r>
-            <a:r>
-              <a:rPr lang="en-US" dirty="0" err="1"/>
-              <a:t>xpath</a:t>
-            </a:r>
-            <a:r>
-              <a:rPr lang="en-US" dirty="0"/>
-              <a:t> needs normalization. High effort with many vendor specific YANG modules</a:t>
-            </a:r>
-          </a:p>
-          <a:p>
-            <a:pPr marL="285750" indent="-285750">
-              <a:buFont typeface="Arial" panose="020B0604020202020204" pitchFamily="34" charset="0"/>
-              <a:buChar char="•"/>
-            </a:pPr>
-            <a:r>
-              <a:rPr lang="en-US" dirty="0"/>
-              <a:t>Missing end to end open-source implementations</a:t>
-            </a:r>
-          </a:p>
-        </p:txBody>
-      </p:sp>
-      <p:sp>
-        <p:nvSpPr>
-          <p:cNvPr id="8" name="Arrow: Right 7">
-            <a:extLst>
-              <a:ext uri="{FF2B5EF4-FFF2-40B4-BE49-F238E27FC236}">
-                <a16:creationId xmlns:a16="http://schemas.microsoft.com/office/drawing/2014/main" id="{EE628FF1-9B01-9ED8-0F23-6506D6559B70}"/>
-              </a:ext>
-            </a:extLst>
-          </p:cNvPr>
-          <p:cNvSpPr/>
-          <p:nvPr/>
-        </p:nvSpPr>
-        <p:spPr>
-          <a:xfrm>
-            <a:off x="4982547" y="4026159"/>
-            <a:ext cx="793102" cy="699796"/>
-          </a:xfrm>
-          <a:prstGeom prst="rightArrow">
-            <a:avLst/>
-          </a:prstGeom>
-          <a:solidFill>
-            <a:srgbClr val="FFFF00"/>
-          </a:solidFill>
-          <a:ln>
-            <a:solidFill>
-              <a:schemeClr val="accent2">
-                <a:lumMod val="60000"/>
-                <a:lumOff val="40000"/>
-              </a:schemeClr>
-            </a:solidFill>
-          </a:ln>
-        </p:spPr>
-        <p:style>
-          <a:lnRef idx="2">
-            <a:schemeClr val="accent4">
-              <a:shade val="15000"/>
-            </a:schemeClr>
-          </a:lnRef>
-          <a:fillRef idx="1">
-            <a:schemeClr val="accent4"/>
-          </a:fillRef>
-          <a:effectRef idx="0">
-            <a:schemeClr val="accent4"/>
-          </a:effectRef>
-          <a:fontRef idx="minor">
-            <a:schemeClr val="lt1"/>
-          </a:fontRef>
-        </p:style>
-        <p:txBody>
-          <a:bodyPr rtlCol="0" anchor="ctr"/>
-          <a:lstStyle/>
-          <a:p>
-            <a:pPr algn="ctr"/>
-            <a:endParaRPr lang="de-CH"/>
-          </a:p>
-        </p:txBody>
-      </p:sp>
-    </p:spTree>
-    <p:extLst>
-      <p:ext uri="{BB962C8B-B14F-4D97-AF65-F5344CB8AC3E}">
-        <p14:creationId xmlns:p14="http://schemas.microsoft.com/office/powerpoint/2010/main" val="1875627337"/>
-      </p:ext>
-    </p:extLst>
-  </p:cSld>
-  <p:clrMapOvr>
-    <a:masterClrMapping/>
-  </p:clrMapOvr>
-</p:sld>
-</file>
-
-<file path=ppt/slides/slide7.xml><?xml version="1.0" encoding="utf-8"?>
-<p:sld xmlns:a="http://schemas.openxmlformats.org/drawingml/2006/main" xmlns:r="http://schemas.openxmlformats.org/officeDocument/2006/relationships" xmlns:p="http://schemas.openxmlformats.org/presentationml/2006/main">
-  <p:cSld>
-    <p:spTree>
-      <p:nvGrpSpPr>
-        <p:cNvPr id="1" name=""/>
-        <p:cNvGrpSpPr/>
-        <p:nvPr/>
-      </p:nvGrpSpPr>
-      <p:grpSpPr>
-        <a:xfrm>
-          <a:off x="0" y="0"/>
-          <a:ext cx="0" cy="0"/>
-          <a:chOff x="0" y="0"/>
-          <a:chExt cx="0" cy="0"/>
-        </a:xfrm>
-      </p:grpSpPr>
-      <p:sp>
-        <p:nvSpPr>
-          <p:cNvPr id="6" name="Slide Number Placeholder 1">
-            <a:extLst>
-              <a:ext uri="{FF2B5EF4-FFF2-40B4-BE49-F238E27FC236}">
-                <a16:creationId xmlns:a16="http://schemas.microsoft.com/office/drawing/2014/main" id="{024DC3B6-499C-4E15-9336-2F15A0DFB843}"/>
-              </a:ext>
-            </a:extLst>
-          </p:cNvPr>
-          <p:cNvSpPr>
-            <a:spLocks noGrp="1"/>
-          </p:cNvSpPr>
-          <p:nvPr>
-            <p:ph type="sldNum" sz="quarter" idx="12"/>
-          </p:nvPr>
-        </p:nvSpPr>
-        <p:spPr>
-          <a:xfrm>
-            <a:off x="11587892" y="6361637"/>
-            <a:ext cx="414251" cy="365125"/>
-          </a:xfrm>
-        </p:spPr>
-        <p:txBody>
-          <a:bodyPr/>
-          <a:lstStyle/>
-          <a:p>
-            <a:fld id="{FC4AC485-25DE-431E-B345-9C0A15BB7F8A}" type="slidenum">
-              <a:rPr lang="en-US" sz="1400" smtClean="0"/>
-              <a:t>7</a:t>
             </a:fld>
             <a:endParaRPr lang="en-US" sz="1400" dirty="0"/>
           </a:p>
@@ -13109,10 +10614,3248 @@
           </a:fontRef>
         </p:style>
       </p:cxnSp>
+      <p:sp>
+        <p:nvSpPr>
+          <p:cNvPr id="3" name="Freeform: Shape 2">
+            <a:extLst>
+              <a:ext uri="{FF2B5EF4-FFF2-40B4-BE49-F238E27FC236}">
+                <a16:creationId xmlns:a16="http://schemas.microsoft.com/office/drawing/2014/main" id="{8E40D10A-D742-715C-213F-05E30B0AA6FE}"/>
+              </a:ext>
+            </a:extLst>
+          </p:cNvPr>
+          <p:cNvSpPr/>
+          <p:nvPr/>
+        </p:nvSpPr>
+        <p:spPr>
+          <a:xfrm>
+            <a:off x="3060075" y="1517286"/>
+            <a:ext cx="5469861" cy="5275426"/>
+          </a:xfrm>
+          <a:custGeom>
+            <a:avLst/>
+            <a:gdLst>
+              <a:gd name="connsiteX0" fmla="*/ 158986 w 5469861"/>
+              <a:gd name="connsiteY0" fmla="*/ 1319220 h 5275426"/>
+              <a:gd name="connsiteX1" fmla="*/ 149656 w 5469861"/>
+              <a:gd name="connsiteY1" fmla="*/ 115571 h 5275426"/>
+              <a:gd name="connsiteX2" fmla="*/ 2202390 w 5469861"/>
+              <a:gd name="connsiteY2" fmla="*/ 59587 h 5275426"/>
+              <a:gd name="connsiteX3" fmla="*/ 3853909 w 5469861"/>
+              <a:gd name="connsiteY3" fmla="*/ 218208 h 5275426"/>
+              <a:gd name="connsiteX4" fmla="*/ 4152488 w 5469861"/>
+              <a:gd name="connsiteY4" fmla="*/ 1524494 h 5275426"/>
+              <a:gd name="connsiteX5" fmla="*/ 4712325 w 5469861"/>
+              <a:gd name="connsiteY5" fmla="*/ 2494877 h 5275426"/>
+              <a:gd name="connsiteX6" fmla="*/ 5430782 w 5469861"/>
+              <a:gd name="connsiteY6" fmla="*/ 4081081 h 5275426"/>
+              <a:gd name="connsiteX7" fmla="*/ 5094880 w 5469861"/>
+              <a:gd name="connsiteY7" fmla="*/ 5191424 h 5275426"/>
+              <a:gd name="connsiteX8" fmla="*/ 2790219 w 5469861"/>
+              <a:gd name="connsiteY8" fmla="*/ 5191424 h 5275426"/>
+              <a:gd name="connsiteX9" fmla="*/ 532211 w 5469861"/>
+              <a:gd name="connsiteY9" fmla="*/ 5144771 h 5275426"/>
+              <a:gd name="connsiteX10" fmla="*/ 56349 w 5469861"/>
+              <a:gd name="connsiteY10" fmla="*/ 4472967 h 5275426"/>
+              <a:gd name="connsiteX11" fmla="*/ 168317 w 5469861"/>
+              <a:gd name="connsiteY11" fmla="*/ 2149645 h 5275426"/>
+              <a:gd name="connsiteX12" fmla="*/ 158986 w 5469861"/>
+              <a:gd name="connsiteY12" fmla="*/ 1319220 h 5275426"/>
+            </a:gdLst>
+            <a:ahLst/>
+            <a:cxnLst>
+              <a:cxn ang="0">
+                <a:pos x="connsiteX0" y="connsiteY0"/>
+              </a:cxn>
+              <a:cxn ang="0">
+                <a:pos x="connsiteX1" y="connsiteY1"/>
+              </a:cxn>
+              <a:cxn ang="0">
+                <a:pos x="connsiteX2" y="connsiteY2"/>
+              </a:cxn>
+              <a:cxn ang="0">
+                <a:pos x="connsiteX3" y="connsiteY3"/>
+              </a:cxn>
+              <a:cxn ang="0">
+                <a:pos x="connsiteX4" y="connsiteY4"/>
+              </a:cxn>
+              <a:cxn ang="0">
+                <a:pos x="connsiteX5" y="connsiteY5"/>
+              </a:cxn>
+              <a:cxn ang="0">
+                <a:pos x="connsiteX6" y="connsiteY6"/>
+              </a:cxn>
+              <a:cxn ang="0">
+                <a:pos x="connsiteX7" y="connsiteY7"/>
+              </a:cxn>
+              <a:cxn ang="0">
+                <a:pos x="connsiteX8" y="connsiteY8"/>
+              </a:cxn>
+              <a:cxn ang="0">
+                <a:pos x="connsiteX9" y="connsiteY9"/>
+              </a:cxn>
+              <a:cxn ang="0">
+                <a:pos x="connsiteX10" y="connsiteY10"/>
+              </a:cxn>
+              <a:cxn ang="0">
+                <a:pos x="connsiteX11" y="connsiteY11"/>
+              </a:cxn>
+              <a:cxn ang="0">
+                <a:pos x="connsiteX12" y="connsiteY12"/>
+              </a:cxn>
+            </a:cxnLst>
+            <a:rect l="l" t="t" r="r" b="b"/>
+            <a:pathLst>
+              <a:path w="5469861" h="5275426">
+                <a:moveTo>
+                  <a:pt x="158986" y="1319220"/>
+                </a:moveTo>
+                <a:cubicBezTo>
+                  <a:pt x="155876" y="980208"/>
+                  <a:pt x="-190911" y="325510"/>
+                  <a:pt x="149656" y="115571"/>
+                </a:cubicBezTo>
+                <a:cubicBezTo>
+                  <a:pt x="490223" y="-94368"/>
+                  <a:pt x="1585015" y="42481"/>
+                  <a:pt x="2202390" y="59587"/>
+                </a:cubicBezTo>
+                <a:cubicBezTo>
+                  <a:pt x="2819765" y="76693"/>
+                  <a:pt x="3528893" y="-25943"/>
+                  <a:pt x="3853909" y="218208"/>
+                </a:cubicBezTo>
+                <a:cubicBezTo>
+                  <a:pt x="4178925" y="462359"/>
+                  <a:pt x="4009419" y="1145049"/>
+                  <a:pt x="4152488" y="1524494"/>
+                </a:cubicBezTo>
+                <a:cubicBezTo>
+                  <a:pt x="4295557" y="1903939"/>
+                  <a:pt x="4499276" y="2068779"/>
+                  <a:pt x="4712325" y="2494877"/>
+                </a:cubicBezTo>
+                <a:cubicBezTo>
+                  <a:pt x="4925374" y="2920975"/>
+                  <a:pt x="5367023" y="3631657"/>
+                  <a:pt x="5430782" y="4081081"/>
+                </a:cubicBezTo>
+                <a:cubicBezTo>
+                  <a:pt x="5494541" y="4530506"/>
+                  <a:pt x="5534974" y="5006367"/>
+                  <a:pt x="5094880" y="5191424"/>
+                </a:cubicBezTo>
+                <a:cubicBezTo>
+                  <a:pt x="4654786" y="5376481"/>
+                  <a:pt x="3550664" y="5199199"/>
+                  <a:pt x="2790219" y="5191424"/>
+                </a:cubicBezTo>
+                <a:cubicBezTo>
+                  <a:pt x="2029774" y="5183649"/>
+                  <a:pt x="987856" y="5264514"/>
+                  <a:pt x="532211" y="5144771"/>
+                </a:cubicBezTo>
+                <a:cubicBezTo>
+                  <a:pt x="76566" y="5025028"/>
+                  <a:pt x="116998" y="4972155"/>
+                  <a:pt x="56349" y="4472967"/>
+                </a:cubicBezTo>
+                <a:cubicBezTo>
+                  <a:pt x="-4300" y="3973779"/>
+                  <a:pt x="149656" y="2672159"/>
+                  <a:pt x="168317" y="2149645"/>
+                </a:cubicBezTo>
+                <a:cubicBezTo>
+                  <a:pt x="186978" y="1627131"/>
+                  <a:pt x="162096" y="1658232"/>
+                  <a:pt x="158986" y="1319220"/>
+                </a:cubicBezTo>
+                <a:close/>
+              </a:path>
+            </a:pathLst>
+          </a:custGeom>
+          <a:solidFill>
+            <a:srgbClr val="FF0000">
+              <a:alpha val="5000"/>
+            </a:srgbClr>
+          </a:solidFill>
+          <a:ln w="12700">
+            <a:solidFill>
+              <a:srgbClr val="FF0000"/>
+            </a:solidFill>
+          </a:ln>
+        </p:spPr>
+        <p:style>
+          <a:lnRef idx="2">
+            <a:schemeClr val="accent1">
+              <a:shade val="15000"/>
+            </a:schemeClr>
+          </a:lnRef>
+          <a:fillRef idx="1">
+            <a:schemeClr val="accent1"/>
+          </a:fillRef>
+          <a:effectRef idx="0">
+            <a:schemeClr val="accent1"/>
+          </a:effectRef>
+          <a:fontRef idx="minor">
+            <a:schemeClr val="lt1"/>
+          </a:fontRef>
+        </p:style>
+        <p:txBody>
+          <a:bodyPr rtlCol="0" anchor="ctr"/>
+          <a:lstStyle/>
+          <a:p>
+            <a:pPr algn="ctr"/>
+            <a:endParaRPr lang="de-CH"/>
+          </a:p>
+        </p:txBody>
+      </p:sp>
     </p:spTree>
     <p:extLst>
       <p:ext uri="{BB962C8B-B14F-4D97-AF65-F5344CB8AC3E}">
         <p14:creationId xmlns:p14="http://schemas.microsoft.com/office/powerpoint/2010/main" val="2764131050"/>
+      </p:ext>
+    </p:extLst>
+  </p:cSld>
+  <p:clrMapOvr>
+    <a:masterClrMapping/>
+  </p:clrMapOvr>
+</p:sld>
+</file>
+
+<file path=ppt/slides/slide3.xml><?xml version="1.0" encoding="utf-8"?>
+<p:sld xmlns:a="http://schemas.openxmlformats.org/drawingml/2006/main" xmlns:r="http://schemas.openxmlformats.org/officeDocument/2006/relationships" xmlns:p="http://schemas.openxmlformats.org/presentationml/2006/main">
+  <p:cSld>
+    <p:spTree>
+      <p:nvGrpSpPr>
+        <p:cNvPr id="1" name=""/>
+        <p:cNvGrpSpPr/>
+        <p:nvPr/>
+      </p:nvGrpSpPr>
+      <p:grpSpPr>
+        <a:xfrm>
+          <a:off x="0" y="0"/>
+          <a:ext cx="0" cy="0"/>
+          <a:chOff x="0" y="0"/>
+          <a:chExt cx="0" cy="0"/>
+        </a:xfrm>
+      </p:grpSpPr>
+      <p:sp>
+        <p:nvSpPr>
+          <p:cNvPr id="6" name="Slide Number Placeholder 1">
+            <a:extLst>
+              <a:ext uri="{FF2B5EF4-FFF2-40B4-BE49-F238E27FC236}">
+                <a16:creationId xmlns:a16="http://schemas.microsoft.com/office/drawing/2014/main" id="{024DC3B6-499C-4E15-9336-2F15A0DFB843}"/>
+              </a:ext>
+            </a:extLst>
+          </p:cNvPr>
+          <p:cNvSpPr>
+            <a:spLocks noGrp="1"/>
+          </p:cNvSpPr>
+          <p:nvPr>
+            <p:ph type="sldNum" sz="quarter" idx="12"/>
+          </p:nvPr>
+        </p:nvSpPr>
+        <p:spPr>
+          <a:xfrm>
+            <a:off x="11587892" y="6361637"/>
+            <a:ext cx="414251" cy="365125"/>
+          </a:xfrm>
+        </p:spPr>
+        <p:txBody>
+          <a:bodyPr/>
+          <a:lstStyle/>
+          <a:p>
+            <a:fld id="{FC4AC485-25DE-431E-B345-9C0A15BB7F8A}" type="slidenum">
+              <a:rPr lang="de-CH" sz="1400" smtClean="0"/>
+              <a:t>3</a:t>
+            </a:fld>
+            <a:endParaRPr lang="de-CH" sz="1400" dirty="0"/>
+          </a:p>
+        </p:txBody>
+      </p:sp>
+      <p:sp>
+        <p:nvSpPr>
+          <p:cNvPr id="5" name="Inhaltsplatzhalter 2">
+            <a:extLst>
+              <a:ext uri="{FF2B5EF4-FFF2-40B4-BE49-F238E27FC236}">
+                <a16:creationId xmlns:a16="http://schemas.microsoft.com/office/drawing/2014/main" id="{0194B37B-813A-99FE-7B78-4D87D8C30D44}"/>
+              </a:ext>
+            </a:extLst>
+          </p:cNvPr>
+          <p:cNvSpPr txBox="1">
+            <a:spLocks/>
+          </p:cNvSpPr>
+          <p:nvPr/>
+        </p:nvSpPr>
+        <p:spPr bwMode="black">
+          <a:xfrm>
+            <a:off x="961533" y="2011679"/>
+            <a:ext cx="6363093" cy="4171630"/>
+          </a:xfrm>
+          <a:prstGeom prst="rect">
+            <a:avLst/>
+          </a:prstGeom>
+        </p:spPr>
+        <p:txBody>
+          <a:bodyPr wrap="square" lIns="0" tIns="0" rIns="0" bIns="0"/>
+          <a:lstStyle>
+            <a:lvl1pPr marL="0" indent="0" algn="l" defTabSz="914400" rtl="0" eaLnBrk="1" latinLnBrk="0" hangingPunct="1">
+              <a:lnSpc>
+                <a:spcPct val="110000"/>
+              </a:lnSpc>
+              <a:spcBef>
+                <a:spcPts val="600"/>
+              </a:spcBef>
+              <a:spcAft>
+                <a:spcPts val="600"/>
+              </a:spcAft>
+              <a:buFont typeface="Arial" panose="020B0604020202020204" pitchFamily="34" charset="0"/>
+              <a:buNone/>
+              <a:defRPr sz="2000" b="0" kern="1200">
+                <a:solidFill>
+                  <a:schemeClr val="tx1"/>
+                </a:solidFill>
+                <a:latin typeface="+mn-lt"/>
+                <a:ea typeface="+mn-ea"/>
+                <a:cs typeface="+mn-cs"/>
+              </a:defRPr>
+            </a:lvl1pPr>
+            <a:lvl2pPr marL="216000" indent="-216000" algn="l" defTabSz="914400" rtl="0" eaLnBrk="1" latinLnBrk="0" hangingPunct="1">
+              <a:lnSpc>
+                <a:spcPct val="110000"/>
+              </a:lnSpc>
+              <a:spcBef>
+                <a:spcPts val="200"/>
+              </a:spcBef>
+              <a:spcAft>
+                <a:spcPts val="200"/>
+              </a:spcAft>
+              <a:buFont typeface="Arial" panose="020B0604020202020204" pitchFamily="34" charset="0"/>
+              <a:buChar char="•"/>
+              <a:defRPr sz="2000" kern="1200">
+                <a:solidFill>
+                  <a:schemeClr val="tx1"/>
+                </a:solidFill>
+                <a:latin typeface="+mn-lt"/>
+                <a:ea typeface="+mn-ea"/>
+                <a:cs typeface="+mn-cs"/>
+              </a:defRPr>
+            </a:lvl2pPr>
+            <a:lvl3pPr marL="504000" indent="-288000" algn="l" defTabSz="914400" rtl="0" eaLnBrk="1" latinLnBrk="0" hangingPunct="1">
+              <a:lnSpc>
+                <a:spcPct val="110000"/>
+              </a:lnSpc>
+              <a:spcBef>
+                <a:spcPts val="200"/>
+              </a:spcBef>
+              <a:spcAft>
+                <a:spcPts val="200"/>
+              </a:spcAft>
+              <a:buFont typeface="TheSans Swisscom Light" panose="020B0300040303060204" pitchFamily="34" charset="0"/>
+              <a:buChar char="−"/>
+              <a:defRPr sz="2000" kern="1200">
+                <a:solidFill>
+                  <a:schemeClr val="tx1"/>
+                </a:solidFill>
+                <a:latin typeface="+mn-lt"/>
+                <a:ea typeface="+mn-ea"/>
+                <a:cs typeface="+mn-cs"/>
+              </a:defRPr>
+            </a:lvl3pPr>
+            <a:lvl4pPr marL="792000" indent="-288000" algn="l" defTabSz="914400" rtl="0" eaLnBrk="1" latinLnBrk="0" hangingPunct="1">
+              <a:lnSpc>
+                <a:spcPct val="110000"/>
+              </a:lnSpc>
+              <a:spcBef>
+                <a:spcPts val="200"/>
+              </a:spcBef>
+              <a:spcAft>
+                <a:spcPts val="200"/>
+              </a:spcAft>
+              <a:buFont typeface="TheSans Swisscom Light" panose="020B0300040303060204" pitchFamily="34" charset="0"/>
+              <a:buChar char="−"/>
+              <a:defRPr sz="2000" kern="1200">
+                <a:solidFill>
+                  <a:schemeClr val="tx1"/>
+                </a:solidFill>
+                <a:latin typeface="+mn-lt"/>
+                <a:ea typeface="+mn-ea"/>
+                <a:cs typeface="+mn-cs"/>
+              </a:defRPr>
+            </a:lvl4pPr>
+            <a:lvl5pPr marL="792000" indent="-288000" algn="l" defTabSz="914400" rtl="0" eaLnBrk="1" latinLnBrk="0" hangingPunct="1">
+              <a:lnSpc>
+                <a:spcPct val="110000"/>
+              </a:lnSpc>
+              <a:spcBef>
+                <a:spcPts val="200"/>
+              </a:spcBef>
+              <a:spcAft>
+                <a:spcPts val="200"/>
+              </a:spcAft>
+              <a:buFont typeface="TheSans Swisscom Light" panose="020B0300040303060204" pitchFamily="34" charset="0"/>
+              <a:buChar char="−"/>
+              <a:defRPr sz="2000" kern="1200">
+                <a:solidFill>
+                  <a:schemeClr val="tx1"/>
+                </a:solidFill>
+                <a:latin typeface="+mn-lt"/>
+                <a:ea typeface="+mn-ea"/>
+                <a:cs typeface="+mn-cs"/>
+              </a:defRPr>
+            </a:lvl5pPr>
+            <a:lvl6pPr marL="792000" indent="-288000" algn="l" defTabSz="914400" rtl="0" eaLnBrk="1" latinLnBrk="0" hangingPunct="1">
+              <a:lnSpc>
+                <a:spcPct val="110000"/>
+              </a:lnSpc>
+              <a:spcBef>
+                <a:spcPts val="200"/>
+              </a:spcBef>
+              <a:spcAft>
+                <a:spcPts val="200"/>
+              </a:spcAft>
+              <a:buFont typeface="TheSans Swisscom Light" panose="020B0300040303060204" pitchFamily="34" charset="0"/>
+              <a:buChar char="−"/>
+              <a:defRPr sz="2000" kern="1200">
+                <a:solidFill>
+                  <a:schemeClr val="tx1"/>
+                </a:solidFill>
+                <a:latin typeface="+mn-lt"/>
+                <a:ea typeface="+mn-ea"/>
+                <a:cs typeface="+mn-cs"/>
+              </a:defRPr>
+            </a:lvl6pPr>
+            <a:lvl7pPr marL="792000" indent="-288000" algn="l" defTabSz="914400" rtl="0" eaLnBrk="1" latinLnBrk="0" hangingPunct="1">
+              <a:lnSpc>
+                <a:spcPct val="110000"/>
+              </a:lnSpc>
+              <a:spcBef>
+                <a:spcPts val="200"/>
+              </a:spcBef>
+              <a:spcAft>
+                <a:spcPts val="200"/>
+              </a:spcAft>
+              <a:buFont typeface="TheSans Swisscom Light" panose="020B0300040303060204" pitchFamily="34" charset="0"/>
+              <a:buChar char="−"/>
+              <a:defRPr sz="2000" kern="1200">
+                <a:solidFill>
+                  <a:schemeClr val="tx1"/>
+                </a:solidFill>
+                <a:latin typeface="+mn-lt"/>
+                <a:ea typeface="+mn-ea"/>
+                <a:cs typeface="+mn-cs"/>
+              </a:defRPr>
+            </a:lvl7pPr>
+            <a:lvl8pPr marL="792000" indent="-288000" algn="l" defTabSz="914400" rtl="0" eaLnBrk="1" latinLnBrk="0" hangingPunct="1">
+              <a:lnSpc>
+                <a:spcPct val="110000"/>
+              </a:lnSpc>
+              <a:spcBef>
+                <a:spcPts val="200"/>
+              </a:spcBef>
+              <a:spcAft>
+                <a:spcPts val="200"/>
+              </a:spcAft>
+              <a:buFont typeface="TheSans Swisscom Light" panose="020B0300040303060204" pitchFamily="34" charset="0"/>
+              <a:buChar char="−"/>
+              <a:defRPr sz="2000" kern="1200">
+                <a:solidFill>
+                  <a:schemeClr val="tx1"/>
+                </a:solidFill>
+                <a:latin typeface="+mn-lt"/>
+                <a:ea typeface="+mn-ea"/>
+                <a:cs typeface="+mn-cs"/>
+              </a:defRPr>
+            </a:lvl8pPr>
+            <a:lvl9pPr marL="792000" indent="-288000" algn="l" defTabSz="914400" rtl="0" eaLnBrk="1" latinLnBrk="0" hangingPunct="1">
+              <a:lnSpc>
+                <a:spcPct val="110000"/>
+              </a:lnSpc>
+              <a:spcBef>
+                <a:spcPts val="200"/>
+              </a:spcBef>
+              <a:spcAft>
+                <a:spcPts val="200"/>
+              </a:spcAft>
+              <a:buFont typeface="TheSans Swisscom Light" panose="020B0300040303060204" pitchFamily="34" charset="0"/>
+              <a:buChar char="−"/>
+              <a:defRPr sz="2000" kern="1200">
+                <a:solidFill>
+                  <a:schemeClr val="tx1"/>
+                </a:solidFill>
+                <a:latin typeface="+mn-lt"/>
+                <a:ea typeface="+mn-ea"/>
+                <a:cs typeface="+mn-cs"/>
+              </a:defRPr>
+            </a:lvl9pPr>
+          </a:lstStyle>
+          <a:p>
+            <a:r>
+              <a:rPr lang="en-US" dirty="0"/>
+              <a:t>Nowadays network operators are using </a:t>
+            </a:r>
+            <a:r>
+              <a:rPr lang="en-US" b="1" dirty="0">
+                <a:solidFill>
+                  <a:srgbClr val="FF0000"/>
+                </a:solidFill>
+              </a:rPr>
+              <a:t>machine and human readable YANG </a:t>
+            </a:r>
+            <a:r>
+              <a:rPr lang="en-US" dirty="0">
+                <a:solidFill>
+                  <a:srgbClr val="FF0000"/>
+                </a:solidFill>
+                <a:hlinkClick r:id="rId2"/>
+              </a:rPr>
+              <a:t>RFC 7950</a:t>
+            </a:r>
+            <a:r>
+              <a:rPr lang="en-US" dirty="0">
+                <a:hlinkClick r:id="rId2"/>
+              </a:rPr>
+              <a:t> </a:t>
+            </a:r>
+            <a:r>
+              <a:rPr lang="en-US" dirty="0"/>
+              <a:t>to model their configurations and obtain YANG modelled data from their networks. </a:t>
+            </a:r>
+          </a:p>
+          <a:p>
+            <a:r>
+              <a:rPr lang="en-US" b="1" dirty="0">
+                <a:solidFill>
+                  <a:srgbClr val="FF0000"/>
+                </a:solidFill>
+              </a:rPr>
+              <a:t>Network operators organize their data in a Data Mesh </a:t>
+            </a:r>
+            <a:r>
+              <a:rPr lang="en-US" dirty="0"/>
+              <a:t>where a message broker such as Apache Kafka facilitates the exchange of messages among data processing components. </a:t>
+            </a:r>
+          </a:p>
+          <a:p>
+            <a:r>
+              <a:rPr lang="en-US" dirty="0"/>
+              <a:t>Today, subscribing to a YANG datastore, publishing a YANG modeled notifications message from the network and viewing the data in a time series database, </a:t>
+            </a:r>
+            <a:r>
+              <a:rPr lang="en-US" b="1" dirty="0">
+                <a:solidFill>
+                  <a:srgbClr val="FF0000"/>
+                </a:solidFill>
+              </a:rPr>
+              <a:t>manual labor is needed to perform data transformation </a:t>
+            </a:r>
+            <a:r>
+              <a:rPr lang="en-US" dirty="0"/>
+              <a:t>to make a message broker and its data processing components with YANG notifications interoperable.</a:t>
+            </a:r>
+          </a:p>
+        </p:txBody>
+      </p:sp>
+      <p:sp>
+        <p:nvSpPr>
+          <p:cNvPr id="18" name="TextBox 17">
+            <a:extLst>
+              <a:ext uri="{FF2B5EF4-FFF2-40B4-BE49-F238E27FC236}">
+                <a16:creationId xmlns:a16="http://schemas.microsoft.com/office/drawing/2014/main" id="{B283EDB4-CFDF-D6B9-8AF9-9CFA563360E3}"/>
+              </a:ext>
+            </a:extLst>
+          </p:cNvPr>
+          <p:cNvSpPr txBox="1"/>
+          <p:nvPr/>
+        </p:nvSpPr>
+        <p:spPr>
+          <a:xfrm>
+            <a:off x="7588576" y="2365150"/>
+            <a:ext cx="3999316" cy="2862322"/>
+          </a:xfrm>
+          <a:prstGeom prst="rect">
+            <a:avLst/>
+          </a:prstGeom>
+          <a:noFill/>
+        </p:spPr>
+        <p:txBody>
+          <a:bodyPr wrap="square">
+            <a:spAutoFit/>
+          </a:bodyPr>
+          <a:lstStyle/>
+          <a:p>
+            <a:pPr algn="ctr"/>
+            <a:r>
+              <a:rPr lang="en-US" sz="3000" b="1" dirty="0">
+                <a:latin typeface="+mj-lt"/>
+              </a:rPr>
+              <a:t>« </a:t>
+            </a:r>
+            <a:r>
+              <a:rPr lang="en-US" sz="3000" dirty="0">
+                <a:latin typeface="+mj-lt"/>
+              </a:rPr>
+              <a:t>Even though YANG is </a:t>
+            </a:r>
+            <a:r>
+              <a:rPr lang="en-US" sz="3000" dirty="0" err="1">
+                <a:latin typeface="+mj-lt"/>
+              </a:rPr>
+              <a:t>intented</a:t>
+            </a:r>
+            <a:r>
+              <a:rPr lang="en-US" sz="3000" dirty="0">
+                <a:latin typeface="+mj-lt"/>
+              </a:rPr>
+              <a:t> to ease data management, </a:t>
+            </a:r>
+            <a:r>
+              <a:rPr lang="en-US" sz="3000" b="1" dirty="0">
+                <a:solidFill>
+                  <a:srgbClr val="FF0000"/>
+                </a:solidFill>
+                <a:latin typeface="+mj-lt"/>
+              </a:rPr>
+              <a:t>this promise has not yet been fulfilled </a:t>
+            </a:r>
+            <a:r>
+              <a:rPr lang="en-US" sz="3000" dirty="0">
+                <a:latin typeface="+mj-lt"/>
+              </a:rPr>
+              <a:t>for Network Telemetry </a:t>
+            </a:r>
+            <a:r>
+              <a:rPr lang="en-US" sz="3000" dirty="0">
+                <a:latin typeface="+mj-lt"/>
+                <a:hlinkClick r:id="rId3"/>
+              </a:rPr>
+              <a:t>RFC 9232 </a:t>
+            </a:r>
+            <a:r>
+              <a:rPr lang="de-CH" sz="3000" b="1" dirty="0">
+                <a:latin typeface="+mj-lt"/>
+              </a:rPr>
+              <a:t>»</a:t>
+            </a:r>
+            <a:endParaRPr lang="en-US" sz="3000" b="1" dirty="0">
+              <a:latin typeface="+mj-lt"/>
+            </a:endParaRPr>
+          </a:p>
+        </p:txBody>
+      </p:sp>
+      <p:sp>
+        <p:nvSpPr>
+          <p:cNvPr id="19" name="Title 1">
+            <a:extLst>
+              <a:ext uri="{FF2B5EF4-FFF2-40B4-BE49-F238E27FC236}">
+                <a16:creationId xmlns:a16="http://schemas.microsoft.com/office/drawing/2014/main" id="{56D79134-17A9-8BC8-B7D0-97BCFFB9A6B2}"/>
+              </a:ext>
+            </a:extLst>
+          </p:cNvPr>
+          <p:cNvSpPr>
+            <a:spLocks noGrp="1"/>
+          </p:cNvSpPr>
+          <p:nvPr>
+            <p:ph type="title"/>
+          </p:nvPr>
+        </p:nvSpPr>
+        <p:spPr>
+          <a:xfrm>
+            <a:off x="838200" y="365125"/>
+            <a:ext cx="10515600" cy="1325563"/>
+          </a:xfrm>
+        </p:spPr>
+        <p:txBody>
+          <a:bodyPr>
+            <a:normAutofit/>
+          </a:bodyPr>
+          <a:lstStyle/>
+          <a:p>
+            <a:r>
+              <a:rPr lang="en-US" sz="2800" b="1" dirty="0"/>
+              <a:t>Handling Operational YANG Modelled Data</a:t>
+            </a:r>
+            <a:br>
+              <a:rPr lang="en-US" sz="3600" dirty="0"/>
+            </a:br>
+            <a:r>
+              <a:rPr lang="en-US" sz="2700" dirty="0">
+                <a:solidFill>
+                  <a:schemeClr val="bg2">
+                    <a:lumMod val="75000"/>
+                  </a:schemeClr>
+                </a:solidFill>
+              </a:rPr>
+              <a:t>State of the Union</a:t>
+            </a:r>
+          </a:p>
+        </p:txBody>
+      </p:sp>
+    </p:spTree>
+    <p:extLst>
+      <p:ext uri="{BB962C8B-B14F-4D97-AF65-F5344CB8AC3E}">
+        <p14:creationId xmlns:p14="http://schemas.microsoft.com/office/powerpoint/2010/main" val="1315775908"/>
+      </p:ext>
+    </p:extLst>
+  </p:cSld>
+  <p:clrMapOvr>
+    <a:masterClrMapping/>
+  </p:clrMapOvr>
+</p:sld>
+</file>
+
+<file path=ppt/slides/slide4.xml><?xml version="1.0" encoding="utf-8"?>
+<p:sld xmlns:a="http://schemas.openxmlformats.org/drawingml/2006/main" xmlns:r="http://schemas.openxmlformats.org/officeDocument/2006/relationships" xmlns:p="http://schemas.openxmlformats.org/presentationml/2006/main">
+  <p:cSld>
+    <p:spTree>
+      <p:nvGrpSpPr>
+        <p:cNvPr id="1" name=""/>
+        <p:cNvGrpSpPr/>
+        <p:nvPr/>
+      </p:nvGrpSpPr>
+      <p:grpSpPr>
+        <a:xfrm>
+          <a:off x="0" y="0"/>
+          <a:ext cx="0" cy="0"/>
+          <a:chOff x="0" y="0"/>
+          <a:chExt cx="0" cy="0"/>
+        </a:xfrm>
+      </p:grpSpPr>
+      <p:sp>
+        <p:nvSpPr>
+          <p:cNvPr id="2" name="Title 1">
+            <a:extLst>
+              <a:ext uri="{FF2B5EF4-FFF2-40B4-BE49-F238E27FC236}">
+                <a16:creationId xmlns:a16="http://schemas.microsoft.com/office/drawing/2014/main" id="{FF20F271-6F0D-4AC0-BB1D-F5C338165C13}"/>
+              </a:ext>
+            </a:extLst>
+          </p:cNvPr>
+          <p:cNvSpPr>
+            <a:spLocks noGrp="1"/>
+          </p:cNvSpPr>
+          <p:nvPr>
+            <p:ph type="title"/>
+          </p:nvPr>
+        </p:nvSpPr>
+        <p:spPr/>
+        <p:txBody>
+          <a:bodyPr>
+            <a:normAutofit/>
+          </a:bodyPr>
+          <a:lstStyle/>
+          <a:p>
+            <a:r>
+              <a:rPr lang="en-US" sz="2800" b="1" dirty="0"/>
+              <a:t>From YANG-Push to Network Analytics</a:t>
+            </a:r>
+            <a:br>
+              <a:rPr lang="en-GB" sz="3600" dirty="0"/>
+            </a:br>
+            <a:r>
+              <a:rPr lang="en-US" sz="2700" dirty="0">
+                <a:solidFill>
+                  <a:schemeClr val="bg2">
+                    <a:lumMod val="75000"/>
+                  </a:schemeClr>
+                </a:solidFill>
+              </a:rPr>
+              <a:t>Aiming for an automated data processing pipeline</a:t>
+            </a:r>
+          </a:p>
+        </p:txBody>
+      </p:sp>
+      <p:sp>
+        <p:nvSpPr>
+          <p:cNvPr id="3" name="Content Placeholder 2">
+            <a:extLst>
+              <a:ext uri="{FF2B5EF4-FFF2-40B4-BE49-F238E27FC236}">
+                <a16:creationId xmlns:a16="http://schemas.microsoft.com/office/drawing/2014/main" id="{29C0DFD4-432D-4B0C-93DF-790441DCF5B9}"/>
+              </a:ext>
+            </a:extLst>
+          </p:cNvPr>
+          <p:cNvSpPr>
+            <a:spLocks noGrp="1"/>
+          </p:cNvSpPr>
+          <p:nvPr>
+            <p:ph idx="1"/>
+          </p:nvPr>
+        </p:nvSpPr>
+        <p:spPr>
+          <a:xfrm>
+            <a:off x="838199" y="1884420"/>
+            <a:ext cx="8239299" cy="4292543"/>
+          </a:xfrm>
+        </p:spPr>
+        <p:txBody>
+          <a:bodyPr>
+            <a:noAutofit/>
+          </a:bodyPr>
+          <a:lstStyle/>
+          <a:p>
+            <a:r>
+              <a:rPr lang="en-US" sz="2000" b="1" dirty="0"/>
+              <a:t>A network operator aims for:</a:t>
+            </a:r>
+            <a:endParaRPr lang="en-US" sz="2000" dirty="0"/>
+          </a:p>
+          <a:p>
+            <a:pPr lvl="1"/>
+            <a:r>
+              <a:rPr lang="en-US" sz="2000" dirty="0"/>
+              <a:t>An </a:t>
+            </a:r>
+            <a:r>
+              <a:rPr lang="en-US" sz="2000" b="1" dirty="0">
+                <a:solidFill>
+                  <a:srgbClr val="FF0000"/>
+                </a:solidFill>
+              </a:rPr>
+              <a:t>automated data processing pipeline </a:t>
+            </a:r>
+            <a:r>
+              <a:rPr lang="en-US" sz="2000" dirty="0"/>
+              <a:t>which starts with YANG-Push, consolidates at Data Mesh and ends at Network Analytics.</a:t>
+            </a:r>
+          </a:p>
+          <a:p>
+            <a:pPr lvl="1"/>
+            <a:r>
+              <a:rPr lang="en-US" sz="2000" dirty="0"/>
+              <a:t>Operational metrics where </a:t>
+            </a:r>
+            <a:r>
+              <a:rPr lang="en-US" sz="2000" b="1" dirty="0">
+                <a:solidFill>
+                  <a:srgbClr val="FF0000"/>
+                </a:solidFill>
+              </a:rPr>
+              <a:t>IETF defines the semantics. </a:t>
+            </a:r>
+          </a:p>
+          <a:p>
+            <a:pPr lvl="1"/>
+            <a:r>
+              <a:rPr lang="en-US" sz="2000" dirty="0"/>
+              <a:t>Analytical metrics where </a:t>
+            </a:r>
+            <a:r>
+              <a:rPr lang="en-US" sz="2000" b="1" dirty="0">
+                <a:solidFill>
+                  <a:srgbClr val="FF0000"/>
+                </a:solidFill>
+              </a:rPr>
+              <a:t>network operators gain actionable insights.</a:t>
+            </a:r>
+            <a:br>
+              <a:rPr lang="en-US" sz="2000" b="1" dirty="0">
+                <a:solidFill>
+                  <a:srgbClr val="FF0000"/>
+                </a:solidFill>
+              </a:rPr>
+            </a:br>
+            <a:endParaRPr lang="en-US" sz="2000" b="1" dirty="0">
+              <a:solidFill>
+                <a:srgbClr val="FF0000"/>
+              </a:solidFill>
+            </a:endParaRPr>
+          </a:p>
+          <a:p>
+            <a:r>
+              <a:rPr lang="en-US" sz="2000" b="1" dirty="0"/>
+              <a:t>We achieve this by integrating YANG-Push into Data Mesh to:</a:t>
+            </a:r>
+          </a:p>
+          <a:p>
+            <a:pPr lvl="1"/>
+            <a:r>
+              <a:rPr lang="en-US" sz="2000" dirty="0"/>
+              <a:t>Produce metrics from networks </a:t>
+            </a:r>
+            <a:r>
+              <a:rPr lang="en-US" sz="2000" b="1" dirty="0">
+                <a:solidFill>
+                  <a:srgbClr val="FF0000"/>
+                </a:solidFill>
+              </a:rPr>
+              <a:t>with timestamps when network events were observed.</a:t>
+            </a:r>
+          </a:p>
+          <a:p>
+            <a:pPr lvl="1"/>
+            <a:r>
+              <a:rPr lang="en-US" sz="2000" dirty="0"/>
+              <a:t>Hostname, publisher ID and sequence numbers help us to understand </a:t>
+            </a:r>
+            <a:r>
+              <a:rPr lang="en-US" sz="2000" b="1" dirty="0">
+                <a:solidFill>
+                  <a:srgbClr val="FF0000"/>
+                </a:solidFill>
+              </a:rPr>
+              <a:t>from where metrics were exported and measure its delay and loss.</a:t>
+            </a:r>
+          </a:p>
+          <a:p>
+            <a:pPr lvl="1"/>
+            <a:r>
+              <a:rPr lang="en-US" sz="2000" dirty="0"/>
+              <a:t>Forward </a:t>
+            </a:r>
+            <a:r>
+              <a:rPr lang="en-US" sz="2000" b="1" dirty="0">
+                <a:solidFill>
+                  <a:srgbClr val="FF0000"/>
+                </a:solidFill>
+              </a:rPr>
+              <a:t>metrics unchanged </a:t>
+            </a:r>
+            <a:r>
+              <a:rPr lang="en-US" sz="2000" dirty="0"/>
+              <a:t>from networks</a:t>
+            </a:r>
+          </a:p>
+          <a:p>
+            <a:pPr lvl="1"/>
+            <a:r>
+              <a:rPr lang="en-US" sz="2000" b="1" dirty="0">
+                <a:solidFill>
+                  <a:srgbClr val="FF0000"/>
+                </a:solidFill>
+              </a:rPr>
+              <a:t>Learn semantics </a:t>
+            </a:r>
+            <a:r>
+              <a:rPr lang="en-US" sz="2000" dirty="0"/>
+              <a:t>from networks and validate messages.</a:t>
+            </a:r>
+          </a:p>
+          <a:p>
+            <a:pPr lvl="1"/>
+            <a:r>
+              <a:rPr lang="en-US" sz="2000" b="1" dirty="0">
+                <a:solidFill>
+                  <a:srgbClr val="FF0000"/>
+                </a:solidFill>
+              </a:rPr>
+              <a:t>Control semantic </a:t>
+            </a:r>
+            <a:r>
+              <a:rPr lang="en-US" sz="2000" dirty="0"/>
+              <a:t>changes end to end.</a:t>
+            </a:r>
+          </a:p>
+        </p:txBody>
+      </p:sp>
+      <p:pic>
+        <p:nvPicPr>
+          <p:cNvPr id="10" name="Picture 9">
+            <a:extLst>
+              <a:ext uri="{FF2B5EF4-FFF2-40B4-BE49-F238E27FC236}">
+                <a16:creationId xmlns:a16="http://schemas.microsoft.com/office/drawing/2014/main" id="{94188F19-E5F7-4133-8F81-1D619D6CCEBF}"/>
+              </a:ext>
+            </a:extLst>
+          </p:cNvPr>
+          <p:cNvPicPr>
+            <a:picLocks noChangeAspect="1"/>
+          </p:cNvPicPr>
+          <p:nvPr/>
+        </p:nvPicPr>
+        <p:blipFill>
+          <a:blip r:embed="rId2"/>
+          <a:stretch>
+            <a:fillRect/>
+          </a:stretch>
+        </p:blipFill>
+        <p:spPr>
+          <a:xfrm>
+            <a:off x="9322538" y="1027906"/>
+            <a:ext cx="2679605" cy="4851729"/>
+          </a:xfrm>
+          <a:prstGeom prst="rect">
+            <a:avLst/>
+          </a:prstGeom>
+        </p:spPr>
+      </p:pic>
+      <p:sp>
+        <p:nvSpPr>
+          <p:cNvPr id="6" name="Slide Number Placeholder 1">
+            <a:extLst>
+              <a:ext uri="{FF2B5EF4-FFF2-40B4-BE49-F238E27FC236}">
+                <a16:creationId xmlns:a16="http://schemas.microsoft.com/office/drawing/2014/main" id="{3D5EE238-429C-4784-8E42-1813EF45704D}"/>
+              </a:ext>
+            </a:extLst>
+          </p:cNvPr>
+          <p:cNvSpPr>
+            <a:spLocks noGrp="1"/>
+          </p:cNvSpPr>
+          <p:nvPr>
+            <p:ph type="sldNum" sz="quarter" idx="12"/>
+          </p:nvPr>
+        </p:nvSpPr>
+        <p:spPr>
+          <a:xfrm>
+            <a:off x="11587892" y="6361637"/>
+            <a:ext cx="414251" cy="365125"/>
+          </a:xfrm>
+        </p:spPr>
+        <p:txBody>
+          <a:bodyPr/>
+          <a:lstStyle/>
+          <a:p>
+            <a:fld id="{FC4AC485-25DE-431E-B345-9C0A15BB7F8A}" type="slidenum">
+              <a:rPr lang="de-CH" sz="1400" smtClean="0"/>
+              <a:t>4</a:t>
+            </a:fld>
+            <a:endParaRPr lang="de-CH" sz="1400" dirty="0"/>
+          </a:p>
+        </p:txBody>
+      </p:sp>
+    </p:spTree>
+    <p:extLst>
+      <p:ext uri="{BB962C8B-B14F-4D97-AF65-F5344CB8AC3E}">
+        <p14:creationId xmlns:p14="http://schemas.microsoft.com/office/powerpoint/2010/main" val="1088069469"/>
+      </p:ext>
+    </p:extLst>
+  </p:cSld>
+  <p:clrMapOvr>
+    <a:masterClrMapping/>
+  </p:clrMapOvr>
+</p:sld>
+</file>
+
+<file path=ppt/slides/slide5.xml><?xml version="1.0" encoding="utf-8"?>
+<p:sld xmlns:a="http://schemas.openxmlformats.org/drawingml/2006/main" xmlns:r="http://schemas.openxmlformats.org/officeDocument/2006/relationships" xmlns:p="http://schemas.openxmlformats.org/presentationml/2006/main">
+  <p:cSld>
+    <p:spTree>
+      <p:nvGrpSpPr>
+        <p:cNvPr id="1" name=""/>
+        <p:cNvGrpSpPr/>
+        <p:nvPr/>
+      </p:nvGrpSpPr>
+      <p:grpSpPr>
+        <a:xfrm>
+          <a:off x="0" y="0"/>
+          <a:ext cx="0" cy="0"/>
+          <a:chOff x="0" y="0"/>
+          <a:chExt cx="0" cy="0"/>
+        </a:xfrm>
+      </p:grpSpPr>
+      <p:sp>
+        <p:nvSpPr>
+          <p:cNvPr id="6" name="Slide Number Placeholder 1">
+            <a:extLst>
+              <a:ext uri="{FF2B5EF4-FFF2-40B4-BE49-F238E27FC236}">
+                <a16:creationId xmlns:a16="http://schemas.microsoft.com/office/drawing/2014/main" id="{024DC3B6-499C-4E15-9336-2F15A0DFB843}"/>
+              </a:ext>
+            </a:extLst>
+          </p:cNvPr>
+          <p:cNvSpPr>
+            <a:spLocks noGrp="1"/>
+          </p:cNvSpPr>
+          <p:nvPr>
+            <p:ph type="sldNum" sz="quarter" idx="12"/>
+          </p:nvPr>
+        </p:nvSpPr>
+        <p:spPr>
+          <a:xfrm>
+            <a:off x="11587892" y="6361637"/>
+            <a:ext cx="414251" cy="365125"/>
+          </a:xfrm>
+        </p:spPr>
+        <p:txBody>
+          <a:bodyPr/>
+          <a:lstStyle/>
+          <a:p>
+            <a:fld id="{FC4AC485-25DE-431E-B345-9C0A15BB7F8A}" type="slidenum">
+              <a:rPr lang="de-CH" sz="1400" smtClean="0"/>
+              <a:t>5</a:t>
+            </a:fld>
+            <a:endParaRPr lang="de-CH" sz="1400" dirty="0"/>
+          </a:p>
+        </p:txBody>
+      </p:sp>
+      <p:sp>
+        <p:nvSpPr>
+          <p:cNvPr id="5" name="Inhaltsplatzhalter 2">
+            <a:extLst>
+              <a:ext uri="{FF2B5EF4-FFF2-40B4-BE49-F238E27FC236}">
+                <a16:creationId xmlns:a16="http://schemas.microsoft.com/office/drawing/2014/main" id="{0194B37B-813A-99FE-7B78-4D87D8C30D44}"/>
+              </a:ext>
+            </a:extLst>
+          </p:cNvPr>
+          <p:cNvSpPr txBox="1">
+            <a:spLocks/>
+          </p:cNvSpPr>
+          <p:nvPr/>
+        </p:nvSpPr>
+        <p:spPr bwMode="black">
+          <a:xfrm>
+            <a:off x="961053" y="1690687"/>
+            <a:ext cx="10626840" cy="2060219"/>
+          </a:xfrm>
+          <a:prstGeom prst="rect">
+            <a:avLst/>
+          </a:prstGeom>
+        </p:spPr>
+        <p:txBody>
+          <a:bodyPr wrap="square" lIns="0" tIns="0" rIns="0" bIns="0"/>
+          <a:lstStyle>
+            <a:lvl1pPr marL="0" indent="0" algn="l" defTabSz="914400" rtl="0" eaLnBrk="1" latinLnBrk="0" hangingPunct="1">
+              <a:lnSpc>
+                <a:spcPct val="110000"/>
+              </a:lnSpc>
+              <a:spcBef>
+                <a:spcPts val="600"/>
+              </a:spcBef>
+              <a:spcAft>
+                <a:spcPts val="600"/>
+              </a:spcAft>
+              <a:buFont typeface="Arial" panose="020B0604020202020204" pitchFamily="34" charset="0"/>
+              <a:buNone/>
+              <a:defRPr sz="2000" b="0" kern="1200">
+                <a:solidFill>
+                  <a:schemeClr val="tx1"/>
+                </a:solidFill>
+                <a:latin typeface="+mn-lt"/>
+                <a:ea typeface="+mn-ea"/>
+                <a:cs typeface="+mn-cs"/>
+              </a:defRPr>
+            </a:lvl1pPr>
+            <a:lvl2pPr marL="216000" indent="-216000" algn="l" defTabSz="914400" rtl="0" eaLnBrk="1" latinLnBrk="0" hangingPunct="1">
+              <a:lnSpc>
+                <a:spcPct val="110000"/>
+              </a:lnSpc>
+              <a:spcBef>
+                <a:spcPts val="200"/>
+              </a:spcBef>
+              <a:spcAft>
+                <a:spcPts val="200"/>
+              </a:spcAft>
+              <a:buFont typeface="Arial" panose="020B0604020202020204" pitchFamily="34" charset="0"/>
+              <a:buChar char="•"/>
+              <a:defRPr sz="2000" kern="1200">
+                <a:solidFill>
+                  <a:schemeClr val="tx1"/>
+                </a:solidFill>
+                <a:latin typeface="+mn-lt"/>
+                <a:ea typeface="+mn-ea"/>
+                <a:cs typeface="+mn-cs"/>
+              </a:defRPr>
+            </a:lvl2pPr>
+            <a:lvl3pPr marL="504000" indent="-288000" algn="l" defTabSz="914400" rtl="0" eaLnBrk="1" latinLnBrk="0" hangingPunct="1">
+              <a:lnSpc>
+                <a:spcPct val="110000"/>
+              </a:lnSpc>
+              <a:spcBef>
+                <a:spcPts val="200"/>
+              </a:spcBef>
+              <a:spcAft>
+                <a:spcPts val="200"/>
+              </a:spcAft>
+              <a:buFont typeface="TheSans Swisscom Light" panose="020B0300040303060204" pitchFamily="34" charset="0"/>
+              <a:buChar char="−"/>
+              <a:defRPr sz="2000" kern="1200">
+                <a:solidFill>
+                  <a:schemeClr val="tx1"/>
+                </a:solidFill>
+                <a:latin typeface="+mn-lt"/>
+                <a:ea typeface="+mn-ea"/>
+                <a:cs typeface="+mn-cs"/>
+              </a:defRPr>
+            </a:lvl3pPr>
+            <a:lvl4pPr marL="792000" indent="-288000" algn="l" defTabSz="914400" rtl="0" eaLnBrk="1" latinLnBrk="0" hangingPunct="1">
+              <a:lnSpc>
+                <a:spcPct val="110000"/>
+              </a:lnSpc>
+              <a:spcBef>
+                <a:spcPts val="200"/>
+              </a:spcBef>
+              <a:spcAft>
+                <a:spcPts val="200"/>
+              </a:spcAft>
+              <a:buFont typeface="TheSans Swisscom Light" panose="020B0300040303060204" pitchFamily="34" charset="0"/>
+              <a:buChar char="−"/>
+              <a:defRPr sz="2000" kern="1200">
+                <a:solidFill>
+                  <a:schemeClr val="tx1"/>
+                </a:solidFill>
+                <a:latin typeface="+mn-lt"/>
+                <a:ea typeface="+mn-ea"/>
+                <a:cs typeface="+mn-cs"/>
+              </a:defRPr>
+            </a:lvl4pPr>
+            <a:lvl5pPr marL="792000" indent="-288000" algn="l" defTabSz="914400" rtl="0" eaLnBrk="1" latinLnBrk="0" hangingPunct="1">
+              <a:lnSpc>
+                <a:spcPct val="110000"/>
+              </a:lnSpc>
+              <a:spcBef>
+                <a:spcPts val="200"/>
+              </a:spcBef>
+              <a:spcAft>
+                <a:spcPts val="200"/>
+              </a:spcAft>
+              <a:buFont typeface="TheSans Swisscom Light" panose="020B0300040303060204" pitchFamily="34" charset="0"/>
+              <a:buChar char="−"/>
+              <a:defRPr sz="2000" kern="1200">
+                <a:solidFill>
+                  <a:schemeClr val="tx1"/>
+                </a:solidFill>
+                <a:latin typeface="+mn-lt"/>
+                <a:ea typeface="+mn-ea"/>
+                <a:cs typeface="+mn-cs"/>
+              </a:defRPr>
+            </a:lvl5pPr>
+            <a:lvl6pPr marL="792000" indent="-288000" algn="l" defTabSz="914400" rtl="0" eaLnBrk="1" latinLnBrk="0" hangingPunct="1">
+              <a:lnSpc>
+                <a:spcPct val="110000"/>
+              </a:lnSpc>
+              <a:spcBef>
+                <a:spcPts val="200"/>
+              </a:spcBef>
+              <a:spcAft>
+                <a:spcPts val="200"/>
+              </a:spcAft>
+              <a:buFont typeface="TheSans Swisscom Light" panose="020B0300040303060204" pitchFamily="34" charset="0"/>
+              <a:buChar char="−"/>
+              <a:defRPr sz="2000" kern="1200">
+                <a:solidFill>
+                  <a:schemeClr val="tx1"/>
+                </a:solidFill>
+                <a:latin typeface="+mn-lt"/>
+                <a:ea typeface="+mn-ea"/>
+                <a:cs typeface="+mn-cs"/>
+              </a:defRPr>
+            </a:lvl6pPr>
+            <a:lvl7pPr marL="792000" indent="-288000" algn="l" defTabSz="914400" rtl="0" eaLnBrk="1" latinLnBrk="0" hangingPunct="1">
+              <a:lnSpc>
+                <a:spcPct val="110000"/>
+              </a:lnSpc>
+              <a:spcBef>
+                <a:spcPts val="200"/>
+              </a:spcBef>
+              <a:spcAft>
+                <a:spcPts val="200"/>
+              </a:spcAft>
+              <a:buFont typeface="TheSans Swisscom Light" panose="020B0300040303060204" pitchFamily="34" charset="0"/>
+              <a:buChar char="−"/>
+              <a:defRPr sz="2000" kern="1200">
+                <a:solidFill>
+                  <a:schemeClr val="tx1"/>
+                </a:solidFill>
+                <a:latin typeface="+mn-lt"/>
+                <a:ea typeface="+mn-ea"/>
+                <a:cs typeface="+mn-cs"/>
+              </a:defRPr>
+            </a:lvl7pPr>
+            <a:lvl8pPr marL="792000" indent="-288000" algn="l" defTabSz="914400" rtl="0" eaLnBrk="1" latinLnBrk="0" hangingPunct="1">
+              <a:lnSpc>
+                <a:spcPct val="110000"/>
+              </a:lnSpc>
+              <a:spcBef>
+                <a:spcPts val="200"/>
+              </a:spcBef>
+              <a:spcAft>
+                <a:spcPts val="200"/>
+              </a:spcAft>
+              <a:buFont typeface="TheSans Swisscom Light" panose="020B0300040303060204" pitchFamily="34" charset="0"/>
+              <a:buChar char="−"/>
+              <a:defRPr sz="2000" kern="1200">
+                <a:solidFill>
+                  <a:schemeClr val="tx1"/>
+                </a:solidFill>
+                <a:latin typeface="+mn-lt"/>
+                <a:ea typeface="+mn-ea"/>
+                <a:cs typeface="+mn-cs"/>
+              </a:defRPr>
+            </a:lvl8pPr>
+            <a:lvl9pPr marL="792000" indent="-288000" algn="l" defTabSz="914400" rtl="0" eaLnBrk="1" latinLnBrk="0" hangingPunct="1">
+              <a:lnSpc>
+                <a:spcPct val="110000"/>
+              </a:lnSpc>
+              <a:spcBef>
+                <a:spcPts val="200"/>
+              </a:spcBef>
+              <a:spcAft>
+                <a:spcPts val="200"/>
+              </a:spcAft>
+              <a:buFont typeface="TheSans Swisscom Light" panose="020B0300040303060204" pitchFamily="34" charset="0"/>
+              <a:buChar char="−"/>
+              <a:defRPr sz="2000" kern="1200">
+                <a:solidFill>
+                  <a:schemeClr val="tx1"/>
+                </a:solidFill>
+                <a:latin typeface="+mn-lt"/>
+                <a:ea typeface="+mn-ea"/>
+                <a:cs typeface="+mn-cs"/>
+              </a:defRPr>
+            </a:lvl9pPr>
+          </a:lstStyle>
+          <a:p>
+            <a:pPr>
+              <a:spcBef>
+                <a:spcPts val="300"/>
+              </a:spcBef>
+              <a:spcAft>
+                <a:spcPts val="300"/>
+              </a:spcAft>
+            </a:pPr>
+            <a:r>
+              <a:rPr lang="en-US" sz="1700" dirty="0"/>
+              <a:t>Starting at IETF 115, In context of a seamless Data Mesh message broker integration described in </a:t>
+            </a:r>
+            <a:r>
+              <a:rPr lang="en-US" sz="1700" dirty="0">
+                <a:hlinkClick r:id="rId3"/>
+              </a:rPr>
+              <a:t>draft-</a:t>
+            </a:r>
+            <a:r>
+              <a:rPr lang="en-US" sz="1700" dirty="0" err="1">
+                <a:hlinkClick r:id="rId3"/>
+              </a:rPr>
+              <a:t>ietf</a:t>
+            </a:r>
+            <a:r>
+              <a:rPr lang="en-US" sz="1700" dirty="0">
+                <a:hlinkClick r:id="rId3"/>
+              </a:rPr>
+              <a:t>-</a:t>
+            </a:r>
+            <a:r>
+              <a:rPr lang="en-US" sz="1700" dirty="0" err="1">
+                <a:hlinkClick r:id="rId3"/>
+              </a:rPr>
+              <a:t>nmop</a:t>
+            </a:r>
+            <a:r>
+              <a:rPr lang="en-US" sz="1700" dirty="0">
+                <a:hlinkClick r:id="rId3"/>
+              </a:rPr>
+              <a:t>-yang-message-broker-integration</a:t>
+            </a:r>
+            <a:r>
+              <a:rPr lang="en-US" sz="1700" dirty="0"/>
+              <a:t>, </a:t>
+            </a:r>
+            <a:r>
+              <a:rPr lang="en-US" sz="1700" b="1" dirty="0"/>
+              <a:t>a group of network operators, network vendors and academia have been reviewing currently deployed non-standard YANG notification implementations</a:t>
+            </a:r>
+            <a:r>
+              <a:rPr lang="en-US" sz="1700" dirty="0"/>
+              <a:t> of major vendors and compared to IETF YANG-Push defined in </a:t>
+            </a:r>
+            <a:r>
+              <a:rPr lang="en-US" sz="1700" dirty="0">
+                <a:hlinkClick r:id="rId4"/>
+              </a:rPr>
+              <a:t>RFC 8639 </a:t>
+            </a:r>
+            <a:r>
+              <a:rPr lang="en-US" sz="1700" dirty="0"/>
+              <a:t>and </a:t>
+            </a:r>
+            <a:r>
+              <a:rPr lang="en-US" sz="1700" dirty="0">
+                <a:hlinkClick r:id="rId5"/>
+              </a:rPr>
+              <a:t>RFC 8641</a:t>
+            </a:r>
+            <a:r>
+              <a:rPr lang="en-US" sz="1700" dirty="0"/>
+              <a:t> in private side meetings.</a:t>
+            </a:r>
+          </a:p>
+          <a:p>
+            <a:pPr>
+              <a:spcBef>
+                <a:spcPts val="300"/>
+              </a:spcBef>
+              <a:spcAft>
+                <a:spcPts val="300"/>
+              </a:spcAft>
+            </a:pPr>
+            <a:r>
+              <a:rPr lang="en-US" sz="1700" dirty="0"/>
+              <a:t>Out of this comparison and the requirements for seamless Data Mesh message broker integration, </a:t>
+            </a:r>
+            <a:r>
+              <a:rPr lang="en-US" sz="1700" b="1" dirty="0"/>
+              <a:t>several notification, subscription and capability discovery enhancements have been proposed </a:t>
+            </a:r>
+            <a:r>
+              <a:rPr lang="en-US" sz="1700" dirty="0"/>
+              <a:t>and discussed at IETF NETCONF and NMOP working groups.</a:t>
+            </a:r>
+          </a:p>
+        </p:txBody>
+      </p:sp>
+      <p:sp>
+        <p:nvSpPr>
+          <p:cNvPr id="19" name="Title 1">
+            <a:extLst>
+              <a:ext uri="{FF2B5EF4-FFF2-40B4-BE49-F238E27FC236}">
+                <a16:creationId xmlns:a16="http://schemas.microsoft.com/office/drawing/2014/main" id="{56D79134-17A9-8BC8-B7D0-97BCFFB9A6B2}"/>
+              </a:ext>
+            </a:extLst>
+          </p:cNvPr>
+          <p:cNvSpPr>
+            <a:spLocks noGrp="1"/>
+          </p:cNvSpPr>
+          <p:nvPr>
+            <p:ph type="title"/>
+          </p:nvPr>
+        </p:nvSpPr>
+        <p:spPr>
+          <a:xfrm>
+            <a:off x="838200" y="365125"/>
+            <a:ext cx="10515600" cy="1325563"/>
+          </a:xfrm>
+        </p:spPr>
+        <p:txBody>
+          <a:bodyPr>
+            <a:normAutofit/>
+          </a:bodyPr>
+          <a:lstStyle/>
+          <a:p>
+            <a:r>
+              <a:rPr lang="en-US" sz="2800" b="1" dirty="0"/>
+              <a:t>IETF YANG-Push Implementations and Next Steps</a:t>
+            </a:r>
+            <a:br>
+              <a:rPr lang="en-US" sz="3600" dirty="0"/>
+            </a:br>
+            <a:r>
+              <a:rPr lang="en-US" sz="2700" dirty="0">
+                <a:solidFill>
+                  <a:schemeClr val="bg2">
+                    <a:lumMod val="75000"/>
+                  </a:schemeClr>
+                </a:solidFill>
+              </a:rPr>
+              <a:t>Where it started…</a:t>
+            </a:r>
+          </a:p>
+        </p:txBody>
+      </p:sp>
+      <p:sp>
+        <p:nvSpPr>
+          <p:cNvPr id="8" name="Inhaltsplatzhalter 2">
+            <a:extLst>
+              <a:ext uri="{FF2B5EF4-FFF2-40B4-BE49-F238E27FC236}">
+                <a16:creationId xmlns:a16="http://schemas.microsoft.com/office/drawing/2014/main" id="{CC8B7992-B703-6B18-5276-47DB7789BA6A}"/>
+              </a:ext>
+            </a:extLst>
+          </p:cNvPr>
+          <p:cNvSpPr txBox="1">
+            <a:spLocks/>
+          </p:cNvSpPr>
+          <p:nvPr/>
+        </p:nvSpPr>
+        <p:spPr bwMode="black">
+          <a:xfrm>
+            <a:off x="961052" y="3835765"/>
+            <a:ext cx="4411047" cy="2361657"/>
+          </a:xfrm>
+          <a:prstGeom prst="rect">
+            <a:avLst/>
+          </a:prstGeom>
+        </p:spPr>
+        <p:txBody>
+          <a:bodyPr wrap="square" lIns="0" tIns="0" rIns="0" bIns="0"/>
+          <a:lstStyle>
+            <a:lvl1pPr marL="0" indent="0" algn="l" defTabSz="914400" rtl="0" eaLnBrk="1" latinLnBrk="0" hangingPunct="1">
+              <a:lnSpc>
+                <a:spcPct val="110000"/>
+              </a:lnSpc>
+              <a:spcBef>
+                <a:spcPts val="600"/>
+              </a:spcBef>
+              <a:spcAft>
+                <a:spcPts val="600"/>
+              </a:spcAft>
+              <a:buFont typeface="Arial" panose="020B0604020202020204" pitchFamily="34" charset="0"/>
+              <a:buNone/>
+              <a:defRPr sz="2000" b="0" kern="1200">
+                <a:solidFill>
+                  <a:schemeClr val="tx1"/>
+                </a:solidFill>
+                <a:latin typeface="+mn-lt"/>
+                <a:ea typeface="+mn-ea"/>
+                <a:cs typeface="+mn-cs"/>
+              </a:defRPr>
+            </a:lvl1pPr>
+            <a:lvl2pPr marL="216000" indent="-216000" algn="l" defTabSz="914400" rtl="0" eaLnBrk="1" latinLnBrk="0" hangingPunct="1">
+              <a:lnSpc>
+                <a:spcPct val="110000"/>
+              </a:lnSpc>
+              <a:spcBef>
+                <a:spcPts val="200"/>
+              </a:spcBef>
+              <a:spcAft>
+                <a:spcPts val="200"/>
+              </a:spcAft>
+              <a:buFont typeface="Arial" panose="020B0604020202020204" pitchFamily="34" charset="0"/>
+              <a:buChar char="•"/>
+              <a:defRPr sz="2000" kern="1200">
+                <a:solidFill>
+                  <a:schemeClr val="tx1"/>
+                </a:solidFill>
+                <a:latin typeface="+mn-lt"/>
+                <a:ea typeface="+mn-ea"/>
+                <a:cs typeface="+mn-cs"/>
+              </a:defRPr>
+            </a:lvl2pPr>
+            <a:lvl3pPr marL="504000" indent="-288000" algn="l" defTabSz="914400" rtl="0" eaLnBrk="1" latinLnBrk="0" hangingPunct="1">
+              <a:lnSpc>
+                <a:spcPct val="110000"/>
+              </a:lnSpc>
+              <a:spcBef>
+                <a:spcPts val="200"/>
+              </a:spcBef>
+              <a:spcAft>
+                <a:spcPts val="200"/>
+              </a:spcAft>
+              <a:buFont typeface="TheSans Swisscom Light" panose="020B0300040303060204" pitchFamily="34" charset="0"/>
+              <a:buChar char="−"/>
+              <a:defRPr sz="2000" kern="1200">
+                <a:solidFill>
+                  <a:schemeClr val="tx1"/>
+                </a:solidFill>
+                <a:latin typeface="+mn-lt"/>
+                <a:ea typeface="+mn-ea"/>
+                <a:cs typeface="+mn-cs"/>
+              </a:defRPr>
+            </a:lvl3pPr>
+            <a:lvl4pPr marL="792000" indent="-288000" algn="l" defTabSz="914400" rtl="0" eaLnBrk="1" latinLnBrk="0" hangingPunct="1">
+              <a:lnSpc>
+                <a:spcPct val="110000"/>
+              </a:lnSpc>
+              <a:spcBef>
+                <a:spcPts val="200"/>
+              </a:spcBef>
+              <a:spcAft>
+                <a:spcPts val="200"/>
+              </a:spcAft>
+              <a:buFont typeface="TheSans Swisscom Light" panose="020B0300040303060204" pitchFamily="34" charset="0"/>
+              <a:buChar char="−"/>
+              <a:defRPr sz="2000" kern="1200">
+                <a:solidFill>
+                  <a:schemeClr val="tx1"/>
+                </a:solidFill>
+                <a:latin typeface="+mn-lt"/>
+                <a:ea typeface="+mn-ea"/>
+                <a:cs typeface="+mn-cs"/>
+              </a:defRPr>
+            </a:lvl4pPr>
+            <a:lvl5pPr marL="792000" indent="-288000" algn="l" defTabSz="914400" rtl="0" eaLnBrk="1" latinLnBrk="0" hangingPunct="1">
+              <a:lnSpc>
+                <a:spcPct val="110000"/>
+              </a:lnSpc>
+              <a:spcBef>
+                <a:spcPts val="200"/>
+              </a:spcBef>
+              <a:spcAft>
+                <a:spcPts val="200"/>
+              </a:spcAft>
+              <a:buFont typeface="TheSans Swisscom Light" panose="020B0300040303060204" pitchFamily="34" charset="0"/>
+              <a:buChar char="−"/>
+              <a:defRPr sz="2000" kern="1200">
+                <a:solidFill>
+                  <a:schemeClr val="tx1"/>
+                </a:solidFill>
+                <a:latin typeface="+mn-lt"/>
+                <a:ea typeface="+mn-ea"/>
+                <a:cs typeface="+mn-cs"/>
+              </a:defRPr>
+            </a:lvl5pPr>
+            <a:lvl6pPr marL="792000" indent="-288000" algn="l" defTabSz="914400" rtl="0" eaLnBrk="1" latinLnBrk="0" hangingPunct="1">
+              <a:lnSpc>
+                <a:spcPct val="110000"/>
+              </a:lnSpc>
+              <a:spcBef>
+                <a:spcPts val="200"/>
+              </a:spcBef>
+              <a:spcAft>
+                <a:spcPts val="200"/>
+              </a:spcAft>
+              <a:buFont typeface="TheSans Swisscom Light" panose="020B0300040303060204" pitchFamily="34" charset="0"/>
+              <a:buChar char="−"/>
+              <a:defRPr sz="2000" kern="1200">
+                <a:solidFill>
+                  <a:schemeClr val="tx1"/>
+                </a:solidFill>
+                <a:latin typeface="+mn-lt"/>
+                <a:ea typeface="+mn-ea"/>
+                <a:cs typeface="+mn-cs"/>
+              </a:defRPr>
+            </a:lvl6pPr>
+            <a:lvl7pPr marL="792000" indent="-288000" algn="l" defTabSz="914400" rtl="0" eaLnBrk="1" latinLnBrk="0" hangingPunct="1">
+              <a:lnSpc>
+                <a:spcPct val="110000"/>
+              </a:lnSpc>
+              <a:spcBef>
+                <a:spcPts val="200"/>
+              </a:spcBef>
+              <a:spcAft>
+                <a:spcPts val="200"/>
+              </a:spcAft>
+              <a:buFont typeface="TheSans Swisscom Light" panose="020B0300040303060204" pitchFamily="34" charset="0"/>
+              <a:buChar char="−"/>
+              <a:defRPr sz="2000" kern="1200">
+                <a:solidFill>
+                  <a:schemeClr val="tx1"/>
+                </a:solidFill>
+                <a:latin typeface="+mn-lt"/>
+                <a:ea typeface="+mn-ea"/>
+                <a:cs typeface="+mn-cs"/>
+              </a:defRPr>
+            </a:lvl7pPr>
+            <a:lvl8pPr marL="792000" indent="-288000" algn="l" defTabSz="914400" rtl="0" eaLnBrk="1" latinLnBrk="0" hangingPunct="1">
+              <a:lnSpc>
+                <a:spcPct val="110000"/>
+              </a:lnSpc>
+              <a:spcBef>
+                <a:spcPts val="200"/>
+              </a:spcBef>
+              <a:spcAft>
+                <a:spcPts val="200"/>
+              </a:spcAft>
+              <a:buFont typeface="TheSans Swisscom Light" panose="020B0300040303060204" pitchFamily="34" charset="0"/>
+              <a:buChar char="−"/>
+              <a:defRPr sz="2000" kern="1200">
+                <a:solidFill>
+                  <a:schemeClr val="tx1"/>
+                </a:solidFill>
+                <a:latin typeface="+mn-lt"/>
+                <a:ea typeface="+mn-ea"/>
+                <a:cs typeface="+mn-cs"/>
+              </a:defRPr>
+            </a:lvl8pPr>
+            <a:lvl9pPr marL="792000" indent="-288000" algn="l" defTabSz="914400" rtl="0" eaLnBrk="1" latinLnBrk="0" hangingPunct="1">
+              <a:lnSpc>
+                <a:spcPct val="110000"/>
+              </a:lnSpc>
+              <a:spcBef>
+                <a:spcPts val="200"/>
+              </a:spcBef>
+              <a:spcAft>
+                <a:spcPts val="200"/>
+              </a:spcAft>
+              <a:buFont typeface="TheSans Swisscom Light" panose="020B0300040303060204" pitchFamily="34" charset="0"/>
+              <a:buChar char="−"/>
+              <a:defRPr sz="2000" kern="1200">
+                <a:solidFill>
+                  <a:schemeClr val="tx1"/>
+                </a:solidFill>
+                <a:latin typeface="+mn-lt"/>
+                <a:ea typeface="+mn-ea"/>
+                <a:cs typeface="+mn-cs"/>
+              </a:defRPr>
+            </a:lvl9pPr>
+          </a:lstStyle>
+          <a:p>
+            <a:pPr>
+              <a:lnSpc>
+                <a:spcPct val="110000"/>
+              </a:lnSpc>
+              <a:spcBef>
+                <a:spcPts val="300"/>
+              </a:spcBef>
+              <a:spcAft>
+                <a:spcPts val="300"/>
+              </a:spcAft>
+            </a:pPr>
+            <a:r>
+              <a:rPr lang="en-US" sz="1700" b="1" dirty="0"/>
+              <a:t>Development on first major vendor implementations started at IETF 118. </a:t>
+            </a:r>
+            <a:r>
+              <a:rPr lang="en-US" sz="1700" dirty="0"/>
+              <a:t>Throughout IETF 119 and 120, vendor implementation and network operator testing scope and </a:t>
+            </a:r>
+            <a:r>
+              <a:rPr lang="en-US" sz="1700" b="1" dirty="0"/>
+              <a:t>interest from other vendors and operators steadily grew. </a:t>
+            </a:r>
+            <a:r>
+              <a:rPr lang="en-US" sz="1700" dirty="0"/>
+              <a:t>In this process questions on various feature specifications were brought forward. To channelize these discussions, 4 workshops have been organized throughout the last 3 months. </a:t>
+            </a:r>
+          </a:p>
+        </p:txBody>
+      </p:sp>
+      <p:sp>
+        <p:nvSpPr>
+          <p:cNvPr id="9" name="Inhaltsplatzhalter 2">
+            <a:extLst>
+              <a:ext uri="{FF2B5EF4-FFF2-40B4-BE49-F238E27FC236}">
+                <a16:creationId xmlns:a16="http://schemas.microsoft.com/office/drawing/2014/main" id="{F0ACCDF9-F95F-FD7B-E8A5-4EEA1DF6F380}"/>
+              </a:ext>
+            </a:extLst>
+          </p:cNvPr>
+          <p:cNvSpPr txBox="1">
+            <a:spLocks/>
+          </p:cNvSpPr>
+          <p:nvPr/>
+        </p:nvSpPr>
+        <p:spPr bwMode="black">
+          <a:xfrm>
+            <a:off x="5494952" y="3673840"/>
+            <a:ext cx="6092940" cy="2361657"/>
+          </a:xfrm>
+          <a:prstGeom prst="rect">
+            <a:avLst/>
+          </a:prstGeom>
+        </p:spPr>
+        <p:txBody>
+          <a:bodyPr wrap="square" lIns="0" tIns="0" rIns="0" bIns="0"/>
+          <a:lstStyle>
+            <a:lvl1pPr marL="0" indent="0" algn="l" defTabSz="914400" rtl="0" eaLnBrk="1" latinLnBrk="0" hangingPunct="1">
+              <a:lnSpc>
+                <a:spcPct val="110000"/>
+              </a:lnSpc>
+              <a:spcBef>
+                <a:spcPts val="600"/>
+              </a:spcBef>
+              <a:spcAft>
+                <a:spcPts val="600"/>
+              </a:spcAft>
+              <a:buFont typeface="Arial" panose="020B0604020202020204" pitchFamily="34" charset="0"/>
+              <a:buNone/>
+              <a:defRPr sz="2000" b="0" kern="1200">
+                <a:solidFill>
+                  <a:schemeClr val="tx1"/>
+                </a:solidFill>
+                <a:latin typeface="+mn-lt"/>
+                <a:ea typeface="+mn-ea"/>
+                <a:cs typeface="+mn-cs"/>
+              </a:defRPr>
+            </a:lvl1pPr>
+            <a:lvl2pPr marL="216000" indent="-216000" algn="l" defTabSz="914400" rtl="0" eaLnBrk="1" latinLnBrk="0" hangingPunct="1">
+              <a:lnSpc>
+                <a:spcPct val="110000"/>
+              </a:lnSpc>
+              <a:spcBef>
+                <a:spcPts val="200"/>
+              </a:spcBef>
+              <a:spcAft>
+                <a:spcPts val="200"/>
+              </a:spcAft>
+              <a:buFont typeface="Arial" panose="020B0604020202020204" pitchFamily="34" charset="0"/>
+              <a:buChar char="•"/>
+              <a:defRPr sz="2000" kern="1200">
+                <a:solidFill>
+                  <a:schemeClr val="tx1"/>
+                </a:solidFill>
+                <a:latin typeface="+mn-lt"/>
+                <a:ea typeface="+mn-ea"/>
+                <a:cs typeface="+mn-cs"/>
+              </a:defRPr>
+            </a:lvl2pPr>
+            <a:lvl3pPr marL="504000" indent="-288000" algn="l" defTabSz="914400" rtl="0" eaLnBrk="1" latinLnBrk="0" hangingPunct="1">
+              <a:lnSpc>
+                <a:spcPct val="110000"/>
+              </a:lnSpc>
+              <a:spcBef>
+                <a:spcPts val="200"/>
+              </a:spcBef>
+              <a:spcAft>
+                <a:spcPts val="200"/>
+              </a:spcAft>
+              <a:buFont typeface="TheSans Swisscom Light" panose="020B0300040303060204" pitchFamily="34" charset="0"/>
+              <a:buChar char="−"/>
+              <a:defRPr sz="2000" kern="1200">
+                <a:solidFill>
+                  <a:schemeClr val="tx1"/>
+                </a:solidFill>
+                <a:latin typeface="+mn-lt"/>
+                <a:ea typeface="+mn-ea"/>
+                <a:cs typeface="+mn-cs"/>
+              </a:defRPr>
+            </a:lvl3pPr>
+            <a:lvl4pPr marL="792000" indent="-288000" algn="l" defTabSz="914400" rtl="0" eaLnBrk="1" latinLnBrk="0" hangingPunct="1">
+              <a:lnSpc>
+                <a:spcPct val="110000"/>
+              </a:lnSpc>
+              <a:spcBef>
+                <a:spcPts val="200"/>
+              </a:spcBef>
+              <a:spcAft>
+                <a:spcPts val="200"/>
+              </a:spcAft>
+              <a:buFont typeface="TheSans Swisscom Light" panose="020B0300040303060204" pitchFamily="34" charset="0"/>
+              <a:buChar char="−"/>
+              <a:defRPr sz="2000" kern="1200">
+                <a:solidFill>
+                  <a:schemeClr val="tx1"/>
+                </a:solidFill>
+                <a:latin typeface="+mn-lt"/>
+                <a:ea typeface="+mn-ea"/>
+                <a:cs typeface="+mn-cs"/>
+              </a:defRPr>
+            </a:lvl4pPr>
+            <a:lvl5pPr marL="792000" indent="-288000" algn="l" defTabSz="914400" rtl="0" eaLnBrk="1" latinLnBrk="0" hangingPunct="1">
+              <a:lnSpc>
+                <a:spcPct val="110000"/>
+              </a:lnSpc>
+              <a:spcBef>
+                <a:spcPts val="200"/>
+              </a:spcBef>
+              <a:spcAft>
+                <a:spcPts val="200"/>
+              </a:spcAft>
+              <a:buFont typeface="TheSans Swisscom Light" panose="020B0300040303060204" pitchFamily="34" charset="0"/>
+              <a:buChar char="−"/>
+              <a:defRPr sz="2000" kern="1200">
+                <a:solidFill>
+                  <a:schemeClr val="tx1"/>
+                </a:solidFill>
+                <a:latin typeface="+mn-lt"/>
+                <a:ea typeface="+mn-ea"/>
+                <a:cs typeface="+mn-cs"/>
+              </a:defRPr>
+            </a:lvl5pPr>
+            <a:lvl6pPr marL="792000" indent="-288000" algn="l" defTabSz="914400" rtl="0" eaLnBrk="1" latinLnBrk="0" hangingPunct="1">
+              <a:lnSpc>
+                <a:spcPct val="110000"/>
+              </a:lnSpc>
+              <a:spcBef>
+                <a:spcPts val="200"/>
+              </a:spcBef>
+              <a:spcAft>
+                <a:spcPts val="200"/>
+              </a:spcAft>
+              <a:buFont typeface="TheSans Swisscom Light" panose="020B0300040303060204" pitchFamily="34" charset="0"/>
+              <a:buChar char="−"/>
+              <a:defRPr sz="2000" kern="1200">
+                <a:solidFill>
+                  <a:schemeClr val="tx1"/>
+                </a:solidFill>
+                <a:latin typeface="+mn-lt"/>
+                <a:ea typeface="+mn-ea"/>
+                <a:cs typeface="+mn-cs"/>
+              </a:defRPr>
+            </a:lvl6pPr>
+            <a:lvl7pPr marL="792000" indent="-288000" algn="l" defTabSz="914400" rtl="0" eaLnBrk="1" latinLnBrk="0" hangingPunct="1">
+              <a:lnSpc>
+                <a:spcPct val="110000"/>
+              </a:lnSpc>
+              <a:spcBef>
+                <a:spcPts val="200"/>
+              </a:spcBef>
+              <a:spcAft>
+                <a:spcPts val="200"/>
+              </a:spcAft>
+              <a:buFont typeface="TheSans Swisscom Light" panose="020B0300040303060204" pitchFamily="34" charset="0"/>
+              <a:buChar char="−"/>
+              <a:defRPr sz="2000" kern="1200">
+                <a:solidFill>
+                  <a:schemeClr val="tx1"/>
+                </a:solidFill>
+                <a:latin typeface="+mn-lt"/>
+                <a:ea typeface="+mn-ea"/>
+                <a:cs typeface="+mn-cs"/>
+              </a:defRPr>
+            </a:lvl7pPr>
+            <a:lvl8pPr marL="792000" indent="-288000" algn="l" defTabSz="914400" rtl="0" eaLnBrk="1" latinLnBrk="0" hangingPunct="1">
+              <a:lnSpc>
+                <a:spcPct val="110000"/>
+              </a:lnSpc>
+              <a:spcBef>
+                <a:spcPts val="200"/>
+              </a:spcBef>
+              <a:spcAft>
+                <a:spcPts val="200"/>
+              </a:spcAft>
+              <a:buFont typeface="TheSans Swisscom Light" panose="020B0300040303060204" pitchFamily="34" charset="0"/>
+              <a:buChar char="−"/>
+              <a:defRPr sz="2000" kern="1200">
+                <a:solidFill>
+                  <a:schemeClr val="tx1"/>
+                </a:solidFill>
+                <a:latin typeface="+mn-lt"/>
+                <a:ea typeface="+mn-ea"/>
+                <a:cs typeface="+mn-cs"/>
+              </a:defRPr>
+            </a:lvl8pPr>
+            <a:lvl9pPr marL="792000" indent="-288000" algn="l" defTabSz="914400" rtl="0" eaLnBrk="1" latinLnBrk="0" hangingPunct="1">
+              <a:lnSpc>
+                <a:spcPct val="110000"/>
+              </a:lnSpc>
+              <a:spcBef>
+                <a:spcPts val="200"/>
+              </a:spcBef>
+              <a:spcAft>
+                <a:spcPts val="200"/>
+              </a:spcAft>
+              <a:buFont typeface="TheSans Swisscom Light" panose="020B0300040303060204" pitchFamily="34" charset="0"/>
+              <a:buChar char="−"/>
+              <a:defRPr sz="2000" kern="1200">
+                <a:solidFill>
+                  <a:schemeClr val="tx1"/>
+                </a:solidFill>
+                <a:latin typeface="+mn-lt"/>
+                <a:ea typeface="+mn-ea"/>
+                <a:cs typeface="+mn-cs"/>
+              </a:defRPr>
+            </a:lvl9pPr>
+          </a:lstStyle>
+          <a:p>
+            <a:pPr>
+              <a:spcBef>
+                <a:spcPts val="0"/>
+              </a:spcBef>
+            </a:pPr>
+            <a:r>
+              <a:rPr lang="en-US" sz="1700" b="1" dirty="0"/>
+              <a:t>In the workshops we clarified:</a:t>
+            </a:r>
+          </a:p>
+          <a:p>
+            <a:pPr marL="342900" indent="-342900">
+              <a:spcBef>
+                <a:spcPts val="0"/>
+              </a:spcBef>
+              <a:spcAft>
+                <a:spcPts val="0"/>
+              </a:spcAft>
+              <a:buFont typeface="Arial" panose="020B0604020202020204" pitchFamily="34" charset="0"/>
+              <a:buChar char="•"/>
+            </a:pPr>
+            <a:r>
+              <a:rPr lang="en-US" sz="1600" dirty="0"/>
+              <a:t>What do you like about IETF YANG-Push?</a:t>
+            </a:r>
+          </a:p>
+          <a:p>
+            <a:pPr marL="342900" indent="-342900">
+              <a:spcBef>
+                <a:spcPts val="0"/>
+              </a:spcBef>
+              <a:spcAft>
+                <a:spcPts val="0"/>
+              </a:spcAft>
+              <a:buFont typeface="Arial" panose="020B0604020202020204" pitchFamily="34" charset="0"/>
+              <a:buChar char="•"/>
+            </a:pPr>
+            <a:r>
+              <a:rPr lang="en-US" sz="1600" dirty="0"/>
+              <a:t>What in IETF YANG-Push could have been defined differently and why?</a:t>
+            </a:r>
+          </a:p>
+          <a:p>
+            <a:pPr marL="342900" indent="-342900">
+              <a:spcBef>
+                <a:spcPts val="0"/>
+              </a:spcBef>
+              <a:spcAft>
+                <a:spcPts val="0"/>
+              </a:spcAft>
+              <a:buFont typeface="Arial" panose="020B0604020202020204" pitchFamily="34" charset="0"/>
+              <a:buChar char="•"/>
+            </a:pPr>
+            <a:r>
+              <a:rPr lang="en-US" sz="1600" dirty="0"/>
+              <a:t>What prevents IETF YANG-Push for being integrated/used efficiently?</a:t>
+            </a:r>
+          </a:p>
+          <a:p>
+            <a:pPr marL="342900" indent="-342900">
+              <a:spcBef>
+                <a:spcPts val="0"/>
+              </a:spcBef>
+              <a:spcAft>
+                <a:spcPts val="0"/>
+              </a:spcAft>
+              <a:buFont typeface="Arial" panose="020B0604020202020204" pitchFamily="34" charset="0"/>
+              <a:buChar char="•"/>
+            </a:pPr>
+            <a:r>
+              <a:rPr lang="en-US" sz="1600" dirty="0"/>
+              <a:t>What in IETF YANG-Push is missing and for which purpose?</a:t>
+            </a:r>
+          </a:p>
+          <a:p>
+            <a:pPr marL="342900" indent="-342900">
+              <a:spcBef>
+                <a:spcPts val="0"/>
+              </a:spcBef>
+              <a:spcAft>
+                <a:spcPts val="0"/>
+              </a:spcAft>
+              <a:buFont typeface="Arial" panose="020B0604020202020204" pitchFamily="34" charset="0"/>
+              <a:buChar char="•"/>
+            </a:pPr>
+            <a:r>
+              <a:rPr lang="en-US" sz="1600" dirty="0"/>
+              <a:t>What </a:t>
+            </a:r>
+            <a:r>
+              <a:rPr lang="en-US" sz="1600" dirty="0" err="1"/>
+              <a:t>xpaths</a:t>
+            </a:r>
+            <a:r>
+              <a:rPr lang="en-US" sz="1600" dirty="0"/>
+              <a:t> do you subscribe to for which Network Analytics use case?</a:t>
+            </a:r>
+          </a:p>
+          <a:p>
+            <a:pPr marL="342900" indent="-342900">
+              <a:spcBef>
+                <a:spcPts val="0"/>
+              </a:spcBef>
+              <a:spcAft>
+                <a:spcPts val="0"/>
+              </a:spcAft>
+              <a:buFont typeface="Arial" panose="020B0604020202020204" pitchFamily="34" charset="0"/>
+              <a:buChar char="•"/>
+            </a:pPr>
+            <a:r>
+              <a:rPr lang="en-US" sz="1600" dirty="0"/>
+              <a:t>Which features should be available in which MVP release?</a:t>
+            </a:r>
+          </a:p>
+          <a:p>
+            <a:pPr marL="342900" indent="-342900">
+              <a:spcBef>
+                <a:spcPts val="0"/>
+              </a:spcBef>
+              <a:spcAft>
+                <a:spcPts val="0"/>
+              </a:spcAft>
+              <a:buFont typeface="Arial" panose="020B0604020202020204" pitchFamily="34" charset="0"/>
+              <a:buChar char="•"/>
+            </a:pPr>
+            <a:r>
+              <a:rPr lang="en-US" sz="1600" dirty="0"/>
+              <a:t>How to make IETF YANG-Push available to a wider audience?</a:t>
+            </a:r>
+          </a:p>
+        </p:txBody>
+      </p:sp>
+    </p:spTree>
+    <p:extLst>
+      <p:ext uri="{BB962C8B-B14F-4D97-AF65-F5344CB8AC3E}">
+        <p14:creationId xmlns:p14="http://schemas.microsoft.com/office/powerpoint/2010/main" val="3864283889"/>
+      </p:ext>
+    </p:extLst>
+  </p:cSld>
+  <p:clrMapOvr>
+    <a:masterClrMapping/>
+  </p:clrMapOvr>
+</p:sld>
+</file>
+
+<file path=ppt/slides/slide6.xml><?xml version="1.0" encoding="utf-8"?>
+<p:sld xmlns:a="http://schemas.openxmlformats.org/drawingml/2006/main" xmlns:r="http://schemas.openxmlformats.org/officeDocument/2006/relationships" xmlns:p="http://schemas.openxmlformats.org/presentationml/2006/main">
+  <p:cSld>
+    <p:spTree>
+      <p:nvGrpSpPr>
+        <p:cNvPr id="1" name=""/>
+        <p:cNvGrpSpPr/>
+        <p:nvPr/>
+      </p:nvGrpSpPr>
+      <p:grpSpPr>
+        <a:xfrm>
+          <a:off x="0" y="0"/>
+          <a:ext cx="0" cy="0"/>
+          <a:chOff x="0" y="0"/>
+          <a:chExt cx="0" cy="0"/>
+        </a:xfrm>
+      </p:grpSpPr>
+      <p:sp>
+        <p:nvSpPr>
+          <p:cNvPr id="6" name="Slide Number Placeholder 1">
+            <a:extLst>
+              <a:ext uri="{FF2B5EF4-FFF2-40B4-BE49-F238E27FC236}">
+                <a16:creationId xmlns:a16="http://schemas.microsoft.com/office/drawing/2014/main" id="{024DC3B6-499C-4E15-9336-2F15A0DFB843}"/>
+              </a:ext>
+            </a:extLst>
+          </p:cNvPr>
+          <p:cNvSpPr>
+            <a:spLocks noGrp="1"/>
+          </p:cNvSpPr>
+          <p:nvPr>
+            <p:ph type="sldNum" sz="quarter" idx="12"/>
+          </p:nvPr>
+        </p:nvSpPr>
+        <p:spPr>
+          <a:xfrm>
+            <a:off x="11587892" y="6361637"/>
+            <a:ext cx="414251" cy="365125"/>
+          </a:xfrm>
+        </p:spPr>
+        <p:txBody>
+          <a:bodyPr/>
+          <a:lstStyle/>
+          <a:p>
+            <a:fld id="{FC4AC485-25DE-431E-B345-9C0A15BB7F8A}" type="slidenum">
+              <a:rPr lang="de-CH" sz="1400" smtClean="0"/>
+              <a:t>6</a:t>
+            </a:fld>
+            <a:endParaRPr lang="de-CH" sz="1400" dirty="0"/>
+          </a:p>
+        </p:txBody>
+      </p:sp>
+      <p:sp>
+        <p:nvSpPr>
+          <p:cNvPr id="5" name="Inhaltsplatzhalter 2">
+            <a:extLst>
+              <a:ext uri="{FF2B5EF4-FFF2-40B4-BE49-F238E27FC236}">
+                <a16:creationId xmlns:a16="http://schemas.microsoft.com/office/drawing/2014/main" id="{0194B37B-813A-99FE-7B78-4D87D8C30D44}"/>
+              </a:ext>
+            </a:extLst>
+          </p:cNvPr>
+          <p:cNvSpPr txBox="1">
+            <a:spLocks/>
+          </p:cNvSpPr>
+          <p:nvPr/>
+        </p:nvSpPr>
+        <p:spPr bwMode="black">
+          <a:xfrm>
+            <a:off x="961534" y="1763486"/>
+            <a:ext cx="5887136" cy="2537925"/>
+          </a:xfrm>
+          <a:prstGeom prst="rect">
+            <a:avLst/>
+          </a:prstGeom>
+        </p:spPr>
+        <p:txBody>
+          <a:bodyPr wrap="square" lIns="0" tIns="0" rIns="0" bIns="0"/>
+          <a:lstStyle>
+            <a:lvl1pPr marL="0" indent="0" algn="l" defTabSz="914400" rtl="0" eaLnBrk="1" latinLnBrk="0" hangingPunct="1">
+              <a:lnSpc>
+                <a:spcPct val="110000"/>
+              </a:lnSpc>
+              <a:spcBef>
+                <a:spcPts val="600"/>
+              </a:spcBef>
+              <a:spcAft>
+                <a:spcPts val="600"/>
+              </a:spcAft>
+              <a:buFont typeface="Arial" panose="020B0604020202020204" pitchFamily="34" charset="0"/>
+              <a:buNone/>
+              <a:defRPr sz="2000" b="0" kern="1200">
+                <a:solidFill>
+                  <a:schemeClr val="tx1"/>
+                </a:solidFill>
+                <a:latin typeface="+mn-lt"/>
+                <a:ea typeface="+mn-ea"/>
+                <a:cs typeface="+mn-cs"/>
+              </a:defRPr>
+            </a:lvl1pPr>
+            <a:lvl2pPr marL="216000" indent="-216000" algn="l" defTabSz="914400" rtl="0" eaLnBrk="1" latinLnBrk="0" hangingPunct="1">
+              <a:lnSpc>
+                <a:spcPct val="110000"/>
+              </a:lnSpc>
+              <a:spcBef>
+                <a:spcPts val="200"/>
+              </a:spcBef>
+              <a:spcAft>
+                <a:spcPts val="200"/>
+              </a:spcAft>
+              <a:buFont typeface="Arial" panose="020B0604020202020204" pitchFamily="34" charset="0"/>
+              <a:buChar char="•"/>
+              <a:defRPr sz="2000" kern="1200">
+                <a:solidFill>
+                  <a:schemeClr val="tx1"/>
+                </a:solidFill>
+                <a:latin typeface="+mn-lt"/>
+                <a:ea typeface="+mn-ea"/>
+                <a:cs typeface="+mn-cs"/>
+              </a:defRPr>
+            </a:lvl2pPr>
+            <a:lvl3pPr marL="504000" indent="-288000" algn="l" defTabSz="914400" rtl="0" eaLnBrk="1" latinLnBrk="0" hangingPunct="1">
+              <a:lnSpc>
+                <a:spcPct val="110000"/>
+              </a:lnSpc>
+              <a:spcBef>
+                <a:spcPts val="200"/>
+              </a:spcBef>
+              <a:spcAft>
+                <a:spcPts val="200"/>
+              </a:spcAft>
+              <a:buFont typeface="TheSans Swisscom Light" panose="020B0300040303060204" pitchFamily="34" charset="0"/>
+              <a:buChar char="−"/>
+              <a:defRPr sz="2000" kern="1200">
+                <a:solidFill>
+                  <a:schemeClr val="tx1"/>
+                </a:solidFill>
+                <a:latin typeface="+mn-lt"/>
+                <a:ea typeface="+mn-ea"/>
+                <a:cs typeface="+mn-cs"/>
+              </a:defRPr>
+            </a:lvl3pPr>
+            <a:lvl4pPr marL="792000" indent="-288000" algn="l" defTabSz="914400" rtl="0" eaLnBrk="1" latinLnBrk="0" hangingPunct="1">
+              <a:lnSpc>
+                <a:spcPct val="110000"/>
+              </a:lnSpc>
+              <a:spcBef>
+                <a:spcPts val="200"/>
+              </a:spcBef>
+              <a:spcAft>
+                <a:spcPts val="200"/>
+              </a:spcAft>
+              <a:buFont typeface="TheSans Swisscom Light" panose="020B0300040303060204" pitchFamily="34" charset="0"/>
+              <a:buChar char="−"/>
+              <a:defRPr sz="2000" kern="1200">
+                <a:solidFill>
+                  <a:schemeClr val="tx1"/>
+                </a:solidFill>
+                <a:latin typeface="+mn-lt"/>
+                <a:ea typeface="+mn-ea"/>
+                <a:cs typeface="+mn-cs"/>
+              </a:defRPr>
+            </a:lvl4pPr>
+            <a:lvl5pPr marL="792000" indent="-288000" algn="l" defTabSz="914400" rtl="0" eaLnBrk="1" latinLnBrk="0" hangingPunct="1">
+              <a:lnSpc>
+                <a:spcPct val="110000"/>
+              </a:lnSpc>
+              <a:spcBef>
+                <a:spcPts val="200"/>
+              </a:spcBef>
+              <a:spcAft>
+                <a:spcPts val="200"/>
+              </a:spcAft>
+              <a:buFont typeface="TheSans Swisscom Light" panose="020B0300040303060204" pitchFamily="34" charset="0"/>
+              <a:buChar char="−"/>
+              <a:defRPr sz="2000" kern="1200">
+                <a:solidFill>
+                  <a:schemeClr val="tx1"/>
+                </a:solidFill>
+                <a:latin typeface="+mn-lt"/>
+                <a:ea typeface="+mn-ea"/>
+                <a:cs typeface="+mn-cs"/>
+              </a:defRPr>
+            </a:lvl5pPr>
+            <a:lvl6pPr marL="792000" indent="-288000" algn="l" defTabSz="914400" rtl="0" eaLnBrk="1" latinLnBrk="0" hangingPunct="1">
+              <a:lnSpc>
+                <a:spcPct val="110000"/>
+              </a:lnSpc>
+              <a:spcBef>
+                <a:spcPts val="200"/>
+              </a:spcBef>
+              <a:spcAft>
+                <a:spcPts val="200"/>
+              </a:spcAft>
+              <a:buFont typeface="TheSans Swisscom Light" panose="020B0300040303060204" pitchFamily="34" charset="0"/>
+              <a:buChar char="−"/>
+              <a:defRPr sz="2000" kern="1200">
+                <a:solidFill>
+                  <a:schemeClr val="tx1"/>
+                </a:solidFill>
+                <a:latin typeface="+mn-lt"/>
+                <a:ea typeface="+mn-ea"/>
+                <a:cs typeface="+mn-cs"/>
+              </a:defRPr>
+            </a:lvl6pPr>
+            <a:lvl7pPr marL="792000" indent="-288000" algn="l" defTabSz="914400" rtl="0" eaLnBrk="1" latinLnBrk="0" hangingPunct="1">
+              <a:lnSpc>
+                <a:spcPct val="110000"/>
+              </a:lnSpc>
+              <a:spcBef>
+                <a:spcPts val="200"/>
+              </a:spcBef>
+              <a:spcAft>
+                <a:spcPts val="200"/>
+              </a:spcAft>
+              <a:buFont typeface="TheSans Swisscom Light" panose="020B0300040303060204" pitchFamily="34" charset="0"/>
+              <a:buChar char="−"/>
+              <a:defRPr sz="2000" kern="1200">
+                <a:solidFill>
+                  <a:schemeClr val="tx1"/>
+                </a:solidFill>
+                <a:latin typeface="+mn-lt"/>
+                <a:ea typeface="+mn-ea"/>
+                <a:cs typeface="+mn-cs"/>
+              </a:defRPr>
+            </a:lvl7pPr>
+            <a:lvl8pPr marL="792000" indent="-288000" algn="l" defTabSz="914400" rtl="0" eaLnBrk="1" latinLnBrk="0" hangingPunct="1">
+              <a:lnSpc>
+                <a:spcPct val="110000"/>
+              </a:lnSpc>
+              <a:spcBef>
+                <a:spcPts val="200"/>
+              </a:spcBef>
+              <a:spcAft>
+                <a:spcPts val="200"/>
+              </a:spcAft>
+              <a:buFont typeface="TheSans Swisscom Light" panose="020B0300040303060204" pitchFamily="34" charset="0"/>
+              <a:buChar char="−"/>
+              <a:defRPr sz="2000" kern="1200">
+                <a:solidFill>
+                  <a:schemeClr val="tx1"/>
+                </a:solidFill>
+                <a:latin typeface="+mn-lt"/>
+                <a:ea typeface="+mn-ea"/>
+                <a:cs typeface="+mn-cs"/>
+              </a:defRPr>
+            </a:lvl8pPr>
+            <a:lvl9pPr marL="792000" indent="-288000" algn="l" defTabSz="914400" rtl="0" eaLnBrk="1" latinLnBrk="0" hangingPunct="1">
+              <a:lnSpc>
+                <a:spcPct val="110000"/>
+              </a:lnSpc>
+              <a:spcBef>
+                <a:spcPts val="200"/>
+              </a:spcBef>
+              <a:spcAft>
+                <a:spcPts val="200"/>
+              </a:spcAft>
+              <a:buFont typeface="TheSans Swisscom Light" panose="020B0300040303060204" pitchFamily="34" charset="0"/>
+              <a:buChar char="−"/>
+              <a:defRPr sz="2000" kern="1200">
+                <a:solidFill>
+                  <a:schemeClr val="tx1"/>
+                </a:solidFill>
+                <a:latin typeface="+mn-lt"/>
+                <a:ea typeface="+mn-ea"/>
+                <a:cs typeface="+mn-cs"/>
+              </a:defRPr>
+            </a:lvl9pPr>
+          </a:lstStyle>
+          <a:p>
+            <a:r>
+              <a:rPr lang="en-US" dirty="0"/>
+              <a:t>The group consisting of: </a:t>
+            </a:r>
+            <a:r>
+              <a:rPr lang="en-US" b="1" dirty="0"/>
+              <a:t>34 colleagues </a:t>
+            </a:r>
+            <a:r>
+              <a:rPr lang="en-US" dirty="0"/>
+              <a:t>from Bell Canada, Deutsche Telekom, NTT International, Swisscom, Huawei, Cisco, 6Wind, </a:t>
+            </a:r>
+            <a:r>
+              <a:rPr lang="en-US" dirty="0" err="1"/>
+              <a:t>Ciena</a:t>
+            </a:r>
+            <a:r>
+              <a:rPr lang="en-US" dirty="0"/>
+              <a:t> </a:t>
+            </a:r>
+            <a:r>
+              <a:rPr lang="en-US" dirty="0" err="1"/>
+              <a:t>Blueplanet</a:t>
+            </a:r>
+            <a:r>
+              <a:rPr lang="en-US" dirty="0"/>
+              <a:t>, Juniper, Nokia, and INSA Lyon.</a:t>
+            </a:r>
+          </a:p>
+          <a:p>
+            <a:r>
+              <a:rPr lang="en-US" dirty="0"/>
+              <a:t>The group decided to make the outcome of these workshops </a:t>
+            </a:r>
+            <a:r>
+              <a:rPr lang="en-US" b="1" dirty="0"/>
+              <a:t>available to the IETF community at NMOP and NEMOPS and continue there these discussions.</a:t>
+            </a:r>
+          </a:p>
+        </p:txBody>
+      </p:sp>
+      <p:sp>
+        <p:nvSpPr>
+          <p:cNvPr id="19" name="Title 1">
+            <a:extLst>
+              <a:ext uri="{FF2B5EF4-FFF2-40B4-BE49-F238E27FC236}">
+                <a16:creationId xmlns:a16="http://schemas.microsoft.com/office/drawing/2014/main" id="{56D79134-17A9-8BC8-B7D0-97BCFFB9A6B2}"/>
+              </a:ext>
+            </a:extLst>
+          </p:cNvPr>
+          <p:cNvSpPr>
+            <a:spLocks noGrp="1"/>
+          </p:cNvSpPr>
+          <p:nvPr>
+            <p:ph type="title"/>
+          </p:nvPr>
+        </p:nvSpPr>
+        <p:spPr>
+          <a:xfrm>
+            <a:off x="838200" y="365125"/>
+            <a:ext cx="10515600" cy="1325563"/>
+          </a:xfrm>
+        </p:spPr>
+        <p:txBody>
+          <a:bodyPr>
+            <a:normAutofit/>
+          </a:bodyPr>
+          <a:lstStyle/>
+          <a:p>
+            <a:r>
+              <a:rPr lang="en-US" sz="2800" b="1" dirty="0"/>
+              <a:t>IETF YANG-Push Implementations and Next Steps</a:t>
+            </a:r>
+            <a:br>
+              <a:rPr lang="en-US" sz="3600" dirty="0"/>
+            </a:br>
+            <a:r>
+              <a:rPr lang="en-US" sz="2700" dirty="0">
+                <a:solidFill>
+                  <a:schemeClr val="bg2">
+                    <a:lumMod val="75000"/>
+                  </a:schemeClr>
+                </a:solidFill>
+              </a:rPr>
+              <a:t>Who we are and what we like…</a:t>
+            </a:r>
+          </a:p>
+        </p:txBody>
+      </p:sp>
+      <p:sp>
+        <p:nvSpPr>
+          <p:cNvPr id="3" name="TextBox 2">
+            <a:extLst>
+              <a:ext uri="{FF2B5EF4-FFF2-40B4-BE49-F238E27FC236}">
+                <a16:creationId xmlns:a16="http://schemas.microsoft.com/office/drawing/2014/main" id="{11030B07-3F01-6016-F841-23039D654E77}"/>
+              </a:ext>
+            </a:extLst>
+          </p:cNvPr>
+          <p:cNvSpPr txBox="1"/>
+          <p:nvPr/>
+        </p:nvSpPr>
+        <p:spPr>
+          <a:xfrm>
+            <a:off x="961533" y="4678081"/>
+            <a:ext cx="4263610" cy="1631216"/>
+          </a:xfrm>
+          <a:prstGeom prst="rect">
+            <a:avLst/>
+          </a:prstGeom>
+          <a:noFill/>
+        </p:spPr>
+        <p:txBody>
+          <a:bodyPr wrap="square">
+            <a:spAutoFit/>
+          </a:bodyPr>
+          <a:lstStyle/>
+          <a:p>
+            <a:pPr>
+              <a:spcAft>
+                <a:spcPts val="1200"/>
+              </a:spcAft>
+            </a:pPr>
+            <a:r>
+              <a:rPr lang="en-US" b="1" dirty="0"/>
+              <a:t>What do you like about IETF YANG-Push?</a:t>
+            </a:r>
+          </a:p>
+          <a:p>
+            <a:pPr marL="342900" indent="-342900">
+              <a:spcBef>
+                <a:spcPts val="0"/>
+              </a:spcBef>
+              <a:spcAft>
+                <a:spcPts val="0"/>
+              </a:spcAft>
+              <a:buFont typeface="Arial" panose="020B0604020202020204" pitchFamily="34" charset="0"/>
+              <a:buChar char="•"/>
+            </a:pPr>
+            <a:r>
+              <a:rPr lang="en-US" sz="1800" dirty="0"/>
+              <a:t>Interoperable</a:t>
+            </a:r>
+          </a:p>
+          <a:p>
+            <a:pPr marL="342900" indent="-342900">
+              <a:spcBef>
+                <a:spcPts val="0"/>
+              </a:spcBef>
+              <a:spcAft>
+                <a:spcPts val="0"/>
+              </a:spcAft>
+              <a:buFont typeface="Arial" panose="020B0604020202020204" pitchFamily="34" charset="0"/>
+              <a:buChar char="•"/>
+            </a:pPr>
+            <a:r>
+              <a:rPr lang="en-US" sz="1800" dirty="0"/>
+              <a:t>Unified with Netconf and </a:t>
+            </a:r>
+            <a:r>
+              <a:rPr lang="en-US" sz="1800" dirty="0" err="1"/>
+              <a:t>Restconf</a:t>
+            </a:r>
+            <a:endParaRPr lang="en-US" sz="1800" dirty="0"/>
+          </a:p>
+          <a:p>
+            <a:pPr marL="342900" indent="-342900">
+              <a:spcBef>
+                <a:spcPts val="0"/>
+              </a:spcBef>
+              <a:spcAft>
+                <a:spcPts val="0"/>
+              </a:spcAft>
+              <a:buFont typeface="Arial" panose="020B0604020202020204" pitchFamily="34" charset="0"/>
+              <a:buChar char="•"/>
+            </a:pPr>
+            <a:r>
+              <a:rPr lang="en-US" sz="1800" dirty="0"/>
+              <a:t>Transport independent</a:t>
+            </a:r>
+          </a:p>
+          <a:p>
+            <a:pPr marL="342900" indent="-342900">
+              <a:spcBef>
+                <a:spcPts val="0"/>
+              </a:spcBef>
+              <a:spcAft>
+                <a:spcPts val="0"/>
+              </a:spcAft>
+              <a:buFont typeface="Arial" panose="020B0604020202020204" pitchFamily="34" charset="0"/>
+              <a:buChar char="•"/>
+            </a:pPr>
+            <a:r>
+              <a:rPr lang="en-US" sz="1800" dirty="0"/>
+              <a:t>Push based</a:t>
+            </a:r>
+          </a:p>
+        </p:txBody>
+      </p:sp>
+      <p:sp>
+        <p:nvSpPr>
+          <p:cNvPr id="7" name="TextBox 6">
+            <a:extLst>
+              <a:ext uri="{FF2B5EF4-FFF2-40B4-BE49-F238E27FC236}">
+                <a16:creationId xmlns:a16="http://schemas.microsoft.com/office/drawing/2014/main" id="{EF0A252B-DE40-6447-986A-A5F33DE9D8A1}"/>
+              </a:ext>
+            </a:extLst>
+          </p:cNvPr>
+          <p:cNvSpPr txBox="1"/>
+          <p:nvPr/>
+        </p:nvSpPr>
+        <p:spPr>
+          <a:xfrm>
+            <a:off x="5850294" y="4678081"/>
+            <a:ext cx="4655975" cy="1631216"/>
+          </a:xfrm>
+          <a:prstGeom prst="rect">
+            <a:avLst/>
+          </a:prstGeom>
+          <a:noFill/>
+        </p:spPr>
+        <p:txBody>
+          <a:bodyPr wrap="square">
+            <a:spAutoFit/>
+          </a:bodyPr>
+          <a:lstStyle/>
+          <a:p>
+            <a:pPr>
+              <a:spcAft>
+                <a:spcPts val="1200"/>
+              </a:spcAft>
+            </a:pPr>
+            <a:r>
+              <a:rPr lang="en-US" b="1" dirty="0"/>
+              <a:t>What will you never implement nor use in IETF YANG-Push?</a:t>
+            </a:r>
+          </a:p>
+          <a:p>
+            <a:pPr marL="285750" indent="-285750">
+              <a:buFont typeface="Arial" panose="020B0604020202020204" pitchFamily="34" charset="0"/>
+              <a:buChar char="•"/>
+            </a:pPr>
+            <a:r>
+              <a:rPr lang="en-US" dirty="0"/>
+              <a:t>Replay</a:t>
+            </a:r>
+          </a:p>
+          <a:p>
+            <a:pPr marL="285750" indent="-285750">
+              <a:buFont typeface="Arial" panose="020B0604020202020204" pitchFamily="34" charset="0"/>
+              <a:buChar char="•"/>
+            </a:pPr>
+            <a:r>
+              <a:rPr lang="en-US" dirty="0"/>
+              <a:t>Message Bundling</a:t>
+            </a:r>
+          </a:p>
+          <a:p>
+            <a:pPr marL="285750" indent="-285750">
+              <a:buFont typeface="Arial" panose="020B0604020202020204" pitchFamily="34" charset="0"/>
+              <a:buChar char="•"/>
+            </a:pPr>
+            <a:r>
+              <a:rPr lang="en-US" dirty="0"/>
+              <a:t>Dampening</a:t>
+            </a:r>
+          </a:p>
+        </p:txBody>
+      </p:sp>
+      <p:pic>
+        <p:nvPicPr>
+          <p:cNvPr id="9" name="Picture 8" descr="A group of people standing in a room&#10;&#10;Description automatically generated">
+            <a:extLst>
+              <a:ext uri="{FF2B5EF4-FFF2-40B4-BE49-F238E27FC236}">
+                <a16:creationId xmlns:a16="http://schemas.microsoft.com/office/drawing/2014/main" id="{327BBAD6-D229-CA5A-1BD5-1F9BFCFC4935}"/>
+              </a:ext>
+            </a:extLst>
+          </p:cNvPr>
+          <p:cNvPicPr>
+            <a:picLocks noChangeAspect="1"/>
+          </p:cNvPicPr>
+          <p:nvPr/>
+        </p:nvPicPr>
+        <p:blipFill>
+          <a:blip r:embed="rId2">
+            <a:extLst>
+              <a:ext uri="{28A0092B-C50C-407E-A947-70E740481C1C}">
+                <a14:useLocalDpi xmlns:a14="http://schemas.microsoft.com/office/drawing/2010/main" val="0"/>
+              </a:ext>
+            </a:extLst>
+          </a:blip>
+          <a:stretch>
+            <a:fillRect/>
+          </a:stretch>
+        </p:blipFill>
+        <p:spPr>
+          <a:xfrm>
+            <a:off x="7265781" y="1638660"/>
+            <a:ext cx="3801448" cy="2851086"/>
+          </a:xfrm>
+          <a:prstGeom prst="rect">
+            <a:avLst/>
+          </a:prstGeom>
+        </p:spPr>
+      </p:pic>
+    </p:spTree>
+    <p:extLst>
+      <p:ext uri="{BB962C8B-B14F-4D97-AF65-F5344CB8AC3E}">
+        <p14:creationId xmlns:p14="http://schemas.microsoft.com/office/powerpoint/2010/main" val="3524404663"/>
+      </p:ext>
+    </p:extLst>
+  </p:cSld>
+  <p:clrMapOvr>
+    <a:masterClrMapping/>
+  </p:clrMapOvr>
+</p:sld>
+</file>
+
+<file path=ppt/slides/slide7.xml><?xml version="1.0" encoding="utf-8"?>
+<p:sld xmlns:a="http://schemas.openxmlformats.org/drawingml/2006/main" xmlns:r="http://schemas.openxmlformats.org/officeDocument/2006/relationships" xmlns:p="http://schemas.openxmlformats.org/presentationml/2006/main">
+  <p:cSld>
+    <p:spTree>
+      <p:nvGrpSpPr>
+        <p:cNvPr id="1" name=""/>
+        <p:cNvGrpSpPr/>
+        <p:nvPr/>
+      </p:nvGrpSpPr>
+      <p:grpSpPr>
+        <a:xfrm>
+          <a:off x="0" y="0"/>
+          <a:ext cx="0" cy="0"/>
+          <a:chOff x="0" y="0"/>
+          <a:chExt cx="0" cy="0"/>
+        </a:xfrm>
+      </p:grpSpPr>
+      <p:sp>
+        <p:nvSpPr>
+          <p:cNvPr id="6" name="Slide Number Placeholder 1">
+            <a:extLst>
+              <a:ext uri="{FF2B5EF4-FFF2-40B4-BE49-F238E27FC236}">
+                <a16:creationId xmlns:a16="http://schemas.microsoft.com/office/drawing/2014/main" id="{024DC3B6-499C-4E15-9336-2F15A0DFB843}"/>
+              </a:ext>
+            </a:extLst>
+          </p:cNvPr>
+          <p:cNvSpPr>
+            <a:spLocks noGrp="1"/>
+          </p:cNvSpPr>
+          <p:nvPr>
+            <p:ph type="sldNum" sz="quarter" idx="12"/>
+          </p:nvPr>
+        </p:nvSpPr>
+        <p:spPr>
+          <a:xfrm>
+            <a:off x="11587892" y="6361637"/>
+            <a:ext cx="414251" cy="365125"/>
+          </a:xfrm>
+        </p:spPr>
+        <p:txBody>
+          <a:bodyPr/>
+          <a:lstStyle/>
+          <a:p>
+            <a:fld id="{FC4AC485-25DE-431E-B345-9C0A15BB7F8A}" type="slidenum">
+              <a:rPr lang="de-CH" sz="1400" smtClean="0"/>
+              <a:t>7</a:t>
+            </a:fld>
+            <a:endParaRPr lang="de-CH" sz="1400" dirty="0"/>
+          </a:p>
+        </p:txBody>
+      </p:sp>
+      <p:sp>
+        <p:nvSpPr>
+          <p:cNvPr id="5" name="Inhaltsplatzhalter 2">
+            <a:extLst>
+              <a:ext uri="{FF2B5EF4-FFF2-40B4-BE49-F238E27FC236}">
+                <a16:creationId xmlns:a16="http://schemas.microsoft.com/office/drawing/2014/main" id="{0194B37B-813A-99FE-7B78-4D87D8C30D44}"/>
+              </a:ext>
+            </a:extLst>
+          </p:cNvPr>
+          <p:cNvSpPr txBox="1">
+            <a:spLocks/>
+          </p:cNvSpPr>
+          <p:nvPr/>
+        </p:nvSpPr>
+        <p:spPr bwMode="black">
+          <a:xfrm>
+            <a:off x="945742" y="1550736"/>
+            <a:ext cx="10300516" cy="1123407"/>
+          </a:xfrm>
+          <a:prstGeom prst="rect">
+            <a:avLst/>
+          </a:prstGeom>
+        </p:spPr>
+        <p:txBody>
+          <a:bodyPr wrap="square" lIns="0" tIns="0" rIns="0" bIns="0"/>
+          <a:lstStyle>
+            <a:lvl1pPr marL="0" indent="0" algn="l" defTabSz="914400" rtl="0" eaLnBrk="1" latinLnBrk="0" hangingPunct="1">
+              <a:lnSpc>
+                <a:spcPct val="110000"/>
+              </a:lnSpc>
+              <a:spcBef>
+                <a:spcPts val="600"/>
+              </a:spcBef>
+              <a:spcAft>
+                <a:spcPts val="600"/>
+              </a:spcAft>
+              <a:buFont typeface="Arial" panose="020B0604020202020204" pitchFamily="34" charset="0"/>
+              <a:buNone/>
+              <a:defRPr sz="2000" b="0" kern="1200">
+                <a:solidFill>
+                  <a:schemeClr val="tx1"/>
+                </a:solidFill>
+                <a:latin typeface="+mn-lt"/>
+                <a:ea typeface="+mn-ea"/>
+                <a:cs typeface="+mn-cs"/>
+              </a:defRPr>
+            </a:lvl1pPr>
+            <a:lvl2pPr marL="216000" indent="-216000" algn="l" defTabSz="914400" rtl="0" eaLnBrk="1" latinLnBrk="0" hangingPunct="1">
+              <a:lnSpc>
+                <a:spcPct val="110000"/>
+              </a:lnSpc>
+              <a:spcBef>
+                <a:spcPts val="200"/>
+              </a:spcBef>
+              <a:spcAft>
+                <a:spcPts val="200"/>
+              </a:spcAft>
+              <a:buFont typeface="Arial" panose="020B0604020202020204" pitchFamily="34" charset="0"/>
+              <a:buChar char="•"/>
+              <a:defRPr sz="2000" kern="1200">
+                <a:solidFill>
+                  <a:schemeClr val="tx1"/>
+                </a:solidFill>
+                <a:latin typeface="+mn-lt"/>
+                <a:ea typeface="+mn-ea"/>
+                <a:cs typeface="+mn-cs"/>
+              </a:defRPr>
+            </a:lvl2pPr>
+            <a:lvl3pPr marL="504000" indent="-288000" algn="l" defTabSz="914400" rtl="0" eaLnBrk="1" latinLnBrk="0" hangingPunct="1">
+              <a:lnSpc>
+                <a:spcPct val="110000"/>
+              </a:lnSpc>
+              <a:spcBef>
+                <a:spcPts val="200"/>
+              </a:spcBef>
+              <a:spcAft>
+                <a:spcPts val="200"/>
+              </a:spcAft>
+              <a:buFont typeface="TheSans Swisscom Light" panose="020B0300040303060204" pitchFamily="34" charset="0"/>
+              <a:buChar char="−"/>
+              <a:defRPr sz="2000" kern="1200">
+                <a:solidFill>
+                  <a:schemeClr val="tx1"/>
+                </a:solidFill>
+                <a:latin typeface="+mn-lt"/>
+                <a:ea typeface="+mn-ea"/>
+                <a:cs typeface="+mn-cs"/>
+              </a:defRPr>
+            </a:lvl3pPr>
+            <a:lvl4pPr marL="792000" indent="-288000" algn="l" defTabSz="914400" rtl="0" eaLnBrk="1" latinLnBrk="0" hangingPunct="1">
+              <a:lnSpc>
+                <a:spcPct val="110000"/>
+              </a:lnSpc>
+              <a:spcBef>
+                <a:spcPts val="200"/>
+              </a:spcBef>
+              <a:spcAft>
+                <a:spcPts val="200"/>
+              </a:spcAft>
+              <a:buFont typeface="TheSans Swisscom Light" panose="020B0300040303060204" pitchFamily="34" charset="0"/>
+              <a:buChar char="−"/>
+              <a:defRPr sz="2000" kern="1200">
+                <a:solidFill>
+                  <a:schemeClr val="tx1"/>
+                </a:solidFill>
+                <a:latin typeface="+mn-lt"/>
+                <a:ea typeface="+mn-ea"/>
+                <a:cs typeface="+mn-cs"/>
+              </a:defRPr>
+            </a:lvl4pPr>
+            <a:lvl5pPr marL="792000" indent="-288000" algn="l" defTabSz="914400" rtl="0" eaLnBrk="1" latinLnBrk="0" hangingPunct="1">
+              <a:lnSpc>
+                <a:spcPct val="110000"/>
+              </a:lnSpc>
+              <a:spcBef>
+                <a:spcPts val="200"/>
+              </a:spcBef>
+              <a:spcAft>
+                <a:spcPts val="200"/>
+              </a:spcAft>
+              <a:buFont typeface="TheSans Swisscom Light" panose="020B0300040303060204" pitchFamily="34" charset="0"/>
+              <a:buChar char="−"/>
+              <a:defRPr sz="2000" kern="1200">
+                <a:solidFill>
+                  <a:schemeClr val="tx1"/>
+                </a:solidFill>
+                <a:latin typeface="+mn-lt"/>
+                <a:ea typeface="+mn-ea"/>
+                <a:cs typeface="+mn-cs"/>
+              </a:defRPr>
+            </a:lvl5pPr>
+            <a:lvl6pPr marL="792000" indent="-288000" algn="l" defTabSz="914400" rtl="0" eaLnBrk="1" latinLnBrk="0" hangingPunct="1">
+              <a:lnSpc>
+                <a:spcPct val="110000"/>
+              </a:lnSpc>
+              <a:spcBef>
+                <a:spcPts val="200"/>
+              </a:spcBef>
+              <a:spcAft>
+                <a:spcPts val="200"/>
+              </a:spcAft>
+              <a:buFont typeface="TheSans Swisscom Light" panose="020B0300040303060204" pitchFamily="34" charset="0"/>
+              <a:buChar char="−"/>
+              <a:defRPr sz="2000" kern="1200">
+                <a:solidFill>
+                  <a:schemeClr val="tx1"/>
+                </a:solidFill>
+                <a:latin typeface="+mn-lt"/>
+                <a:ea typeface="+mn-ea"/>
+                <a:cs typeface="+mn-cs"/>
+              </a:defRPr>
+            </a:lvl6pPr>
+            <a:lvl7pPr marL="792000" indent="-288000" algn="l" defTabSz="914400" rtl="0" eaLnBrk="1" latinLnBrk="0" hangingPunct="1">
+              <a:lnSpc>
+                <a:spcPct val="110000"/>
+              </a:lnSpc>
+              <a:spcBef>
+                <a:spcPts val="200"/>
+              </a:spcBef>
+              <a:spcAft>
+                <a:spcPts val="200"/>
+              </a:spcAft>
+              <a:buFont typeface="TheSans Swisscom Light" panose="020B0300040303060204" pitchFamily="34" charset="0"/>
+              <a:buChar char="−"/>
+              <a:defRPr sz="2000" kern="1200">
+                <a:solidFill>
+                  <a:schemeClr val="tx1"/>
+                </a:solidFill>
+                <a:latin typeface="+mn-lt"/>
+                <a:ea typeface="+mn-ea"/>
+                <a:cs typeface="+mn-cs"/>
+              </a:defRPr>
+            </a:lvl7pPr>
+            <a:lvl8pPr marL="792000" indent="-288000" algn="l" defTabSz="914400" rtl="0" eaLnBrk="1" latinLnBrk="0" hangingPunct="1">
+              <a:lnSpc>
+                <a:spcPct val="110000"/>
+              </a:lnSpc>
+              <a:spcBef>
+                <a:spcPts val="200"/>
+              </a:spcBef>
+              <a:spcAft>
+                <a:spcPts val="200"/>
+              </a:spcAft>
+              <a:buFont typeface="TheSans Swisscom Light" panose="020B0300040303060204" pitchFamily="34" charset="0"/>
+              <a:buChar char="−"/>
+              <a:defRPr sz="2000" kern="1200">
+                <a:solidFill>
+                  <a:schemeClr val="tx1"/>
+                </a:solidFill>
+                <a:latin typeface="+mn-lt"/>
+                <a:ea typeface="+mn-ea"/>
+                <a:cs typeface="+mn-cs"/>
+              </a:defRPr>
+            </a:lvl8pPr>
+            <a:lvl9pPr marL="792000" indent="-288000" algn="l" defTabSz="914400" rtl="0" eaLnBrk="1" latinLnBrk="0" hangingPunct="1">
+              <a:lnSpc>
+                <a:spcPct val="110000"/>
+              </a:lnSpc>
+              <a:spcBef>
+                <a:spcPts val="200"/>
+              </a:spcBef>
+              <a:spcAft>
+                <a:spcPts val="200"/>
+              </a:spcAft>
+              <a:buFont typeface="TheSans Swisscom Light" panose="020B0300040303060204" pitchFamily="34" charset="0"/>
+              <a:buChar char="−"/>
+              <a:defRPr sz="2000" kern="1200">
+                <a:solidFill>
+                  <a:schemeClr val="tx1"/>
+                </a:solidFill>
+                <a:latin typeface="+mn-lt"/>
+                <a:ea typeface="+mn-ea"/>
+                <a:cs typeface="+mn-cs"/>
+              </a:defRPr>
+            </a:lvl9pPr>
+          </a:lstStyle>
+          <a:p>
+            <a:pPr>
+              <a:spcBef>
+                <a:spcPts val="0"/>
+              </a:spcBef>
+              <a:spcAft>
+                <a:spcPts val="0"/>
+              </a:spcAft>
+            </a:pPr>
+            <a:r>
+              <a:rPr lang="en-US" b="1" dirty="0"/>
+              <a:t>What in IETF YANG-Push could have been defined differently and why?</a:t>
+            </a:r>
+          </a:p>
+          <a:p>
+            <a:pPr>
+              <a:spcBef>
+                <a:spcPts val="0"/>
+              </a:spcBef>
+              <a:spcAft>
+                <a:spcPts val="0"/>
+              </a:spcAft>
+            </a:pPr>
+            <a:r>
+              <a:rPr lang="en-US" b="1" dirty="0"/>
+              <a:t>What prevents IETF YANG-Push for being integrated/used efficiently?</a:t>
+            </a:r>
+          </a:p>
+          <a:p>
+            <a:pPr>
+              <a:spcBef>
+                <a:spcPts val="0"/>
+              </a:spcBef>
+              <a:spcAft>
+                <a:spcPts val="0"/>
+              </a:spcAft>
+            </a:pPr>
+            <a:r>
+              <a:rPr lang="en-US" b="1" dirty="0"/>
+              <a:t>What in IETF YANG-Push is missing and for which purpose?</a:t>
+            </a:r>
+          </a:p>
+        </p:txBody>
+      </p:sp>
+      <p:sp>
+        <p:nvSpPr>
+          <p:cNvPr id="19" name="Title 1">
+            <a:extLst>
+              <a:ext uri="{FF2B5EF4-FFF2-40B4-BE49-F238E27FC236}">
+                <a16:creationId xmlns:a16="http://schemas.microsoft.com/office/drawing/2014/main" id="{56D79134-17A9-8BC8-B7D0-97BCFFB9A6B2}"/>
+              </a:ext>
+            </a:extLst>
+          </p:cNvPr>
+          <p:cNvSpPr>
+            <a:spLocks noGrp="1"/>
+          </p:cNvSpPr>
+          <p:nvPr>
+            <p:ph type="title"/>
+          </p:nvPr>
+        </p:nvSpPr>
+        <p:spPr>
+          <a:xfrm>
+            <a:off x="838200" y="365125"/>
+            <a:ext cx="10515600" cy="1325563"/>
+          </a:xfrm>
+        </p:spPr>
+        <p:txBody>
+          <a:bodyPr>
+            <a:normAutofit/>
+          </a:bodyPr>
+          <a:lstStyle/>
+          <a:p>
+            <a:r>
+              <a:rPr lang="en-US" sz="2800" b="1" dirty="0"/>
+              <a:t>IETF YANG-Push Implementations and Next Steps</a:t>
+            </a:r>
+            <a:br>
+              <a:rPr lang="en-US" sz="3600" dirty="0"/>
+            </a:br>
+            <a:r>
+              <a:rPr lang="en-US" sz="2700" dirty="0">
+                <a:solidFill>
+                  <a:schemeClr val="bg2">
+                    <a:lumMod val="75000"/>
+                  </a:schemeClr>
+                </a:solidFill>
+              </a:rPr>
+              <a:t>Challenges and how to solve…</a:t>
+            </a:r>
+          </a:p>
+        </p:txBody>
+      </p:sp>
+      <p:sp>
+        <p:nvSpPr>
+          <p:cNvPr id="3" name="TextBox 2">
+            <a:extLst>
+              <a:ext uri="{FF2B5EF4-FFF2-40B4-BE49-F238E27FC236}">
+                <a16:creationId xmlns:a16="http://schemas.microsoft.com/office/drawing/2014/main" id="{6D8BC07C-4C4B-FF48-3006-FA62102047A3}"/>
+              </a:ext>
+            </a:extLst>
+          </p:cNvPr>
+          <p:cNvSpPr txBox="1"/>
+          <p:nvPr/>
+        </p:nvSpPr>
+        <p:spPr>
+          <a:xfrm>
+            <a:off x="5904589" y="2894960"/>
+            <a:ext cx="6097554" cy="3531736"/>
+          </a:xfrm>
+          <a:prstGeom prst="rect">
+            <a:avLst/>
+          </a:prstGeom>
+          <a:noFill/>
+        </p:spPr>
+        <p:txBody>
+          <a:bodyPr wrap="square">
+            <a:spAutoFit/>
+          </a:bodyPr>
+          <a:lstStyle/>
+          <a:p>
+            <a:pPr marL="285750" indent="-285750">
+              <a:spcBef>
+                <a:spcPts val="300"/>
+              </a:spcBef>
+              <a:spcAft>
+                <a:spcPts val="0"/>
+              </a:spcAft>
+              <a:buFont typeface="Arial" panose="020B0604020202020204" pitchFamily="34" charset="0"/>
+              <a:buChar char="•"/>
+            </a:pPr>
+            <a:r>
+              <a:rPr lang="en-US" dirty="0"/>
+              <a:t>Extensible YANG-Push header combing notification and subscription.  Separation of header and subscribed content is needed to allow partial parsing of message in binary encoding for data processing chain.</a:t>
+            </a:r>
+          </a:p>
+          <a:p>
+            <a:pPr marL="285750" indent="-285750">
+              <a:spcBef>
+                <a:spcPts val="300"/>
+              </a:spcBef>
+              <a:spcAft>
+                <a:spcPts val="0"/>
+              </a:spcAft>
+              <a:buFont typeface="Arial" panose="020B0604020202020204" pitchFamily="34" charset="0"/>
+              <a:buChar char="•"/>
+            </a:pPr>
+            <a:r>
+              <a:rPr lang="en-US" dirty="0"/>
+              <a:t>On-change and periodical notification schema should have identical schema and contain the entire schema tree below subscription and represent current state.</a:t>
+            </a:r>
+          </a:p>
+          <a:p>
+            <a:pPr marL="285750" indent="-285750">
+              <a:spcBef>
+                <a:spcPts val="300"/>
+              </a:spcBef>
+              <a:spcAft>
+                <a:spcPts val="0"/>
+              </a:spcAft>
+              <a:buFont typeface="Arial" panose="020B0604020202020204" pitchFamily="34" charset="0"/>
+              <a:buChar char="•"/>
+            </a:pPr>
+            <a:r>
+              <a:rPr lang="en-US" dirty="0"/>
+              <a:t>Common alignment on what should be supported in </a:t>
+            </a:r>
+            <a:r>
+              <a:rPr lang="en-US" dirty="0" err="1"/>
+              <a:t>xpath</a:t>
+            </a:r>
+            <a:r>
+              <a:rPr lang="en-US" dirty="0"/>
+              <a:t> and what not.</a:t>
+            </a:r>
+          </a:p>
+          <a:p>
+            <a:pPr marL="285750" indent="-285750">
+              <a:spcBef>
+                <a:spcPts val="300"/>
+              </a:spcBef>
+              <a:spcAft>
+                <a:spcPts val="0"/>
+              </a:spcAft>
+              <a:buFont typeface="Arial" panose="020B0604020202020204" pitchFamily="34" charset="0"/>
+              <a:buChar char="•"/>
+            </a:pPr>
+            <a:r>
+              <a:rPr lang="en-US" b="1" dirty="0">
+                <a:solidFill>
+                  <a:srgbClr val="FF0000"/>
+                </a:solidFill>
+              </a:rPr>
+              <a:t>Agile incremental driven development. </a:t>
+            </a:r>
+            <a:r>
+              <a:rPr lang="en-US" b="1" dirty="0"/>
+              <a:t>Deployment guide describing implementers and operators what is/should be supported at which MVP stage. </a:t>
+            </a:r>
+          </a:p>
+        </p:txBody>
+      </p:sp>
+      <p:sp>
+        <p:nvSpPr>
+          <p:cNvPr id="7" name="TextBox 6">
+            <a:extLst>
+              <a:ext uri="{FF2B5EF4-FFF2-40B4-BE49-F238E27FC236}">
+                <a16:creationId xmlns:a16="http://schemas.microsoft.com/office/drawing/2014/main" id="{28204345-4180-95D2-FA2A-FAA5B1341B84}"/>
+              </a:ext>
+            </a:extLst>
+          </p:cNvPr>
+          <p:cNvSpPr txBox="1"/>
+          <p:nvPr/>
+        </p:nvSpPr>
+        <p:spPr>
+          <a:xfrm>
+            <a:off x="929951" y="2894960"/>
+            <a:ext cx="4052596" cy="3416320"/>
+          </a:xfrm>
+          <a:prstGeom prst="rect">
+            <a:avLst/>
+          </a:prstGeom>
+          <a:noFill/>
+        </p:spPr>
+        <p:txBody>
+          <a:bodyPr wrap="square">
+            <a:spAutoFit/>
+          </a:bodyPr>
+          <a:lstStyle/>
+          <a:p>
+            <a:pPr marL="285750" indent="-285750">
+              <a:buFont typeface="Arial" panose="020B0604020202020204" pitchFamily="34" charset="0"/>
+              <a:buChar char="•"/>
+            </a:pPr>
+            <a:r>
+              <a:rPr lang="en-US" dirty="0"/>
+              <a:t>On-change notification schema different than periodical</a:t>
+            </a:r>
+          </a:p>
+          <a:p>
+            <a:pPr marL="285750" indent="-285750">
+              <a:buFont typeface="Arial" panose="020B0604020202020204" pitchFamily="34" charset="0"/>
+              <a:buChar char="•"/>
+            </a:pPr>
+            <a:r>
+              <a:rPr lang="en-US" dirty="0"/>
+              <a:t>Patch-id in On-Change complex to implement. </a:t>
+            </a:r>
+          </a:p>
+          <a:p>
+            <a:pPr marL="285750" indent="-285750">
+              <a:buFont typeface="Arial" panose="020B0604020202020204" pitchFamily="34" charset="0"/>
+              <a:buChar char="•"/>
+            </a:pPr>
+            <a:r>
+              <a:rPr lang="en-US" dirty="0"/>
+              <a:t>Reduce YANG complexity (example: augmentations, deviations, </a:t>
+            </a:r>
+            <a:r>
+              <a:rPr lang="en-US" dirty="0" err="1"/>
+              <a:t>xpath</a:t>
+            </a:r>
+            <a:r>
+              <a:rPr lang="en-US" dirty="0"/>
+              <a:t>, lists)</a:t>
+            </a:r>
+          </a:p>
+          <a:p>
+            <a:pPr marL="285750" indent="-285750">
+              <a:buFont typeface="Arial" panose="020B0604020202020204" pitchFamily="34" charset="0"/>
+              <a:buChar char="•"/>
+            </a:pPr>
+            <a:r>
+              <a:rPr lang="en-US" dirty="0"/>
+              <a:t>Each subscribed </a:t>
+            </a:r>
+            <a:r>
+              <a:rPr lang="en-US" dirty="0" err="1"/>
+              <a:t>xpath</a:t>
+            </a:r>
+            <a:r>
+              <a:rPr lang="en-US" dirty="0"/>
+              <a:t> needs normalization. High effort with many vendor specific YANG modules</a:t>
+            </a:r>
+          </a:p>
+          <a:p>
+            <a:pPr marL="285750" indent="-285750">
+              <a:buFont typeface="Arial" panose="020B0604020202020204" pitchFamily="34" charset="0"/>
+              <a:buChar char="•"/>
+            </a:pPr>
+            <a:r>
+              <a:rPr lang="en-US" dirty="0"/>
+              <a:t>Missing end to end open-source implementations</a:t>
+            </a:r>
+          </a:p>
+        </p:txBody>
+      </p:sp>
+      <p:sp>
+        <p:nvSpPr>
+          <p:cNvPr id="8" name="Arrow: Right 7">
+            <a:extLst>
+              <a:ext uri="{FF2B5EF4-FFF2-40B4-BE49-F238E27FC236}">
+                <a16:creationId xmlns:a16="http://schemas.microsoft.com/office/drawing/2014/main" id="{EE628FF1-9B01-9ED8-0F23-6506D6559B70}"/>
+              </a:ext>
+            </a:extLst>
+          </p:cNvPr>
+          <p:cNvSpPr/>
+          <p:nvPr/>
+        </p:nvSpPr>
+        <p:spPr>
+          <a:xfrm>
+            <a:off x="4982547" y="4026159"/>
+            <a:ext cx="793102" cy="699796"/>
+          </a:xfrm>
+          <a:prstGeom prst="rightArrow">
+            <a:avLst/>
+          </a:prstGeom>
+          <a:solidFill>
+            <a:srgbClr val="FFFF00"/>
+          </a:solidFill>
+          <a:ln>
+            <a:solidFill>
+              <a:schemeClr val="accent2">
+                <a:lumMod val="60000"/>
+                <a:lumOff val="40000"/>
+              </a:schemeClr>
+            </a:solidFill>
+          </a:ln>
+        </p:spPr>
+        <p:style>
+          <a:lnRef idx="2">
+            <a:schemeClr val="accent4">
+              <a:shade val="15000"/>
+            </a:schemeClr>
+          </a:lnRef>
+          <a:fillRef idx="1">
+            <a:schemeClr val="accent4"/>
+          </a:fillRef>
+          <a:effectRef idx="0">
+            <a:schemeClr val="accent4"/>
+          </a:effectRef>
+          <a:fontRef idx="minor">
+            <a:schemeClr val="lt1"/>
+          </a:fontRef>
+        </p:style>
+        <p:txBody>
+          <a:bodyPr rtlCol="0" anchor="ctr"/>
+          <a:lstStyle/>
+          <a:p>
+            <a:pPr algn="ctr"/>
+            <a:endParaRPr lang="de-CH"/>
+          </a:p>
+        </p:txBody>
+      </p:sp>
+    </p:spTree>
+    <p:extLst>
+      <p:ext uri="{BB962C8B-B14F-4D97-AF65-F5344CB8AC3E}">
+        <p14:creationId xmlns:p14="http://schemas.microsoft.com/office/powerpoint/2010/main" val="1875627337"/>
       </p:ext>
     </p:extLst>
   </p:cSld>
@@ -13984,7 +14727,7 @@
             </a:pPr>
             <a:r>
               <a:rPr lang="en-US" dirty="0"/>
-              <a:t>In 12 months, from one MVP to another. End of 2025, IETF YANG-Push MVP 1 is in production. End of 2026 MVP 2. End of 2027 MVP 3.  The goal here is to </a:t>
+              <a:t>12 months release cycle with the goal to </a:t>
             </a:r>
             <a:r>
               <a:rPr lang="en-US" dirty="0">
@@ -14062,21 +14805,20 @@
             </a:r>
             <a:r>
               <a:rPr lang="en-US" dirty="0"/>
-              <a:t> has already performed </a:t>
-            </a:r>
-            <a:r>
-              <a:rPr lang="en-US"/>
-              <a:t>for IETF YANG-Push</a:t>
+              <a:t> has already performed for IETF YANG-Push </a:t>
+            </a:r>
+            <a:r>
+              <a:rPr lang="en-US" dirty="0">
+                <a:solidFill>
+                  <a:srgbClr val="FF0000"/>
+                </a:solidFill>
+              </a:rPr>
+              <a:t>outside the IETF process</a:t>
             </a:r>
             <a:r>
               <a:rPr lang="en-US" dirty="0"/>
-              <a:t>, regrettable not at the beginning of the development, specification </a:t>
-            </a:r>
-            <a:r>
-              <a:rPr lang="en-US"/>
-              <a:t>process in 2015.</a:t>
-            </a:r>
-            <a:endParaRPr lang="de-CH" dirty="0"/>
+              <a:t>, regrettably not at the beginning of the development, specification process in 2015.</a:t>
+            </a:r>
           </a:p>
         </p:txBody>
       </p:sp>

--- a/122/NEMOPS/IAB NEMOPS - YANG-Push - Agile Incremental Driven Development.pptx
+++ b/122/NEMOPS/IAB NEMOPS - YANG-Push - Agile Incremental Driven Development.pptx
@@ -5,20 +5,19 @@
     <p:sldMasterId id="2147483648" r:id="rId1"/>
   </p:sldMasterIdLst>
   <p:notesMasterIdLst>
-    <p:notesMasterId r:id="rId13"/>
+    <p:notesMasterId r:id="rId12"/>
   </p:notesMasterIdLst>
   <p:sldIdLst>
     <p:sldId id="1041" r:id="rId2"/>
     <p:sldId id="2145706278" r:id="rId3"/>
     <p:sldId id="2145706280" r:id="rId4"/>
-    <p:sldId id="26422" r:id="rId5"/>
-    <p:sldId id="2145706236" r:id="rId6"/>
-    <p:sldId id="2145706275" r:id="rId7"/>
-    <p:sldId id="2145706277" r:id="rId8"/>
-    <p:sldId id="2145706279" r:id="rId9"/>
-    <p:sldId id="2145706281" r:id="rId10"/>
-    <p:sldId id="2145706272" r:id="rId11"/>
-    <p:sldId id="2145706282" r:id="rId12"/>
+    <p:sldId id="2145706236" r:id="rId5"/>
+    <p:sldId id="2145706275" r:id="rId6"/>
+    <p:sldId id="2145706277" r:id="rId7"/>
+    <p:sldId id="2145706279" r:id="rId8"/>
+    <p:sldId id="2145706281" r:id="rId9"/>
+    <p:sldId id="2145706272" r:id="rId10"/>
+    <p:sldId id="2145706282" r:id="rId11"/>
   </p:sldIdLst>
   <p:sldSz cx="12192000" cy="6858000"/>
   <p:notesSz cx="6858000" cy="9144000"/>
@@ -137,8 +136,8 @@
 <pc:chgInfo xmlns:a="http://schemas.openxmlformats.org/drawingml/2006/main" xmlns:r="http://schemas.openxmlformats.org/officeDocument/2006/relationships" xmlns:ac="http://schemas.microsoft.com/office/drawing/2013/main/command" xmlns:pc="http://schemas.microsoft.com/office/powerpoint/2013/main/command">
   <pc:docChgLst>
     <pc:chgData name="Graf Thomas, INI-NET-VNC-HCS" userId="487bc3e3-9ce7-4cdd-b7b4-8899ea88d289" providerId="ADAL" clId="{43074B02-ABBA-4EEC-B56D-658988DD2B14}"/>
-    <pc:docChg chg="undo custSel addSld modSld sldOrd">
-      <pc:chgData name="Graf Thomas, INI-NET-VNC-HCS" userId="487bc3e3-9ce7-4cdd-b7b4-8899ea88d289" providerId="ADAL" clId="{43074B02-ABBA-4EEC-B56D-658988DD2B14}" dt="2024-12-01T08:04:48.688" v="1243" actId="207"/>
+    <pc:docChg chg="undo custSel addSld delSld modSld sldOrd">
+      <pc:chgData name="Graf Thomas, INI-NET-VNC-HCS" userId="487bc3e3-9ce7-4cdd-b7b4-8899ea88d289" providerId="ADAL" clId="{43074B02-ABBA-4EEC-B56D-658988DD2B14}" dt="2024-12-02T08:38:37.598" v="1269" actId="47"/>
       <pc:docMkLst>
         <pc:docMk/>
       </pc:docMkLst>
@@ -165,8 +164,8 @@
           </ac:spMkLst>
         </pc:spChg>
       </pc:sldChg>
-      <pc:sldChg chg="ord">
-        <pc:chgData name="Graf Thomas, INI-NET-VNC-HCS" userId="487bc3e3-9ce7-4cdd-b7b4-8899ea88d289" providerId="ADAL" clId="{43074B02-ABBA-4EEC-B56D-658988DD2B14}" dt="2024-12-01T07:45:24.522" v="1064" actId="20578"/>
+      <pc:sldChg chg="del ord">
+        <pc:chgData name="Graf Thomas, INI-NET-VNC-HCS" userId="487bc3e3-9ce7-4cdd-b7b4-8899ea88d289" providerId="ADAL" clId="{43074B02-ABBA-4EEC-B56D-658988DD2B14}" dt="2024-12-02T08:38:37.598" v="1269" actId="47"/>
         <pc:sldMkLst>
           <pc:docMk/>
           <pc:sldMk cId="1088069469" sldId="26422"/>
@@ -195,6 +194,21 @@
         </pc:sldMkLst>
       </pc:sldChg>
       <pc:sldChg chg="modSp mod">
+        <pc:chgData name="Graf Thomas, INI-NET-VNC-HCS" userId="487bc3e3-9ce7-4cdd-b7b4-8899ea88d289" providerId="ADAL" clId="{43074B02-ABBA-4EEC-B56D-658988DD2B14}" dt="2024-12-02T08:35:18.644" v="1261" actId="20577"/>
+        <pc:sldMkLst>
+          <pc:docMk/>
+          <pc:sldMk cId="3524404663" sldId="2145706275"/>
+        </pc:sldMkLst>
+        <pc:spChg chg="mod">
+          <ac:chgData name="Graf Thomas, INI-NET-VNC-HCS" userId="487bc3e3-9ce7-4cdd-b7b4-8899ea88d289" providerId="ADAL" clId="{43074B02-ABBA-4EEC-B56D-658988DD2B14}" dt="2024-12-02T08:35:18.644" v="1261" actId="20577"/>
+          <ac:spMkLst>
+            <pc:docMk/>
+            <pc:sldMk cId="3524404663" sldId="2145706275"/>
+            <ac:spMk id="5" creationId="{0194B37B-813A-99FE-7B78-4D87D8C30D44}"/>
+          </ac:spMkLst>
+        </pc:spChg>
+      </pc:sldChg>
+      <pc:sldChg chg="modSp mod">
         <pc:chgData name="Graf Thomas, INI-NET-VNC-HCS" userId="487bc3e3-9ce7-4cdd-b7b4-8899ea88d289" providerId="ADAL" clId="{43074B02-ABBA-4EEC-B56D-658988DD2B14}" dt="2024-11-29T10:14:57.779" v="38" actId="207"/>
         <pc:sldMkLst>
           <pc:docMk/>
@@ -218,13 +232,13 @@
         </pc:spChg>
       </pc:sldChg>
       <pc:sldChg chg="addSp modSp mod ord">
-        <pc:chgData name="Graf Thomas, INI-NET-VNC-HCS" userId="487bc3e3-9ce7-4cdd-b7b4-8899ea88d289" providerId="ADAL" clId="{43074B02-ABBA-4EEC-B56D-658988DD2B14}" dt="2024-12-01T08:04:48.688" v="1243" actId="207"/>
+        <pc:chgData name="Graf Thomas, INI-NET-VNC-HCS" userId="487bc3e3-9ce7-4cdd-b7b4-8899ea88d289" providerId="ADAL" clId="{43074B02-ABBA-4EEC-B56D-658988DD2B14}" dt="2024-12-02T08:34:37.080" v="1253" actId="20577"/>
         <pc:sldMkLst>
           <pc:docMk/>
           <pc:sldMk cId="2764131050" sldId="2145706278"/>
         </pc:sldMkLst>
-        <pc:spChg chg="add mod">
-          <ac:chgData name="Graf Thomas, INI-NET-VNC-HCS" userId="487bc3e3-9ce7-4cdd-b7b4-8899ea88d289" providerId="ADAL" clId="{43074B02-ABBA-4EEC-B56D-658988DD2B14}" dt="2024-12-01T08:04:48.688" v="1243" actId="207"/>
+        <pc:spChg chg="add mod ord">
+          <ac:chgData name="Graf Thomas, INI-NET-VNC-HCS" userId="487bc3e3-9ce7-4cdd-b7b4-8899ea88d289" providerId="ADAL" clId="{43074B02-ABBA-4EEC-B56D-658988DD2B14}" dt="2024-12-02T08:34:32.021" v="1244" actId="167"/>
           <ac:spMkLst>
             <pc:docMk/>
             <pc:sldMk cId="2764131050" sldId="2145706278"/>
@@ -264,7 +278,7 @@
           </ac:spMkLst>
         </pc:spChg>
         <pc:spChg chg="mod">
-          <ac:chgData name="Graf Thomas, INI-NET-VNC-HCS" userId="487bc3e3-9ce7-4cdd-b7b4-8899ea88d289" providerId="ADAL" clId="{43074B02-ABBA-4EEC-B56D-658988DD2B14}" dt="2024-11-29T10:40:36.172" v="366" actId="255"/>
+          <ac:chgData name="Graf Thomas, INI-NET-VNC-HCS" userId="487bc3e3-9ce7-4cdd-b7b4-8899ea88d289" providerId="ADAL" clId="{43074B02-ABBA-4EEC-B56D-658988DD2B14}" dt="2024-12-02T08:34:37.080" v="1253" actId="20577"/>
           <ac:spMkLst>
             <pc:docMk/>
             <pc:sldMk cId="2764131050" sldId="2145706278"/>
@@ -409,13 +423,13 @@
         </pc:cxnChg>
       </pc:sldChg>
       <pc:sldChg chg="modSp mod">
-        <pc:chgData name="Graf Thomas, INI-NET-VNC-HCS" userId="487bc3e3-9ce7-4cdd-b7b4-8899ea88d289" providerId="ADAL" clId="{43074B02-ABBA-4EEC-B56D-658988DD2B14}" dt="2024-11-27T05:40:27.527" v="35" actId="207"/>
+        <pc:chgData name="Graf Thomas, INI-NET-VNC-HCS" userId="487bc3e3-9ce7-4cdd-b7b4-8899ea88d289" providerId="ADAL" clId="{43074B02-ABBA-4EEC-B56D-658988DD2B14}" dt="2024-12-02T08:37:13.661" v="1266" actId="20577"/>
         <pc:sldMkLst>
           <pc:docMk/>
           <pc:sldMk cId="1492607074" sldId="2145706279"/>
         </pc:sldMkLst>
         <pc:spChg chg="mod">
-          <ac:chgData name="Graf Thomas, INI-NET-VNC-HCS" userId="487bc3e3-9ce7-4cdd-b7b4-8899ea88d289" providerId="ADAL" clId="{43074B02-ABBA-4EEC-B56D-658988DD2B14}" dt="2024-11-27T05:40:27.527" v="35" actId="207"/>
+          <ac:chgData name="Graf Thomas, INI-NET-VNC-HCS" userId="487bc3e3-9ce7-4cdd-b7b4-8899ea88d289" providerId="ADAL" clId="{43074B02-ABBA-4EEC-B56D-658988DD2B14}" dt="2024-12-02T08:37:13.661" v="1266" actId="20577"/>
           <ac:spMkLst>
             <pc:docMk/>
             <pc:sldMk cId="1492607074" sldId="2145706279"/>
@@ -587,7 +601,7 @@
           <a:p>
             <a:fld id="{E5E705E9-673F-4AC4-B29E-A7B26F3B8523}" type="datetimeFigureOut">
               <a:rPr lang="de-CH" smtClean="0"/>
-              <a:t>29.11.2024</a:t>
+              <a:t>02.12.2024</a:t>
             </a:fld>
             <a:endParaRPr lang="de-CH"/>
           </a:p>
@@ -920,7 +934,7 @@
           <a:p>
             <a:fld id="{2BBC52A0-2F3F-497F-8536-39D60282E9C2}" type="slidenum">
               <a:rPr lang="de-CH" smtClean="0"/>
-              <a:t>5</a:t>
+              <a:t>4</a:t>
             </a:fld>
             <a:endParaRPr lang="de-CH"/>
           </a:p>
@@ -1004,7 +1018,7 @@
           <a:p>
             <a:fld id="{2BBC52A0-2F3F-497F-8536-39D60282E9C2}" type="slidenum">
               <a:rPr lang="de-CH" smtClean="0"/>
-              <a:t>10</a:t>
+              <a:t>9</a:t>
             </a:fld>
             <a:endParaRPr lang="de-CH"/>
           </a:p>
@@ -1172,7 +1186,7 @@
           <a:p>
             <a:fld id="{9E9B238C-2335-4007-98C9-471C02CC43B6}" type="datetimeFigureOut">
               <a:rPr lang="de-CH" smtClean="0"/>
-              <a:t>29.11.2024</a:t>
+              <a:t>02.12.2024</a:t>
             </a:fld>
             <a:endParaRPr lang="de-CH"/>
           </a:p>
@@ -1372,7 +1386,7 @@
           <a:p>
             <a:fld id="{9E9B238C-2335-4007-98C9-471C02CC43B6}" type="datetimeFigureOut">
               <a:rPr lang="de-CH" smtClean="0"/>
-              <a:t>29.11.2024</a:t>
+              <a:t>02.12.2024</a:t>
             </a:fld>
             <a:endParaRPr lang="de-CH"/>
           </a:p>
@@ -1582,7 +1596,7 @@
           <a:p>
             <a:fld id="{9E9B238C-2335-4007-98C9-471C02CC43B6}" type="datetimeFigureOut">
               <a:rPr lang="de-CH" smtClean="0"/>
-              <a:t>29.11.2024</a:t>
+              <a:t>02.12.2024</a:t>
             </a:fld>
             <a:endParaRPr lang="de-CH"/>
           </a:p>
@@ -2011,7 +2025,7 @@
           <a:p>
             <a:fld id="{9E9B238C-2335-4007-98C9-471C02CC43B6}" type="datetimeFigureOut">
               <a:rPr lang="de-CH" smtClean="0"/>
-              <a:t>29.11.2024</a:t>
+              <a:t>02.12.2024</a:t>
             </a:fld>
             <a:endParaRPr lang="de-CH"/>
           </a:p>
@@ -2287,7 +2301,7 @@
           <a:p>
             <a:fld id="{9E9B238C-2335-4007-98C9-471C02CC43B6}" type="datetimeFigureOut">
               <a:rPr lang="de-CH" smtClean="0"/>
-              <a:t>29.11.2024</a:t>
+              <a:t>02.12.2024</a:t>
             </a:fld>
             <a:endParaRPr lang="de-CH"/>
           </a:p>
@@ -2555,7 +2569,7 @@
           <a:p>
             <a:fld id="{9E9B238C-2335-4007-98C9-471C02CC43B6}" type="datetimeFigureOut">
               <a:rPr lang="de-CH" smtClean="0"/>
-              <a:t>29.11.2024</a:t>
+              <a:t>02.12.2024</a:t>
             </a:fld>
             <a:endParaRPr lang="de-CH"/>
           </a:p>
@@ -2970,7 +2984,7 @@
           <a:p>
             <a:fld id="{9E9B238C-2335-4007-98C9-471C02CC43B6}" type="datetimeFigureOut">
               <a:rPr lang="de-CH" smtClean="0"/>
-              <a:t>29.11.2024</a:t>
+              <a:t>02.12.2024</a:t>
             </a:fld>
             <a:endParaRPr lang="de-CH"/>
           </a:p>
@@ -3112,7 +3126,7 @@
           <a:p>
             <a:fld id="{9E9B238C-2335-4007-98C9-471C02CC43B6}" type="datetimeFigureOut">
               <a:rPr lang="de-CH" smtClean="0"/>
-              <a:t>29.11.2024</a:t>
+              <a:t>02.12.2024</a:t>
             </a:fld>
             <a:endParaRPr lang="de-CH"/>
           </a:p>
@@ -3225,7 +3239,7 @@
           <a:p>
             <a:fld id="{9E9B238C-2335-4007-98C9-471C02CC43B6}" type="datetimeFigureOut">
               <a:rPr lang="de-CH" smtClean="0"/>
-              <a:t>29.11.2024</a:t>
+              <a:t>02.12.2024</a:t>
             </a:fld>
             <a:endParaRPr lang="de-CH"/>
           </a:p>
@@ -3538,7 +3552,7 @@
           <a:p>
             <a:fld id="{9E9B238C-2335-4007-98C9-471C02CC43B6}" type="datetimeFigureOut">
               <a:rPr lang="de-CH" smtClean="0"/>
-              <a:t>29.11.2024</a:t>
+              <a:t>02.12.2024</a:t>
             </a:fld>
             <a:endParaRPr lang="de-CH"/>
           </a:p>
@@ -3827,7 +3841,7 @@
           <a:p>
             <a:fld id="{9E9B238C-2335-4007-98C9-471C02CC43B6}" type="datetimeFigureOut">
               <a:rPr lang="de-CH" smtClean="0"/>
-              <a:t>29.11.2024</a:t>
+              <a:t>02.12.2024</a:t>
             </a:fld>
             <a:endParaRPr lang="de-CH"/>
           </a:p>
@@ -4070,7 +4084,7 @@
           <a:p>
             <a:fld id="{9E9B238C-2335-4007-98C9-471C02CC43B6}" type="datetimeFigureOut">
               <a:rPr lang="de-CH" smtClean="0"/>
-              <a:t>29.11.2024</a:t>
+              <a:t>02.12.2024</a:t>
             </a:fld>
             <a:endParaRPr lang="de-CH"/>
           </a:p>
@@ -4674,1011 +4688,6 @@
       </p:grpSpPr>
       <p:sp>
         <p:nvSpPr>
-          <p:cNvPr id="2" name="Title 1">
-            <a:extLst>
-              <a:ext uri="{FF2B5EF4-FFF2-40B4-BE49-F238E27FC236}">
-                <a16:creationId xmlns:a16="http://schemas.microsoft.com/office/drawing/2014/main" id="{FF20F271-6F0D-4AC0-BB1D-F5C338165C13}"/>
-              </a:ext>
-            </a:extLst>
-          </p:cNvPr>
-          <p:cNvSpPr>
-            <a:spLocks noGrp="1"/>
-          </p:cNvSpPr>
-          <p:nvPr>
-            <p:ph type="title"/>
-          </p:nvPr>
-        </p:nvSpPr>
-        <p:spPr/>
-        <p:txBody>
-          <a:bodyPr>
-            <a:normAutofit/>
-          </a:bodyPr>
-          <a:lstStyle/>
-          <a:p>
-            <a:r>
-              <a:rPr lang="en-US" sz="2800" b="1" dirty="0"/>
-              <a:t>Addressing YANG Specification and Integration Gaps</a:t>
-            </a:r>
-            <a:br>
-              <a:rPr lang="en-GB" sz="3600" dirty="0"/>
-            </a:br>
-            <a:r>
-              <a:rPr lang="en-US" sz="2700" dirty="0">
-                <a:solidFill>
-                  <a:schemeClr val="bg2">
-                    <a:lumMod val="75000"/>
-                  </a:schemeClr>
-                </a:solidFill>
-              </a:rPr>
-              <a:t>11 documents piling up at NETCONF, NETMOD and NMOP…</a:t>
-            </a:r>
-          </a:p>
-        </p:txBody>
-      </p:sp>
-      <p:sp>
-        <p:nvSpPr>
-          <p:cNvPr id="3" name="Content Placeholder 2">
-            <a:extLst>
-              <a:ext uri="{FF2B5EF4-FFF2-40B4-BE49-F238E27FC236}">
-                <a16:creationId xmlns:a16="http://schemas.microsoft.com/office/drawing/2014/main" id="{29C0DFD4-432D-4B0C-93DF-790441DCF5B9}"/>
-              </a:ext>
-            </a:extLst>
-          </p:cNvPr>
-          <p:cNvSpPr>
-            <a:spLocks noGrp="1"/>
-          </p:cNvSpPr>
-          <p:nvPr>
-            <p:ph idx="1"/>
-          </p:nvPr>
-        </p:nvSpPr>
-        <p:spPr>
-          <a:xfrm>
-            <a:off x="838199" y="1690688"/>
-            <a:ext cx="4732177" cy="4486275"/>
-          </a:xfrm>
-        </p:spPr>
-        <p:txBody>
-          <a:bodyPr>
-            <a:noAutofit/>
-          </a:bodyPr>
-          <a:lstStyle/>
-          <a:p>
-            <a:pPr marL="0" indent="0">
-              <a:buNone/>
-            </a:pPr>
-            <a:r>
-              <a:rPr lang="en-US" sz="1800" b="1" dirty="0"/>
-              <a:t>YANG-Push Transport Gaps:</a:t>
-            </a:r>
-            <a:endParaRPr lang="en-US" sz="1800" dirty="0"/>
-          </a:p>
-          <a:p>
-            <a:pPr>
-              <a:spcBef>
-                <a:spcPts val="300"/>
-              </a:spcBef>
-            </a:pPr>
-            <a:r>
-              <a:rPr lang="en-US" sz="1600" dirty="0"/>
-              <a:t>UDP-based Transport for Configured Subscriptions</a:t>
-            </a:r>
-            <a:br>
-              <a:rPr lang="en-US" sz="1600" dirty="0"/>
-            </a:br>
-            <a:r>
-              <a:rPr lang="en-US" sz="1600" dirty="0">
-                <a:hlinkClick r:id="rId3"/>
-              </a:rPr>
-              <a:t>draft-</a:t>
-            </a:r>
-            <a:r>
-              <a:rPr lang="en-US" sz="1600" dirty="0" err="1">
-                <a:hlinkClick r:id="rId3"/>
-              </a:rPr>
-              <a:t>ietf</a:t>
-            </a:r>
-            <a:r>
-              <a:rPr lang="en-US" sz="1600" dirty="0">
-                <a:hlinkClick r:id="rId3"/>
-              </a:rPr>
-              <a:t>-netconf-</a:t>
-            </a:r>
-            <a:r>
-              <a:rPr lang="en-US" sz="1600" dirty="0" err="1">
-                <a:hlinkClick r:id="rId3"/>
-              </a:rPr>
-              <a:t>udp</a:t>
-            </a:r>
-            <a:r>
-              <a:rPr lang="en-US" sz="1600" dirty="0">
-                <a:hlinkClick r:id="rId3"/>
-              </a:rPr>
-              <a:t>-</a:t>
-            </a:r>
-            <a:r>
-              <a:rPr lang="en-US" sz="1600" dirty="0" err="1">
-                <a:hlinkClick r:id="rId3"/>
-              </a:rPr>
-              <a:t>notif</a:t>
-            </a:r>
-            <a:endParaRPr lang="en-US" sz="1600" dirty="0"/>
-          </a:p>
-          <a:p>
-            <a:pPr>
-              <a:spcBef>
-                <a:spcPts val="300"/>
-              </a:spcBef>
-            </a:pPr>
-            <a:r>
-              <a:rPr lang="en-US" sz="1600" dirty="0"/>
-              <a:t>Subscription to Distributed Notifications</a:t>
-            </a:r>
-            <a:br>
-              <a:rPr lang="en-US" sz="1600" dirty="0"/>
-            </a:br>
-            <a:r>
-              <a:rPr lang="en-US" sz="1600" dirty="0">
-                <a:hlinkClick r:id="rId4"/>
-              </a:rPr>
-              <a:t>draft-</a:t>
-            </a:r>
-            <a:r>
-              <a:rPr lang="en-US" sz="1600" dirty="0" err="1">
-                <a:hlinkClick r:id="rId4"/>
-              </a:rPr>
-              <a:t>ietf</a:t>
-            </a:r>
-            <a:r>
-              <a:rPr lang="en-US" sz="1600" dirty="0">
-                <a:hlinkClick r:id="rId4"/>
-              </a:rPr>
-              <a:t>-netconf-distributed-</a:t>
-            </a:r>
-            <a:r>
-              <a:rPr lang="en-US" sz="1600" dirty="0" err="1">
-                <a:hlinkClick r:id="rId4"/>
-              </a:rPr>
-              <a:t>notif</a:t>
-            </a:r>
-            <a:endParaRPr lang="en-US" sz="1600" b="1" dirty="0"/>
-          </a:p>
-          <a:p>
-            <a:pPr marL="0" indent="0">
-              <a:buNone/>
-            </a:pPr>
-            <a:r>
-              <a:rPr lang="en-US" sz="1800" b="1" dirty="0"/>
-              <a:t>YANG-Push Specifications Gaps:</a:t>
-            </a:r>
-            <a:endParaRPr lang="en-US" sz="1800" dirty="0"/>
-          </a:p>
-          <a:p>
-            <a:pPr>
-              <a:spcBef>
-                <a:spcPts val="300"/>
-              </a:spcBef>
-            </a:pPr>
-            <a:r>
-              <a:rPr lang="en-US" sz="1600" dirty="0"/>
-              <a:t>Extensible YANG model for YANG-Push Notifications</a:t>
-            </a:r>
-            <a:br>
-              <a:rPr lang="en-US" sz="1600" dirty="0"/>
-            </a:br>
-            <a:r>
-              <a:rPr lang="en-US" sz="1600" dirty="0">
-                <a:ea typeface="Times New Roman" panose="02020603050405020304" pitchFamily="18" charset="0"/>
-                <a:hlinkClick r:id="rId5"/>
-              </a:rPr>
-              <a:t>draft-</a:t>
-            </a:r>
-            <a:r>
-              <a:rPr lang="en-US" sz="1600" dirty="0" err="1">
-                <a:ea typeface="Times New Roman" panose="02020603050405020304" pitchFamily="18" charset="0"/>
-                <a:hlinkClick r:id="rId5"/>
-              </a:rPr>
-              <a:t>netana</a:t>
-            </a:r>
-            <a:r>
-              <a:rPr lang="en-US" sz="1600" dirty="0">
-                <a:ea typeface="Times New Roman" panose="02020603050405020304" pitchFamily="18" charset="0"/>
-                <a:hlinkClick r:id="rId5"/>
-              </a:rPr>
-              <a:t>-netconf-</a:t>
-            </a:r>
-            <a:r>
-              <a:rPr lang="en-US" sz="1600" dirty="0" err="1">
-                <a:ea typeface="Times New Roman" panose="02020603050405020304" pitchFamily="18" charset="0"/>
-                <a:hlinkClick r:id="rId5"/>
-              </a:rPr>
-              <a:t>notif</a:t>
-            </a:r>
-            <a:r>
-              <a:rPr lang="en-US" sz="1600" dirty="0">
-                <a:ea typeface="Times New Roman" panose="02020603050405020304" pitchFamily="18" charset="0"/>
-                <a:hlinkClick r:id="rId5"/>
-              </a:rPr>
-              <a:t>-envelope</a:t>
-            </a:r>
-            <a:endParaRPr lang="en-US" sz="1600" dirty="0">
-              <a:ea typeface="Times New Roman" panose="02020603050405020304" pitchFamily="18" charset="0"/>
-            </a:endParaRPr>
-          </a:p>
-          <a:p>
-            <a:pPr>
-              <a:spcBef>
-                <a:spcPts val="300"/>
-              </a:spcBef>
-            </a:pPr>
-            <a:r>
-              <a:rPr lang="en-US" sz="1600" dirty="0">
-                <a:ea typeface="Times New Roman" panose="02020603050405020304" pitchFamily="18" charset="0"/>
-              </a:rPr>
-              <a:t>YANG Notification Transport Capabilities</a:t>
-            </a:r>
-            <a:br>
-              <a:rPr lang="en-US" sz="1600" dirty="0">
-                <a:ea typeface="Times New Roman" panose="02020603050405020304" pitchFamily="18" charset="0"/>
-              </a:rPr>
-            </a:br>
-            <a:r>
-              <a:rPr lang="en-US" sz="1600" dirty="0">
-                <a:ea typeface="Times New Roman" panose="02020603050405020304" pitchFamily="18" charset="0"/>
-                <a:hlinkClick r:id="rId6"/>
-              </a:rPr>
-              <a:t>draft-</a:t>
-            </a:r>
-            <a:r>
-              <a:rPr lang="en-US" sz="1600" dirty="0" err="1">
-                <a:ea typeface="Times New Roman" panose="02020603050405020304" pitchFamily="18" charset="0"/>
-                <a:hlinkClick r:id="rId6"/>
-              </a:rPr>
-              <a:t>netana</a:t>
-            </a:r>
-            <a:r>
-              <a:rPr lang="en-US" sz="1600" dirty="0">
-                <a:ea typeface="Times New Roman" panose="02020603050405020304" pitchFamily="18" charset="0"/>
-                <a:hlinkClick r:id="rId6"/>
-              </a:rPr>
-              <a:t>-netconf-</a:t>
-            </a:r>
-            <a:r>
-              <a:rPr lang="en-US" sz="1600" dirty="0" err="1">
-                <a:ea typeface="Times New Roman" panose="02020603050405020304" pitchFamily="18" charset="0"/>
-                <a:hlinkClick r:id="rId6"/>
-              </a:rPr>
-              <a:t>yp</a:t>
-            </a:r>
-            <a:r>
-              <a:rPr lang="en-US" sz="1600" dirty="0">
-                <a:ea typeface="Times New Roman" panose="02020603050405020304" pitchFamily="18" charset="0"/>
-                <a:hlinkClick r:id="rId6"/>
-              </a:rPr>
-              <a:t>-transport-capabilities</a:t>
-            </a:r>
-            <a:endParaRPr lang="en-US" sz="1600" dirty="0">
-              <a:ea typeface="Times New Roman" panose="02020603050405020304" pitchFamily="18" charset="0"/>
-            </a:endParaRPr>
-          </a:p>
-          <a:p>
-            <a:pPr>
-              <a:spcBef>
-                <a:spcPts val="300"/>
-              </a:spcBef>
-            </a:pPr>
-            <a:r>
-              <a:rPr lang="en-US" sz="1600" dirty="0"/>
-              <a:t>Validating </a:t>
-            </a:r>
-            <a:r>
-              <a:rPr lang="en-US" sz="1600" dirty="0" err="1"/>
-              <a:t>anydata</a:t>
-            </a:r>
-            <a:r>
-              <a:rPr lang="en-US" sz="1600" dirty="0"/>
-              <a:t> in YANG Library context</a:t>
-            </a:r>
-            <a:br>
-              <a:rPr lang="en-US" sz="1600" dirty="0"/>
-            </a:br>
-            <a:r>
-              <a:rPr lang="en-US" sz="1600" dirty="0">
-                <a:hlinkClick r:id="rId7"/>
-              </a:rPr>
-              <a:t>draft-</a:t>
-            </a:r>
-            <a:r>
-              <a:rPr lang="en-US" sz="1600" dirty="0" err="1">
-                <a:hlinkClick r:id="rId7"/>
-              </a:rPr>
-              <a:t>aelhassany</a:t>
-            </a:r>
-            <a:r>
-              <a:rPr lang="en-US" sz="1600" dirty="0">
-                <a:hlinkClick r:id="rId7"/>
-              </a:rPr>
-              <a:t>-</a:t>
-            </a:r>
-            <a:r>
-              <a:rPr lang="en-US" sz="1600" dirty="0" err="1">
-                <a:hlinkClick r:id="rId7"/>
-              </a:rPr>
-              <a:t>anydata</a:t>
-            </a:r>
-            <a:r>
-              <a:rPr lang="en-US" sz="1600" dirty="0">
-                <a:hlinkClick r:id="rId7"/>
-              </a:rPr>
-              <a:t>-validation</a:t>
-            </a:r>
-            <a:endParaRPr lang="en-US" sz="1600" b="1" dirty="0">
-              <a:solidFill>
-                <a:srgbClr val="FF0000"/>
-              </a:solidFill>
-            </a:endParaRPr>
-          </a:p>
-        </p:txBody>
-      </p:sp>
-      <p:sp>
-        <p:nvSpPr>
-          <p:cNvPr id="6" name="Slide Number Placeholder 1">
-            <a:extLst>
-              <a:ext uri="{FF2B5EF4-FFF2-40B4-BE49-F238E27FC236}">
-                <a16:creationId xmlns:a16="http://schemas.microsoft.com/office/drawing/2014/main" id="{3D5EE238-429C-4784-8E42-1813EF45704D}"/>
-              </a:ext>
-            </a:extLst>
-          </p:cNvPr>
-          <p:cNvSpPr>
-            <a:spLocks noGrp="1"/>
-          </p:cNvSpPr>
-          <p:nvPr>
-            <p:ph type="sldNum" sz="quarter" idx="12"/>
-          </p:nvPr>
-        </p:nvSpPr>
-        <p:spPr>
-          <a:xfrm>
-            <a:off x="11587892" y="6361637"/>
-            <a:ext cx="414251" cy="365125"/>
-          </a:xfrm>
-        </p:spPr>
-        <p:txBody>
-          <a:bodyPr/>
-          <a:lstStyle/>
-          <a:p>
-            <a:fld id="{FC4AC485-25DE-431E-B345-9C0A15BB7F8A}" type="slidenum">
-              <a:rPr lang="de-CH" sz="1400" smtClean="0"/>
-              <a:t>10</a:t>
-            </a:fld>
-            <a:endParaRPr lang="de-CH" sz="1400" dirty="0"/>
-          </a:p>
-        </p:txBody>
-      </p:sp>
-      <p:sp>
-        <p:nvSpPr>
-          <p:cNvPr id="4" name="Content Placeholder 2">
-            <a:extLst>
-              <a:ext uri="{FF2B5EF4-FFF2-40B4-BE49-F238E27FC236}">
-                <a16:creationId xmlns:a16="http://schemas.microsoft.com/office/drawing/2014/main" id="{847B953C-E781-5A94-33AD-E38789C4C7F0}"/>
-              </a:ext>
-            </a:extLst>
-          </p:cNvPr>
-          <p:cNvSpPr txBox="1">
-            <a:spLocks/>
-          </p:cNvSpPr>
-          <p:nvPr/>
-        </p:nvSpPr>
-        <p:spPr>
-          <a:xfrm>
-            <a:off x="5946711" y="1690688"/>
-            <a:ext cx="6245289" cy="3366504"/>
-          </a:xfrm>
-          <a:prstGeom prst="rect">
-            <a:avLst/>
-          </a:prstGeom>
-        </p:spPr>
-        <p:txBody>
-          <a:bodyPr vert="horz" lIns="91440" tIns="45720" rIns="91440" bIns="45720" rtlCol="0">
-            <a:noAutofit/>
-          </a:bodyPr>
-          <a:lstStyle>
-            <a:lvl1pPr marL="228600" indent="-228600" algn="l" defTabSz="914400" rtl="0" eaLnBrk="1" latinLnBrk="0" hangingPunct="1">
-              <a:lnSpc>
-                <a:spcPct val="90000"/>
-              </a:lnSpc>
-              <a:spcBef>
-                <a:spcPts val="1000"/>
-              </a:spcBef>
-              <a:buFont typeface="Arial" panose="020B0604020202020204" pitchFamily="34" charset="0"/>
-              <a:buChar char="•"/>
-              <a:defRPr sz="2800" kern="1200">
-                <a:solidFill>
-                  <a:schemeClr val="tx1"/>
-                </a:solidFill>
-                <a:latin typeface="+mn-lt"/>
-                <a:ea typeface="+mn-ea"/>
-                <a:cs typeface="+mn-cs"/>
-              </a:defRPr>
-            </a:lvl1pPr>
-            <a:lvl2pPr marL="685800" indent="-228600" algn="l" defTabSz="914400" rtl="0" eaLnBrk="1" latinLnBrk="0" hangingPunct="1">
-              <a:lnSpc>
-                <a:spcPct val="90000"/>
-              </a:lnSpc>
-              <a:spcBef>
-                <a:spcPts val="500"/>
-              </a:spcBef>
-              <a:buFont typeface="Arial" panose="020B0604020202020204" pitchFamily="34" charset="0"/>
-              <a:buChar char="•"/>
-              <a:defRPr sz="2400" kern="1200">
-                <a:solidFill>
-                  <a:schemeClr val="tx1"/>
-                </a:solidFill>
-                <a:latin typeface="+mn-lt"/>
-                <a:ea typeface="+mn-ea"/>
-                <a:cs typeface="+mn-cs"/>
-              </a:defRPr>
-            </a:lvl2pPr>
-            <a:lvl3pPr marL="1143000" indent="-228600" algn="l" defTabSz="914400" rtl="0" eaLnBrk="1" latinLnBrk="0" hangingPunct="1">
-              <a:lnSpc>
-                <a:spcPct val="90000"/>
-              </a:lnSpc>
-              <a:spcBef>
-                <a:spcPts val="500"/>
-              </a:spcBef>
-              <a:buFont typeface="Arial" panose="020B0604020202020204" pitchFamily="34" charset="0"/>
-              <a:buChar char="•"/>
-              <a:defRPr sz="2000" kern="1200">
-                <a:solidFill>
-                  <a:schemeClr val="tx1"/>
-                </a:solidFill>
-                <a:latin typeface="+mn-lt"/>
-                <a:ea typeface="+mn-ea"/>
-                <a:cs typeface="+mn-cs"/>
-              </a:defRPr>
-            </a:lvl3pPr>
-            <a:lvl4pPr marL="1600200" indent="-228600" algn="l" defTabSz="914400" rtl="0" eaLnBrk="1" latinLnBrk="0" hangingPunct="1">
-              <a:lnSpc>
-                <a:spcPct val="90000"/>
-              </a:lnSpc>
-              <a:spcBef>
-                <a:spcPts val="500"/>
-              </a:spcBef>
-              <a:buFont typeface="Arial" panose="020B0604020202020204" pitchFamily="34" charset="0"/>
-              <a:buChar char="•"/>
-              <a:defRPr sz="1800" kern="1200">
-                <a:solidFill>
-                  <a:schemeClr val="tx1"/>
-                </a:solidFill>
-                <a:latin typeface="+mn-lt"/>
-                <a:ea typeface="+mn-ea"/>
-                <a:cs typeface="+mn-cs"/>
-              </a:defRPr>
-            </a:lvl4pPr>
-            <a:lvl5pPr marL="2057400" indent="-228600" algn="l" defTabSz="914400" rtl="0" eaLnBrk="1" latinLnBrk="0" hangingPunct="1">
-              <a:lnSpc>
-                <a:spcPct val="90000"/>
-              </a:lnSpc>
-              <a:spcBef>
-                <a:spcPts val="500"/>
-              </a:spcBef>
-              <a:buFont typeface="Arial" panose="020B0604020202020204" pitchFamily="34" charset="0"/>
-              <a:buChar char="•"/>
-              <a:defRPr sz="1800" kern="1200">
-                <a:solidFill>
-                  <a:schemeClr val="tx1"/>
-                </a:solidFill>
-                <a:latin typeface="+mn-lt"/>
-                <a:ea typeface="+mn-ea"/>
-                <a:cs typeface="+mn-cs"/>
-              </a:defRPr>
-            </a:lvl5pPr>
-            <a:lvl6pPr marL="2514600" indent="-228600" algn="l" defTabSz="914400" rtl="0" eaLnBrk="1" latinLnBrk="0" hangingPunct="1">
-              <a:lnSpc>
-                <a:spcPct val="90000"/>
-              </a:lnSpc>
-              <a:spcBef>
-                <a:spcPts val="500"/>
-              </a:spcBef>
-              <a:buFont typeface="Arial" panose="020B0604020202020204" pitchFamily="34" charset="0"/>
-              <a:buChar char="•"/>
-              <a:defRPr sz="1800" kern="1200">
-                <a:solidFill>
-                  <a:schemeClr val="tx1"/>
-                </a:solidFill>
-                <a:latin typeface="+mn-lt"/>
-                <a:ea typeface="+mn-ea"/>
-                <a:cs typeface="+mn-cs"/>
-              </a:defRPr>
-            </a:lvl6pPr>
-            <a:lvl7pPr marL="2971800" indent="-228600" algn="l" defTabSz="914400" rtl="0" eaLnBrk="1" latinLnBrk="0" hangingPunct="1">
-              <a:lnSpc>
-                <a:spcPct val="90000"/>
-              </a:lnSpc>
-              <a:spcBef>
-                <a:spcPts val="500"/>
-              </a:spcBef>
-              <a:buFont typeface="Arial" panose="020B0604020202020204" pitchFamily="34" charset="0"/>
-              <a:buChar char="•"/>
-              <a:defRPr sz="1800" kern="1200">
-                <a:solidFill>
-                  <a:schemeClr val="tx1"/>
-                </a:solidFill>
-                <a:latin typeface="+mn-lt"/>
-                <a:ea typeface="+mn-ea"/>
-                <a:cs typeface="+mn-cs"/>
-              </a:defRPr>
-            </a:lvl7pPr>
-            <a:lvl8pPr marL="3429000" indent="-228600" algn="l" defTabSz="914400" rtl="0" eaLnBrk="1" latinLnBrk="0" hangingPunct="1">
-              <a:lnSpc>
-                <a:spcPct val="90000"/>
-              </a:lnSpc>
-              <a:spcBef>
-                <a:spcPts val="500"/>
-              </a:spcBef>
-              <a:buFont typeface="Arial" panose="020B0604020202020204" pitchFamily="34" charset="0"/>
-              <a:buChar char="•"/>
-              <a:defRPr sz="1800" kern="1200">
-                <a:solidFill>
-                  <a:schemeClr val="tx1"/>
-                </a:solidFill>
-                <a:latin typeface="+mn-lt"/>
-                <a:ea typeface="+mn-ea"/>
-                <a:cs typeface="+mn-cs"/>
-              </a:defRPr>
-            </a:lvl8pPr>
-            <a:lvl9pPr marL="3886200" indent="-228600" algn="l" defTabSz="914400" rtl="0" eaLnBrk="1" latinLnBrk="0" hangingPunct="1">
-              <a:lnSpc>
-                <a:spcPct val="90000"/>
-              </a:lnSpc>
-              <a:spcBef>
-                <a:spcPts val="500"/>
-              </a:spcBef>
-              <a:buFont typeface="Arial" panose="020B0604020202020204" pitchFamily="34" charset="0"/>
-              <a:buChar char="•"/>
-              <a:defRPr sz="1800" kern="1200">
-                <a:solidFill>
-                  <a:schemeClr val="tx1"/>
-                </a:solidFill>
-                <a:latin typeface="+mn-lt"/>
-                <a:ea typeface="+mn-ea"/>
-                <a:cs typeface="+mn-cs"/>
-              </a:defRPr>
-            </a:lvl9pPr>
-          </a:lstStyle>
-          <a:p>
-            <a:pPr marL="0" indent="0">
-              <a:spcBef>
-                <a:spcPts val="1200"/>
-              </a:spcBef>
-              <a:buFont typeface="Arial" panose="020B0604020202020204" pitchFamily="34" charset="0"/>
-              <a:buNone/>
-            </a:pPr>
-            <a:r>
-              <a:rPr lang="en-US" sz="1800" b="1" dirty="0"/>
-              <a:t>YANG-Push Integration Gaps and Arch:</a:t>
-            </a:r>
-          </a:p>
-          <a:p>
-            <a:pPr>
-              <a:spcBef>
-                <a:spcPts val="300"/>
-              </a:spcBef>
-            </a:pPr>
-            <a:r>
-              <a:rPr lang="en-US" sz="1600" dirty="0"/>
-              <a:t>Support of Network Observation Timestamping in YANG Notifications</a:t>
-            </a:r>
-            <a:br>
-              <a:rPr lang="en-US" sz="1600" dirty="0"/>
-            </a:br>
-            <a:r>
-              <a:rPr lang="en-US" sz="1600" dirty="0">
-                <a:hlinkClick r:id="rId8"/>
-              </a:rPr>
-              <a:t>draft-</a:t>
-            </a:r>
-            <a:r>
-              <a:rPr lang="en-US" sz="1600" dirty="0" err="1">
-                <a:hlinkClick r:id="rId8"/>
-              </a:rPr>
-              <a:t>tgraf</a:t>
-            </a:r>
-            <a:r>
-              <a:rPr lang="en-US" sz="1600" dirty="0">
-                <a:hlinkClick r:id="rId8"/>
-              </a:rPr>
-              <a:t>-netconf-yang-push-observation-time</a:t>
-            </a:r>
-            <a:endParaRPr lang="en-US" sz="1600" dirty="0"/>
-          </a:p>
-          <a:p>
-            <a:pPr>
-              <a:spcBef>
-                <a:spcPts val="300"/>
-              </a:spcBef>
-            </a:pPr>
-            <a:r>
-              <a:rPr lang="en-US" sz="1600" dirty="0"/>
-              <a:t>Support of Versioning in YANG Notifications Subscription</a:t>
-            </a:r>
-            <a:br>
-              <a:rPr lang="en-US" sz="1600" dirty="0"/>
-            </a:br>
-            <a:r>
-              <a:rPr lang="en-US" sz="1600" dirty="0">
-                <a:hlinkClick r:id="rId9"/>
-              </a:rPr>
-              <a:t>draft-</a:t>
-            </a:r>
-            <a:r>
-              <a:rPr lang="en-US" sz="1600" dirty="0" err="1">
-                <a:hlinkClick r:id="rId9"/>
-              </a:rPr>
-              <a:t>ietf</a:t>
-            </a:r>
-            <a:r>
-              <a:rPr lang="en-US" sz="1600" dirty="0">
-                <a:hlinkClick r:id="rId9"/>
-              </a:rPr>
-              <a:t>-netconf-yang-notifications-versioning</a:t>
-            </a:r>
-            <a:endParaRPr lang="en-US" sz="1600" dirty="0"/>
-          </a:p>
-          <a:p>
-            <a:pPr>
-              <a:spcBef>
-                <a:spcPts val="300"/>
-              </a:spcBef>
-            </a:pPr>
-            <a:r>
-              <a:rPr lang="en-US" sz="1600" dirty="0"/>
-              <a:t>Augmented-by Addition into the IETF-YANG-Library</a:t>
-            </a:r>
-            <a:br>
-              <a:rPr lang="en-US" sz="1600" dirty="0"/>
-            </a:br>
-            <a:r>
-              <a:rPr lang="en-US" sz="1600" dirty="0">
-                <a:hlinkClick r:id="rId10"/>
-              </a:rPr>
-              <a:t>draft-</a:t>
-            </a:r>
-            <a:r>
-              <a:rPr lang="en-US" sz="1600" dirty="0" err="1">
-                <a:hlinkClick r:id="rId10"/>
-              </a:rPr>
-              <a:t>ietf</a:t>
-            </a:r>
-            <a:r>
-              <a:rPr lang="en-US" sz="1600" dirty="0">
-                <a:hlinkClick r:id="rId10"/>
-              </a:rPr>
-              <a:t>-netconf-yang-library-augmentation</a:t>
-            </a:r>
-            <a:endParaRPr lang="en-US" sz="1600" dirty="0"/>
-          </a:p>
-          <a:p>
-            <a:pPr marL="0" indent="0">
-              <a:spcBef>
-                <a:spcPts val="1200"/>
-              </a:spcBef>
-              <a:buFont typeface="Arial" panose="020B0604020202020204" pitchFamily="34" charset="0"/>
-              <a:buNone/>
-            </a:pPr>
-            <a:r>
-              <a:rPr lang="en-US" sz="1800" b="1" dirty="0"/>
-              <a:t>YANG-Push Simplification:</a:t>
-            </a:r>
-          </a:p>
-          <a:p>
-            <a:pPr>
-              <a:spcBef>
-                <a:spcPts val="300"/>
-              </a:spcBef>
-            </a:pPr>
-            <a:r>
-              <a:rPr lang="en-US" sz="1600" dirty="0"/>
-              <a:t>YANG-Push Operational Data Observability Enhancements</a:t>
-            </a:r>
-            <a:br>
-              <a:rPr lang="en-US" sz="1600" dirty="0"/>
-            </a:br>
-            <a:r>
-              <a:rPr lang="en-US" sz="1600" dirty="0">
-                <a:hlinkClick r:id="rId11"/>
-              </a:rPr>
-              <a:t>draft-</a:t>
-            </a:r>
-            <a:r>
-              <a:rPr lang="en-US" sz="1600" dirty="0" err="1">
-                <a:hlinkClick r:id="rId11"/>
-              </a:rPr>
-              <a:t>wilton</a:t>
-            </a:r>
-            <a:r>
-              <a:rPr lang="en-US" sz="1600" dirty="0">
-                <a:hlinkClick r:id="rId11"/>
-              </a:rPr>
-              <a:t>-netconf-</a:t>
-            </a:r>
-            <a:r>
-              <a:rPr lang="en-US" sz="1600" dirty="0" err="1">
-                <a:hlinkClick r:id="rId11"/>
-              </a:rPr>
-              <a:t>yp</a:t>
-            </a:r>
-            <a:r>
-              <a:rPr lang="en-US" sz="1600" dirty="0">
-                <a:hlinkClick r:id="rId11"/>
-              </a:rPr>
-              <a:t>-observability</a:t>
-            </a:r>
-            <a:endParaRPr lang="en-US" sz="1600" dirty="0"/>
-          </a:p>
-          <a:p>
-            <a:pPr marL="0" indent="0">
-              <a:spcBef>
-                <a:spcPts val="1200"/>
-              </a:spcBef>
-              <a:buNone/>
-            </a:pPr>
-            <a:r>
-              <a:rPr lang="en-US" sz="1800" b="1" dirty="0"/>
-              <a:t>YANG-Push Message Broker:</a:t>
-            </a:r>
-          </a:p>
-          <a:p>
-            <a:pPr>
-              <a:spcBef>
-                <a:spcPts val="300"/>
-              </a:spcBef>
-            </a:pPr>
-            <a:r>
-              <a:rPr lang="en-US" sz="1600" dirty="0"/>
-              <a:t>An Architecture for YANG-Push to Message Broker Integration</a:t>
-            </a:r>
-            <a:br>
-              <a:rPr lang="en-US" sz="1600" dirty="0"/>
-            </a:br>
-            <a:r>
-              <a:rPr lang="en-US" sz="1600" dirty="0">
-                <a:hlinkClick r:id="rId12"/>
-              </a:rPr>
-              <a:t>draft-</a:t>
-            </a:r>
-            <a:r>
-              <a:rPr lang="en-US" sz="1600" dirty="0" err="1">
-                <a:hlinkClick r:id="rId12"/>
-              </a:rPr>
-              <a:t>netana</a:t>
-            </a:r>
-            <a:r>
-              <a:rPr lang="en-US" sz="1600" dirty="0">
-                <a:hlinkClick r:id="rId12"/>
-              </a:rPr>
-              <a:t>-</a:t>
-            </a:r>
-            <a:r>
-              <a:rPr lang="en-US" sz="1600" dirty="0" err="1">
-                <a:hlinkClick r:id="rId12"/>
-              </a:rPr>
-              <a:t>nmop</a:t>
-            </a:r>
-            <a:r>
-              <a:rPr lang="en-US" sz="1600" dirty="0">
-                <a:hlinkClick r:id="rId12"/>
-              </a:rPr>
-              <a:t>-yang-message-broker-integration</a:t>
-            </a:r>
-            <a:endParaRPr lang="en-US" sz="1600" dirty="0"/>
-          </a:p>
-        </p:txBody>
-      </p:sp>
-      <p:pic>
-        <p:nvPicPr>
-          <p:cNvPr id="7" name="Picture 6">
-            <a:extLst>
-              <a:ext uri="{FF2B5EF4-FFF2-40B4-BE49-F238E27FC236}">
-                <a16:creationId xmlns:a16="http://schemas.microsoft.com/office/drawing/2014/main" id="{0A11DEF8-69C9-1E60-4EF8-A3E0E2EEFE5E}"/>
-              </a:ext>
-            </a:extLst>
-          </p:cNvPr>
-          <p:cNvPicPr>
-            <a:picLocks noChangeAspect="1"/>
-          </p:cNvPicPr>
-          <p:nvPr/>
-        </p:nvPicPr>
-        <p:blipFill>
-          <a:blip r:embed="rId13"/>
-          <a:stretch>
-            <a:fillRect/>
-          </a:stretch>
-        </p:blipFill>
-        <p:spPr>
-          <a:xfrm>
-            <a:off x="838198" y="5277116"/>
-            <a:ext cx="6103778" cy="1449646"/>
-          </a:xfrm>
-          <a:prstGeom prst="rect">
-            <a:avLst/>
-          </a:prstGeom>
-        </p:spPr>
-      </p:pic>
-      <p:sp>
-        <p:nvSpPr>
-          <p:cNvPr id="9" name="TextBox 8">
-            <a:extLst>
-              <a:ext uri="{FF2B5EF4-FFF2-40B4-BE49-F238E27FC236}">
-                <a16:creationId xmlns:a16="http://schemas.microsoft.com/office/drawing/2014/main" id="{76DFCB4A-5A26-3D89-003B-C1376E910ECB}"/>
-              </a:ext>
-            </a:extLst>
-          </p:cNvPr>
-          <p:cNvSpPr txBox="1"/>
-          <p:nvPr/>
-        </p:nvSpPr>
-        <p:spPr>
-          <a:xfrm>
-            <a:off x="1751823" y="4982646"/>
-            <a:ext cx="674137" cy="369332"/>
-          </a:xfrm>
-          <a:prstGeom prst="rect">
-            <a:avLst/>
-          </a:prstGeom>
-          <a:noFill/>
-        </p:spPr>
-        <p:txBody>
-          <a:bodyPr wrap="square">
-            <a:spAutoFit/>
-          </a:bodyPr>
-          <a:lstStyle/>
-          <a:p>
-            <a:r>
-              <a:rPr lang="en-US" sz="1800" b="1" dirty="0"/>
-              <a:t>2025</a:t>
-            </a:r>
-            <a:endParaRPr lang="de-CH" dirty="0"/>
-          </a:p>
-        </p:txBody>
-      </p:sp>
-      <p:sp>
-        <p:nvSpPr>
-          <p:cNvPr id="10" name="TextBox 9">
-            <a:extLst>
-              <a:ext uri="{FF2B5EF4-FFF2-40B4-BE49-F238E27FC236}">
-                <a16:creationId xmlns:a16="http://schemas.microsoft.com/office/drawing/2014/main" id="{AE56A713-7107-EBE1-2757-84C6A1F346F1}"/>
-              </a:ext>
-            </a:extLst>
-          </p:cNvPr>
-          <p:cNvSpPr txBox="1"/>
-          <p:nvPr/>
-        </p:nvSpPr>
-        <p:spPr>
-          <a:xfrm>
-            <a:off x="2746700" y="4982488"/>
-            <a:ext cx="674137" cy="369332"/>
-          </a:xfrm>
-          <a:prstGeom prst="rect">
-            <a:avLst/>
-          </a:prstGeom>
-          <a:noFill/>
-        </p:spPr>
-        <p:txBody>
-          <a:bodyPr wrap="square">
-            <a:spAutoFit/>
-          </a:bodyPr>
-          <a:lstStyle/>
-          <a:p>
-            <a:r>
-              <a:rPr lang="en-US" sz="1800" b="1" dirty="0"/>
-              <a:t>2026</a:t>
-            </a:r>
-            <a:endParaRPr lang="de-CH" dirty="0"/>
-          </a:p>
-        </p:txBody>
-      </p:sp>
-      <p:sp>
-        <p:nvSpPr>
-          <p:cNvPr id="11" name="TextBox 10">
-            <a:extLst>
-              <a:ext uri="{FF2B5EF4-FFF2-40B4-BE49-F238E27FC236}">
-                <a16:creationId xmlns:a16="http://schemas.microsoft.com/office/drawing/2014/main" id="{97CADFF5-A2FD-EA83-3DC3-27D9F2FE3688}"/>
-              </a:ext>
-            </a:extLst>
-          </p:cNvPr>
-          <p:cNvSpPr txBox="1"/>
-          <p:nvPr/>
-        </p:nvSpPr>
-        <p:spPr>
-          <a:xfrm>
-            <a:off x="4074780" y="4982488"/>
-            <a:ext cx="674137" cy="369332"/>
-          </a:xfrm>
-          <a:prstGeom prst="rect">
-            <a:avLst/>
-          </a:prstGeom>
-          <a:noFill/>
-        </p:spPr>
-        <p:txBody>
-          <a:bodyPr wrap="square">
-            <a:spAutoFit/>
-          </a:bodyPr>
-          <a:lstStyle/>
-          <a:p>
-            <a:r>
-              <a:rPr lang="en-US" sz="1800" b="1" dirty="0"/>
-              <a:t>2027</a:t>
-            </a:r>
-            <a:endParaRPr lang="de-CH" dirty="0"/>
-          </a:p>
-        </p:txBody>
-      </p:sp>
-      <p:sp>
-        <p:nvSpPr>
-          <p:cNvPr id="12" name="TextBox 11">
-            <a:extLst>
-              <a:ext uri="{FF2B5EF4-FFF2-40B4-BE49-F238E27FC236}">
-                <a16:creationId xmlns:a16="http://schemas.microsoft.com/office/drawing/2014/main" id="{80E2C7F2-70F7-2366-8405-DD8B496C3EF7}"/>
-              </a:ext>
-            </a:extLst>
-          </p:cNvPr>
-          <p:cNvSpPr txBox="1"/>
-          <p:nvPr/>
-        </p:nvSpPr>
-        <p:spPr>
-          <a:xfrm>
-            <a:off x="5468151" y="4983827"/>
-            <a:ext cx="674137" cy="369332"/>
-          </a:xfrm>
-          <a:prstGeom prst="rect">
-            <a:avLst/>
-          </a:prstGeom>
-          <a:noFill/>
-        </p:spPr>
-        <p:txBody>
-          <a:bodyPr wrap="square">
-            <a:spAutoFit/>
-          </a:bodyPr>
-          <a:lstStyle/>
-          <a:p>
-            <a:r>
-              <a:rPr lang="en-US" sz="1800" b="1" dirty="0"/>
-              <a:t>2028</a:t>
-            </a:r>
-            <a:endParaRPr lang="de-CH" dirty="0"/>
-          </a:p>
-        </p:txBody>
-      </p:sp>
-    </p:spTree>
-    <p:extLst>
-      <p:ext uri="{BB962C8B-B14F-4D97-AF65-F5344CB8AC3E}">
-        <p14:creationId xmlns:p14="http://schemas.microsoft.com/office/powerpoint/2010/main" val="3325836654"/>
-      </p:ext>
-    </p:extLst>
-  </p:cSld>
-  <p:clrMapOvr>
-    <a:masterClrMapping/>
-  </p:clrMapOvr>
-</p:sld>
-</file>
-
-<file path=ppt/slides/slide11.xml><?xml version="1.0" encoding="utf-8"?>
-<p:sld xmlns:a="http://schemas.openxmlformats.org/drawingml/2006/main" xmlns:r="http://schemas.openxmlformats.org/officeDocument/2006/relationships" xmlns:p="http://schemas.openxmlformats.org/presentationml/2006/main">
-  <p:cSld>
-    <p:spTree>
-      <p:nvGrpSpPr>
-        <p:cNvPr id="1" name=""/>
-        <p:cNvGrpSpPr/>
-        <p:nvPr/>
-      </p:nvGrpSpPr>
-      <p:grpSpPr>
-        <a:xfrm>
-          <a:off x="0" y="0"/>
-          <a:ext cx="0" cy="0"/>
-          <a:chOff x="0" y="0"/>
-          <a:chExt cx="0" cy="0"/>
-        </a:xfrm>
-      </p:grpSpPr>
-      <p:sp>
-        <p:nvSpPr>
           <p:cNvPr id="6" name="Slide Number Placeholder 1">
             <a:extLst>
               <a:ext uri="{FF2B5EF4-FFF2-40B4-BE49-F238E27FC236}">
@@ -5705,7 +4714,7 @@
           <a:p>
             <a:fld id="{FC4AC485-25DE-431E-B345-9C0A15BB7F8A}" type="slidenum">
               <a:rPr lang="de-CH" sz="1400" smtClean="0"/>
-              <a:t>11</a:t>
+              <a:t>10</a:t>
             </a:fld>
             <a:endParaRPr lang="de-CH" sz="1400" dirty="0"/>
           </a:p>
@@ -6156,6 +5165,201 @@
           <a:chExt cx="0" cy="0"/>
         </a:xfrm>
       </p:grpSpPr>
+      <p:sp>
+        <p:nvSpPr>
+          <p:cNvPr id="3" name="Freeform: Shape 2">
+            <a:extLst>
+              <a:ext uri="{FF2B5EF4-FFF2-40B4-BE49-F238E27FC236}">
+                <a16:creationId xmlns:a16="http://schemas.microsoft.com/office/drawing/2014/main" id="{8E40D10A-D742-715C-213F-05E30B0AA6FE}"/>
+              </a:ext>
+            </a:extLst>
+          </p:cNvPr>
+          <p:cNvSpPr/>
+          <p:nvPr/>
+        </p:nvSpPr>
+        <p:spPr>
+          <a:xfrm>
+            <a:off x="3060075" y="1517286"/>
+            <a:ext cx="5469861" cy="5275426"/>
+          </a:xfrm>
+          <a:custGeom>
+            <a:avLst/>
+            <a:gdLst>
+              <a:gd name="connsiteX0" fmla="*/ 158986 w 5469861"/>
+              <a:gd name="connsiteY0" fmla="*/ 1319220 h 5275426"/>
+              <a:gd name="connsiteX1" fmla="*/ 149656 w 5469861"/>
+              <a:gd name="connsiteY1" fmla="*/ 115571 h 5275426"/>
+              <a:gd name="connsiteX2" fmla="*/ 2202390 w 5469861"/>
+              <a:gd name="connsiteY2" fmla="*/ 59587 h 5275426"/>
+              <a:gd name="connsiteX3" fmla="*/ 3853909 w 5469861"/>
+              <a:gd name="connsiteY3" fmla="*/ 218208 h 5275426"/>
+              <a:gd name="connsiteX4" fmla="*/ 4152488 w 5469861"/>
+              <a:gd name="connsiteY4" fmla="*/ 1524494 h 5275426"/>
+              <a:gd name="connsiteX5" fmla="*/ 4712325 w 5469861"/>
+              <a:gd name="connsiteY5" fmla="*/ 2494877 h 5275426"/>
+              <a:gd name="connsiteX6" fmla="*/ 5430782 w 5469861"/>
+              <a:gd name="connsiteY6" fmla="*/ 4081081 h 5275426"/>
+              <a:gd name="connsiteX7" fmla="*/ 5094880 w 5469861"/>
+              <a:gd name="connsiteY7" fmla="*/ 5191424 h 5275426"/>
+              <a:gd name="connsiteX8" fmla="*/ 2790219 w 5469861"/>
+              <a:gd name="connsiteY8" fmla="*/ 5191424 h 5275426"/>
+              <a:gd name="connsiteX9" fmla="*/ 532211 w 5469861"/>
+              <a:gd name="connsiteY9" fmla="*/ 5144771 h 5275426"/>
+              <a:gd name="connsiteX10" fmla="*/ 56349 w 5469861"/>
+              <a:gd name="connsiteY10" fmla="*/ 4472967 h 5275426"/>
+              <a:gd name="connsiteX11" fmla="*/ 168317 w 5469861"/>
+              <a:gd name="connsiteY11" fmla="*/ 2149645 h 5275426"/>
+              <a:gd name="connsiteX12" fmla="*/ 158986 w 5469861"/>
+              <a:gd name="connsiteY12" fmla="*/ 1319220 h 5275426"/>
+            </a:gdLst>
+            <a:ahLst/>
+            <a:cxnLst>
+              <a:cxn ang="0">
+                <a:pos x="connsiteX0" y="connsiteY0"/>
+              </a:cxn>
+              <a:cxn ang="0">
+                <a:pos x="connsiteX1" y="connsiteY1"/>
+              </a:cxn>
+              <a:cxn ang="0">
+                <a:pos x="connsiteX2" y="connsiteY2"/>
+              </a:cxn>
+              <a:cxn ang="0">
+                <a:pos x="connsiteX3" y="connsiteY3"/>
+              </a:cxn>
+              <a:cxn ang="0">
+                <a:pos x="connsiteX4" y="connsiteY4"/>
+              </a:cxn>
+              <a:cxn ang="0">
+                <a:pos x="connsiteX5" y="connsiteY5"/>
+              </a:cxn>
+              <a:cxn ang="0">
+                <a:pos x="connsiteX6" y="connsiteY6"/>
+              </a:cxn>
+              <a:cxn ang="0">
+                <a:pos x="connsiteX7" y="connsiteY7"/>
+              </a:cxn>
+              <a:cxn ang="0">
+                <a:pos x="connsiteX8" y="connsiteY8"/>
+              </a:cxn>
+              <a:cxn ang="0">
+                <a:pos x="connsiteX9" y="connsiteY9"/>
+              </a:cxn>
+              <a:cxn ang="0">
+                <a:pos x="connsiteX10" y="connsiteY10"/>
+              </a:cxn>
+              <a:cxn ang="0">
+                <a:pos x="connsiteX11" y="connsiteY11"/>
+              </a:cxn>
+              <a:cxn ang="0">
+                <a:pos x="connsiteX12" y="connsiteY12"/>
+              </a:cxn>
+            </a:cxnLst>
+            <a:rect l="l" t="t" r="r" b="b"/>
+            <a:pathLst>
+              <a:path w="5469861" h="5275426">
+                <a:moveTo>
+                  <a:pt x="158986" y="1319220"/>
+                </a:moveTo>
+                <a:cubicBezTo>
+                  <a:pt x="155876" y="980208"/>
+                  <a:pt x="-190911" y="325510"/>
+                  <a:pt x="149656" y="115571"/>
+                </a:cubicBezTo>
+                <a:cubicBezTo>
+                  <a:pt x="490223" y="-94368"/>
+                  <a:pt x="1585015" y="42481"/>
+                  <a:pt x="2202390" y="59587"/>
+                </a:cubicBezTo>
+                <a:cubicBezTo>
+                  <a:pt x="2819765" y="76693"/>
+                  <a:pt x="3528893" y="-25943"/>
+                  <a:pt x="3853909" y="218208"/>
+                </a:cubicBezTo>
+                <a:cubicBezTo>
+                  <a:pt x="4178925" y="462359"/>
+                  <a:pt x="4009419" y="1145049"/>
+                  <a:pt x="4152488" y="1524494"/>
+                </a:cubicBezTo>
+                <a:cubicBezTo>
+                  <a:pt x="4295557" y="1903939"/>
+                  <a:pt x="4499276" y="2068779"/>
+                  <a:pt x="4712325" y="2494877"/>
+                </a:cubicBezTo>
+                <a:cubicBezTo>
+                  <a:pt x="4925374" y="2920975"/>
+                  <a:pt x="5367023" y="3631657"/>
+                  <a:pt x="5430782" y="4081081"/>
+                </a:cubicBezTo>
+                <a:cubicBezTo>
+                  <a:pt x="5494541" y="4530506"/>
+                  <a:pt x="5534974" y="5006367"/>
+                  <a:pt x="5094880" y="5191424"/>
+                </a:cubicBezTo>
+                <a:cubicBezTo>
+                  <a:pt x="4654786" y="5376481"/>
+                  <a:pt x="3550664" y="5199199"/>
+                  <a:pt x="2790219" y="5191424"/>
+                </a:cubicBezTo>
+                <a:cubicBezTo>
+                  <a:pt x="2029774" y="5183649"/>
+                  <a:pt x="987856" y="5264514"/>
+                  <a:pt x="532211" y="5144771"/>
+                </a:cubicBezTo>
+                <a:cubicBezTo>
+                  <a:pt x="76566" y="5025028"/>
+                  <a:pt x="116998" y="4972155"/>
+                  <a:pt x="56349" y="4472967"/>
+                </a:cubicBezTo>
+                <a:cubicBezTo>
+                  <a:pt x="-4300" y="3973779"/>
+                  <a:pt x="149656" y="2672159"/>
+                  <a:pt x="168317" y="2149645"/>
+                </a:cubicBezTo>
+                <a:cubicBezTo>
+                  <a:pt x="186978" y="1627131"/>
+                  <a:pt x="162096" y="1658232"/>
+                  <a:pt x="158986" y="1319220"/>
+                </a:cubicBezTo>
+                <a:close/>
+              </a:path>
+            </a:pathLst>
+          </a:custGeom>
+          <a:solidFill>
+            <a:srgbClr val="FF0000">
+              <a:alpha val="5000"/>
+            </a:srgbClr>
+          </a:solidFill>
+          <a:ln w="12700">
+            <a:solidFill>
+              <a:srgbClr val="FF0000"/>
+            </a:solidFill>
+          </a:ln>
+        </p:spPr>
+        <p:style>
+          <a:lnRef idx="2">
+            <a:schemeClr val="accent1">
+              <a:shade val="15000"/>
+            </a:schemeClr>
+          </a:lnRef>
+          <a:fillRef idx="1">
+            <a:schemeClr val="accent1"/>
+          </a:fillRef>
+          <a:effectRef idx="0">
+            <a:schemeClr val="accent1"/>
+          </a:effectRef>
+          <a:fontRef idx="minor">
+            <a:schemeClr val="lt1"/>
+          </a:fontRef>
+        </p:style>
+        <p:txBody>
+          <a:bodyPr rtlCol="0" anchor="ctr"/>
+          <a:lstStyle/>
+          <a:p>
+            <a:pPr algn="ctr"/>
+            <a:endParaRPr lang="de-CH"/>
+          </a:p>
+        </p:txBody>
+      </p:sp>
       <p:sp>
         <p:nvSpPr>
           <p:cNvPr id="6" name="Slide Number Placeholder 1">
@@ -7517,7 +6721,7 @@
               </a:r>
               <a:r>
                 <a:rPr lang="en-US" sz="1400" dirty="0"/>
-                <a:t> was proposed to IETF NETCONF and implementations started at major network vendors.</a:t>
+                <a:t> was presented to IETF NETCONF and implementations started at major network vendors.</a:t>
               </a:r>
             </a:p>
           </p:txBody>
@@ -10614,201 +9818,6 @@
           </a:fontRef>
         </p:style>
       </p:cxnSp>
-      <p:sp>
-        <p:nvSpPr>
-          <p:cNvPr id="3" name="Freeform: Shape 2">
-            <a:extLst>
-              <a:ext uri="{FF2B5EF4-FFF2-40B4-BE49-F238E27FC236}">
-                <a16:creationId xmlns:a16="http://schemas.microsoft.com/office/drawing/2014/main" id="{8E40D10A-D742-715C-213F-05E30B0AA6FE}"/>
-              </a:ext>
-            </a:extLst>
-          </p:cNvPr>
-          <p:cNvSpPr/>
-          <p:nvPr/>
-        </p:nvSpPr>
-        <p:spPr>
-          <a:xfrm>
-            <a:off x="3060075" y="1517286"/>
-            <a:ext cx="5469861" cy="5275426"/>
-          </a:xfrm>
-          <a:custGeom>
-            <a:avLst/>
-            <a:gdLst>
-              <a:gd name="connsiteX0" fmla="*/ 158986 w 5469861"/>
-              <a:gd name="connsiteY0" fmla="*/ 1319220 h 5275426"/>
-              <a:gd name="connsiteX1" fmla="*/ 149656 w 5469861"/>
-              <a:gd name="connsiteY1" fmla="*/ 115571 h 5275426"/>
-              <a:gd name="connsiteX2" fmla="*/ 2202390 w 5469861"/>
-              <a:gd name="connsiteY2" fmla="*/ 59587 h 5275426"/>
-              <a:gd name="connsiteX3" fmla="*/ 3853909 w 5469861"/>
-              <a:gd name="connsiteY3" fmla="*/ 218208 h 5275426"/>
-              <a:gd name="connsiteX4" fmla="*/ 4152488 w 5469861"/>
-              <a:gd name="connsiteY4" fmla="*/ 1524494 h 5275426"/>
-              <a:gd name="connsiteX5" fmla="*/ 4712325 w 5469861"/>
-              <a:gd name="connsiteY5" fmla="*/ 2494877 h 5275426"/>
-              <a:gd name="connsiteX6" fmla="*/ 5430782 w 5469861"/>
-              <a:gd name="connsiteY6" fmla="*/ 4081081 h 5275426"/>
-              <a:gd name="connsiteX7" fmla="*/ 5094880 w 5469861"/>
-              <a:gd name="connsiteY7" fmla="*/ 5191424 h 5275426"/>
-              <a:gd name="connsiteX8" fmla="*/ 2790219 w 5469861"/>
-              <a:gd name="connsiteY8" fmla="*/ 5191424 h 5275426"/>
-              <a:gd name="connsiteX9" fmla="*/ 532211 w 5469861"/>
-              <a:gd name="connsiteY9" fmla="*/ 5144771 h 5275426"/>
-              <a:gd name="connsiteX10" fmla="*/ 56349 w 5469861"/>
-              <a:gd name="connsiteY10" fmla="*/ 4472967 h 5275426"/>
-              <a:gd name="connsiteX11" fmla="*/ 168317 w 5469861"/>
-              <a:gd name="connsiteY11" fmla="*/ 2149645 h 5275426"/>
-              <a:gd name="connsiteX12" fmla="*/ 158986 w 5469861"/>
-              <a:gd name="connsiteY12" fmla="*/ 1319220 h 5275426"/>
-            </a:gdLst>
-            <a:ahLst/>
-            <a:cxnLst>
-              <a:cxn ang="0">
-                <a:pos x="connsiteX0" y="connsiteY0"/>
-              </a:cxn>
-              <a:cxn ang="0">
-                <a:pos x="connsiteX1" y="connsiteY1"/>
-              </a:cxn>
-              <a:cxn ang="0">
-                <a:pos x="connsiteX2" y="connsiteY2"/>
-              </a:cxn>
-              <a:cxn ang="0">
-                <a:pos x="connsiteX3" y="connsiteY3"/>
-              </a:cxn>
-              <a:cxn ang="0">
-                <a:pos x="connsiteX4" y="connsiteY4"/>
-              </a:cxn>
-              <a:cxn ang="0">
-                <a:pos x="connsiteX5" y="connsiteY5"/>
-              </a:cxn>
-              <a:cxn ang="0">
-                <a:pos x="connsiteX6" y="connsiteY6"/>
-              </a:cxn>
-              <a:cxn ang="0">
-                <a:pos x="connsiteX7" y="connsiteY7"/>
-              </a:cxn>
-              <a:cxn ang="0">
-                <a:pos x="connsiteX8" y="connsiteY8"/>
-              </a:cxn>
-              <a:cxn ang="0">
-                <a:pos x="connsiteX9" y="connsiteY9"/>
-              </a:cxn>
-              <a:cxn ang="0">
-                <a:pos x="connsiteX10" y="connsiteY10"/>
-              </a:cxn>
-              <a:cxn ang="0">
-                <a:pos x="connsiteX11" y="connsiteY11"/>
-              </a:cxn>
-              <a:cxn ang="0">
-                <a:pos x="connsiteX12" y="connsiteY12"/>
-              </a:cxn>
-            </a:cxnLst>
-            <a:rect l="l" t="t" r="r" b="b"/>
-            <a:pathLst>
-              <a:path w="5469861" h="5275426">
-                <a:moveTo>
-                  <a:pt x="158986" y="1319220"/>
-                </a:moveTo>
-                <a:cubicBezTo>
-                  <a:pt x="155876" y="980208"/>
-                  <a:pt x="-190911" y="325510"/>
-                  <a:pt x="149656" y="115571"/>
-                </a:cubicBezTo>
-                <a:cubicBezTo>
-                  <a:pt x="490223" y="-94368"/>
-                  <a:pt x="1585015" y="42481"/>
-                  <a:pt x="2202390" y="59587"/>
-                </a:cubicBezTo>
-                <a:cubicBezTo>
-                  <a:pt x="2819765" y="76693"/>
-                  <a:pt x="3528893" y="-25943"/>
-                  <a:pt x="3853909" y="218208"/>
-                </a:cubicBezTo>
-                <a:cubicBezTo>
-                  <a:pt x="4178925" y="462359"/>
-                  <a:pt x="4009419" y="1145049"/>
-                  <a:pt x="4152488" y="1524494"/>
-                </a:cubicBezTo>
-                <a:cubicBezTo>
-                  <a:pt x="4295557" y="1903939"/>
-                  <a:pt x="4499276" y="2068779"/>
-                  <a:pt x="4712325" y="2494877"/>
-                </a:cubicBezTo>
-                <a:cubicBezTo>
-                  <a:pt x="4925374" y="2920975"/>
-                  <a:pt x="5367023" y="3631657"/>
-                  <a:pt x="5430782" y="4081081"/>
-                </a:cubicBezTo>
-                <a:cubicBezTo>
-                  <a:pt x="5494541" y="4530506"/>
-                  <a:pt x="5534974" y="5006367"/>
-                  <a:pt x="5094880" y="5191424"/>
-                </a:cubicBezTo>
-                <a:cubicBezTo>
-                  <a:pt x="4654786" y="5376481"/>
-                  <a:pt x="3550664" y="5199199"/>
-                  <a:pt x="2790219" y="5191424"/>
-                </a:cubicBezTo>
-                <a:cubicBezTo>
-                  <a:pt x="2029774" y="5183649"/>
-                  <a:pt x="987856" y="5264514"/>
-                  <a:pt x="532211" y="5144771"/>
-                </a:cubicBezTo>
-                <a:cubicBezTo>
-                  <a:pt x="76566" y="5025028"/>
-                  <a:pt x="116998" y="4972155"/>
-                  <a:pt x="56349" y="4472967"/>
-                </a:cubicBezTo>
-                <a:cubicBezTo>
-                  <a:pt x="-4300" y="3973779"/>
-                  <a:pt x="149656" y="2672159"/>
-                  <a:pt x="168317" y="2149645"/>
-                </a:cubicBezTo>
-                <a:cubicBezTo>
-                  <a:pt x="186978" y="1627131"/>
-                  <a:pt x="162096" y="1658232"/>
-                  <a:pt x="158986" y="1319220"/>
-                </a:cubicBezTo>
-                <a:close/>
-              </a:path>
-            </a:pathLst>
-          </a:custGeom>
-          <a:solidFill>
-            <a:srgbClr val="FF0000">
-              <a:alpha val="5000"/>
-            </a:srgbClr>
-          </a:solidFill>
-          <a:ln w="12700">
-            <a:solidFill>
-              <a:srgbClr val="FF0000"/>
-            </a:solidFill>
-          </a:ln>
-        </p:spPr>
-        <p:style>
-          <a:lnRef idx="2">
-            <a:schemeClr val="accent1">
-              <a:shade val="15000"/>
-            </a:schemeClr>
-          </a:lnRef>
-          <a:fillRef idx="1">
-            <a:schemeClr val="accent1"/>
-          </a:fillRef>
-          <a:effectRef idx="0">
-            <a:schemeClr val="accent1"/>
-          </a:effectRef>
-          <a:fontRef idx="minor">
-            <a:schemeClr val="lt1"/>
-          </a:fontRef>
-        </p:style>
-        <p:txBody>
-          <a:bodyPr rtlCol="0" anchor="ctr"/>
-          <a:lstStyle/>
-          <a:p>
-            <a:pPr algn="ctr"/>
-            <a:endParaRPr lang="de-CH"/>
-          </a:p>
-        </p:txBody>
-      </p:sp>
     </p:spTree>
     <p:extLst>
       <p:ext uri="{BB962C8B-B14F-4D97-AF65-F5344CB8AC3E}">
@@ -11323,325 +10332,6 @@
       </p:grpSpPr>
       <p:sp>
         <p:nvSpPr>
-          <p:cNvPr id="2" name="Title 1">
-            <a:extLst>
-              <a:ext uri="{FF2B5EF4-FFF2-40B4-BE49-F238E27FC236}">
-                <a16:creationId xmlns:a16="http://schemas.microsoft.com/office/drawing/2014/main" id="{FF20F271-6F0D-4AC0-BB1D-F5C338165C13}"/>
-              </a:ext>
-            </a:extLst>
-          </p:cNvPr>
-          <p:cNvSpPr>
-            <a:spLocks noGrp="1"/>
-          </p:cNvSpPr>
-          <p:nvPr>
-            <p:ph type="title"/>
-          </p:nvPr>
-        </p:nvSpPr>
-        <p:spPr/>
-        <p:txBody>
-          <a:bodyPr>
-            <a:normAutofit/>
-          </a:bodyPr>
-          <a:lstStyle/>
-          <a:p>
-            <a:r>
-              <a:rPr lang="en-US" sz="2800" b="1" dirty="0"/>
-              <a:t>From YANG-Push to Network Analytics</a:t>
-            </a:r>
-            <a:br>
-              <a:rPr lang="en-GB" sz="3600" dirty="0"/>
-            </a:br>
-            <a:r>
-              <a:rPr lang="en-US" sz="2700" dirty="0">
-                <a:solidFill>
-                  <a:schemeClr val="bg2">
-                    <a:lumMod val="75000"/>
-                  </a:schemeClr>
-                </a:solidFill>
-              </a:rPr>
-              <a:t>Aiming for an automated data processing pipeline</a:t>
-            </a:r>
-          </a:p>
-        </p:txBody>
-      </p:sp>
-      <p:sp>
-        <p:nvSpPr>
-          <p:cNvPr id="3" name="Content Placeholder 2">
-            <a:extLst>
-              <a:ext uri="{FF2B5EF4-FFF2-40B4-BE49-F238E27FC236}">
-                <a16:creationId xmlns:a16="http://schemas.microsoft.com/office/drawing/2014/main" id="{29C0DFD4-432D-4B0C-93DF-790441DCF5B9}"/>
-              </a:ext>
-            </a:extLst>
-          </p:cNvPr>
-          <p:cNvSpPr>
-            <a:spLocks noGrp="1"/>
-          </p:cNvSpPr>
-          <p:nvPr>
-            <p:ph idx="1"/>
-          </p:nvPr>
-        </p:nvSpPr>
-        <p:spPr>
-          <a:xfrm>
-            <a:off x="838199" y="1884420"/>
-            <a:ext cx="8239299" cy="4292543"/>
-          </a:xfrm>
-        </p:spPr>
-        <p:txBody>
-          <a:bodyPr>
-            <a:noAutofit/>
-          </a:bodyPr>
-          <a:lstStyle/>
-          <a:p>
-            <a:r>
-              <a:rPr lang="en-US" sz="2000" b="1" dirty="0"/>
-              <a:t>A network operator aims for:</a:t>
-            </a:r>
-            <a:endParaRPr lang="en-US" sz="2000" dirty="0"/>
-          </a:p>
-          <a:p>
-            <a:pPr lvl="1"/>
-            <a:r>
-              <a:rPr lang="en-US" sz="2000" dirty="0"/>
-              <a:t>An </a:t>
-            </a:r>
-            <a:r>
-              <a:rPr lang="en-US" sz="2000" b="1" dirty="0">
-                <a:solidFill>
-                  <a:srgbClr val="FF0000"/>
-                </a:solidFill>
-              </a:rPr>
-              <a:t>automated data processing pipeline </a:t>
-            </a:r>
-            <a:r>
-              <a:rPr lang="en-US" sz="2000" dirty="0"/>
-              <a:t>which starts with YANG-Push, consolidates at Data Mesh and ends at Network Analytics.</a:t>
-            </a:r>
-          </a:p>
-          <a:p>
-            <a:pPr lvl="1"/>
-            <a:r>
-              <a:rPr lang="en-US" sz="2000" dirty="0"/>
-              <a:t>Operational metrics where </a:t>
-            </a:r>
-            <a:r>
-              <a:rPr lang="en-US" sz="2000" b="1" dirty="0">
-                <a:solidFill>
-                  <a:srgbClr val="FF0000"/>
-                </a:solidFill>
-              </a:rPr>
-              <a:t>IETF defines the semantics. </a:t>
-            </a:r>
-          </a:p>
-          <a:p>
-            <a:pPr lvl="1"/>
-            <a:r>
-              <a:rPr lang="en-US" sz="2000" dirty="0"/>
-              <a:t>Analytical metrics where </a:t>
-            </a:r>
-            <a:r>
-              <a:rPr lang="en-US" sz="2000" b="1" dirty="0">
-                <a:solidFill>
-                  <a:srgbClr val="FF0000"/>
-                </a:solidFill>
-              </a:rPr>
-              <a:t>network operators gain actionable insights.</a:t>
-            </a:r>
-            <a:br>
-              <a:rPr lang="en-US" sz="2000" b="1" dirty="0">
-                <a:solidFill>
-                  <a:srgbClr val="FF0000"/>
-                </a:solidFill>
-              </a:rPr>
-            </a:br>
-            <a:endParaRPr lang="en-US" sz="2000" b="1" dirty="0">
-              <a:solidFill>
-                <a:srgbClr val="FF0000"/>
-              </a:solidFill>
-            </a:endParaRPr>
-          </a:p>
-          <a:p>
-            <a:r>
-              <a:rPr lang="en-US" sz="2000" b="1" dirty="0"/>
-              <a:t>We achieve this by integrating YANG-Push into Data Mesh to:</a:t>
-            </a:r>
-          </a:p>
-          <a:p>
-            <a:pPr lvl="1"/>
-            <a:r>
-              <a:rPr lang="en-US" sz="2000" dirty="0"/>
-              <a:t>Produce metrics from networks </a:t>
-            </a:r>
-            <a:r>
-              <a:rPr lang="en-US" sz="2000" b="1" dirty="0">
-                <a:solidFill>
-                  <a:srgbClr val="FF0000"/>
-                </a:solidFill>
-              </a:rPr>
-              <a:t>with timestamps when network events were observed.</a:t>
-            </a:r>
-          </a:p>
-          <a:p>
-            <a:pPr lvl="1"/>
-            <a:r>
-              <a:rPr lang="en-US" sz="2000" dirty="0"/>
-              <a:t>Hostname, publisher ID and sequence numbers help us to understand </a:t>
-            </a:r>
-            <a:r>
-              <a:rPr lang="en-US" sz="2000" b="1" dirty="0">
-                <a:solidFill>
-                  <a:srgbClr val="FF0000"/>
-                </a:solidFill>
-              </a:rPr>
-              <a:t>from where metrics were exported and measure its delay and loss.</a:t>
-            </a:r>
-          </a:p>
-          <a:p>
-            <a:pPr lvl="1"/>
-            <a:r>
-              <a:rPr lang="en-US" sz="2000" dirty="0"/>
-              <a:t>Forward </a:t>
-            </a:r>
-            <a:r>
-              <a:rPr lang="en-US" sz="2000" b="1" dirty="0">
-                <a:solidFill>
-                  <a:srgbClr val="FF0000"/>
-                </a:solidFill>
-              </a:rPr>
-              <a:t>metrics unchanged </a:t>
-            </a:r>
-            <a:r>
-              <a:rPr lang="en-US" sz="2000" dirty="0"/>
-              <a:t>from networks</a:t>
-            </a:r>
-          </a:p>
-          <a:p>
-            <a:pPr lvl="1"/>
-            <a:r>
-              <a:rPr lang="en-US" sz="2000" b="1" dirty="0">
-                <a:solidFill>
-                  <a:srgbClr val="FF0000"/>
-                </a:solidFill>
-              </a:rPr>
-              <a:t>Learn semantics </a:t>
-            </a:r>
-            <a:r>
-              <a:rPr lang="en-US" sz="2000" dirty="0"/>
-              <a:t>from networks and validate messages.</a:t>
-            </a:r>
-          </a:p>
-          <a:p>
-            <a:pPr lvl="1"/>
-            <a:r>
-              <a:rPr lang="en-US" sz="2000" b="1" dirty="0">
-                <a:solidFill>
-                  <a:srgbClr val="FF0000"/>
-                </a:solidFill>
-              </a:rPr>
-              <a:t>Control semantic </a:t>
-            </a:r>
-            <a:r>
-              <a:rPr lang="en-US" sz="2000" dirty="0"/>
-              <a:t>changes end to end.</a:t>
-            </a:r>
-          </a:p>
-        </p:txBody>
-      </p:sp>
-      <p:pic>
-        <p:nvPicPr>
-          <p:cNvPr id="10" name="Picture 9">
-            <a:extLst>
-              <a:ext uri="{FF2B5EF4-FFF2-40B4-BE49-F238E27FC236}">
-                <a16:creationId xmlns:a16="http://schemas.microsoft.com/office/drawing/2014/main" id="{94188F19-E5F7-4133-8F81-1D619D6CCEBF}"/>
-              </a:ext>
-            </a:extLst>
-          </p:cNvPr>
-          <p:cNvPicPr>
-            <a:picLocks noChangeAspect="1"/>
-          </p:cNvPicPr>
-          <p:nvPr/>
-        </p:nvPicPr>
-        <p:blipFill>
-          <a:blip r:embed="rId2"/>
-          <a:stretch>
-            <a:fillRect/>
-          </a:stretch>
-        </p:blipFill>
-        <p:spPr>
-          <a:xfrm>
-            <a:off x="9322538" y="1027906"/>
-            <a:ext cx="2679605" cy="4851729"/>
-          </a:xfrm>
-          <a:prstGeom prst="rect">
-            <a:avLst/>
-          </a:prstGeom>
-        </p:spPr>
-      </p:pic>
-      <p:sp>
-        <p:nvSpPr>
-          <p:cNvPr id="6" name="Slide Number Placeholder 1">
-            <a:extLst>
-              <a:ext uri="{FF2B5EF4-FFF2-40B4-BE49-F238E27FC236}">
-                <a16:creationId xmlns:a16="http://schemas.microsoft.com/office/drawing/2014/main" id="{3D5EE238-429C-4784-8E42-1813EF45704D}"/>
-              </a:ext>
-            </a:extLst>
-          </p:cNvPr>
-          <p:cNvSpPr>
-            <a:spLocks noGrp="1"/>
-          </p:cNvSpPr>
-          <p:nvPr>
-            <p:ph type="sldNum" sz="quarter" idx="12"/>
-          </p:nvPr>
-        </p:nvSpPr>
-        <p:spPr>
-          <a:xfrm>
-            <a:off x="11587892" y="6361637"/>
-            <a:ext cx="414251" cy="365125"/>
-          </a:xfrm>
-        </p:spPr>
-        <p:txBody>
-          <a:bodyPr/>
-          <a:lstStyle/>
-          <a:p>
-            <a:fld id="{FC4AC485-25DE-431E-B345-9C0A15BB7F8A}" type="slidenum">
-              <a:rPr lang="de-CH" sz="1400" smtClean="0"/>
-              <a:t>4</a:t>
-            </a:fld>
-            <a:endParaRPr lang="de-CH" sz="1400" dirty="0"/>
-          </a:p>
-        </p:txBody>
-      </p:sp>
-    </p:spTree>
-    <p:extLst>
-      <p:ext uri="{BB962C8B-B14F-4D97-AF65-F5344CB8AC3E}">
-        <p14:creationId xmlns:p14="http://schemas.microsoft.com/office/powerpoint/2010/main" val="1088069469"/>
-      </p:ext>
-    </p:extLst>
-  </p:cSld>
-  <p:clrMapOvr>
-    <a:masterClrMapping/>
-  </p:clrMapOvr>
-</p:sld>
-</file>
-
-<file path=ppt/slides/slide5.xml><?xml version="1.0" encoding="utf-8"?>
-<p:sld xmlns:a="http://schemas.openxmlformats.org/drawingml/2006/main" xmlns:r="http://schemas.openxmlformats.org/officeDocument/2006/relationships" xmlns:p="http://schemas.openxmlformats.org/presentationml/2006/main">
-  <p:cSld>
-    <p:spTree>
-      <p:nvGrpSpPr>
-        <p:cNvPr id="1" name=""/>
-        <p:cNvGrpSpPr/>
-        <p:nvPr/>
-      </p:nvGrpSpPr>
-      <p:grpSpPr>
-        <a:xfrm>
-          <a:off x="0" y="0"/>
-          <a:ext cx="0" cy="0"/>
-          <a:chOff x="0" y="0"/>
-          <a:chExt cx="0" cy="0"/>
-        </a:xfrm>
-      </p:grpSpPr>
-      <p:sp>
-        <p:nvSpPr>
           <p:cNvPr id="6" name="Slide Number Placeholder 1">
             <a:extLst>
               <a:ext uri="{FF2B5EF4-FFF2-40B4-BE49-F238E27FC236}">
@@ -11668,7 +10358,7 @@
           <a:p>
             <a:fld id="{FC4AC485-25DE-431E-B345-9C0A15BB7F8A}" type="slidenum">
               <a:rPr lang="de-CH" sz="1400" smtClean="0"/>
-              <a:t>5</a:t>
+              <a:t>4</a:t>
             </a:fld>
             <a:endParaRPr lang="de-CH" sz="1400" dirty="0"/>
           </a:p>
@@ -12647,7 +11337,7 @@
 </p:sld>
 </file>
 
-<file path=ppt/slides/slide6.xml><?xml version="1.0" encoding="utf-8"?>
+<file path=ppt/slides/slide5.xml><?xml version="1.0" encoding="utf-8"?>
 <p:sld xmlns:a="http://schemas.openxmlformats.org/drawingml/2006/main" xmlns:r="http://schemas.openxmlformats.org/officeDocument/2006/relationships" xmlns:p="http://schemas.openxmlformats.org/presentationml/2006/main">
   <p:cSld>
     <p:spTree>
@@ -12692,7 +11382,7 @@
           <a:p>
             <a:fld id="{FC4AC485-25DE-431E-B345-9C0A15BB7F8A}" type="slidenum">
               <a:rPr lang="de-CH" sz="1400" smtClean="0"/>
-              <a:t>6</a:t>
+              <a:t>5</a:t>
             </a:fld>
             <a:endParaRPr lang="de-CH" sz="1400" dirty="0"/>
           </a:p>
@@ -12947,7 +11637,7 @@
           <a:p>
             <a:r>
               <a:rPr lang="en-US" dirty="0"/>
-              <a:t>The group decided to make the outcome of these workshops </a:t>
+              <a:t>The group decided to make the outcome of these private workshops </a:t>
             </a:r>
             <a:r>
               <a:rPr lang="en-US" b="1" dirty="0"/>
@@ -13232,7 +11922,7 @@
 </p:sld>
 </file>
 
-<file path=ppt/slides/slide7.xml><?xml version="1.0" encoding="utf-8"?>
+<file path=ppt/slides/slide6.xml><?xml version="1.0" encoding="utf-8"?>
 <p:sld xmlns:a="http://schemas.openxmlformats.org/drawingml/2006/main" xmlns:r="http://schemas.openxmlformats.org/officeDocument/2006/relationships" xmlns:p="http://schemas.openxmlformats.org/presentationml/2006/main">
   <p:cSld>
     <p:spTree>
@@ -13277,7 +11967,7 @@
           <a:p>
             <a:fld id="{FC4AC485-25DE-431E-B345-9C0A15BB7F8A}" type="slidenum">
               <a:rPr lang="de-CH" sz="1400" smtClean="0"/>
-              <a:t>7</a:t>
+              <a:t>6</a:t>
             </a:fld>
             <a:endParaRPr lang="de-CH" sz="1400" dirty="0"/>
           </a:p>
@@ -13865,7 +12555,7 @@
 </p:sld>
 </file>
 
-<file path=ppt/slides/slide8.xml><?xml version="1.0" encoding="utf-8"?>
+<file path=ppt/slides/slide7.xml><?xml version="1.0" encoding="utf-8"?>
 <p:sld xmlns:a="http://schemas.openxmlformats.org/drawingml/2006/main" xmlns:r="http://schemas.openxmlformats.org/officeDocument/2006/relationships" xmlns:p="http://schemas.openxmlformats.org/presentationml/2006/main">
   <p:cSld>
     <p:spTree>
@@ -13910,7 +12600,7 @@
           <a:p>
             <a:fld id="{FC4AC485-25DE-431E-B345-9C0A15BB7F8A}" type="slidenum">
               <a:rPr lang="de-CH" sz="1400" smtClean="0"/>
-              <a:t>8</a:t>
+              <a:t>7</a:t>
             </a:fld>
             <a:endParaRPr lang="de-CH" sz="1400" dirty="0"/>
           </a:p>
@@ -13932,8 +12622,8 @@
         </p:nvSpPr>
         <p:spPr bwMode="black">
           <a:xfrm>
-            <a:off x="961053" y="1690687"/>
-            <a:ext cx="10626840" cy="2060219"/>
+            <a:off x="961053" y="2425343"/>
+            <a:ext cx="8201608" cy="1325563"/>
           </a:xfrm>
           <a:prstGeom prst="rect">
             <a:avLst/>
@@ -14142,62 +12832,6 @@
               </a:spcAft>
             </a:pPr>
             <a:r>
-              <a:rPr lang="en-US" dirty="0"/>
-              <a:t>With </a:t>
-            </a:r>
-            <a:r>
-              <a:rPr lang="en-US" b="1" dirty="0"/>
-              <a:t>Big Data </a:t>
-            </a:r>
-            <a:r>
-              <a:rPr lang="en-US" dirty="0"/>
-              <a:t>capabilities, and </a:t>
-            </a:r>
-            <a:r>
-              <a:rPr lang="en-US" b="1" dirty="0"/>
-              <a:t>Data Mesh </a:t>
-            </a:r>
-            <a:r>
-              <a:rPr lang="en-US" dirty="0"/>
-              <a:t>for organizing data, evolving over the last 20 years, </a:t>
-            </a:r>
-            <a:r>
-              <a:rPr lang="en-US" b="1" dirty="0"/>
-              <a:t>Network Observability</a:t>
-            </a:r>
-            <a:r>
-              <a:rPr lang="en-US" dirty="0"/>
-              <a:t>, the process of observing network behaviors and symptoms based on operational network data </a:t>
-            </a:r>
-            <a:r>
-              <a:rPr lang="en-US" b="1" dirty="0"/>
-              <a:t>holistically on all 3 network planes</a:t>
-            </a:r>
-            <a:r>
-              <a:rPr lang="en-US" dirty="0"/>
-              <a:t>, has gained a lot of traction and is deemed to reduce alert fatigue caused by classical device monitoring. IETF has published with </a:t>
-            </a:r>
-            <a:r>
-              <a:rPr lang="en-US" dirty="0">
-                <a:hlinkClick r:id="rId2"/>
-              </a:rPr>
-              <a:t>RFC 9232</a:t>
-            </a:r>
-            <a:r>
-              <a:rPr lang="en-US" dirty="0"/>
-              <a:t> an overview of Network Telemetry protocols. </a:t>
-            </a:r>
-          </a:p>
-          <a:p>
-            <a:pPr>
-              <a:spcBef>
-                <a:spcPts val="300"/>
-              </a:spcBef>
-              <a:spcAft>
-                <a:spcPts val="300"/>
-              </a:spcAft>
-            </a:pPr>
-            <a:r>
               <a:rPr lang="en-US" b="1" dirty="0"/>
               <a:t>What becomes clear now is that IETF developed YANG-Push not according to the </a:t>
             </a:r>
@@ -14237,6 +12871,10 @@
               <a:rPr lang="en-US" b="1" dirty="0"/>
               <a:t>, and most importantly, it lacks an agile incremental driven development process. </a:t>
             </a:r>
+            <a:br>
+              <a:rPr lang="en-US" b="1" dirty="0"/>
+            </a:br>
+            <a:endParaRPr lang="en-US" b="1" dirty="0"/>
           </a:p>
           <a:p>
             <a:pPr>
@@ -14332,7 +12970,7 @@
 </p:sld>
 </file>
 
-<file path=ppt/slides/slide9.xml><?xml version="1.0" encoding="utf-8"?>
+<file path=ppt/slides/slide8.xml><?xml version="1.0" encoding="utf-8"?>
 <p:sld xmlns:a="http://schemas.openxmlformats.org/drawingml/2006/main" xmlns:r="http://schemas.openxmlformats.org/officeDocument/2006/relationships" xmlns:p="http://schemas.openxmlformats.org/presentationml/2006/main">
   <p:cSld>
     <p:spTree>
@@ -14377,7 +13015,7 @@
           <a:p>
             <a:fld id="{FC4AC485-25DE-431E-B345-9C0A15BB7F8A}" type="slidenum">
               <a:rPr lang="de-CH" sz="1400" smtClean="0"/>
-              <a:t>9</a:t>
+              <a:t>8</a:t>
             </a:fld>
             <a:endParaRPr lang="de-CH" sz="1400" dirty="0"/>
           </a:p>
@@ -14874,6 +13512,1011 @@
     <p:extLst>
       <p:ext uri="{BB962C8B-B14F-4D97-AF65-F5344CB8AC3E}">
         <p14:creationId xmlns:p14="http://schemas.microsoft.com/office/powerpoint/2010/main" val="904770719"/>
+      </p:ext>
+    </p:extLst>
+  </p:cSld>
+  <p:clrMapOvr>
+    <a:masterClrMapping/>
+  </p:clrMapOvr>
+</p:sld>
+</file>
+
+<file path=ppt/slides/slide9.xml><?xml version="1.0" encoding="utf-8"?>
+<p:sld xmlns:a="http://schemas.openxmlformats.org/drawingml/2006/main" xmlns:r="http://schemas.openxmlformats.org/officeDocument/2006/relationships" xmlns:p="http://schemas.openxmlformats.org/presentationml/2006/main">
+  <p:cSld>
+    <p:spTree>
+      <p:nvGrpSpPr>
+        <p:cNvPr id="1" name=""/>
+        <p:cNvGrpSpPr/>
+        <p:nvPr/>
+      </p:nvGrpSpPr>
+      <p:grpSpPr>
+        <a:xfrm>
+          <a:off x="0" y="0"/>
+          <a:ext cx="0" cy="0"/>
+          <a:chOff x="0" y="0"/>
+          <a:chExt cx="0" cy="0"/>
+        </a:xfrm>
+      </p:grpSpPr>
+      <p:sp>
+        <p:nvSpPr>
+          <p:cNvPr id="2" name="Title 1">
+            <a:extLst>
+              <a:ext uri="{FF2B5EF4-FFF2-40B4-BE49-F238E27FC236}">
+                <a16:creationId xmlns:a16="http://schemas.microsoft.com/office/drawing/2014/main" id="{FF20F271-6F0D-4AC0-BB1D-F5C338165C13}"/>
+              </a:ext>
+            </a:extLst>
+          </p:cNvPr>
+          <p:cNvSpPr>
+            <a:spLocks noGrp="1"/>
+          </p:cNvSpPr>
+          <p:nvPr>
+            <p:ph type="title"/>
+          </p:nvPr>
+        </p:nvSpPr>
+        <p:spPr/>
+        <p:txBody>
+          <a:bodyPr>
+            <a:normAutofit/>
+          </a:bodyPr>
+          <a:lstStyle/>
+          <a:p>
+            <a:r>
+              <a:rPr lang="en-US" sz="2800" b="1" dirty="0"/>
+              <a:t>Addressing YANG Specification and Integration Gaps</a:t>
+            </a:r>
+            <a:br>
+              <a:rPr lang="en-GB" sz="3600" dirty="0"/>
+            </a:br>
+            <a:r>
+              <a:rPr lang="en-US" sz="2700" dirty="0">
+                <a:solidFill>
+                  <a:schemeClr val="bg2">
+                    <a:lumMod val="75000"/>
+                  </a:schemeClr>
+                </a:solidFill>
+              </a:rPr>
+              <a:t>11 documents piling up at NETCONF, NETMOD and NMOP…</a:t>
+            </a:r>
+          </a:p>
+        </p:txBody>
+      </p:sp>
+      <p:sp>
+        <p:nvSpPr>
+          <p:cNvPr id="3" name="Content Placeholder 2">
+            <a:extLst>
+              <a:ext uri="{FF2B5EF4-FFF2-40B4-BE49-F238E27FC236}">
+                <a16:creationId xmlns:a16="http://schemas.microsoft.com/office/drawing/2014/main" id="{29C0DFD4-432D-4B0C-93DF-790441DCF5B9}"/>
+              </a:ext>
+            </a:extLst>
+          </p:cNvPr>
+          <p:cNvSpPr>
+            <a:spLocks noGrp="1"/>
+          </p:cNvSpPr>
+          <p:nvPr>
+            <p:ph idx="1"/>
+          </p:nvPr>
+        </p:nvSpPr>
+        <p:spPr>
+          <a:xfrm>
+            <a:off x="838199" y="1690688"/>
+            <a:ext cx="4732177" cy="4486275"/>
+          </a:xfrm>
+        </p:spPr>
+        <p:txBody>
+          <a:bodyPr>
+            <a:noAutofit/>
+          </a:bodyPr>
+          <a:lstStyle/>
+          <a:p>
+            <a:pPr marL="0" indent="0">
+              <a:buNone/>
+            </a:pPr>
+            <a:r>
+              <a:rPr lang="en-US" sz="1800" b="1" dirty="0"/>
+              <a:t>YANG-Push Transport Gaps:</a:t>
+            </a:r>
+            <a:endParaRPr lang="en-US" sz="1800" dirty="0"/>
+          </a:p>
+          <a:p>
+            <a:pPr>
+              <a:spcBef>
+                <a:spcPts val="300"/>
+              </a:spcBef>
+            </a:pPr>
+            <a:r>
+              <a:rPr lang="en-US" sz="1600" dirty="0"/>
+              <a:t>UDP-based Transport for Configured Subscriptions</a:t>
+            </a:r>
+            <a:br>
+              <a:rPr lang="en-US" sz="1600" dirty="0"/>
+            </a:br>
+            <a:r>
+              <a:rPr lang="en-US" sz="1600" dirty="0">
+                <a:hlinkClick r:id="rId3"/>
+              </a:rPr>
+              <a:t>draft-</a:t>
+            </a:r>
+            <a:r>
+              <a:rPr lang="en-US" sz="1600" dirty="0" err="1">
+                <a:hlinkClick r:id="rId3"/>
+              </a:rPr>
+              <a:t>ietf</a:t>
+            </a:r>
+            <a:r>
+              <a:rPr lang="en-US" sz="1600" dirty="0">
+                <a:hlinkClick r:id="rId3"/>
+              </a:rPr>
+              <a:t>-netconf-</a:t>
+            </a:r>
+            <a:r>
+              <a:rPr lang="en-US" sz="1600" dirty="0" err="1">
+                <a:hlinkClick r:id="rId3"/>
+              </a:rPr>
+              <a:t>udp</a:t>
+            </a:r>
+            <a:r>
+              <a:rPr lang="en-US" sz="1600" dirty="0">
+                <a:hlinkClick r:id="rId3"/>
+              </a:rPr>
+              <a:t>-</a:t>
+            </a:r>
+            <a:r>
+              <a:rPr lang="en-US" sz="1600" dirty="0" err="1">
+                <a:hlinkClick r:id="rId3"/>
+              </a:rPr>
+              <a:t>notif</a:t>
+            </a:r>
+            <a:endParaRPr lang="en-US" sz="1600" dirty="0"/>
+          </a:p>
+          <a:p>
+            <a:pPr>
+              <a:spcBef>
+                <a:spcPts val="300"/>
+              </a:spcBef>
+            </a:pPr>
+            <a:r>
+              <a:rPr lang="en-US" sz="1600" dirty="0"/>
+              <a:t>Subscription to Distributed Notifications</a:t>
+            </a:r>
+            <a:br>
+              <a:rPr lang="en-US" sz="1600" dirty="0"/>
+            </a:br>
+            <a:r>
+              <a:rPr lang="en-US" sz="1600" dirty="0">
+                <a:hlinkClick r:id="rId4"/>
+              </a:rPr>
+              <a:t>draft-</a:t>
+            </a:r>
+            <a:r>
+              <a:rPr lang="en-US" sz="1600" dirty="0" err="1">
+                <a:hlinkClick r:id="rId4"/>
+              </a:rPr>
+              <a:t>ietf</a:t>
+            </a:r>
+            <a:r>
+              <a:rPr lang="en-US" sz="1600" dirty="0">
+                <a:hlinkClick r:id="rId4"/>
+              </a:rPr>
+              <a:t>-netconf-distributed-</a:t>
+            </a:r>
+            <a:r>
+              <a:rPr lang="en-US" sz="1600" dirty="0" err="1">
+                <a:hlinkClick r:id="rId4"/>
+              </a:rPr>
+              <a:t>notif</a:t>
+            </a:r>
+            <a:endParaRPr lang="en-US" sz="1600" b="1" dirty="0"/>
+          </a:p>
+          <a:p>
+            <a:pPr marL="0" indent="0">
+              <a:buNone/>
+            </a:pPr>
+            <a:r>
+              <a:rPr lang="en-US" sz="1800" b="1" dirty="0"/>
+              <a:t>YANG-Push Specifications Gaps:</a:t>
+            </a:r>
+            <a:endParaRPr lang="en-US" sz="1800" dirty="0"/>
+          </a:p>
+          <a:p>
+            <a:pPr>
+              <a:spcBef>
+                <a:spcPts val="300"/>
+              </a:spcBef>
+            </a:pPr>
+            <a:r>
+              <a:rPr lang="en-US" sz="1600" dirty="0"/>
+              <a:t>Extensible YANG model for YANG-Push Notifications</a:t>
+            </a:r>
+            <a:br>
+              <a:rPr lang="en-US" sz="1600" dirty="0"/>
+            </a:br>
+            <a:r>
+              <a:rPr lang="en-US" sz="1600" dirty="0">
+                <a:ea typeface="Times New Roman" panose="02020603050405020304" pitchFamily="18" charset="0"/>
+                <a:hlinkClick r:id="rId5"/>
+              </a:rPr>
+              <a:t>draft-</a:t>
+            </a:r>
+            <a:r>
+              <a:rPr lang="en-US" sz="1600" dirty="0" err="1">
+                <a:ea typeface="Times New Roman" panose="02020603050405020304" pitchFamily="18" charset="0"/>
+                <a:hlinkClick r:id="rId5"/>
+              </a:rPr>
+              <a:t>netana</a:t>
+            </a:r>
+            <a:r>
+              <a:rPr lang="en-US" sz="1600" dirty="0">
+                <a:ea typeface="Times New Roman" panose="02020603050405020304" pitchFamily="18" charset="0"/>
+                <a:hlinkClick r:id="rId5"/>
+              </a:rPr>
+              <a:t>-netconf-</a:t>
+            </a:r>
+            <a:r>
+              <a:rPr lang="en-US" sz="1600" dirty="0" err="1">
+                <a:ea typeface="Times New Roman" panose="02020603050405020304" pitchFamily="18" charset="0"/>
+                <a:hlinkClick r:id="rId5"/>
+              </a:rPr>
+              <a:t>notif</a:t>
+            </a:r>
+            <a:r>
+              <a:rPr lang="en-US" sz="1600" dirty="0">
+                <a:ea typeface="Times New Roman" panose="02020603050405020304" pitchFamily="18" charset="0"/>
+                <a:hlinkClick r:id="rId5"/>
+              </a:rPr>
+              <a:t>-envelope</a:t>
+            </a:r>
+            <a:endParaRPr lang="en-US" sz="1600" dirty="0">
+              <a:ea typeface="Times New Roman" panose="02020603050405020304" pitchFamily="18" charset="0"/>
+            </a:endParaRPr>
+          </a:p>
+          <a:p>
+            <a:pPr>
+              <a:spcBef>
+                <a:spcPts val="300"/>
+              </a:spcBef>
+            </a:pPr>
+            <a:r>
+              <a:rPr lang="en-US" sz="1600" dirty="0">
+                <a:ea typeface="Times New Roman" panose="02020603050405020304" pitchFamily="18" charset="0"/>
+              </a:rPr>
+              <a:t>YANG Notification Transport Capabilities</a:t>
+            </a:r>
+            <a:br>
+              <a:rPr lang="en-US" sz="1600" dirty="0">
+                <a:ea typeface="Times New Roman" panose="02020603050405020304" pitchFamily="18" charset="0"/>
+              </a:rPr>
+            </a:br>
+            <a:r>
+              <a:rPr lang="en-US" sz="1600" dirty="0">
+                <a:ea typeface="Times New Roman" panose="02020603050405020304" pitchFamily="18" charset="0"/>
+                <a:hlinkClick r:id="rId6"/>
+              </a:rPr>
+              <a:t>draft-</a:t>
+            </a:r>
+            <a:r>
+              <a:rPr lang="en-US" sz="1600" dirty="0" err="1">
+                <a:ea typeface="Times New Roman" panose="02020603050405020304" pitchFamily="18" charset="0"/>
+                <a:hlinkClick r:id="rId6"/>
+              </a:rPr>
+              <a:t>netana</a:t>
+            </a:r>
+            <a:r>
+              <a:rPr lang="en-US" sz="1600" dirty="0">
+                <a:ea typeface="Times New Roman" panose="02020603050405020304" pitchFamily="18" charset="0"/>
+                <a:hlinkClick r:id="rId6"/>
+              </a:rPr>
+              <a:t>-netconf-</a:t>
+            </a:r>
+            <a:r>
+              <a:rPr lang="en-US" sz="1600" dirty="0" err="1">
+                <a:ea typeface="Times New Roman" panose="02020603050405020304" pitchFamily="18" charset="0"/>
+                <a:hlinkClick r:id="rId6"/>
+              </a:rPr>
+              <a:t>yp</a:t>
+            </a:r>
+            <a:r>
+              <a:rPr lang="en-US" sz="1600" dirty="0">
+                <a:ea typeface="Times New Roman" panose="02020603050405020304" pitchFamily="18" charset="0"/>
+                <a:hlinkClick r:id="rId6"/>
+              </a:rPr>
+              <a:t>-transport-capabilities</a:t>
+            </a:r>
+            <a:endParaRPr lang="en-US" sz="1600" dirty="0">
+              <a:ea typeface="Times New Roman" panose="02020603050405020304" pitchFamily="18" charset="0"/>
+            </a:endParaRPr>
+          </a:p>
+          <a:p>
+            <a:pPr>
+              <a:spcBef>
+                <a:spcPts val="300"/>
+              </a:spcBef>
+            </a:pPr>
+            <a:r>
+              <a:rPr lang="en-US" sz="1600" dirty="0"/>
+              <a:t>Validating </a:t>
+            </a:r>
+            <a:r>
+              <a:rPr lang="en-US" sz="1600" dirty="0" err="1"/>
+              <a:t>anydata</a:t>
+            </a:r>
+            <a:r>
+              <a:rPr lang="en-US" sz="1600" dirty="0"/>
+              <a:t> in YANG Library context</a:t>
+            </a:r>
+            <a:br>
+              <a:rPr lang="en-US" sz="1600" dirty="0"/>
+            </a:br>
+            <a:r>
+              <a:rPr lang="en-US" sz="1600" dirty="0">
+                <a:hlinkClick r:id="rId7"/>
+              </a:rPr>
+              <a:t>draft-</a:t>
+            </a:r>
+            <a:r>
+              <a:rPr lang="en-US" sz="1600" dirty="0" err="1">
+                <a:hlinkClick r:id="rId7"/>
+              </a:rPr>
+              <a:t>aelhassany</a:t>
+            </a:r>
+            <a:r>
+              <a:rPr lang="en-US" sz="1600" dirty="0">
+                <a:hlinkClick r:id="rId7"/>
+              </a:rPr>
+              <a:t>-</a:t>
+            </a:r>
+            <a:r>
+              <a:rPr lang="en-US" sz="1600" dirty="0" err="1">
+                <a:hlinkClick r:id="rId7"/>
+              </a:rPr>
+              <a:t>anydata</a:t>
+            </a:r>
+            <a:r>
+              <a:rPr lang="en-US" sz="1600" dirty="0">
+                <a:hlinkClick r:id="rId7"/>
+              </a:rPr>
+              <a:t>-validation</a:t>
+            </a:r>
+            <a:endParaRPr lang="en-US" sz="1600" b="1" dirty="0">
+              <a:solidFill>
+                <a:srgbClr val="FF0000"/>
+              </a:solidFill>
+            </a:endParaRPr>
+          </a:p>
+        </p:txBody>
+      </p:sp>
+      <p:sp>
+        <p:nvSpPr>
+          <p:cNvPr id="6" name="Slide Number Placeholder 1">
+            <a:extLst>
+              <a:ext uri="{FF2B5EF4-FFF2-40B4-BE49-F238E27FC236}">
+                <a16:creationId xmlns:a16="http://schemas.microsoft.com/office/drawing/2014/main" id="{3D5EE238-429C-4784-8E42-1813EF45704D}"/>
+              </a:ext>
+            </a:extLst>
+          </p:cNvPr>
+          <p:cNvSpPr>
+            <a:spLocks noGrp="1"/>
+          </p:cNvSpPr>
+          <p:nvPr>
+            <p:ph type="sldNum" sz="quarter" idx="12"/>
+          </p:nvPr>
+        </p:nvSpPr>
+        <p:spPr>
+          <a:xfrm>
+            <a:off x="11587892" y="6361637"/>
+            <a:ext cx="414251" cy="365125"/>
+          </a:xfrm>
+        </p:spPr>
+        <p:txBody>
+          <a:bodyPr/>
+          <a:lstStyle/>
+          <a:p>
+            <a:fld id="{FC4AC485-25DE-431E-B345-9C0A15BB7F8A}" type="slidenum">
+              <a:rPr lang="de-CH" sz="1400" smtClean="0"/>
+              <a:t>9</a:t>
+            </a:fld>
+            <a:endParaRPr lang="de-CH" sz="1400" dirty="0"/>
+          </a:p>
+        </p:txBody>
+      </p:sp>
+      <p:sp>
+        <p:nvSpPr>
+          <p:cNvPr id="4" name="Content Placeholder 2">
+            <a:extLst>
+              <a:ext uri="{FF2B5EF4-FFF2-40B4-BE49-F238E27FC236}">
+                <a16:creationId xmlns:a16="http://schemas.microsoft.com/office/drawing/2014/main" id="{847B953C-E781-5A94-33AD-E38789C4C7F0}"/>
+              </a:ext>
+            </a:extLst>
+          </p:cNvPr>
+          <p:cNvSpPr txBox="1">
+            <a:spLocks/>
+          </p:cNvSpPr>
+          <p:nvPr/>
+        </p:nvSpPr>
+        <p:spPr>
+          <a:xfrm>
+            <a:off x="5946711" y="1690688"/>
+            <a:ext cx="6245289" cy="3366504"/>
+          </a:xfrm>
+          <a:prstGeom prst="rect">
+            <a:avLst/>
+          </a:prstGeom>
+        </p:spPr>
+        <p:txBody>
+          <a:bodyPr vert="horz" lIns="91440" tIns="45720" rIns="91440" bIns="45720" rtlCol="0">
+            <a:noAutofit/>
+          </a:bodyPr>
+          <a:lstStyle>
+            <a:lvl1pPr marL="228600" indent="-228600" algn="l" defTabSz="914400" rtl="0" eaLnBrk="1" latinLnBrk="0" hangingPunct="1">
+              <a:lnSpc>
+                <a:spcPct val="90000"/>
+              </a:lnSpc>
+              <a:spcBef>
+                <a:spcPts val="1000"/>
+              </a:spcBef>
+              <a:buFont typeface="Arial" panose="020B0604020202020204" pitchFamily="34" charset="0"/>
+              <a:buChar char="•"/>
+              <a:defRPr sz="2800" kern="1200">
+                <a:solidFill>
+                  <a:schemeClr val="tx1"/>
+                </a:solidFill>
+                <a:latin typeface="+mn-lt"/>
+                <a:ea typeface="+mn-ea"/>
+                <a:cs typeface="+mn-cs"/>
+              </a:defRPr>
+            </a:lvl1pPr>
+            <a:lvl2pPr marL="685800" indent="-228600" algn="l" defTabSz="914400" rtl="0" eaLnBrk="1" latinLnBrk="0" hangingPunct="1">
+              <a:lnSpc>
+                <a:spcPct val="90000"/>
+              </a:lnSpc>
+              <a:spcBef>
+                <a:spcPts val="500"/>
+              </a:spcBef>
+              <a:buFont typeface="Arial" panose="020B0604020202020204" pitchFamily="34" charset="0"/>
+              <a:buChar char="•"/>
+              <a:defRPr sz="2400" kern="1200">
+                <a:solidFill>
+                  <a:schemeClr val="tx1"/>
+                </a:solidFill>
+                <a:latin typeface="+mn-lt"/>
+                <a:ea typeface="+mn-ea"/>
+                <a:cs typeface="+mn-cs"/>
+              </a:defRPr>
+            </a:lvl2pPr>
+            <a:lvl3pPr marL="1143000" indent="-228600" algn="l" defTabSz="914400" rtl="0" eaLnBrk="1" latinLnBrk="0" hangingPunct="1">
+              <a:lnSpc>
+                <a:spcPct val="90000"/>
+              </a:lnSpc>
+              <a:spcBef>
+                <a:spcPts val="500"/>
+              </a:spcBef>
+              <a:buFont typeface="Arial" panose="020B0604020202020204" pitchFamily="34" charset="0"/>
+              <a:buChar char="•"/>
+              <a:defRPr sz="2000" kern="1200">
+                <a:solidFill>
+                  <a:schemeClr val="tx1"/>
+                </a:solidFill>
+                <a:latin typeface="+mn-lt"/>
+                <a:ea typeface="+mn-ea"/>
+                <a:cs typeface="+mn-cs"/>
+              </a:defRPr>
+            </a:lvl3pPr>
+            <a:lvl4pPr marL="1600200" indent="-228600" algn="l" defTabSz="914400" rtl="0" eaLnBrk="1" latinLnBrk="0" hangingPunct="1">
+              <a:lnSpc>
+                <a:spcPct val="90000"/>
+              </a:lnSpc>
+              <a:spcBef>
+                <a:spcPts val="500"/>
+              </a:spcBef>
+              <a:buFont typeface="Arial" panose="020B0604020202020204" pitchFamily="34" charset="0"/>
+              <a:buChar char="•"/>
+              <a:defRPr sz="1800" kern="1200">
+                <a:solidFill>
+                  <a:schemeClr val="tx1"/>
+                </a:solidFill>
+                <a:latin typeface="+mn-lt"/>
+                <a:ea typeface="+mn-ea"/>
+                <a:cs typeface="+mn-cs"/>
+              </a:defRPr>
+            </a:lvl4pPr>
+            <a:lvl5pPr marL="2057400" indent="-228600" algn="l" defTabSz="914400" rtl="0" eaLnBrk="1" latinLnBrk="0" hangingPunct="1">
+              <a:lnSpc>
+                <a:spcPct val="90000"/>
+              </a:lnSpc>
+              <a:spcBef>
+                <a:spcPts val="500"/>
+              </a:spcBef>
+              <a:buFont typeface="Arial" panose="020B0604020202020204" pitchFamily="34" charset="0"/>
+              <a:buChar char="•"/>
+              <a:defRPr sz="1800" kern="1200">
+                <a:solidFill>
+                  <a:schemeClr val="tx1"/>
+                </a:solidFill>
+                <a:latin typeface="+mn-lt"/>
+                <a:ea typeface="+mn-ea"/>
+                <a:cs typeface="+mn-cs"/>
+              </a:defRPr>
+            </a:lvl5pPr>
+            <a:lvl6pPr marL="2514600" indent="-228600" algn="l" defTabSz="914400" rtl="0" eaLnBrk="1" latinLnBrk="0" hangingPunct="1">
+              <a:lnSpc>
+                <a:spcPct val="90000"/>
+              </a:lnSpc>
+              <a:spcBef>
+                <a:spcPts val="500"/>
+              </a:spcBef>
+              <a:buFont typeface="Arial" panose="020B0604020202020204" pitchFamily="34" charset="0"/>
+              <a:buChar char="•"/>
+              <a:defRPr sz="1800" kern="1200">
+                <a:solidFill>
+                  <a:schemeClr val="tx1"/>
+                </a:solidFill>
+                <a:latin typeface="+mn-lt"/>
+                <a:ea typeface="+mn-ea"/>
+                <a:cs typeface="+mn-cs"/>
+              </a:defRPr>
+            </a:lvl6pPr>
+            <a:lvl7pPr marL="2971800" indent="-228600" algn="l" defTabSz="914400" rtl="0" eaLnBrk="1" latinLnBrk="0" hangingPunct="1">
+              <a:lnSpc>
+                <a:spcPct val="90000"/>
+              </a:lnSpc>
+              <a:spcBef>
+                <a:spcPts val="500"/>
+              </a:spcBef>
+              <a:buFont typeface="Arial" panose="020B0604020202020204" pitchFamily="34" charset="0"/>
+              <a:buChar char="•"/>
+              <a:defRPr sz="1800" kern="1200">
+                <a:solidFill>
+                  <a:schemeClr val="tx1"/>
+                </a:solidFill>
+                <a:latin typeface="+mn-lt"/>
+                <a:ea typeface="+mn-ea"/>
+                <a:cs typeface="+mn-cs"/>
+              </a:defRPr>
+            </a:lvl7pPr>
+            <a:lvl8pPr marL="3429000" indent="-228600" algn="l" defTabSz="914400" rtl="0" eaLnBrk="1" latinLnBrk="0" hangingPunct="1">
+              <a:lnSpc>
+                <a:spcPct val="90000"/>
+              </a:lnSpc>
+              <a:spcBef>
+                <a:spcPts val="500"/>
+              </a:spcBef>
+              <a:buFont typeface="Arial" panose="020B0604020202020204" pitchFamily="34" charset="0"/>
+              <a:buChar char="•"/>
+              <a:defRPr sz="1800" kern="1200">
+                <a:solidFill>
+                  <a:schemeClr val="tx1"/>
+                </a:solidFill>
+                <a:latin typeface="+mn-lt"/>
+                <a:ea typeface="+mn-ea"/>
+                <a:cs typeface="+mn-cs"/>
+              </a:defRPr>
+            </a:lvl8pPr>
+            <a:lvl9pPr marL="3886200" indent="-228600" algn="l" defTabSz="914400" rtl="0" eaLnBrk="1" latinLnBrk="0" hangingPunct="1">
+              <a:lnSpc>
+                <a:spcPct val="90000"/>
+              </a:lnSpc>
+              <a:spcBef>
+                <a:spcPts val="500"/>
+              </a:spcBef>
+              <a:buFont typeface="Arial" panose="020B0604020202020204" pitchFamily="34" charset="0"/>
+              <a:buChar char="•"/>
+              <a:defRPr sz="1800" kern="1200">
+                <a:solidFill>
+                  <a:schemeClr val="tx1"/>
+                </a:solidFill>
+                <a:latin typeface="+mn-lt"/>
+                <a:ea typeface="+mn-ea"/>
+                <a:cs typeface="+mn-cs"/>
+              </a:defRPr>
+            </a:lvl9pPr>
+          </a:lstStyle>
+          <a:p>
+            <a:pPr marL="0" indent="0">
+              <a:spcBef>
+                <a:spcPts val="1200"/>
+              </a:spcBef>
+              <a:buFont typeface="Arial" panose="020B0604020202020204" pitchFamily="34" charset="0"/>
+              <a:buNone/>
+            </a:pPr>
+            <a:r>
+              <a:rPr lang="en-US" sz="1800" b="1" dirty="0"/>
+              <a:t>YANG-Push Integration Gaps and Arch:</a:t>
+            </a:r>
+          </a:p>
+          <a:p>
+            <a:pPr>
+              <a:spcBef>
+                <a:spcPts val="300"/>
+              </a:spcBef>
+            </a:pPr>
+            <a:r>
+              <a:rPr lang="en-US" sz="1600" dirty="0"/>
+              <a:t>Support of Network Observation Timestamping in YANG Notifications</a:t>
+            </a:r>
+            <a:br>
+              <a:rPr lang="en-US" sz="1600" dirty="0"/>
+            </a:br>
+            <a:r>
+              <a:rPr lang="en-US" sz="1600" dirty="0">
+                <a:hlinkClick r:id="rId8"/>
+              </a:rPr>
+              <a:t>draft-</a:t>
+            </a:r>
+            <a:r>
+              <a:rPr lang="en-US" sz="1600" dirty="0" err="1">
+                <a:hlinkClick r:id="rId8"/>
+              </a:rPr>
+              <a:t>tgraf</a:t>
+            </a:r>
+            <a:r>
+              <a:rPr lang="en-US" sz="1600" dirty="0">
+                <a:hlinkClick r:id="rId8"/>
+              </a:rPr>
+              <a:t>-netconf-yang-push-observation-time</a:t>
+            </a:r>
+            <a:endParaRPr lang="en-US" sz="1600" dirty="0"/>
+          </a:p>
+          <a:p>
+            <a:pPr>
+              <a:spcBef>
+                <a:spcPts val="300"/>
+              </a:spcBef>
+            </a:pPr>
+            <a:r>
+              <a:rPr lang="en-US" sz="1600" dirty="0"/>
+              <a:t>Support of Versioning in YANG Notifications Subscription</a:t>
+            </a:r>
+            <a:br>
+              <a:rPr lang="en-US" sz="1600" dirty="0"/>
+            </a:br>
+            <a:r>
+              <a:rPr lang="en-US" sz="1600" dirty="0">
+                <a:hlinkClick r:id="rId9"/>
+              </a:rPr>
+              <a:t>draft-</a:t>
+            </a:r>
+            <a:r>
+              <a:rPr lang="en-US" sz="1600" dirty="0" err="1">
+                <a:hlinkClick r:id="rId9"/>
+              </a:rPr>
+              <a:t>ietf</a:t>
+            </a:r>
+            <a:r>
+              <a:rPr lang="en-US" sz="1600" dirty="0">
+                <a:hlinkClick r:id="rId9"/>
+              </a:rPr>
+              <a:t>-netconf-yang-notifications-versioning</a:t>
+            </a:r>
+            <a:endParaRPr lang="en-US" sz="1600" dirty="0"/>
+          </a:p>
+          <a:p>
+            <a:pPr>
+              <a:spcBef>
+                <a:spcPts val="300"/>
+              </a:spcBef>
+            </a:pPr>
+            <a:r>
+              <a:rPr lang="en-US" sz="1600" dirty="0"/>
+              <a:t>Augmented-by Addition into the IETF-YANG-Library</a:t>
+            </a:r>
+            <a:br>
+              <a:rPr lang="en-US" sz="1600" dirty="0"/>
+            </a:br>
+            <a:r>
+              <a:rPr lang="en-US" sz="1600" dirty="0">
+                <a:hlinkClick r:id="rId10"/>
+              </a:rPr>
+              <a:t>draft-</a:t>
+            </a:r>
+            <a:r>
+              <a:rPr lang="en-US" sz="1600" dirty="0" err="1">
+                <a:hlinkClick r:id="rId10"/>
+              </a:rPr>
+              <a:t>ietf</a:t>
+            </a:r>
+            <a:r>
+              <a:rPr lang="en-US" sz="1600" dirty="0">
+                <a:hlinkClick r:id="rId10"/>
+              </a:rPr>
+              <a:t>-netconf-yang-library-augmentation</a:t>
+            </a:r>
+            <a:endParaRPr lang="en-US" sz="1600" dirty="0"/>
+          </a:p>
+          <a:p>
+            <a:pPr marL="0" indent="0">
+              <a:spcBef>
+                <a:spcPts val="1200"/>
+              </a:spcBef>
+              <a:buFont typeface="Arial" panose="020B0604020202020204" pitchFamily="34" charset="0"/>
+              <a:buNone/>
+            </a:pPr>
+            <a:r>
+              <a:rPr lang="en-US" sz="1800" b="1" dirty="0"/>
+              <a:t>YANG-Push Simplification:</a:t>
+            </a:r>
+          </a:p>
+          <a:p>
+            <a:pPr>
+              <a:spcBef>
+                <a:spcPts val="300"/>
+              </a:spcBef>
+            </a:pPr>
+            <a:r>
+              <a:rPr lang="en-US" sz="1600" dirty="0"/>
+              <a:t>YANG-Push Operational Data Observability Enhancements</a:t>
+            </a:r>
+            <a:br>
+              <a:rPr lang="en-US" sz="1600" dirty="0"/>
+            </a:br>
+            <a:r>
+              <a:rPr lang="en-US" sz="1600" dirty="0">
+                <a:hlinkClick r:id="rId11"/>
+              </a:rPr>
+              <a:t>draft-</a:t>
+            </a:r>
+            <a:r>
+              <a:rPr lang="en-US" sz="1600" dirty="0" err="1">
+                <a:hlinkClick r:id="rId11"/>
+              </a:rPr>
+              <a:t>wilton</a:t>
+            </a:r>
+            <a:r>
+              <a:rPr lang="en-US" sz="1600" dirty="0">
+                <a:hlinkClick r:id="rId11"/>
+              </a:rPr>
+              <a:t>-netconf-</a:t>
+            </a:r>
+            <a:r>
+              <a:rPr lang="en-US" sz="1600" dirty="0" err="1">
+                <a:hlinkClick r:id="rId11"/>
+              </a:rPr>
+              <a:t>yp</a:t>
+            </a:r>
+            <a:r>
+              <a:rPr lang="en-US" sz="1600" dirty="0">
+                <a:hlinkClick r:id="rId11"/>
+              </a:rPr>
+              <a:t>-observability</a:t>
+            </a:r>
+            <a:endParaRPr lang="en-US" sz="1600" dirty="0"/>
+          </a:p>
+          <a:p>
+            <a:pPr marL="0" indent="0">
+              <a:spcBef>
+                <a:spcPts val="1200"/>
+              </a:spcBef>
+              <a:buNone/>
+            </a:pPr>
+            <a:r>
+              <a:rPr lang="en-US" sz="1800" b="1" dirty="0"/>
+              <a:t>YANG-Push Message Broker:</a:t>
+            </a:r>
+          </a:p>
+          <a:p>
+            <a:pPr>
+              <a:spcBef>
+                <a:spcPts val="300"/>
+              </a:spcBef>
+            </a:pPr>
+            <a:r>
+              <a:rPr lang="en-US" sz="1600" dirty="0"/>
+              <a:t>An Architecture for YANG-Push to Message Broker Integration</a:t>
+            </a:r>
+            <a:br>
+              <a:rPr lang="en-US" sz="1600" dirty="0"/>
+            </a:br>
+            <a:r>
+              <a:rPr lang="en-US" sz="1600" dirty="0">
+                <a:hlinkClick r:id="rId12"/>
+              </a:rPr>
+              <a:t>draft-</a:t>
+            </a:r>
+            <a:r>
+              <a:rPr lang="en-US" sz="1600" dirty="0" err="1">
+                <a:hlinkClick r:id="rId12"/>
+              </a:rPr>
+              <a:t>netana</a:t>
+            </a:r>
+            <a:r>
+              <a:rPr lang="en-US" sz="1600" dirty="0">
+                <a:hlinkClick r:id="rId12"/>
+              </a:rPr>
+              <a:t>-</a:t>
+            </a:r>
+            <a:r>
+              <a:rPr lang="en-US" sz="1600" dirty="0" err="1">
+                <a:hlinkClick r:id="rId12"/>
+              </a:rPr>
+              <a:t>nmop</a:t>
+            </a:r>
+            <a:r>
+              <a:rPr lang="en-US" sz="1600" dirty="0">
+                <a:hlinkClick r:id="rId12"/>
+              </a:rPr>
+              <a:t>-yang-message-broker-integration</a:t>
+            </a:r>
+            <a:endParaRPr lang="en-US" sz="1600" dirty="0"/>
+          </a:p>
+        </p:txBody>
+      </p:sp>
+      <p:pic>
+        <p:nvPicPr>
+          <p:cNvPr id="7" name="Picture 6">
+            <a:extLst>
+              <a:ext uri="{FF2B5EF4-FFF2-40B4-BE49-F238E27FC236}">
+                <a16:creationId xmlns:a16="http://schemas.microsoft.com/office/drawing/2014/main" id="{0A11DEF8-69C9-1E60-4EF8-A3E0E2EEFE5E}"/>
+              </a:ext>
+            </a:extLst>
+          </p:cNvPr>
+          <p:cNvPicPr>
+            <a:picLocks noChangeAspect="1"/>
+          </p:cNvPicPr>
+          <p:nvPr/>
+        </p:nvPicPr>
+        <p:blipFill>
+          <a:blip r:embed="rId13"/>
+          <a:stretch>
+            <a:fillRect/>
+          </a:stretch>
+        </p:blipFill>
+        <p:spPr>
+          <a:xfrm>
+            <a:off x="838198" y="5277116"/>
+            <a:ext cx="6103778" cy="1449646"/>
+          </a:xfrm>
+          <a:prstGeom prst="rect">
+            <a:avLst/>
+          </a:prstGeom>
+        </p:spPr>
+      </p:pic>
+      <p:sp>
+        <p:nvSpPr>
+          <p:cNvPr id="9" name="TextBox 8">
+            <a:extLst>
+              <a:ext uri="{FF2B5EF4-FFF2-40B4-BE49-F238E27FC236}">
+                <a16:creationId xmlns:a16="http://schemas.microsoft.com/office/drawing/2014/main" id="{76DFCB4A-5A26-3D89-003B-C1376E910ECB}"/>
+              </a:ext>
+            </a:extLst>
+          </p:cNvPr>
+          <p:cNvSpPr txBox="1"/>
+          <p:nvPr/>
+        </p:nvSpPr>
+        <p:spPr>
+          <a:xfrm>
+            <a:off x="1751823" y="4982646"/>
+            <a:ext cx="674137" cy="369332"/>
+          </a:xfrm>
+          <a:prstGeom prst="rect">
+            <a:avLst/>
+          </a:prstGeom>
+          <a:noFill/>
+        </p:spPr>
+        <p:txBody>
+          <a:bodyPr wrap="square">
+            <a:spAutoFit/>
+          </a:bodyPr>
+          <a:lstStyle/>
+          <a:p>
+            <a:r>
+              <a:rPr lang="en-US" sz="1800" b="1" dirty="0"/>
+              <a:t>2025</a:t>
+            </a:r>
+            <a:endParaRPr lang="de-CH" dirty="0"/>
+          </a:p>
+        </p:txBody>
+      </p:sp>
+      <p:sp>
+        <p:nvSpPr>
+          <p:cNvPr id="10" name="TextBox 9">
+            <a:extLst>
+              <a:ext uri="{FF2B5EF4-FFF2-40B4-BE49-F238E27FC236}">
+                <a16:creationId xmlns:a16="http://schemas.microsoft.com/office/drawing/2014/main" id="{AE56A713-7107-EBE1-2757-84C6A1F346F1}"/>
+              </a:ext>
+            </a:extLst>
+          </p:cNvPr>
+          <p:cNvSpPr txBox="1"/>
+          <p:nvPr/>
+        </p:nvSpPr>
+        <p:spPr>
+          <a:xfrm>
+            <a:off x="2746700" y="4982488"/>
+            <a:ext cx="674137" cy="369332"/>
+          </a:xfrm>
+          <a:prstGeom prst="rect">
+            <a:avLst/>
+          </a:prstGeom>
+          <a:noFill/>
+        </p:spPr>
+        <p:txBody>
+          <a:bodyPr wrap="square">
+            <a:spAutoFit/>
+          </a:bodyPr>
+          <a:lstStyle/>
+          <a:p>
+            <a:r>
+              <a:rPr lang="en-US" sz="1800" b="1" dirty="0"/>
+              <a:t>2026</a:t>
+            </a:r>
+            <a:endParaRPr lang="de-CH" dirty="0"/>
+          </a:p>
+        </p:txBody>
+      </p:sp>
+      <p:sp>
+        <p:nvSpPr>
+          <p:cNvPr id="11" name="TextBox 10">
+            <a:extLst>
+              <a:ext uri="{FF2B5EF4-FFF2-40B4-BE49-F238E27FC236}">
+                <a16:creationId xmlns:a16="http://schemas.microsoft.com/office/drawing/2014/main" id="{97CADFF5-A2FD-EA83-3DC3-27D9F2FE3688}"/>
+              </a:ext>
+            </a:extLst>
+          </p:cNvPr>
+          <p:cNvSpPr txBox="1"/>
+          <p:nvPr/>
+        </p:nvSpPr>
+        <p:spPr>
+          <a:xfrm>
+            <a:off x="4074780" y="4982488"/>
+            <a:ext cx="674137" cy="369332"/>
+          </a:xfrm>
+          <a:prstGeom prst="rect">
+            <a:avLst/>
+          </a:prstGeom>
+          <a:noFill/>
+        </p:spPr>
+        <p:txBody>
+          <a:bodyPr wrap="square">
+            <a:spAutoFit/>
+          </a:bodyPr>
+          <a:lstStyle/>
+          <a:p>
+            <a:r>
+              <a:rPr lang="en-US" sz="1800" b="1" dirty="0"/>
+              <a:t>2027</a:t>
+            </a:r>
+            <a:endParaRPr lang="de-CH" dirty="0"/>
+          </a:p>
+        </p:txBody>
+      </p:sp>
+      <p:sp>
+        <p:nvSpPr>
+          <p:cNvPr id="12" name="TextBox 11">
+            <a:extLst>
+              <a:ext uri="{FF2B5EF4-FFF2-40B4-BE49-F238E27FC236}">
+                <a16:creationId xmlns:a16="http://schemas.microsoft.com/office/drawing/2014/main" id="{80E2C7F2-70F7-2366-8405-DD8B496C3EF7}"/>
+              </a:ext>
+            </a:extLst>
+          </p:cNvPr>
+          <p:cNvSpPr txBox="1"/>
+          <p:nvPr/>
+        </p:nvSpPr>
+        <p:spPr>
+          <a:xfrm>
+            <a:off x="5468151" y="4983827"/>
+            <a:ext cx="674137" cy="369332"/>
+          </a:xfrm>
+          <a:prstGeom prst="rect">
+            <a:avLst/>
+          </a:prstGeom>
+          <a:noFill/>
+        </p:spPr>
+        <p:txBody>
+          <a:bodyPr wrap="square">
+            <a:spAutoFit/>
+          </a:bodyPr>
+          <a:lstStyle/>
+          <a:p>
+            <a:r>
+              <a:rPr lang="en-US" sz="1800" b="1" dirty="0"/>
+              <a:t>2028</a:t>
+            </a:r>
+            <a:endParaRPr lang="de-CH" dirty="0"/>
+          </a:p>
+        </p:txBody>
+      </p:sp>
+    </p:spTree>
+    <p:extLst>
+      <p:ext uri="{BB962C8B-B14F-4D97-AF65-F5344CB8AC3E}">
+        <p14:creationId xmlns:p14="http://schemas.microsoft.com/office/powerpoint/2010/main" val="3325836654"/>
       </p:ext>
     </p:extLst>
   </p:cSld>
